--- a/Slides_7.pptx
+++ b/Slides_7.pptx
@@ -6,6 +6,7 @@
   </p:sldMasterIdLst>
   <p:sldIdLst>
     <p:sldId id="257" r:id="rId2"/>
+    <p:sldId id="258" r:id="rId3"/>
   </p:sldIdLst>
   <p:sldSz cx="12192000" cy="6858000"/>
   <p:notesSz cx="6858000" cy="9144000"/>
@@ -3408,6 +3409,569 @@
 </p:sld>
 </file>
 
+<file path=ppt/slides/slide2.xml><?xml version="1.0" encoding="utf-8"?>
+<p:sld xmlns:a="http://schemas.openxmlformats.org/drawingml/2006/main" xmlns:r="http://schemas.openxmlformats.org/officeDocument/2006/relationships" xmlns:p="http://schemas.openxmlformats.org/presentationml/2006/main">
+  <p:cSld>
+    <p:spTree>
+      <p:nvGrpSpPr>
+        <p:cNvPr id="1" name=""/>
+        <p:cNvGrpSpPr/>
+        <p:nvPr/>
+      </p:nvGrpSpPr>
+      <p:grpSpPr>
+        <a:xfrm>
+          <a:off x="0" y="0"/>
+          <a:ext cx="0" cy="0"/>
+          <a:chOff x="0" y="0"/>
+          <a:chExt cx="0" cy="0"/>
+        </a:xfrm>
+      </p:grpSpPr>
+      <p:sp>
+        <p:nvSpPr>
+          <p:cNvPr id="2" name="Title 1">
+            <a:extLst>
+              <a:ext uri="{FF2B5EF4-FFF2-40B4-BE49-F238E27FC236}">
+                <a16:creationId xmlns:a16="http://schemas.microsoft.com/office/drawing/2014/main" id="{06AB125A-52A0-5108-3E91-8F9ED8565A54}"/>
+              </a:ext>
+            </a:extLst>
+          </p:cNvPr>
+          <p:cNvSpPr>
+            <a:spLocks noGrp="1"/>
+          </p:cNvSpPr>
+          <p:nvPr>
+            <p:ph type="title"/>
+          </p:nvPr>
+        </p:nvSpPr>
+        <p:spPr/>
+        <p:txBody>
+          <a:bodyPr/>
+          <a:lstStyle/>
+          <a:p>
+            <a:r>
+              <a:rPr lang="en-US" b="1" dirty="0"/>
+              <a:t>Transposed Convolutional Layer</a:t>
+            </a:r>
+          </a:p>
+        </p:txBody>
+      </p:sp>
+      <p:sp>
+        <p:nvSpPr>
+          <p:cNvPr id="21" name="Text Placeholder 20">
+            <a:extLst>
+              <a:ext uri="{FF2B5EF4-FFF2-40B4-BE49-F238E27FC236}">
+                <a16:creationId xmlns:a16="http://schemas.microsoft.com/office/drawing/2014/main" id="{B7435896-6F53-AEC4-8F73-1579E379F17F}"/>
+              </a:ext>
+            </a:extLst>
+          </p:cNvPr>
+          <p:cNvSpPr>
+            <a:spLocks noGrp="1"/>
+          </p:cNvSpPr>
+          <p:nvPr>
+            <p:ph type="body" idx="1"/>
+          </p:nvPr>
+        </p:nvSpPr>
+        <p:spPr/>
+        <p:txBody>
+          <a:bodyPr/>
+          <a:lstStyle/>
+          <a:p>
+            <a:r>
+              <a:rPr lang="en-US" dirty="0"/>
+              <a:t>Convolution</a:t>
+            </a:r>
+          </a:p>
+        </p:txBody>
+      </p:sp>
+      <p:sp>
+        <p:nvSpPr>
+          <p:cNvPr id="22" name="Text Placeholder 21">
+            <a:extLst>
+              <a:ext uri="{FF2B5EF4-FFF2-40B4-BE49-F238E27FC236}">
+                <a16:creationId xmlns:a16="http://schemas.microsoft.com/office/drawing/2014/main" id="{13313101-E47B-E99B-E6FD-2C78ECE0DAD8}"/>
+              </a:ext>
+            </a:extLst>
+          </p:cNvPr>
+          <p:cNvSpPr>
+            <a:spLocks noGrp="1"/>
+          </p:cNvSpPr>
+          <p:nvPr>
+            <p:ph type="body" sz="quarter" idx="3"/>
+          </p:nvPr>
+        </p:nvSpPr>
+        <p:spPr/>
+        <p:txBody>
+          <a:bodyPr/>
+          <a:lstStyle/>
+          <a:p>
+            <a:r>
+              <a:rPr lang="en-US" dirty="0"/>
+              <a:t>Transposed Convolution</a:t>
+            </a:r>
+          </a:p>
+        </p:txBody>
+      </p:sp>
+      <p:pic>
+        <p:nvPicPr>
+          <p:cNvPr id="20" name="Content Placeholder 19" descr="Shape&#10;&#10;Description automatically generated">
+            <a:extLst>
+              <a:ext uri="{FF2B5EF4-FFF2-40B4-BE49-F238E27FC236}">
+                <a16:creationId xmlns:a16="http://schemas.microsoft.com/office/drawing/2014/main" id="{6DE31475-FB29-6054-B43C-CA8F4C1775F9}"/>
+              </a:ext>
+            </a:extLst>
+          </p:cNvPr>
+          <p:cNvPicPr>
+            <a:picLocks noGrp="1" noChangeAspect="1"/>
+          </p:cNvPicPr>
+          <p:nvPr>
+            <p:ph sz="quarter" idx="4"/>
+          </p:nvPr>
+        </p:nvPicPr>
+        <p:blipFill>
+          <a:blip r:embed="rId2">
+            <a:extLst>
+              <a:ext uri="{28A0092B-C50C-407E-A947-70E740481C1C}">
+                <a14:useLocalDpi xmlns:a14="http://schemas.microsoft.com/office/drawing/2010/main" val="0"/>
+              </a:ext>
+            </a:extLst>
+          </a:blip>
+          <a:stretch>
+            <a:fillRect/>
+          </a:stretch>
+        </p:blipFill>
+        <p:spPr>
+          <a:xfrm>
+            <a:off x="7125494" y="2505075"/>
+            <a:ext cx="3276600" cy="3676650"/>
+          </a:xfrm>
+        </p:spPr>
+      </p:pic>
+      <p:sp>
+        <p:nvSpPr>
+          <p:cNvPr id="15" name="TextBox 14">
+            <a:extLst>
+              <a:ext uri="{FF2B5EF4-FFF2-40B4-BE49-F238E27FC236}">
+                <a16:creationId xmlns:a16="http://schemas.microsoft.com/office/drawing/2014/main" id="{8F17EA95-6192-2FE2-DC6C-D58926E6F398}"/>
+              </a:ext>
+            </a:extLst>
+          </p:cNvPr>
+          <p:cNvSpPr txBox="1"/>
+          <p:nvPr/>
+        </p:nvSpPr>
+        <p:spPr>
+          <a:xfrm>
+            <a:off x="838200" y="6492875"/>
+            <a:ext cx="10499862" cy="369332"/>
+          </a:xfrm>
+          <a:prstGeom prst="rect">
+            <a:avLst/>
+          </a:prstGeom>
+          <a:noFill/>
+        </p:spPr>
+        <p:txBody>
+          <a:bodyPr wrap="none" rtlCol="0">
+            <a:spAutoFit/>
+          </a:bodyPr>
+          <a:lstStyle/>
+          <a:p>
+            <a:r>
+              <a:rPr lang="en-US" dirty="0"/>
+              <a:t>Animations credits for this section: </a:t>
+            </a:r>
+            <a:r>
+              <a:rPr lang="en-US" dirty="0">
+                <a:hlinkClick r:id="rId3"/>
+              </a:rPr>
+              <a:t>https://github.com/vdumoulin/conv_arithmetic/blob/master/README.md</a:t>
+            </a:r>
+            <a:r>
+              <a:rPr lang="en-US" dirty="0"/>
+              <a:t> </a:t>
+            </a:r>
+          </a:p>
+        </p:txBody>
+      </p:sp>
+      <p:pic>
+        <p:nvPicPr>
+          <p:cNvPr id="30" name="Content Placeholder 29" descr="A picture containing businesscard&#10;&#10;Description automatically generated">
+            <a:extLst>
+              <a:ext uri="{FF2B5EF4-FFF2-40B4-BE49-F238E27FC236}">
+                <a16:creationId xmlns:a16="http://schemas.microsoft.com/office/drawing/2014/main" id="{D6EA4894-5068-E427-A07B-EB6234C5E03D}"/>
+              </a:ext>
+            </a:extLst>
+          </p:cNvPr>
+          <p:cNvPicPr>
+            <a:picLocks noGrp="1" noChangeAspect="1"/>
+          </p:cNvPicPr>
+          <p:nvPr>
+            <p:ph sz="half" idx="2"/>
+          </p:nvPr>
+        </p:nvPicPr>
+        <p:blipFill>
+          <a:blip r:embed="rId4">
+            <a:extLst>
+              <a:ext uri="{28A0092B-C50C-407E-A947-70E740481C1C}">
+                <a14:useLocalDpi xmlns:a14="http://schemas.microsoft.com/office/drawing/2010/main" val="0"/>
+              </a:ext>
+            </a:extLst>
+          </a:blip>
+          <a:stretch>
+            <a:fillRect/>
+          </a:stretch>
+        </p:blipFill>
+        <p:spPr>
+          <a:xfrm>
+            <a:off x="2256631" y="3113881"/>
+            <a:ext cx="2324100" cy="2466975"/>
+          </a:xfrm>
+        </p:spPr>
+      </p:pic>
+      <p:sp>
+        <p:nvSpPr>
+          <p:cNvPr id="31" name="Title 1">
+            <a:extLst>
+              <a:ext uri="{FF2B5EF4-FFF2-40B4-BE49-F238E27FC236}">
+                <a16:creationId xmlns:a16="http://schemas.microsoft.com/office/drawing/2014/main" id="{BA0D5DBD-1361-F3FA-12E0-C29A6C6404F9}"/>
+              </a:ext>
+            </a:extLst>
+          </p:cNvPr>
+          <p:cNvSpPr txBox="1">
+            <a:spLocks/>
+          </p:cNvSpPr>
+          <p:nvPr/>
+        </p:nvSpPr>
+        <p:spPr>
+          <a:xfrm>
+            <a:off x="7816850" y="365125"/>
+            <a:ext cx="1893887" cy="1325563"/>
+          </a:xfrm>
+          <a:prstGeom prst="rect">
+            <a:avLst/>
+          </a:prstGeom>
+        </p:spPr>
+        <p:txBody>
+          <a:bodyPr vert="horz" lIns="91440" tIns="45720" rIns="91440" bIns="45720" rtlCol="0" anchor="ctr">
+            <a:normAutofit/>
+          </a:bodyPr>
+          <a:lstStyle>
+            <a:lvl1pPr algn="l" defTabSz="914400" rtl="0" eaLnBrk="1" latinLnBrk="0" hangingPunct="1">
+              <a:lnSpc>
+                <a:spcPct val="90000"/>
+              </a:lnSpc>
+              <a:spcBef>
+                <a:spcPct val="0"/>
+              </a:spcBef>
+              <a:buNone/>
+              <a:defRPr sz="4400" kern="1200">
+                <a:solidFill>
+                  <a:schemeClr val="tx1"/>
+                </a:solidFill>
+                <a:latin typeface="+mj-lt"/>
+                <a:ea typeface="+mj-ea"/>
+                <a:cs typeface="+mj-cs"/>
+              </a:defRPr>
+            </a:lvl1pPr>
+          </a:lstStyle>
+          <a:p>
+            <a:r>
+              <a:rPr lang="en-US" b="1" dirty="0"/>
+              <a:t>: Plain</a:t>
+            </a:r>
+          </a:p>
+        </p:txBody>
+      </p:sp>
+    </p:spTree>
+    <p:extLst>
+      <p:ext uri="{BB962C8B-B14F-4D97-AF65-F5344CB8AC3E}">
+        <p14:creationId xmlns:p14="http://schemas.microsoft.com/office/powerpoint/2010/main" val="1289166978"/>
+      </p:ext>
+    </p:extLst>
+  </p:cSld>
+  <p:clrMapOvr>
+    <a:masterClrMapping/>
+  </p:clrMapOvr>
+  <p:timing>
+    <p:tnLst>
+      <p:par>
+        <p:cTn id="1" dur="indefinite" restart="never" nodeType="tmRoot">
+          <p:childTnLst>
+            <p:seq concurrent="1" nextAc="seek">
+              <p:cTn id="2" dur="indefinite" nodeType="mainSeq">
+                <p:childTnLst>
+                  <p:par>
+                    <p:cTn id="3" fill="hold">
+                      <p:stCondLst>
+                        <p:cond delay="indefinite"/>
+                      </p:stCondLst>
+                      <p:childTnLst>
+                        <p:par>
+                          <p:cTn id="4" fill="hold">
+                            <p:stCondLst>
+                              <p:cond delay="0"/>
+                            </p:stCondLst>
+                            <p:childTnLst>
+                              <p:par>
+                                <p:cTn id="5" presetID="10" presetClass="entr" presetSubtype="0" fill="hold" grpId="0" nodeType="clickEffect">
+                                  <p:stCondLst>
+                                    <p:cond delay="0"/>
+                                  </p:stCondLst>
+                                  <p:childTnLst>
+                                    <p:set>
+                                      <p:cBhvr>
+                                        <p:cTn id="6" dur="1" fill="hold">
+                                          <p:stCondLst>
+                                            <p:cond delay="0"/>
+                                          </p:stCondLst>
+                                        </p:cTn>
+                                        <p:tgtEl>
+                                          <p:spTgt spid="31"/>
+                                        </p:tgtEl>
+                                        <p:attrNameLst>
+                                          <p:attrName>style.visibility</p:attrName>
+                                        </p:attrNameLst>
+                                      </p:cBhvr>
+                                      <p:to>
+                                        <p:strVal val="visible"/>
+                                      </p:to>
+                                    </p:set>
+                                    <p:animEffect transition="in" filter="fade">
+                                      <p:cBhvr>
+                                        <p:cTn id="7" dur="500"/>
+                                        <p:tgtEl>
+                                          <p:spTgt spid="31"/>
+                                        </p:tgtEl>
+                                      </p:cBhvr>
+                                    </p:animEffect>
+                                  </p:childTnLst>
+                                </p:cTn>
+                              </p:par>
+                            </p:childTnLst>
+                          </p:cTn>
+                        </p:par>
+                      </p:childTnLst>
+                    </p:cTn>
+                  </p:par>
+                  <p:par>
+                    <p:cTn id="8" fill="hold">
+                      <p:stCondLst>
+                        <p:cond delay="indefinite"/>
+                      </p:stCondLst>
+                      <p:childTnLst>
+                        <p:par>
+                          <p:cTn id="9" fill="hold">
+                            <p:stCondLst>
+                              <p:cond delay="0"/>
+                            </p:stCondLst>
+                            <p:childTnLst>
+                              <p:par>
+                                <p:cTn id="10" presetID="10" presetClass="entr" presetSubtype="0" fill="hold" grpId="0" nodeType="clickEffect">
+                                  <p:stCondLst>
+                                    <p:cond delay="0"/>
+                                  </p:stCondLst>
+                                  <p:childTnLst>
+                                    <p:set>
+                                      <p:cBhvr>
+                                        <p:cTn id="11" dur="1" fill="hold">
+                                          <p:stCondLst>
+                                            <p:cond delay="0"/>
+                                          </p:stCondLst>
+                                        </p:cTn>
+                                        <p:tgtEl>
+                                          <p:spTgt spid="21">
+                                            <p:txEl>
+                                              <p:pRg st="0" end="0"/>
+                                            </p:txEl>
+                                          </p:spTgt>
+                                        </p:tgtEl>
+                                        <p:attrNameLst>
+                                          <p:attrName>style.visibility</p:attrName>
+                                        </p:attrNameLst>
+                                      </p:cBhvr>
+                                      <p:to>
+                                        <p:strVal val="visible"/>
+                                      </p:to>
+                                    </p:set>
+                                    <p:animEffect transition="in" filter="fade">
+                                      <p:cBhvr>
+                                        <p:cTn id="12" dur="500"/>
+                                        <p:tgtEl>
+                                          <p:spTgt spid="21">
+                                            <p:txEl>
+                                              <p:pRg st="0" end="0"/>
+                                            </p:txEl>
+                                          </p:spTgt>
+                                        </p:tgtEl>
+                                      </p:cBhvr>
+                                    </p:animEffect>
+                                  </p:childTnLst>
+                                </p:cTn>
+                              </p:par>
+                              <p:par>
+                                <p:cTn id="13" presetID="10" presetClass="entr" presetSubtype="0" fill="hold" nodeType="withEffect">
+                                  <p:stCondLst>
+                                    <p:cond delay="0"/>
+                                  </p:stCondLst>
+                                  <p:childTnLst>
+                                    <p:set>
+                                      <p:cBhvr>
+                                        <p:cTn id="14" dur="1" fill="hold">
+                                          <p:stCondLst>
+                                            <p:cond delay="0"/>
+                                          </p:stCondLst>
+                                        </p:cTn>
+                                        <p:tgtEl>
+                                          <p:spTgt spid="30"/>
+                                        </p:tgtEl>
+                                        <p:attrNameLst>
+                                          <p:attrName>style.visibility</p:attrName>
+                                        </p:attrNameLst>
+                                      </p:cBhvr>
+                                      <p:to>
+                                        <p:strVal val="visible"/>
+                                      </p:to>
+                                    </p:set>
+                                    <p:animEffect transition="in" filter="fade">
+                                      <p:cBhvr>
+                                        <p:cTn id="15" dur="500"/>
+                                        <p:tgtEl>
+                                          <p:spTgt spid="30"/>
+                                        </p:tgtEl>
+                                      </p:cBhvr>
+                                    </p:animEffect>
+                                  </p:childTnLst>
+                                </p:cTn>
+                              </p:par>
+                            </p:childTnLst>
+                          </p:cTn>
+                        </p:par>
+                      </p:childTnLst>
+                    </p:cTn>
+                  </p:par>
+                  <p:par>
+                    <p:cTn id="16" fill="hold">
+                      <p:stCondLst>
+                        <p:cond delay="indefinite"/>
+                      </p:stCondLst>
+                      <p:childTnLst>
+                        <p:par>
+                          <p:cTn id="17" fill="hold">
+                            <p:stCondLst>
+                              <p:cond delay="0"/>
+                            </p:stCondLst>
+                            <p:childTnLst>
+                              <p:par>
+                                <p:cTn id="18" presetID="10" presetClass="entr" presetSubtype="0" fill="hold" grpId="0" nodeType="clickEffect">
+                                  <p:stCondLst>
+                                    <p:cond delay="0"/>
+                                  </p:stCondLst>
+                                  <p:childTnLst>
+                                    <p:set>
+                                      <p:cBhvr>
+                                        <p:cTn id="19" dur="1" fill="hold">
+                                          <p:stCondLst>
+                                            <p:cond delay="0"/>
+                                          </p:stCondLst>
+                                        </p:cTn>
+                                        <p:tgtEl>
+                                          <p:spTgt spid="22">
+                                            <p:txEl>
+                                              <p:pRg st="0" end="0"/>
+                                            </p:txEl>
+                                          </p:spTgt>
+                                        </p:tgtEl>
+                                        <p:attrNameLst>
+                                          <p:attrName>style.visibility</p:attrName>
+                                        </p:attrNameLst>
+                                      </p:cBhvr>
+                                      <p:to>
+                                        <p:strVal val="visible"/>
+                                      </p:to>
+                                    </p:set>
+                                    <p:animEffect transition="in" filter="fade">
+                                      <p:cBhvr>
+                                        <p:cTn id="20" dur="500"/>
+                                        <p:tgtEl>
+                                          <p:spTgt spid="22">
+                                            <p:txEl>
+                                              <p:pRg st="0" end="0"/>
+                                            </p:txEl>
+                                          </p:spTgt>
+                                        </p:tgtEl>
+                                      </p:cBhvr>
+                                    </p:animEffect>
+                                  </p:childTnLst>
+                                </p:cTn>
+                              </p:par>
+                              <p:par>
+                                <p:cTn id="21" presetID="10" presetClass="entr" presetSubtype="0" fill="hold" nodeType="withEffect">
+                                  <p:stCondLst>
+                                    <p:cond delay="0"/>
+                                  </p:stCondLst>
+                                  <p:childTnLst>
+                                    <p:set>
+                                      <p:cBhvr>
+                                        <p:cTn id="22" dur="1" fill="hold">
+                                          <p:stCondLst>
+                                            <p:cond delay="0"/>
+                                          </p:stCondLst>
+                                        </p:cTn>
+                                        <p:tgtEl>
+                                          <p:spTgt spid="20"/>
+                                        </p:tgtEl>
+                                        <p:attrNameLst>
+                                          <p:attrName>style.visibility</p:attrName>
+                                        </p:attrNameLst>
+                                      </p:cBhvr>
+                                      <p:to>
+                                        <p:strVal val="visible"/>
+                                      </p:to>
+                                    </p:set>
+                                    <p:animEffect transition="in" filter="fade">
+                                      <p:cBhvr>
+                                        <p:cTn id="23" dur="500"/>
+                                        <p:tgtEl>
+                                          <p:spTgt spid="20"/>
+                                        </p:tgtEl>
+                                      </p:cBhvr>
+                                    </p:animEffect>
+                                  </p:childTnLst>
+                                </p:cTn>
+                              </p:par>
+                            </p:childTnLst>
+                          </p:cTn>
+                        </p:par>
+                      </p:childTnLst>
+                    </p:cTn>
+                  </p:par>
+                </p:childTnLst>
+              </p:cTn>
+              <p:prevCondLst>
+                <p:cond evt="onPrev" delay="0">
+                  <p:tgtEl>
+                    <p:sldTgt/>
+                  </p:tgtEl>
+                </p:cond>
+              </p:prevCondLst>
+              <p:nextCondLst>
+                <p:cond evt="onNext" delay="0">
+                  <p:tgtEl>
+                    <p:sldTgt/>
+                  </p:tgtEl>
+                </p:cond>
+              </p:nextCondLst>
+            </p:seq>
+          </p:childTnLst>
+        </p:cTn>
+      </p:par>
+    </p:tnLst>
+    <p:bldLst>
+      <p:bldP spid="21" grpId="0" build="p"/>
+      <p:bldP spid="22" grpId="0" build="p"/>
+      <p:bldP spid="31" grpId="0"/>
+    </p:bldLst>
+  </p:timing>
+</p:sld>
+</file>
+
 <file path=ppt/theme/theme1.xml><?xml version="1.0" encoding="utf-8"?>
 <a:theme xmlns:a="http://schemas.openxmlformats.org/drawingml/2006/main" name="Office Theme">
   <a:themeElements>

--- a/Slides_7.pptx
+++ b/Slides_7.pptx
@@ -7,6 +7,7 @@
   <p:sldIdLst>
     <p:sldId id="257" r:id="rId2"/>
     <p:sldId id="258" r:id="rId3"/>
+    <p:sldId id="259" r:id="rId4"/>
   </p:sldIdLst>
   <p:sldSz cx="12192000" cy="6858000"/>
   <p:notesSz cx="6858000" cy="9144000"/>
@@ -3972,6 +3973,190 @@
 </p:sld>
 </file>
 
+<file path=ppt/slides/slide3.xml><?xml version="1.0" encoding="utf-8"?>
+<p:sld xmlns:a="http://schemas.openxmlformats.org/drawingml/2006/main" xmlns:r="http://schemas.openxmlformats.org/officeDocument/2006/relationships" xmlns:p="http://schemas.openxmlformats.org/presentationml/2006/main">
+  <p:cSld>
+    <p:spTree>
+      <p:nvGrpSpPr>
+        <p:cNvPr id="1" name=""/>
+        <p:cNvGrpSpPr/>
+        <p:nvPr/>
+      </p:nvGrpSpPr>
+      <p:grpSpPr>
+        <a:xfrm>
+          <a:off x="0" y="0"/>
+          <a:ext cx="0" cy="0"/>
+          <a:chOff x="0" y="0"/>
+          <a:chExt cx="0" cy="0"/>
+        </a:xfrm>
+      </p:grpSpPr>
+      <p:sp>
+        <p:nvSpPr>
+          <p:cNvPr id="2" name="Title 1">
+            <a:extLst>
+              <a:ext uri="{FF2B5EF4-FFF2-40B4-BE49-F238E27FC236}">
+                <a16:creationId xmlns:a16="http://schemas.microsoft.com/office/drawing/2014/main" id="{06AB125A-52A0-5108-3E91-8F9ED8565A54}"/>
+              </a:ext>
+            </a:extLst>
+          </p:cNvPr>
+          <p:cNvSpPr>
+            <a:spLocks noGrp="1"/>
+          </p:cNvSpPr>
+          <p:nvPr>
+            <p:ph type="title"/>
+          </p:nvPr>
+        </p:nvSpPr>
+        <p:spPr/>
+        <p:txBody>
+          <a:bodyPr/>
+          <a:lstStyle/>
+          <a:p>
+            <a:r>
+              <a:rPr lang="en-US" b="1" dirty="0"/>
+              <a:t>Transposed Convolutional Layer: Padding</a:t>
+            </a:r>
+          </a:p>
+        </p:txBody>
+      </p:sp>
+      <p:sp>
+        <p:nvSpPr>
+          <p:cNvPr id="21" name="Text Placeholder 20">
+            <a:extLst>
+              <a:ext uri="{FF2B5EF4-FFF2-40B4-BE49-F238E27FC236}">
+                <a16:creationId xmlns:a16="http://schemas.microsoft.com/office/drawing/2014/main" id="{B7435896-6F53-AEC4-8F73-1579E379F17F}"/>
+              </a:ext>
+            </a:extLst>
+          </p:cNvPr>
+          <p:cNvSpPr>
+            <a:spLocks noGrp="1"/>
+          </p:cNvSpPr>
+          <p:nvPr>
+            <p:ph type="body" idx="1"/>
+          </p:nvPr>
+        </p:nvSpPr>
+        <p:spPr/>
+        <p:txBody>
+          <a:bodyPr/>
+          <a:lstStyle/>
+          <a:p>
+            <a:r>
+              <a:rPr lang="en-US" dirty="0"/>
+              <a:t>Convolution</a:t>
+            </a:r>
+          </a:p>
+        </p:txBody>
+      </p:sp>
+      <p:sp>
+        <p:nvSpPr>
+          <p:cNvPr id="22" name="Text Placeholder 21">
+            <a:extLst>
+              <a:ext uri="{FF2B5EF4-FFF2-40B4-BE49-F238E27FC236}">
+                <a16:creationId xmlns:a16="http://schemas.microsoft.com/office/drawing/2014/main" id="{13313101-E47B-E99B-E6FD-2C78ECE0DAD8}"/>
+              </a:ext>
+            </a:extLst>
+          </p:cNvPr>
+          <p:cNvSpPr>
+            <a:spLocks noGrp="1"/>
+          </p:cNvSpPr>
+          <p:nvPr>
+            <p:ph type="body" sz="quarter" idx="3"/>
+          </p:nvPr>
+        </p:nvSpPr>
+        <p:spPr/>
+        <p:txBody>
+          <a:bodyPr/>
+          <a:lstStyle/>
+          <a:p>
+            <a:r>
+              <a:rPr lang="en-US" dirty="0"/>
+              <a:t>Transposed Convolution</a:t>
+            </a:r>
+          </a:p>
+        </p:txBody>
+      </p:sp>
+      <p:pic>
+        <p:nvPicPr>
+          <p:cNvPr id="31" name="Content Placeholder 30" descr="A picture containing shape&#10;&#10;Description automatically generated">
+            <a:extLst>
+              <a:ext uri="{FF2B5EF4-FFF2-40B4-BE49-F238E27FC236}">
+                <a16:creationId xmlns:a16="http://schemas.microsoft.com/office/drawing/2014/main" id="{CB6BB3BB-016F-C2A1-65EE-0E1982F6BC14}"/>
+              </a:ext>
+            </a:extLst>
+          </p:cNvPr>
+          <p:cNvPicPr>
+            <a:picLocks noGrp="1" noChangeAspect="1"/>
+          </p:cNvPicPr>
+          <p:nvPr>
+            <p:ph sz="half" idx="2"/>
+          </p:nvPr>
+        </p:nvPicPr>
+        <p:blipFill>
+          <a:blip r:embed="rId2">
+            <a:extLst>
+              <a:ext uri="{28A0092B-C50C-407E-A947-70E740481C1C}">
+                <a14:useLocalDpi xmlns:a14="http://schemas.microsoft.com/office/drawing/2010/main" val="0"/>
+              </a:ext>
+            </a:extLst>
+          </a:blip>
+          <a:stretch>
+            <a:fillRect/>
+          </a:stretch>
+        </p:blipFill>
+        <p:spPr>
+          <a:xfrm>
+            <a:off x="1835460" y="2505075"/>
+            <a:ext cx="3166442" cy="3684588"/>
+          </a:xfrm>
+        </p:spPr>
+      </p:pic>
+      <p:pic>
+        <p:nvPicPr>
+          <p:cNvPr id="35" name="Content Placeholder 34" descr="A picture containing businesscard, envelope&#10;&#10;Description automatically generated">
+            <a:extLst>
+              <a:ext uri="{FF2B5EF4-FFF2-40B4-BE49-F238E27FC236}">
+                <a16:creationId xmlns:a16="http://schemas.microsoft.com/office/drawing/2014/main" id="{0E80B4D3-3B99-1548-A19E-69246F9F6FB5}"/>
+              </a:ext>
+            </a:extLst>
+          </p:cNvPr>
+          <p:cNvPicPr>
+            <a:picLocks noGrp="1" noChangeAspect="1"/>
+          </p:cNvPicPr>
+          <p:nvPr>
+            <p:ph sz="quarter" idx="4"/>
+          </p:nvPr>
+        </p:nvPicPr>
+        <p:blipFill>
+          <a:blip r:embed="rId3">
+            <a:extLst>
+              <a:ext uri="{28A0092B-C50C-407E-A947-70E740481C1C}">
+                <a14:useLocalDpi xmlns:a14="http://schemas.microsoft.com/office/drawing/2010/main" val="0"/>
+              </a:ext>
+            </a:extLst>
+          </a:blip>
+          <a:stretch>
+            <a:fillRect/>
+          </a:stretch>
+        </p:blipFill>
+        <p:spPr>
+          <a:xfrm>
+            <a:off x="7143068" y="2505075"/>
+            <a:ext cx="3241452" cy="3684588"/>
+          </a:xfrm>
+        </p:spPr>
+      </p:pic>
+    </p:spTree>
+    <p:extLst>
+      <p:ext uri="{BB962C8B-B14F-4D97-AF65-F5344CB8AC3E}">
+        <p14:creationId xmlns:p14="http://schemas.microsoft.com/office/powerpoint/2010/main" val="1665514558"/>
+      </p:ext>
+    </p:extLst>
+  </p:cSld>
+  <p:clrMapOvr>
+    <a:masterClrMapping/>
+  </p:clrMapOvr>
+</p:sld>
+</file>
+
 <file path=ppt/theme/theme1.xml><?xml version="1.0" encoding="utf-8"?>
 <a:theme xmlns:a="http://schemas.openxmlformats.org/drawingml/2006/main" name="Office Theme">
   <a:themeElements>

--- a/Slides_7.pptx
+++ b/Slides_7.pptx
@@ -8,6 +8,7 @@
     <p:sldId id="257" r:id="rId2"/>
     <p:sldId id="258" r:id="rId3"/>
     <p:sldId id="259" r:id="rId4"/>
+    <p:sldId id="260" r:id="rId5"/>
   </p:sldIdLst>
   <p:sldSz cx="12192000" cy="6858000"/>
   <p:notesSz cx="6858000" cy="9144000"/>
@@ -4157,6 +4158,190 @@
 </p:sld>
 </file>
 
+<file path=ppt/slides/slide4.xml><?xml version="1.0" encoding="utf-8"?>
+<p:sld xmlns:a="http://schemas.openxmlformats.org/drawingml/2006/main" xmlns:r="http://schemas.openxmlformats.org/officeDocument/2006/relationships" xmlns:p="http://schemas.openxmlformats.org/presentationml/2006/main">
+  <p:cSld>
+    <p:spTree>
+      <p:nvGrpSpPr>
+        <p:cNvPr id="1" name=""/>
+        <p:cNvGrpSpPr/>
+        <p:nvPr/>
+      </p:nvGrpSpPr>
+      <p:grpSpPr>
+        <a:xfrm>
+          <a:off x="0" y="0"/>
+          <a:ext cx="0" cy="0"/>
+          <a:chOff x="0" y="0"/>
+          <a:chExt cx="0" cy="0"/>
+        </a:xfrm>
+      </p:grpSpPr>
+      <p:sp>
+        <p:nvSpPr>
+          <p:cNvPr id="2" name="Title 1">
+            <a:extLst>
+              <a:ext uri="{FF2B5EF4-FFF2-40B4-BE49-F238E27FC236}">
+                <a16:creationId xmlns:a16="http://schemas.microsoft.com/office/drawing/2014/main" id="{06AB125A-52A0-5108-3E91-8F9ED8565A54}"/>
+              </a:ext>
+            </a:extLst>
+          </p:cNvPr>
+          <p:cNvSpPr>
+            <a:spLocks noGrp="1"/>
+          </p:cNvSpPr>
+          <p:nvPr>
+            <p:ph type="title"/>
+          </p:nvPr>
+        </p:nvSpPr>
+        <p:spPr/>
+        <p:txBody>
+          <a:bodyPr/>
+          <a:lstStyle/>
+          <a:p>
+            <a:r>
+              <a:rPr lang="en-US" b="1" dirty="0"/>
+              <a:t>Transposed Convolutional Layer: Strides</a:t>
+            </a:r>
+          </a:p>
+        </p:txBody>
+      </p:sp>
+      <p:sp>
+        <p:nvSpPr>
+          <p:cNvPr id="21" name="Text Placeholder 20">
+            <a:extLst>
+              <a:ext uri="{FF2B5EF4-FFF2-40B4-BE49-F238E27FC236}">
+                <a16:creationId xmlns:a16="http://schemas.microsoft.com/office/drawing/2014/main" id="{B7435896-6F53-AEC4-8F73-1579E379F17F}"/>
+              </a:ext>
+            </a:extLst>
+          </p:cNvPr>
+          <p:cNvSpPr>
+            <a:spLocks noGrp="1"/>
+          </p:cNvSpPr>
+          <p:nvPr>
+            <p:ph type="body" idx="1"/>
+          </p:nvPr>
+        </p:nvSpPr>
+        <p:spPr/>
+        <p:txBody>
+          <a:bodyPr/>
+          <a:lstStyle/>
+          <a:p>
+            <a:r>
+              <a:rPr lang="en-US" dirty="0"/>
+              <a:t>Convolution</a:t>
+            </a:r>
+          </a:p>
+        </p:txBody>
+      </p:sp>
+      <p:sp>
+        <p:nvSpPr>
+          <p:cNvPr id="22" name="Text Placeholder 21">
+            <a:extLst>
+              <a:ext uri="{FF2B5EF4-FFF2-40B4-BE49-F238E27FC236}">
+                <a16:creationId xmlns:a16="http://schemas.microsoft.com/office/drawing/2014/main" id="{13313101-E47B-E99B-E6FD-2C78ECE0DAD8}"/>
+              </a:ext>
+            </a:extLst>
+          </p:cNvPr>
+          <p:cNvSpPr>
+            <a:spLocks noGrp="1"/>
+          </p:cNvSpPr>
+          <p:nvPr>
+            <p:ph type="body" sz="quarter" idx="3"/>
+          </p:nvPr>
+        </p:nvSpPr>
+        <p:spPr/>
+        <p:txBody>
+          <a:bodyPr/>
+          <a:lstStyle/>
+          <a:p>
+            <a:r>
+              <a:rPr lang="en-US" dirty="0"/>
+              <a:t>Transposed Convolution</a:t>
+            </a:r>
+          </a:p>
+        </p:txBody>
+      </p:sp>
+      <p:pic>
+        <p:nvPicPr>
+          <p:cNvPr id="6" name="Content Placeholder 5" descr="A picture containing shape&#10;&#10;Description automatically generated">
+            <a:extLst>
+              <a:ext uri="{FF2B5EF4-FFF2-40B4-BE49-F238E27FC236}">
+                <a16:creationId xmlns:a16="http://schemas.microsoft.com/office/drawing/2014/main" id="{D5F4AA51-E353-00BF-801F-AF8C362C392A}"/>
+              </a:ext>
+            </a:extLst>
+          </p:cNvPr>
+          <p:cNvPicPr>
+            <a:picLocks noGrp="1" noChangeAspect="1"/>
+          </p:cNvPicPr>
+          <p:nvPr>
+            <p:ph sz="quarter" idx="4"/>
+          </p:nvPr>
+        </p:nvPicPr>
+        <p:blipFill>
+          <a:blip r:embed="rId2">
+            <a:extLst>
+              <a:ext uri="{28A0092B-C50C-407E-A947-70E740481C1C}">
+                <a14:useLocalDpi xmlns:a14="http://schemas.microsoft.com/office/drawing/2010/main" val="0"/>
+              </a:ext>
+            </a:extLst>
+          </a:blip>
+          <a:stretch>
+            <a:fillRect/>
+          </a:stretch>
+        </p:blipFill>
+        <p:spPr>
+          <a:xfrm>
+            <a:off x="7143068" y="2505075"/>
+            <a:ext cx="3241452" cy="3684588"/>
+          </a:xfrm>
+        </p:spPr>
+      </p:pic>
+      <p:pic>
+        <p:nvPicPr>
+          <p:cNvPr id="10" name="Content Placeholder 9" descr="A picture containing businesscard&#10;&#10;Description automatically generated">
+            <a:extLst>
+              <a:ext uri="{FF2B5EF4-FFF2-40B4-BE49-F238E27FC236}">
+                <a16:creationId xmlns:a16="http://schemas.microsoft.com/office/drawing/2014/main" id="{F7B29628-860F-1596-5FAB-46A1118F139E}"/>
+              </a:ext>
+            </a:extLst>
+          </p:cNvPr>
+          <p:cNvPicPr>
+            <a:picLocks noGrp="1" noChangeAspect="1"/>
+          </p:cNvPicPr>
+          <p:nvPr>
+            <p:ph sz="half" idx="2"/>
+          </p:nvPr>
+        </p:nvPicPr>
+        <p:blipFill>
+          <a:blip r:embed="rId3">
+            <a:extLst>
+              <a:ext uri="{28A0092B-C50C-407E-A947-70E740481C1C}">
+                <a14:useLocalDpi xmlns:a14="http://schemas.microsoft.com/office/drawing/2010/main" val="0"/>
+              </a:ext>
+            </a:extLst>
+          </a:blip>
+          <a:stretch>
+            <a:fillRect/>
+          </a:stretch>
+        </p:blipFill>
+        <p:spPr>
+          <a:xfrm>
+            <a:off x="2018506" y="2975769"/>
+            <a:ext cx="2800350" cy="2743200"/>
+          </a:xfrm>
+        </p:spPr>
+      </p:pic>
+    </p:spTree>
+    <p:extLst>
+      <p:ext uri="{BB962C8B-B14F-4D97-AF65-F5344CB8AC3E}">
+        <p14:creationId xmlns:p14="http://schemas.microsoft.com/office/powerpoint/2010/main" val="2666699523"/>
+      </p:ext>
+    </p:extLst>
+  </p:cSld>
+  <p:clrMapOvr>
+    <a:masterClrMapping/>
+  </p:clrMapOvr>
+</p:sld>
+</file>
+
 <file path=ppt/theme/theme1.xml><?xml version="1.0" encoding="utf-8"?>
 <a:theme xmlns:a="http://schemas.openxmlformats.org/drawingml/2006/main" name="Office Theme">
   <a:themeElements>

--- a/Slides_7.pptx
+++ b/Slides_7.pptx
@@ -4,11 +4,15 @@
   <p:sldMasterIdLst>
     <p:sldMasterId id="2147483648" r:id="rId1"/>
   </p:sldMasterIdLst>
+  <p:notesMasterIdLst>
+    <p:notesMasterId r:id="rId7"/>
+  </p:notesMasterIdLst>
   <p:sldIdLst>
     <p:sldId id="257" r:id="rId2"/>
     <p:sldId id="258" r:id="rId3"/>
     <p:sldId id="259" r:id="rId4"/>
     <p:sldId id="260" r:id="rId5"/>
+    <p:sldId id="281" r:id="rId6"/>
   </p:sldIdLst>
   <p:sldSz cx="12192000" cy="6858000"/>
   <p:notesSz cx="6858000" cy="9144000"/>
@@ -108,6 +112,439 @@
     </a:lvl9pPr>
   </p:defaultTextStyle>
 </p:presentation>
+</file>
+
+<file path=ppt/notesMasters/notesMaster1.xml><?xml version="1.0" encoding="utf-8"?>
+<p:notesMaster xmlns:a="http://schemas.openxmlformats.org/drawingml/2006/main" xmlns:r="http://schemas.openxmlformats.org/officeDocument/2006/relationships" xmlns:p="http://schemas.openxmlformats.org/presentationml/2006/main">
+  <p:cSld>
+    <p:bg>
+      <p:bgRef idx="1001">
+        <a:schemeClr val="bg1"/>
+      </p:bgRef>
+    </p:bg>
+    <p:spTree>
+      <p:nvGrpSpPr>
+        <p:cNvPr id="1" name=""/>
+        <p:cNvGrpSpPr/>
+        <p:nvPr/>
+      </p:nvGrpSpPr>
+      <p:grpSpPr>
+        <a:xfrm>
+          <a:off x="0" y="0"/>
+          <a:ext cx="0" cy="0"/>
+          <a:chOff x="0" y="0"/>
+          <a:chExt cx="0" cy="0"/>
+        </a:xfrm>
+      </p:grpSpPr>
+      <p:sp>
+        <p:nvSpPr>
+          <p:cNvPr id="2" name="Header Placeholder 1"/>
+          <p:cNvSpPr>
+            <a:spLocks noGrp="1"/>
+          </p:cNvSpPr>
+          <p:nvPr>
+            <p:ph type="hdr" sz="quarter"/>
+          </p:nvPr>
+        </p:nvSpPr>
+        <p:spPr>
+          <a:xfrm>
+            <a:off x="0" y="0"/>
+            <a:ext cx="2971800" cy="458788"/>
+          </a:xfrm>
+          <a:prstGeom prst="rect">
+            <a:avLst/>
+          </a:prstGeom>
+        </p:spPr>
+        <p:txBody>
+          <a:bodyPr vert="horz" lIns="91440" tIns="45720" rIns="91440" bIns="45720" rtlCol="0"/>
+          <a:lstStyle>
+            <a:lvl1pPr algn="l">
+              <a:defRPr sz="1200"/>
+            </a:lvl1pPr>
+          </a:lstStyle>
+          <a:p>
+            <a:endParaRPr lang="en-US"/>
+          </a:p>
+        </p:txBody>
+      </p:sp>
+      <p:sp>
+        <p:nvSpPr>
+          <p:cNvPr id="3" name="Date Placeholder 2"/>
+          <p:cNvSpPr>
+            <a:spLocks noGrp="1"/>
+          </p:cNvSpPr>
+          <p:nvPr>
+            <p:ph type="dt" idx="1"/>
+          </p:nvPr>
+        </p:nvSpPr>
+        <p:spPr>
+          <a:xfrm>
+            <a:off x="3884613" y="0"/>
+            <a:ext cx="2971800" cy="458788"/>
+          </a:xfrm>
+          <a:prstGeom prst="rect">
+            <a:avLst/>
+          </a:prstGeom>
+        </p:spPr>
+        <p:txBody>
+          <a:bodyPr vert="horz" lIns="91440" tIns="45720" rIns="91440" bIns="45720" rtlCol="0"/>
+          <a:lstStyle>
+            <a:lvl1pPr algn="r">
+              <a:defRPr sz="1200"/>
+            </a:lvl1pPr>
+          </a:lstStyle>
+          <a:p>
+            <a:fld id="{4732C3A8-66EE-470D-A85F-35A0229A4BF4}" type="datetimeFigureOut">
+              <a:rPr lang="en-US" smtClean="0"/>
+              <a:t>2/1/2023</a:t>
+            </a:fld>
+            <a:endParaRPr lang="en-US"/>
+          </a:p>
+        </p:txBody>
+      </p:sp>
+      <p:sp>
+        <p:nvSpPr>
+          <p:cNvPr id="4" name="Slide Image Placeholder 3"/>
+          <p:cNvSpPr>
+            <a:spLocks noGrp="1" noRot="1" noChangeAspect="1"/>
+          </p:cNvSpPr>
+          <p:nvPr>
+            <p:ph type="sldImg" idx="2"/>
+          </p:nvPr>
+        </p:nvSpPr>
+        <p:spPr>
+          <a:xfrm>
+            <a:off x="685800" y="1143000"/>
+            <a:ext cx="5486400" cy="3086100"/>
+          </a:xfrm>
+          <a:prstGeom prst="rect">
+            <a:avLst/>
+          </a:prstGeom>
+          <a:noFill/>
+          <a:ln w="12700">
+            <a:solidFill>
+              <a:prstClr val="black"/>
+            </a:solidFill>
+          </a:ln>
+        </p:spPr>
+        <p:txBody>
+          <a:bodyPr vert="horz" lIns="91440" tIns="45720" rIns="91440" bIns="45720" rtlCol="0" anchor="ctr"/>
+          <a:lstStyle/>
+          <a:p>
+            <a:endParaRPr lang="en-US"/>
+          </a:p>
+        </p:txBody>
+      </p:sp>
+      <p:sp>
+        <p:nvSpPr>
+          <p:cNvPr id="5" name="Notes Placeholder 4"/>
+          <p:cNvSpPr>
+            <a:spLocks noGrp="1"/>
+          </p:cNvSpPr>
+          <p:nvPr>
+            <p:ph type="body" sz="quarter" idx="3"/>
+          </p:nvPr>
+        </p:nvSpPr>
+        <p:spPr>
+          <a:xfrm>
+            <a:off x="685800" y="4400550"/>
+            <a:ext cx="5486400" cy="3600450"/>
+          </a:xfrm>
+          <a:prstGeom prst="rect">
+            <a:avLst/>
+          </a:prstGeom>
+        </p:spPr>
+        <p:txBody>
+          <a:bodyPr vert="horz" lIns="91440" tIns="45720" rIns="91440" bIns="45720" rtlCol="0"/>
+          <a:lstStyle/>
+          <a:p>
+            <a:pPr lvl="0"/>
+            <a:r>
+              <a:rPr lang="en-US"/>
+              <a:t>Click to edit Master text styles</a:t>
+            </a:r>
+          </a:p>
+          <a:p>
+            <a:pPr lvl="1"/>
+            <a:r>
+              <a:rPr lang="en-US"/>
+              <a:t>Second level</a:t>
+            </a:r>
+          </a:p>
+          <a:p>
+            <a:pPr lvl="2"/>
+            <a:r>
+              <a:rPr lang="en-US"/>
+              <a:t>Third level</a:t>
+            </a:r>
+          </a:p>
+          <a:p>
+            <a:pPr lvl="3"/>
+            <a:r>
+              <a:rPr lang="en-US"/>
+              <a:t>Fourth level</a:t>
+            </a:r>
+          </a:p>
+          <a:p>
+            <a:pPr lvl="4"/>
+            <a:r>
+              <a:rPr lang="en-US"/>
+              <a:t>Fifth level</a:t>
+            </a:r>
+          </a:p>
+        </p:txBody>
+      </p:sp>
+      <p:sp>
+        <p:nvSpPr>
+          <p:cNvPr id="6" name="Footer Placeholder 5"/>
+          <p:cNvSpPr>
+            <a:spLocks noGrp="1"/>
+          </p:cNvSpPr>
+          <p:nvPr>
+            <p:ph type="ftr" sz="quarter" idx="4"/>
+          </p:nvPr>
+        </p:nvSpPr>
+        <p:spPr>
+          <a:xfrm>
+            <a:off x="0" y="8685213"/>
+            <a:ext cx="2971800" cy="458787"/>
+          </a:xfrm>
+          <a:prstGeom prst="rect">
+            <a:avLst/>
+          </a:prstGeom>
+        </p:spPr>
+        <p:txBody>
+          <a:bodyPr vert="horz" lIns="91440" tIns="45720" rIns="91440" bIns="45720" rtlCol="0" anchor="b"/>
+          <a:lstStyle>
+            <a:lvl1pPr algn="l">
+              <a:defRPr sz="1200"/>
+            </a:lvl1pPr>
+          </a:lstStyle>
+          <a:p>
+            <a:endParaRPr lang="en-US"/>
+          </a:p>
+        </p:txBody>
+      </p:sp>
+      <p:sp>
+        <p:nvSpPr>
+          <p:cNvPr id="7" name="Slide Number Placeholder 6"/>
+          <p:cNvSpPr>
+            <a:spLocks noGrp="1"/>
+          </p:cNvSpPr>
+          <p:nvPr>
+            <p:ph type="sldNum" sz="quarter" idx="5"/>
+          </p:nvPr>
+        </p:nvSpPr>
+        <p:spPr>
+          <a:xfrm>
+            <a:off x="3884613" y="8685213"/>
+            <a:ext cx="2971800" cy="458787"/>
+          </a:xfrm>
+          <a:prstGeom prst="rect">
+            <a:avLst/>
+          </a:prstGeom>
+        </p:spPr>
+        <p:txBody>
+          <a:bodyPr vert="horz" lIns="91440" tIns="45720" rIns="91440" bIns="45720" rtlCol="0" anchor="b"/>
+          <a:lstStyle>
+            <a:lvl1pPr algn="r">
+              <a:defRPr sz="1200"/>
+            </a:lvl1pPr>
+          </a:lstStyle>
+          <a:p>
+            <a:fld id="{AEB5A21D-F6DA-425F-9DBE-C9D0FC3A7ACA}" type="slidenum">
+              <a:rPr lang="en-US" smtClean="0"/>
+              <a:t>‹#›</a:t>
+            </a:fld>
+            <a:endParaRPr lang="en-US"/>
+          </a:p>
+        </p:txBody>
+      </p:sp>
+    </p:spTree>
+    <p:extLst>
+      <p:ext uri="{BB962C8B-B14F-4D97-AF65-F5344CB8AC3E}">
+        <p14:creationId xmlns:p14="http://schemas.microsoft.com/office/powerpoint/2010/main" val="1005245888"/>
+      </p:ext>
+    </p:extLst>
+  </p:cSld>
+  <p:clrMap bg1="lt1" tx1="dk1" bg2="lt2" tx2="dk2" accent1="accent1" accent2="accent2" accent3="accent3" accent4="accent4" accent5="accent5" accent6="accent6" hlink="hlink" folHlink="folHlink"/>
+  <p:notesStyle>
+    <a:lvl1pPr marL="0" algn="l" defTabSz="914400" rtl="0" eaLnBrk="1" latinLnBrk="0" hangingPunct="1">
+      <a:defRPr sz="1200" kern="1200">
+        <a:solidFill>
+          <a:schemeClr val="tx1"/>
+        </a:solidFill>
+        <a:latin typeface="+mn-lt"/>
+        <a:ea typeface="+mn-ea"/>
+        <a:cs typeface="+mn-cs"/>
+      </a:defRPr>
+    </a:lvl1pPr>
+    <a:lvl2pPr marL="457200" algn="l" defTabSz="914400" rtl="0" eaLnBrk="1" latinLnBrk="0" hangingPunct="1">
+      <a:defRPr sz="1200" kern="1200">
+        <a:solidFill>
+          <a:schemeClr val="tx1"/>
+        </a:solidFill>
+        <a:latin typeface="+mn-lt"/>
+        <a:ea typeface="+mn-ea"/>
+        <a:cs typeface="+mn-cs"/>
+      </a:defRPr>
+    </a:lvl2pPr>
+    <a:lvl3pPr marL="914400" algn="l" defTabSz="914400" rtl="0" eaLnBrk="1" latinLnBrk="0" hangingPunct="1">
+      <a:defRPr sz="1200" kern="1200">
+        <a:solidFill>
+          <a:schemeClr val="tx1"/>
+        </a:solidFill>
+        <a:latin typeface="+mn-lt"/>
+        <a:ea typeface="+mn-ea"/>
+        <a:cs typeface="+mn-cs"/>
+      </a:defRPr>
+    </a:lvl3pPr>
+    <a:lvl4pPr marL="1371600" algn="l" defTabSz="914400" rtl="0" eaLnBrk="1" latinLnBrk="0" hangingPunct="1">
+      <a:defRPr sz="1200" kern="1200">
+        <a:solidFill>
+          <a:schemeClr val="tx1"/>
+        </a:solidFill>
+        <a:latin typeface="+mn-lt"/>
+        <a:ea typeface="+mn-ea"/>
+        <a:cs typeface="+mn-cs"/>
+      </a:defRPr>
+    </a:lvl4pPr>
+    <a:lvl5pPr marL="1828800" algn="l" defTabSz="914400" rtl="0" eaLnBrk="1" latinLnBrk="0" hangingPunct="1">
+      <a:defRPr sz="1200" kern="1200">
+        <a:solidFill>
+          <a:schemeClr val="tx1"/>
+        </a:solidFill>
+        <a:latin typeface="+mn-lt"/>
+        <a:ea typeface="+mn-ea"/>
+        <a:cs typeface="+mn-cs"/>
+      </a:defRPr>
+    </a:lvl5pPr>
+    <a:lvl6pPr marL="2286000" algn="l" defTabSz="914400" rtl="0" eaLnBrk="1" latinLnBrk="0" hangingPunct="1">
+      <a:defRPr sz="1200" kern="1200">
+        <a:solidFill>
+          <a:schemeClr val="tx1"/>
+        </a:solidFill>
+        <a:latin typeface="+mn-lt"/>
+        <a:ea typeface="+mn-ea"/>
+        <a:cs typeface="+mn-cs"/>
+      </a:defRPr>
+    </a:lvl6pPr>
+    <a:lvl7pPr marL="2743200" algn="l" defTabSz="914400" rtl="0" eaLnBrk="1" latinLnBrk="0" hangingPunct="1">
+      <a:defRPr sz="1200" kern="1200">
+        <a:solidFill>
+          <a:schemeClr val="tx1"/>
+        </a:solidFill>
+        <a:latin typeface="+mn-lt"/>
+        <a:ea typeface="+mn-ea"/>
+        <a:cs typeface="+mn-cs"/>
+      </a:defRPr>
+    </a:lvl7pPr>
+    <a:lvl8pPr marL="3200400" algn="l" defTabSz="914400" rtl="0" eaLnBrk="1" latinLnBrk="0" hangingPunct="1">
+      <a:defRPr sz="1200" kern="1200">
+        <a:solidFill>
+          <a:schemeClr val="tx1"/>
+        </a:solidFill>
+        <a:latin typeface="+mn-lt"/>
+        <a:ea typeface="+mn-ea"/>
+        <a:cs typeface="+mn-cs"/>
+      </a:defRPr>
+    </a:lvl8pPr>
+    <a:lvl9pPr marL="3657600" algn="l" defTabSz="914400" rtl="0" eaLnBrk="1" latinLnBrk="0" hangingPunct="1">
+      <a:defRPr sz="1200" kern="1200">
+        <a:solidFill>
+          <a:schemeClr val="tx1"/>
+        </a:solidFill>
+        <a:latin typeface="+mn-lt"/>
+        <a:ea typeface="+mn-ea"/>
+        <a:cs typeface="+mn-cs"/>
+      </a:defRPr>
+    </a:lvl9pPr>
+  </p:notesStyle>
+</p:notesMaster>
+</file>
+
+<file path=ppt/notesSlides/notesSlide1.xml><?xml version="1.0" encoding="utf-8"?>
+<p:notes xmlns:a="http://schemas.openxmlformats.org/drawingml/2006/main" xmlns:r="http://schemas.openxmlformats.org/officeDocument/2006/relationships" xmlns:p="http://schemas.openxmlformats.org/presentationml/2006/main">
+  <p:cSld>
+    <p:spTree>
+      <p:nvGrpSpPr>
+        <p:cNvPr id="1" name=""/>
+        <p:cNvGrpSpPr/>
+        <p:nvPr/>
+      </p:nvGrpSpPr>
+      <p:grpSpPr>
+        <a:xfrm>
+          <a:off x="0" y="0"/>
+          <a:ext cx="0" cy="0"/>
+          <a:chOff x="0" y="0"/>
+          <a:chExt cx="0" cy="0"/>
+        </a:xfrm>
+      </p:grpSpPr>
+      <p:sp>
+        <p:nvSpPr>
+          <p:cNvPr id="2" name="Slide Image Placeholder 1"/>
+          <p:cNvSpPr>
+            <a:spLocks noGrp="1" noRot="1" noChangeAspect="1"/>
+          </p:cNvSpPr>
+          <p:nvPr>
+            <p:ph type="sldImg"/>
+          </p:nvPr>
+        </p:nvSpPr>
+        <p:spPr/>
+      </p:sp>
+      <p:sp>
+        <p:nvSpPr>
+          <p:cNvPr id="3" name="Notes Placeholder 2"/>
+          <p:cNvSpPr>
+            <a:spLocks noGrp="1"/>
+          </p:cNvSpPr>
+          <p:nvPr>
+            <p:ph type="body" idx="1"/>
+          </p:nvPr>
+        </p:nvSpPr>
+        <p:spPr/>
+        <p:txBody>
+          <a:bodyPr/>
+          <a:lstStyle/>
+          <a:p>
+            <a:endParaRPr lang="en-US" dirty="0"/>
+          </a:p>
+        </p:txBody>
+      </p:sp>
+      <p:sp>
+        <p:nvSpPr>
+          <p:cNvPr id="4" name="Slide Number Placeholder 3"/>
+          <p:cNvSpPr>
+            <a:spLocks noGrp="1"/>
+          </p:cNvSpPr>
+          <p:nvPr>
+            <p:ph type="sldNum" sz="quarter" idx="5"/>
+          </p:nvPr>
+        </p:nvSpPr>
+        <p:spPr/>
+        <p:txBody>
+          <a:bodyPr/>
+          <a:lstStyle/>
+          <a:p>
+            <a:fld id="{EF847D23-764C-4404-9D36-DEB150D4E174}" type="slidenum">
+              <a:rPr lang="en-US" smtClean="0"/>
+              <a:t>5</a:t>
+            </a:fld>
+            <a:endParaRPr lang="en-US"/>
+          </a:p>
+        </p:txBody>
+      </p:sp>
+    </p:spTree>
+    <p:extLst>
+      <p:ext uri="{BB962C8B-B14F-4D97-AF65-F5344CB8AC3E}">
+        <p14:creationId xmlns:p14="http://schemas.microsoft.com/office/powerpoint/2010/main" val="4160032639"/>
+      </p:ext>
+    </p:extLst>
+  </p:cSld>
+  <p:clrMapOvr>
+    <a:masterClrMapping/>
+  </p:clrMapOvr>
+</p:notes>
 </file>
 
 <file path=ppt/slideLayouts/slideLayout1.xml><?xml version="1.0" encoding="utf-8"?>
@@ -4342,6 +4779,1046 @@
 </p:sld>
 </file>
 
+<file path=ppt/slides/slide5.xml><?xml version="1.0" encoding="utf-8"?>
+<p:sld xmlns:a="http://schemas.openxmlformats.org/drawingml/2006/main" xmlns:r="http://schemas.openxmlformats.org/officeDocument/2006/relationships" xmlns:p="http://schemas.openxmlformats.org/presentationml/2006/main">
+  <p:cSld>
+    <p:spTree>
+      <p:nvGrpSpPr>
+        <p:cNvPr id="1" name=""/>
+        <p:cNvGrpSpPr/>
+        <p:nvPr/>
+      </p:nvGrpSpPr>
+      <p:grpSpPr>
+        <a:xfrm>
+          <a:off x="0" y="0"/>
+          <a:ext cx="0" cy="0"/>
+          <a:chOff x="0" y="0"/>
+          <a:chExt cx="0" cy="0"/>
+        </a:xfrm>
+      </p:grpSpPr>
+      <p:sp>
+        <p:nvSpPr>
+          <p:cNvPr id="2" name="Title 1">
+            <a:extLst>
+              <a:ext uri="{FF2B5EF4-FFF2-40B4-BE49-F238E27FC236}">
+                <a16:creationId xmlns:a16="http://schemas.microsoft.com/office/drawing/2014/main" id="{327BA092-8276-1750-487C-FD6B2148AEA0}"/>
+              </a:ext>
+            </a:extLst>
+          </p:cNvPr>
+          <p:cNvSpPr>
+            <a:spLocks noGrp="1"/>
+          </p:cNvSpPr>
+          <p:nvPr>
+            <p:ph type="title"/>
+          </p:nvPr>
+        </p:nvSpPr>
+        <p:spPr/>
+        <p:txBody>
+          <a:bodyPr/>
+          <a:lstStyle/>
+          <a:p>
+            <a:r>
+              <a:rPr lang="en-US" dirty="0"/>
+              <a:t>Transposed Convolution </a:t>
+            </a:r>
+            <a:r>
+              <a:rPr lang="en-US"/>
+              <a:t>Output Size</a:t>
+            </a:r>
+            <a:endParaRPr lang="en-US" dirty="0"/>
+          </a:p>
+        </p:txBody>
+      </p:sp>
+      <mc:AlternateContent xmlns:mc="http://schemas.openxmlformats.org/markup-compatibility/2006">
+        <mc:Choice xmlns:a14="http://schemas.microsoft.com/office/drawing/2010/main" Requires="a14">
+          <p:sp>
+            <p:nvSpPr>
+              <p:cNvPr id="3" name="Content Placeholder 2">
+                <a:extLst>
+                  <a:ext uri="{FF2B5EF4-FFF2-40B4-BE49-F238E27FC236}">
+                    <a16:creationId xmlns:a16="http://schemas.microsoft.com/office/drawing/2014/main" id="{B4BCBD0E-EB29-6951-EAC5-9C7D4BCEDF4D}"/>
+                  </a:ext>
+                </a:extLst>
+              </p:cNvPr>
+              <p:cNvSpPr>
+                <a:spLocks noGrp="1"/>
+              </p:cNvSpPr>
+              <p:nvPr>
+                <p:ph idx="1"/>
+              </p:nvPr>
+            </p:nvSpPr>
+            <p:spPr/>
+            <p:txBody>
+              <a:bodyPr>
+                <a:normAutofit/>
+              </a:bodyPr>
+              <a:lstStyle/>
+              <a:p>
+                <a:pPr marL="0" indent="0" algn="ctr">
+                  <a:buNone/>
+                </a:pPr>
+                <a:r>
+                  <a:rPr lang="en-US" dirty="0"/>
+                  <a:t>Kernel: 	</a:t>
+                </a:r>
+                <a14:m>
+                  <m:oMath xmlns:m="http://schemas.openxmlformats.org/officeDocument/2006/math">
+                    <m:sSub>
+                      <m:sSubPr>
+                        <m:ctrlPr>
+                          <a:rPr lang="en-US" b="0" i="1" smtClean="0">
+                            <a:latin typeface="Cambria Math" panose="02040503050406030204" pitchFamily="18" charset="0"/>
+                          </a:rPr>
+                        </m:ctrlPr>
+                      </m:sSubPr>
+                      <m:e>
+                        <m:r>
+                          <a:rPr lang="en-US" b="0" i="1" smtClean="0">
+                            <a:latin typeface="Cambria Math" panose="02040503050406030204" pitchFamily="18" charset="0"/>
+                          </a:rPr>
+                          <m:t>(</m:t>
+                        </m:r>
+                        <m:r>
+                          <a:rPr lang="en-US" i="1">
+                            <a:latin typeface="Cambria Math" panose="02040503050406030204" pitchFamily="18" charset="0"/>
+                          </a:rPr>
+                          <m:t>𝑘</m:t>
+                        </m:r>
+                      </m:e>
+                      <m:sub>
+                        <m:r>
+                          <a:rPr lang="en-US" b="0" i="1" smtClean="0">
+                            <a:latin typeface="Cambria Math" panose="02040503050406030204" pitchFamily="18" charset="0"/>
+                          </a:rPr>
+                          <m:t>1</m:t>
+                        </m:r>
+                      </m:sub>
+                    </m:sSub>
+                    <m:r>
+                      <a:rPr lang="en-US" b="0" i="1" smtClean="0">
+                        <a:latin typeface="Cambria Math" panose="02040503050406030204" pitchFamily="18" charset="0"/>
+                      </a:rPr>
+                      <m:t>, </m:t>
+                    </m:r>
+                    <m:sSub>
+                      <m:sSubPr>
+                        <m:ctrlPr>
+                          <a:rPr lang="en-US" b="0" i="1" smtClean="0">
+                            <a:latin typeface="Cambria Math" panose="02040503050406030204" pitchFamily="18" charset="0"/>
+                          </a:rPr>
+                        </m:ctrlPr>
+                      </m:sSubPr>
+                      <m:e>
+                        <m:r>
+                          <a:rPr lang="en-US" i="1">
+                            <a:latin typeface="Cambria Math" panose="02040503050406030204" pitchFamily="18" charset="0"/>
+                          </a:rPr>
+                          <m:t>𝑘</m:t>
+                        </m:r>
+                      </m:e>
+                      <m:sub>
+                        <m:r>
+                          <a:rPr lang="en-US" b="0" i="1" smtClean="0">
+                            <a:latin typeface="Cambria Math" panose="02040503050406030204" pitchFamily="18" charset="0"/>
+                          </a:rPr>
+                          <m:t>2</m:t>
+                        </m:r>
+                      </m:sub>
+                    </m:sSub>
+                    <m:r>
+                      <a:rPr lang="en-US" b="0" i="1" smtClean="0">
+                        <a:latin typeface="Cambria Math" panose="02040503050406030204" pitchFamily="18" charset="0"/>
+                      </a:rPr>
+                      <m:t>)</m:t>
+                    </m:r>
+                  </m:oMath>
+                </a14:m>
+                <a:endParaRPr lang="en-US" dirty="0"/>
+              </a:p>
+              <a:p>
+                <a:pPr marL="0" indent="0" algn="ctr">
+                  <a:buNone/>
+                </a:pPr>
+                <a:r>
+                  <a:rPr lang="en-US" dirty="0"/>
+                  <a:t>Input image:		 </a:t>
+                </a:r>
+                <a14:m>
+                  <m:oMath xmlns:m="http://schemas.openxmlformats.org/officeDocument/2006/math">
+                    <m:r>
+                      <a:rPr lang="en-US" b="0" i="0" smtClean="0">
+                        <a:latin typeface="Cambria Math" panose="02040503050406030204" pitchFamily="18" charset="0"/>
+                      </a:rPr>
+                      <m:t>(</m:t>
+                    </m:r>
+                    <m:r>
+                      <a:rPr lang="en-US" b="0" i="1" smtClean="0">
+                        <a:latin typeface="Cambria Math" panose="02040503050406030204" pitchFamily="18" charset="0"/>
+                      </a:rPr>
+                      <m:t>𝑖</m:t>
+                    </m:r>
+                    <m:sSub>
+                      <m:sSubPr>
+                        <m:ctrlPr>
+                          <a:rPr lang="en-US" b="0" i="1" smtClean="0">
+                            <a:latin typeface="Cambria Math" panose="02040503050406030204" pitchFamily="18" charset="0"/>
+                          </a:rPr>
+                        </m:ctrlPr>
+                      </m:sSubPr>
+                      <m:e>
+                        <m:r>
+                          <a:rPr lang="en-US" b="0" i="1" smtClean="0">
+                            <a:latin typeface="Cambria Math" panose="02040503050406030204" pitchFamily="18" charset="0"/>
+                          </a:rPr>
+                          <m:t>𝑛</m:t>
+                        </m:r>
+                      </m:e>
+                      <m:sub>
+                        <m:r>
+                          <a:rPr lang="en-US" b="0" i="1" smtClean="0">
+                            <a:latin typeface="Cambria Math" panose="02040503050406030204" pitchFamily="18" charset="0"/>
+                          </a:rPr>
+                          <m:t>1</m:t>
+                        </m:r>
+                      </m:sub>
+                    </m:sSub>
+                    <m:r>
+                      <a:rPr lang="en-US" b="0" i="1" smtClean="0">
+                        <a:latin typeface="Cambria Math" panose="02040503050406030204" pitchFamily="18" charset="0"/>
+                      </a:rPr>
+                      <m:t>,</m:t>
+                    </m:r>
+                    <m:r>
+                      <a:rPr lang="en-US" b="0" i="1" smtClean="0">
+                        <a:latin typeface="Cambria Math" panose="02040503050406030204" pitchFamily="18" charset="0"/>
+                      </a:rPr>
+                      <m:t>𝑖</m:t>
+                    </m:r>
+                    <m:sSub>
+                      <m:sSubPr>
+                        <m:ctrlPr>
+                          <a:rPr lang="en-US" b="0" i="1" smtClean="0">
+                            <a:latin typeface="Cambria Math" panose="02040503050406030204" pitchFamily="18" charset="0"/>
+                          </a:rPr>
+                        </m:ctrlPr>
+                      </m:sSubPr>
+                      <m:e>
+                        <m:r>
+                          <a:rPr lang="en-US" b="0" i="1" smtClean="0">
+                            <a:latin typeface="Cambria Math" panose="02040503050406030204" pitchFamily="18" charset="0"/>
+                          </a:rPr>
+                          <m:t>𝑛</m:t>
+                        </m:r>
+                      </m:e>
+                      <m:sub>
+                        <m:r>
+                          <a:rPr lang="en-US" b="0" i="1" smtClean="0">
+                            <a:latin typeface="Cambria Math" panose="02040503050406030204" pitchFamily="18" charset="0"/>
+                          </a:rPr>
+                          <m:t>2</m:t>
+                        </m:r>
+                      </m:sub>
+                    </m:sSub>
+                    <m:r>
+                      <a:rPr lang="en-US" b="0" i="1" smtClean="0">
+                        <a:latin typeface="Cambria Math" panose="02040503050406030204" pitchFamily="18" charset="0"/>
+                      </a:rPr>
+                      <m:t>)</m:t>
+                    </m:r>
+                  </m:oMath>
+                </a14:m>
+                <a:endParaRPr lang="en-US" dirty="0"/>
+              </a:p>
+              <a:p>
+                <a:pPr marL="0" indent="0" algn="ctr">
+                  <a:buNone/>
+                </a:pPr>
+                <a:r>
+                  <a:rPr lang="en-US" dirty="0"/>
+                  <a:t>Padding: 	</a:t>
+                </a:r>
+                <a14:m>
+                  <m:oMath xmlns:m="http://schemas.openxmlformats.org/officeDocument/2006/math">
+                    <m:r>
+                      <a:rPr lang="en-US" b="0" i="0" smtClean="0">
+                        <a:latin typeface="Cambria Math" panose="02040503050406030204" pitchFamily="18" charset="0"/>
+                      </a:rPr>
+                      <m:t>(</m:t>
+                    </m:r>
+                    <m:sSub>
+                      <m:sSubPr>
+                        <m:ctrlPr>
+                          <a:rPr lang="en-US" b="0" i="1" smtClean="0">
+                            <a:latin typeface="Cambria Math" panose="02040503050406030204" pitchFamily="18" charset="0"/>
+                          </a:rPr>
+                        </m:ctrlPr>
+                      </m:sSubPr>
+                      <m:e>
+                        <m:r>
+                          <a:rPr lang="en-US" b="0" i="1" smtClean="0">
+                            <a:latin typeface="Cambria Math" panose="02040503050406030204" pitchFamily="18" charset="0"/>
+                          </a:rPr>
+                          <m:t>𝑝</m:t>
+                        </m:r>
+                      </m:e>
+                      <m:sub>
+                        <m:r>
+                          <a:rPr lang="en-US" b="0" i="1" smtClean="0">
+                            <a:latin typeface="Cambria Math" panose="02040503050406030204" pitchFamily="18" charset="0"/>
+                          </a:rPr>
+                          <m:t>1</m:t>
+                        </m:r>
+                      </m:sub>
+                    </m:sSub>
+                    <m:r>
+                      <a:rPr lang="en-US" b="0" i="1" smtClean="0">
+                        <a:latin typeface="Cambria Math" panose="02040503050406030204" pitchFamily="18" charset="0"/>
+                      </a:rPr>
+                      <m:t>,</m:t>
+                    </m:r>
+                    <m:sSub>
+                      <m:sSubPr>
+                        <m:ctrlPr>
+                          <a:rPr lang="en-US" b="0" i="1" smtClean="0">
+                            <a:latin typeface="Cambria Math" panose="02040503050406030204" pitchFamily="18" charset="0"/>
+                          </a:rPr>
+                        </m:ctrlPr>
+                      </m:sSubPr>
+                      <m:e>
+                        <m:r>
+                          <a:rPr lang="en-US" b="0" i="1" smtClean="0">
+                            <a:latin typeface="Cambria Math" panose="02040503050406030204" pitchFamily="18" charset="0"/>
+                          </a:rPr>
+                          <m:t>𝑝</m:t>
+                        </m:r>
+                      </m:e>
+                      <m:sub>
+                        <m:r>
+                          <a:rPr lang="en-US" b="0" i="1" smtClean="0">
+                            <a:latin typeface="Cambria Math" panose="02040503050406030204" pitchFamily="18" charset="0"/>
+                          </a:rPr>
+                          <m:t>2</m:t>
+                        </m:r>
+                      </m:sub>
+                    </m:sSub>
+                    <m:r>
+                      <a:rPr lang="en-US" b="0" i="1" smtClean="0">
+                        <a:latin typeface="Cambria Math" panose="02040503050406030204" pitchFamily="18" charset="0"/>
+                      </a:rPr>
+                      <m:t>)</m:t>
+                    </m:r>
+                  </m:oMath>
+                </a14:m>
+                <a:endParaRPr lang="en-US" dirty="0"/>
+              </a:p>
+              <a:p>
+                <a:pPr marL="0" indent="0" algn="ctr">
+                  <a:buNone/>
+                </a:pPr>
+                <a:r>
+                  <a:rPr lang="en-US" dirty="0"/>
+                  <a:t>Striding:	</a:t>
+                </a:r>
+                <a14:m>
+                  <m:oMath xmlns:m="http://schemas.openxmlformats.org/officeDocument/2006/math">
+                    <m:r>
+                      <a:rPr lang="en-US">
+                        <a:latin typeface="Cambria Math" panose="02040503050406030204" pitchFamily="18" charset="0"/>
+                      </a:rPr>
+                      <m:t>(</m:t>
+                    </m:r>
+                    <m:sSub>
+                      <m:sSubPr>
+                        <m:ctrlPr>
+                          <a:rPr lang="en-US" i="1">
+                            <a:latin typeface="Cambria Math" panose="02040503050406030204" pitchFamily="18" charset="0"/>
+                          </a:rPr>
+                        </m:ctrlPr>
+                      </m:sSubPr>
+                      <m:e>
+                        <m:r>
+                          <m:rPr>
+                            <m:sty m:val="p"/>
+                          </m:rPr>
+                          <a:rPr lang="en-US">
+                            <a:latin typeface="Cambria Math" panose="02040503050406030204" pitchFamily="18" charset="0"/>
+                          </a:rPr>
+                          <m:t>s</m:t>
+                        </m:r>
+                      </m:e>
+                      <m:sub>
+                        <m:r>
+                          <a:rPr lang="en-US">
+                            <a:latin typeface="Cambria Math" panose="02040503050406030204" pitchFamily="18" charset="0"/>
+                          </a:rPr>
+                          <m:t>1</m:t>
+                        </m:r>
+                      </m:sub>
+                    </m:sSub>
+                    <m:r>
+                      <a:rPr lang="en-US">
+                        <a:latin typeface="Cambria Math" panose="02040503050406030204" pitchFamily="18" charset="0"/>
+                      </a:rPr>
+                      <m:t>,</m:t>
+                    </m:r>
+                    <m:sSub>
+                      <m:sSubPr>
+                        <m:ctrlPr>
+                          <a:rPr lang="en-US" i="1">
+                            <a:latin typeface="Cambria Math" panose="02040503050406030204" pitchFamily="18" charset="0"/>
+                          </a:rPr>
+                        </m:ctrlPr>
+                      </m:sSubPr>
+                      <m:e>
+                        <m:r>
+                          <m:rPr>
+                            <m:sty m:val="p"/>
+                          </m:rPr>
+                          <a:rPr lang="en-US">
+                            <a:latin typeface="Cambria Math" panose="02040503050406030204" pitchFamily="18" charset="0"/>
+                          </a:rPr>
+                          <m:t>s</m:t>
+                        </m:r>
+                      </m:e>
+                      <m:sub>
+                        <m:r>
+                          <a:rPr lang="en-US">
+                            <a:latin typeface="Cambria Math" panose="02040503050406030204" pitchFamily="18" charset="0"/>
+                          </a:rPr>
+                          <m:t>2</m:t>
+                        </m:r>
+                      </m:sub>
+                    </m:sSub>
+                    <m:r>
+                      <a:rPr lang="en-US">
+                        <a:latin typeface="Cambria Math" panose="02040503050406030204" pitchFamily="18" charset="0"/>
+                      </a:rPr>
+                      <m:t>)</m:t>
+                    </m:r>
+                  </m:oMath>
+                </a14:m>
+                <a:endParaRPr lang="en-US" dirty="0"/>
+              </a:p>
+              <a:p>
+                <a:pPr marL="0" indent="0" algn="ctr">
+                  <a:buNone/>
+                </a:pPr>
+                <a:r>
+                  <a:rPr lang="en-US" dirty="0"/>
+                  <a:t>Dilation:	</a:t>
+                </a:r>
+                <a14:m>
+                  <m:oMath xmlns:m="http://schemas.openxmlformats.org/officeDocument/2006/math">
+                    <m:r>
+                      <a:rPr lang="en-US" b="0" i="0" smtClean="0">
+                        <a:latin typeface="Cambria Math" panose="02040503050406030204" pitchFamily="18" charset="0"/>
+                      </a:rPr>
+                      <m:t>(</m:t>
+                    </m:r>
+                    <m:sSub>
+                      <m:sSubPr>
+                        <m:ctrlPr>
+                          <a:rPr lang="en-US" b="0" i="1" smtClean="0">
+                            <a:latin typeface="Cambria Math" panose="02040503050406030204" pitchFamily="18" charset="0"/>
+                          </a:rPr>
+                        </m:ctrlPr>
+                      </m:sSubPr>
+                      <m:e>
+                        <m:r>
+                          <a:rPr lang="en-US" b="0" i="1" smtClean="0">
+                            <a:latin typeface="Cambria Math" panose="02040503050406030204" pitchFamily="18" charset="0"/>
+                          </a:rPr>
+                          <m:t>𝑑</m:t>
+                        </m:r>
+                      </m:e>
+                      <m:sub>
+                        <m:r>
+                          <a:rPr lang="en-US" b="0" i="1" smtClean="0">
+                            <a:latin typeface="Cambria Math" panose="02040503050406030204" pitchFamily="18" charset="0"/>
+                          </a:rPr>
+                          <m:t>1</m:t>
+                        </m:r>
+                      </m:sub>
+                    </m:sSub>
+                    <m:r>
+                      <a:rPr lang="en-US" b="0" i="0" smtClean="0">
+                        <a:latin typeface="Cambria Math" panose="02040503050406030204" pitchFamily="18" charset="0"/>
+                      </a:rPr>
+                      <m:t>,</m:t>
+                    </m:r>
+                    <m:sSub>
+                      <m:sSubPr>
+                        <m:ctrlPr>
+                          <a:rPr lang="en-US" b="0" i="1" smtClean="0">
+                            <a:latin typeface="Cambria Math" panose="02040503050406030204" pitchFamily="18" charset="0"/>
+                          </a:rPr>
+                        </m:ctrlPr>
+                      </m:sSubPr>
+                      <m:e>
+                        <m:r>
+                          <a:rPr lang="en-US" b="0" i="1" smtClean="0">
+                            <a:latin typeface="Cambria Math" panose="02040503050406030204" pitchFamily="18" charset="0"/>
+                          </a:rPr>
+                          <m:t>𝑑</m:t>
+                        </m:r>
+                      </m:e>
+                      <m:sub>
+                        <m:r>
+                          <a:rPr lang="en-US" b="0" i="0" smtClean="0">
+                            <a:latin typeface="Cambria Math" panose="02040503050406030204" pitchFamily="18" charset="0"/>
+                          </a:rPr>
+                          <m:t>2</m:t>
+                        </m:r>
+                      </m:sub>
+                    </m:sSub>
+                    <m:r>
+                      <a:rPr lang="en-US" b="0" i="0" smtClean="0">
+                        <a:latin typeface="Cambria Math" panose="02040503050406030204" pitchFamily="18" charset="0"/>
+                      </a:rPr>
+                      <m:t>)</m:t>
+                    </m:r>
+                  </m:oMath>
+                </a14:m>
+                <a:endParaRPr lang="en-US" dirty="0"/>
+              </a:p>
+              <a:p>
+                <a:pPr marL="0" indent="0" algn="ctr">
+                  <a:buNone/>
+                </a:pPr>
+                <a:endParaRPr lang="en-US" dirty="0"/>
+              </a:p>
+              <a:p>
+                <a:pPr marL="0" indent="0" algn="ctr">
+                  <a:buNone/>
+                </a:pPr>
+                <a14:m>
+                  <m:oMathPara xmlns:m="http://schemas.openxmlformats.org/officeDocument/2006/math">
+                    <m:oMathParaPr>
+                      <m:jc m:val="centerGroup"/>
+                    </m:oMathParaPr>
+                    <m:oMath xmlns:m="http://schemas.openxmlformats.org/officeDocument/2006/math">
+                      <m:r>
+                        <a:rPr lang="en-US" b="0" i="1" smtClean="0">
+                          <a:latin typeface="Cambria Math" panose="02040503050406030204" pitchFamily="18" charset="0"/>
+                        </a:rPr>
+                        <m:t>𝑜𝑢</m:t>
+                      </m:r>
+                      <m:sSub>
+                        <m:sSubPr>
+                          <m:ctrlPr>
+                            <a:rPr lang="en-US" b="0" i="1" smtClean="0">
+                              <a:latin typeface="Cambria Math" panose="02040503050406030204" pitchFamily="18" charset="0"/>
+                            </a:rPr>
+                          </m:ctrlPr>
+                        </m:sSubPr>
+                        <m:e>
+                          <m:r>
+                            <a:rPr lang="en-US" b="0" i="1" smtClean="0">
+                              <a:latin typeface="Cambria Math" panose="02040503050406030204" pitchFamily="18" charset="0"/>
+                            </a:rPr>
+                            <m:t>𝑡</m:t>
+                          </m:r>
+                        </m:e>
+                        <m:sub>
+                          <m:r>
+                            <a:rPr lang="en-US" b="0" i="1" smtClean="0">
+                              <a:latin typeface="Cambria Math" panose="02040503050406030204" pitchFamily="18" charset="0"/>
+                            </a:rPr>
+                            <m:t>2</m:t>
+                          </m:r>
+                        </m:sub>
+                      </m:sSub>
+                      <m:r>
+                        <a:rPr lang="en-US" b="0" i="1" smtClean="0">
+                          <a:latin typeface="Cambria Math" panose="02040503050406030204" pitchFamily="18" charset="0"/>
+                        </a:rPr>
+                        <m:t>= </m:t>
+                      </m:r>
+                      <m:d>
+                        <m:dPr>
+                          <m:ctrlPr>
+                            <a:rPr lang="en-US" b="0" i="1" smtClean="0">
+                              <a:latin typeface="Cambria Math" panose="02040503050406030204" pitchFamily="18" charset="0"/>
+                            </a:rPr>
+                          </m:ctrlPr>
+                        </m:dPr>
+                        <m:e>
+                          <m:r>
+                            <a:rPr lang="en-US" b="0" i="1" smtClean="0">
+                              <a:latin typeface="Cambria Math" panose="02040503050406030204" pitchFamily="18" charset="0"/>
+                            </a:rPr>
+                            <m:t>𝑖</m:t>
+                          </m:r>
+                          <m:sSub>
+                            <m:sSubPr>
+                              <m:ctrlPr>
+                                <a:rPr lang="en-US" b="0" i="1" smtClean="0">
+                                  <a:latin typeface="Cambria Math" panose="02040503050406030204" pitchFamily="18" charset="0"/>
+                                </a:rPr>
+                              </m:ctrlPr>
+                            </m:sSubPr>
+                            <m:e>
+                              <m:r>
+                                <a:rPr lang="en-US" b="0" i="1" smtClean="0">
+                                  <a:latin typeface="Cambria Math" panose="02040503050406030204" pitchFamily="18" charset="0"/>
+                                </a:rPr>
+                                <m:t>𝑛</m:t>
+                              </m:r>
+                            </m:e>
+                            <m:sub>
+                              <m:r>
+                                <a:rPr lang="en-US" b="0" i="1" smtClean="0">
+                                  <a:latin typeface="Cambria Math" panose="02040503050406030204" pitchFamily="18" charset="0"/>
+                                </a:rPr>
+                                <m:t>1</m:t>
+                              </m:r>
+                            </m:sub>
+                          </m:sSub>
+                          <m:r>
+                            <a:rPr lang="en-US" b="0" i="1" smtClean="0">
+                              <a:latin typeface="Cambria Math" panose="02040503050406030204" pitchFamily="18" charset="0"/>
+                            </a:rPr>
+                            <m:t>−1</m:t>
+                          </m:r>
+                        </m:e>
+                      </m:d>
+                      <m:sSub>
+                        <m:sSubPr>
+                          <m:ctrlPr>
+                            <a:rPr lang="en-US" b="0" i="1" smtClean="0">
+                              <a:latin typeface="Cambria Math" panose="02040503050406030204" pitchFamily="18" charset="0"/>
+                            </a:rPr>
+                          </m:ctrlPr>
+                        </m:sSubPr>
+                        <m:e>
+                          <m:r>
+                            <a:rPr lang="en-US" b="0" i="1" smtClean="0">
+                              <a:latin typeface="Cambria Math" panose="02040503050406030204" pitchFamily="18" charset="0"/>
+                            </a:rPr>
+                            <m:t>𝑠</m:t>
+                          </m:r>
+                        </m:e>
+                        <m:sub>
+                          <m:r>
+                            <a:rPr lang="en-US" b="0" i="1" smtClean="0">
+                              <a:latin typeface="Cambria Math" panose="02040503050406030204" pitchFamily="18" charset="0"/>
+                            </a:rPr>
+                            <m:t>1</m:t>
+                          </m:r>
+                        </m:sub>
+                      </m:sSub>
+                      <m:r>
+                        <a:rPr lang="en-US" b="0" i="1" smtClean="0">
+                          <a:latin typeface="Cambria Math" panose="02040503050406030204" pitchFamily="18" charset="0"/>
+                        </a:rPr>
+                        <m:t>−2</m:t>
+                      </m:r>
+                      <m:sSub>
+                        <m:sSubPr>
+                          <m:ctrlPr>
+                            <a:rPr lang="en-US" b="0" i="1" smtClean="0">
+                              <a:latin typeface="Cambria Math" panose="02040503050406030204" pitchFamily="18" charset="0"/>
+                            </a:rPr>
+                          </m:ctrlPr>
+                        </m:sSubPr>
+                        <m:e>
+                          <m:r>
+                            <a:rPr lang="en-US" b="0" i="1" smtClean="0">
+                              <a:latin typeface="Cambria Math" panose="02040503050406030204" pitchFamily="18" charset="0"/>
+                            </a:rPr>
+                            <m:t>𝑝</m:t>
+                          </m:r>
+                        </m:e>
+                        <m:sub>
+                          <m:r>
+                            <a:rPr lang="en-US" b="0" i="1" smtClean="0">
+                              <a:latin typeface="Cambria Math" panose="02040503050406030204" pitchFamily="18" charset="0"/>
+                            </a:rPr>
+                            <m:t>1</m:t>
+                          </m:r>
+                        </m:sub>
+                      </m:sSub>
+                      <m:r>
+                        <a:rPr lang="en-US" b="0" i="1" smtClean="0">
+                          <a:latin typeface="Cambria Math" panose="02040503050406030204" pitchFamily="18" charset="0"/>
+                        </a:rPr>
+                        <m:t>+</m:t>
+                      </m:r>
+                      <m:sSub>
+                        <m:sSubPr>
+                          <m:ctrlPr>
+                            <a:rPr lang="en-US" b="0" i="1" smtClean="0">
+                              <a:latin typeface="Cambria Math" panose="02040503050406030204" pitchFamily="18" charset="0"/>
+                            </a:rPr>
+                          </m:ctrlPr>
+                        </m:sSubPr>
+                        <m:e>
+                          <m:r>
+                            <a:rPr lang="en-US" b="0" i="1" smtClean="0">
+                              <a:latin typeface="Cambria Math" panose="02040503050406030204" pitchFamily="18" charset="0"/>
+                            </a:rPr>
+                            <m:t>𝑑</m:t>
+                          </m:r>
+                        </m:e>
+                        <m:sub>
+                          <m:r>
+                            <a:rPr lang="en-US" b="0" i="1" smtClean="0">
+                              <a:latin typeface="Cambria Math" panose="02040503050406030204" pitchFamily="18" charset="0"/>
+                            </a:rPr>
+                            <m:t>1</m:t>
+                          </m:r>
+                        </m:sub>
+                      </m:sSub>
+                      <m:d>
+                        <m:dPr>
+                          <m:ctrlPr>
+                            <a:rPr lang="en-US" b="0" i="1" smtClean="0">
+                              <a:latin typeface="Cambria Math" panose="02040503050406030204" pitchFamily="18" charset="0"/>
+                            </a:rPr>
+                          </m:ctrlPr>
+                        </m:dPr>
+                        <m:e>
+                          <m:sSub>
+                            <m:sSubPr>
+                              <m:ctrlPr>
+                                <a:rPr lang="en-US" b="0" i="1" smtClean="0">
+                                  <a:latin typeface="Cambria Math" panose="02040503050406030204" pitchFamily="18" charset="0"/>
+                                </a:rPr>
+                              </m:ctrlPr>
+                            </m:sSubPr>
+                            <m:e>
+                              <m:r>
+                                <a:rPr lang="en-US" b="0" i="1" smtClean="0">
+                                  <a:latin typeface="Cambria Math" panose="02040503050406030204" pitchFamily="18" charset="0"/>
+                                </a:rPr>
+                                <m:t>𝑘</m:t>
+                              </m:r>
+                            </m:e>
+                            <m:sub>
+                              <m:r>
+                                <a:rPr lang="en-US" b="0" i="1" smtClean="0">
+                                  <a:latin typeface="Cambria Math" panose="02040503050406030204" pitchFamily="18" charset="0"/>
+                                </a:rPr>
+                                <m:t>1</m:t>
+                              </m:r>
+                            </m:sub>
+                          </m:sSub>
+                          <m:r>
+                            <a:rPr lang="en-US" b="0" i="1" smtClean="0">
+                              <a:latin typeface="Cambria Math" panose="02040503050406030204" pitchFamily="18" charset="0"/>
+                            </a:rPr>
+                            <m:t>−1</m:t>
+                          </m:r>
+                        </m:e>
+                      </m:d>
+                      <m:r>
+                        <a:rPr lang="en-US" b="0" i="1" smtClean="0">
+                          <a:latin typeface="Cambria Math" panose="02040503050406030204" pitchFamily="18" charset="0"/>
+                        </a:rPr>
+                        <m:t>+1</m:t>
+                      </m:r>
+                    </m:oMath>
+                  </m:oMathPara>
+                </a14:m>
+                <a:endParaRPr lang="en-US" dirty="0"/>
+              </a:p>
+              <a:p>
+                <a:pPr marL="0" indent="0" algn="ctr">
+                  <a:buNone/>
+                </a:pPr>
+                <a:endParaRPr lang="en-US" dirty="0"/>
+              </a:p>
+              <a:p>
+                <a:pPr marL="0" indent="0" algn="ctr">
+                  <a:buNone/>
+                </a:pPr>
+                <a14:m>
+                  <m:oMathPara xmlns:m="http://schemas.openxmlformats.org/officeDocument/2006/math">
+                    <m:oMathParaPr>
+                      <m:jc m:val="centerGroup"/>
+                    </m:oMathParaPr>
+                    <m:oMath xmlns:m="http://schemas.openxmlformats.org/officeDocument/2006/math">
+                      <m:r>
+                        <a:rPr lang="en-US" b="0" i="1" smtClean="0">
+                          <a:latin typeface="Cambria Math" panose="02040503050406030204" pitchFamily="18" charset="0"/>
+                        </a:rPr>
+                        <m:t>𝑜𝑢</m:t>
+                      </m:r>
+                      <m:sSub>
+                        <m:sSubPr>
+                          <m:ctrlPr>
+                            <a:rPr lang="en-US" b="0" i="1" smtClean="0">
+                              <a:latin typeface="Cambria Math" panose="02040503050406030204" pitchFamily="18" charset="0"/>
+                            </a:rPr>
+                          </m:ctrlPr>
+                        </m:sSubPr>
+                        <m:e>
+                          <m:r>
+                            <a:rPr lang="en-US" b="0" i="1" smtClean="0">
+                              <a:latin typeface="Cambria Math" panose="02040503050406030204" pitchFamily="18" charset="0"/>
+                            </a:rPr>
+                            <m:t>𝑡</m:t>
+                          </m:r>
+                        </m:e>
+                        <m:sub>
+                          <m:r>
+                            <a:rPr lang="en-US" b="0" i="1" smtClean="0">
+                              <a:latin typeface="Cambria Math" panose="02040503050406030204" pitchFamily="18" charset="0"/>
+                            </a:rPr>
+                            <m:t>1</m:t>
+                          </m:r>
+                        </m:sub>
+                      </m:sSub>
+                      <m:r>
+                        <a:rPr lang="en-US" b="0" i="1" smtClean="0">
+                          <a:latin typeface="Cambria Math" panose="02040503050406030204" pitchFamily="18" charset="0"/>
+                        </a:rPr>
+                        <m:t>= </m:t>
+                      </m:r>
+                      <m:d>
+                        <m:dPr>
+                          <m:ctrlPr>
+                            <a:rPr lang="en-US" b="0" i="1" smtClean="0">
+                              <a:latin typeface="Cambria Math" panose="02040503050406030204" pitchFamily="18" charset="0"/>
+                            </a:rPr>
+                          </m:ctrlPr>
+                        </m:dPr>
+                        <m:e>
+                          <m:r>
+                            <a:rPr lang="en-US" b="0" i="1" smtClean="0">
+                              <a:latin typeface="Cambria Math" panose="02040503050406030204" pitchFamily="18" charset="0"/>
+                            </a:rPr>
+                            <m:t>𝑖</m:t>
+                          </m:r>
+                          <m:sSub>
+                            <m:sSubPr>
+                              <m:ctrlPr>
+                                <a:rPr lang="en-US" b="0" i="1" smtClean="0">
+                                  <a:latin typeface="Cambria Math" panose="02040503050406030204" pitchFamily="18" charset="0"/>
+                                </a:rPr>
+                              </m:ctrlPr>
+                            </m:sSubPr>
+                            <m:e>
+                              <m:r>
+                                <a:rPr lang="en-US" b="0" i="1" smtClean="0">
+                                  <a:latin typeface="Cambria Math" panose="02040503050406030204" pitchFamily="18" charset="0"/>
+                                </a:rPr>
+                                <m:t>𝑛</m:t>
+                              </m:r>
+                            </m:e>
+                            <m:sub>
+                              <m:r>
+                                <a:rPr lang="en-US" b="0" i="1" smtClean="0">
+                                  <a:latin typeface="Cambria Math" panose="02040503050406030204" pitchFamily="18" charset="0"/>
+                                </a:rPr>
+                                <m:t>2</m:t>
+                              </m:r>
+                            </m:sub>
+                          </m:sSub>
+                          <m:r>
+                            <a:rPr lang="en-US" b="0" i="1" smtClean="0">
+                              <a:latin typeface="Cambria Math" panose="02040503050406030204" pitchFamily="18" charset="0"/>
+                            </a:rPr>
+                            <m:t>−1</m:t>
+                          </m:r>
+                        </m:e>
+                      </m:d>
+                      <m:sSub>
+                        <m:sSubPr>
+                          <m:ctrlPr>
+                            <a:rPr lang="en-US" b="0" i="1" smtClean="0">
+                              <a:latin typeface="Cambria Math" panose="02040503050406030204" pitchFamily="18" charset="0"/>
+                            </a:rPr>
+                          </m:ctrlPr>
+                        </m:sSubPr>
+                        <m:e>
+                          <m:r>
+                            <a:rPr lang="en-US" b="0" i="1" smtClean="0">
+                              <a:latin typeface="Cambria Math" panose="02040503050406030204" pitchFamily="18" charset="0"/>
+                            </a:rPr>
+                            <m:t>𝑠</m:t>
+                          </m:r>
+                        </m:e>
+                        <m:sub>
+                          <m:r>
+                            <a:rPr lang="en-US" b="0" i="1" smtClean="0">
+                              <a:latin typeface="Cambria Math" panose="02040503050406030204" pitchFamily="18" charset="0"/>
+                            </a:rPr>
+                            <m:t>2</m:t>
+                          </m:r>
+                        </m:sub>
+                      </m:sSub>
+                      <m:r>
+                        <a:rPr lang="en-US" b="0" i="1" smtClean="0">
+                          <a:latin typeface="Cambria Math" panose="02040503050406030204" pitchFamily="18" charset="0"/>
+                        </a:rPr>
+                        <m:t>−2</m:t>
+                      </m:r>
+                      <m:sSub>
+                        <m:sSubPr>
+                          <m:ctrlPr>
+                            <a:rPr lang="en-US" b="0" i="1" smtClean="0">
+                              <a:latin typeface="Cambria Math" panose="02040503050406030204" pitchFamily="18" charset="0"/>
+                            </a:rPr>
+                          </m:ctrlPr>
+                        </m:sSubPr>
+                        <m:e>
+                          <m:r>
+                            <a:rPr lang="en-US" b="0" i="1" smtClean="0">
+                              <a:latin typeface="Cambria Math" panose="02040503050406030204" pitchFamily="18" charset="0"/>
+                            </a:rPr>
+                            <m:t>𝑝</m:t>
+                          </m:r>
+                        </m:e>
+                        <m:sub>
+                          <m:r>
+                            <a:rPr lang="en-US" b="0" i="1" smtClean="0">
+                              <a:latin typeface="Cambria Math" panose="02040503050406030204" pitchFamily="18" charset="0"/>
+                            </a:rPr>
+                            <m:t>2</m:t>
+                          </m:r>
+                        </m:sub>
+                      </m:sSub>
+                      <m:r>
+                        <a:rPr lang="en-US" b="0" i="1" smtClean="0">
+                          <a:latin typeface="Cambria Math" panose="02040503050406030204" pitchFamily="18" charset="0"/>
+                        </a:rPr>
+                        <m:t>+</m:t>
+                      </m:r>
+                      <m:sSub>
+                        <m:sSubPr>
+                          <m:ctrlPr>
+                            <a:rPr lang="en-US" b="0" i="1" smtClean="0">
+                              <a:latin typeface="Cambria Math" panose="02040503050406030204" pitchFamily="18" charset="0"/>
+                            </a:rPr>
+                          </m:ctrlPr>
+                        </m:sSubPr>
+                        <m:e>
+                          <m:r>
+                            <a:rPr lang="en-US" b="0" i="1" smtClean="0">
+                              <a:latin typeface="Cambria Math" panose="02040503050406030204" pitchFamily="18" charset="0"/>
+                            </a:rPr>
+                            <m:t>𝑑</m:t>
+                          </m:r>
+                        </m:e>
+                        <m:sub>
+                          <m:r>
+                            <a:rPr lang="en-US" b="0" i="1" smtClean="0">
+                              <a:latin typeface="Cambria Math" panose="02040503050406030204" pitchFamily="18" charset="0"/>
+                            </a:rPr>
+                            <m:t>2</m:t>
+                          </m:r>
+                        </m:sub>
+                      </m:sSub>
+                      <m:d>
+                        <m:dPr>
+                          <m:ctrlPr>
+                            <a:rPr lang="en-US" b="0" i="1" smtClean="0">
+                              <a:latin typeface="Cambria Math" panose="02040503050406030204" pitchFamily="18" charset="0"/>
+                            </a:rPr>
+                          </m:ctrlPr>
+                        </m:dPr>
+                        <m:e>
+                          <m:sSub>
+                            <m:sSubPr>
+                              <m:ctrlPr>
+                                <a:rPr lang="en-US" b="0" i="1" smtClean="0">
+                                  <a:latin typeface="Cambria Math" panose="02040503050406030204" pitchFamily="18" charset="0"/>
+                                </a:rPr>
+                              </m:ctrlPr>
+                            </m:sSubPr>
+                            <m:e>
+                              <m:r>
+                                <a:rPr lang="en-US" b="0" i="1" smtClean="0">
+                                  <a:latin typeface="Cambria Math" panose="02040503050406030204" pitchFamily="18" charset="0"/>
+                                </a:rPr>
+                                <m:t>𝑘</m:t>
+                              </m:r>
+                            </m:e>
+                            <m:sub>
+                              <m:r>
+                                <a:rPr lang="en-US" b="0" i="1" smtClean="0">
+                                  <a:latin typeface="Cambria Math" panose="02040503050406030204" pitchFamily="18" charset="0"/>
+                                </a:rPr>
+                                <m:t>2</m:t>
+                              </m:r>
+                            </m:sub>
+                          </m:sSub>
+                          <m:r>
+                            <a:rPr lang="en-US" b="0" i="1" smtClean="0">
+                              <a:latin typeface="Cambria Math" panose="02040503050406030204" pitchFamily="18" charset="0"/>
+                            </a:rPr>
+                            <m:t>−1</m:t>
+                          </m:r>
+                        </m:e>
+                      </m:d>
+                      <m:r>
+                        <a:rPr lang="en-US" b="0" i="1" smtClean="0">
+                          <a:latin typeface="Cambria Math" panose="02040503050406030204" pitchFamily="18" charset="0"/>
+                        </a:rPr>
+                        <m:t>+1</m:t>
+                      </m:r>
+                    </m:oMath>
+                  </m:oMathPara>
+                </a14:m>
+                <a:endParaRPr lang="en-US" dirty="0"/>
+              </a:p>
+            </p:txBody>
+          </p:sp>
+        </mc:Choice>
+        <mc:Fallback>
+          <p:sp>
+            <p:nvSpPr>
+              <p:cNvPr id="3" name="Content Placeholder 2">
+                <a:extLst>
+                  <a:ext uri="{FF2B5EF4-FFF2-40B4-BE49-F238E27FC236}">
+                    <a16:creationId xmlns:a16="http://schemas.microsoft.com/office/drawing/2014/main" id="{B4BCBD0E-EB29-6951-EAC5-9C7D4BCEDF4D}"/>
+                  </a:ext>
+                </a:extLst>
+              </p:cNvPr>
+              <p:cNvSpPr>
+                <a:spLocks noGrp="1" noRot="1" noChangeAspect="1" noMove="1" noResize="1" noEditPoints="1" noAdjustHandles="1" noChangeArrowheads="1" noChangeShapeType="1" noTextEdit="1"/>
+              </p:cNvSpPr>
+              <p:nvPr>
+                <p:ph idx="1"/>
+              </p:nvPr>
+            </p:nvSpPr>
+            <p:spPr>
+              <a:blipFill>
+                <a:blip r:embed="rId3"/>
+                <a:stretch>
+                  <a:fillRect t="-2241" b="-420"/>
+                </a:stretch>
+              </a:blipFill>
+            </p:spPr>
+            <p:txBody>
+              <a:bodyPr/>
+              <a:lstStyle/>
+              <a:p>
+                <a:r>
+                  <a:rPr lang="en-US">
+                    <a:noFill/>
+                  </a:rPr>
+                  <a:t> </a:t>
+                </a:r>
+              </a:p>
+            </p:txBody>
+          </p:sp>
+        </mc:Fallback>
+      </mc:AlternateContent>
+    </p:spTree>
+    <p:extLst>
+      <p:ext uri="{BB962C8B-B14F-4D97-AF65-F5344CB8AC3E}">
+        <p14:creationId xmlns:p14="http://schemas.microsoft.com/office/powerpoint/2010/main" val="1687989521"/>
+      </p:ext>
+    </p:extLst>
+  </p:cSld>
+  <p:clrMapOvr>
+    <a:masterClrMapping/>
+  </p:clrMapOvr>
+</p:sld>
+</file>
+
 <file path=ppt/theme/theme1.xml><?xml version="1.0" encoding="utf-8"?>
 <a:theme xmlns:a="http://schemas.openxmlformats.org/drawingml/2006/main" name="Office Theme">
   <a:themeElements>
@@ -4635,4 +6112,299 @@
     </a:ext>
   </a:extLst>
 </a:theme>
+</file>
+
+<file path=ppt/theme/theme2.xml><?xml version="1.0" encoding="utf-8"?>
+<a:theme xmlns:a="http://schemas.openxmlformats.org/drawingml/2006/main" name="Office Theme">
+  <a:themeElements>
+    <a:clrScheme name="Office">
+      <a:dk1>
+        <a:sysClr val="windowText" lastClr="000000"/>
+      </a:dk1>
+      <a:lt1>
+        <a:sysClr val="window" lastClr="FFFFFF"/>
+      </a:lt1>
+      <a:dk2>
+        <a:srgbClr val="44546A"/>
+      </a:dk2>
+      <a:lt2>
+        <a:srgbClr val="E7E6E6"/>
+      </a:lt2>
+      <a:accent1>
+        <a:srgbClr val="4472C4"/>
+      </a:accent1>
+      <a:accent2>
+        <a:srgbClr val="ED7D31"/>
+      </a:accent2>
+      <a:accent3>
+        <a:srgbClr val="A5A5A5"/>
+      </a:accent3>
+      <a:accent4>
+        <a:srgbClr val="FFC000"/>
+      </a:accent4>
+      <a:accent5>
+        <a:srgbClr val="5B9BD5"/>
+      </a:accent5>
+      <a:accent6>
+        <a:srgbClr val="70AD47"/>
+      </a:accent6>
+      <a:hlink>
+        <a:srgbClr val="0563C1"/>
+      </a:hlink>
+      <a:folHlink>
+        <a:srgbClr val="954F72"/>
+      </a:folHlink>
+    </a:clrScheme>
+    <a:fontScheme name="Office">
+      <a:majorFont>
+        <a:latin typeface="Calibri Light" panose="020F0302020204030204"/>
+        <a:ea typeface=""/>
+        <a:cs typeface=""/>
+        <a:font script="Jpan" typeface="游ゴシック Light"/>
+        <a:font script="Hang" typeface="맑은 고딕"/>
+        <a:font script="Hans" typeface="等线 Light"/>
+        <a:font script="Hant" typeface="新細明體"/>
+        <a:font script="Arab" typeface="Times New Roman"/>
+        <a:font script="Hebr" typeface="Times New Roman"/>
+        <a:font script="Thai" typeface="Angsana New"/>
+        <a:font script="Ethi" typeface="Nyala"/>
+        <a:font script="Beng" typeface="Vrinda"/>
+        <a:font script="Gujr" typeface="Shruti"/>
+        <a:font script="Khmr" typeface="MoolBoran"/>
+        <a:font script="Knda" typeface="Tunga"/>
+        <a:font script="Guru" typeface="Raavi"/>
+        <a:font script="Cans" typeface="Euphemia"/>
+        <a:font script="Cher" typeface="Plantagenet Cherokee"/>
+        <a:font script="Yiii" typeface="Microsoft Yi Baiti"/>
+        <a:font script="Tibt" typeface="Microsoft Himalaya"/>
+        <a:font script="Thaa" typeface="MV Boli"/>
+        <a:font script="Deva" typeface="Mangal"/>
+        <a:font script="Telu" typeface="Gautami"/>
+        <a:font script="Taml" typeface="Latha"/>
+        <a:font script="Syrc" typeface="Estrangelo Edessa"/>
+        <a:font script="Orya" typeface="Kalinga"/>
+        <a:font script="Mlym" typeface="Kartika"/>
+        <a:font script="Laoo" typeface="DokChampa"/>
+        <a:font script="Sinh" typeface="Iskoola Pota"/>
+        <a:font script="Mong" typeface="Mongolian Baiti"/>
+        <a:font script="Viet" typeface="Times New Roman"/>
+        <a:font script="Uigh" typeface="Microsoft Uighur"/>
+        <a:font script="Geor" typeface="Sylfaen"/>
+        <a:font script="Armn" typeface="Arial"/>
+        <a:font script="Bugi" typeface="Leelawadee UI"/>
+        <a:font script="Bopo" typeface="Microsoft JhengHei"/>
+        <a:font script="Java" typeface="Javanese Text"/>
+        <a:font script="Lisu" typeface="Segoe UI"/>
+        <a:font script="Mymr" typeface="Myanmar Text"/>
+        <a:font script="Nkoo" typeface="Ebrima"/>
+        <a:font script="Olck" typeface="Nirmala UI"/>
+        <a:font script="Osma" typeface="Ebrima"/>
+        <a:font script="Phag" typeface="Phagspa"/>
+        <a:font script="Syrn" typeface="Estrangelo Edessa"/>
+        <a:font script="Syrj" typeface="Estrangelo Edessa"/>
+        <a:font script="Syre" typeface="Estrangelo Edessa"/>
+        <a:font script="Sora" typeface="Nirmala UI"/>
+        <a:font script="Tale" typeface="Microsoft Tai Le"/>
+        <a:font script="Talu" typeface="Microsoft New Tai Lue"/>
+        <a:font script="Tfng" typeface="Ebrima"/>
+      </a:majorFont>
+      <a:minorFont>
+        <a:latin typeface="Calibri" panose="020F0502020204030204"/>
+        <a:ea typeface=""/>
+        <a:cs typeface=""/>
+        <a:font script="Jpan" typeface="游ゴシック"/>
+        <a:font script="Hang" typeface="맑은 고딕"/>
+        <a:font script="Hans" typeface="等线"/>
+        <a:font script="Hant" typeface="新細明體"/>
+        <a:font script="Arab" typeface="Arial"/>
+        <a:font script="Hebr" typeface="Arial"/>
+        <a:font script="Thai" typeface="Cordia New"/>
+        <a:font script="Ethi" typeface="Nyala"/>
+        <a:font script="Beng" typeface="Vrinda"/>
+        <a:font script="Gujr" typeface="Shruti"/>
+        <a:font script="Khmr" typeface="DaunPenh"/>
+        <a:font script="Knda" typeface="Tunga"/>
+        <a:font script="Guru" typeface="Raavi"/>
+        <a:font script="Cans" typeface="Euphemia"/>
+        <a:font script="Cher" typeface="Plantagenet Cherokee"/>
+        <a:font script="Yiii" typeface="Microsoft Yi Baiti"/>
+        <a:font script="Tibt" typeface="Microsoft Himalaya"/>
+        <a:font script="Thaa" typeface="MV Boli"/>
+        <a:font script="Deva" typeface="Mangal"/>
+        <a:font script="Telu" typeface="Gautami"/>
+        <a:font script="Taml" typeface="Latha"/>
+        <a:font script="Syrc" typeface="Estrangelo Edessa"/>
+        <a:font script="Orya" typeface="Kalinga"/>
+        <a:font script="Mlym" typeface="Kartika"/>
+        <a:font script="Laoo" typeface="DokChampa"/>
+        <a:font script="Sinh" typeface="Iskoola Pota"/>
+        <a:font script="Mong" typeface="Mongolian Baiti"/>
+        <a:font script="Viet" typeface="Arial"/>
+        <a:font script="Uigh" typeface="Microsoft Uighur"/>
+        <a:font script="Geor" typeface="Sylfaen"/>
+        <a:font script="Armn" typeface="Arial"/>
+        <a:font script="Bugi" typeface="Leelawadee UI"/>
+        <a:font script="Bopo" typeface="Microsoft JhengHei"/>
+        <a:font script="Java" typeface="Javanese Text"/>
+        <a:font script="Lisu" typeface="Segoe UI"/>
+        <a:font script="Mymr" typeface="Myanmar Text"/>
+        <a:font script="Nkoo" typeface="Ebrima"/>
+        <a:font script="Olck" typeface="Nirmala UI"/>
+        <a:font script="Osma" typeface="Ebrima"/>
+        <a:font script="Phag" typeface="Phagspa"/>
+        <a:font script="Syrn" typeface="Estrangelo Edessa"/>
+        <a:font script="Syrj" typeface="Estrangelo Edessa"/>
+        <a:font script="Syre" typeface="Estrangelo Edessa"/>
+        <a:font script="Sora" typeface="Nirmala UI"/>
+        <a:font script="Tale" typeface="Microsoft Tai Le"/>
+        <a:font script="Talu" typeface="Microsoft New Tai Lue"/>
+        <a:font script="Tfng" typeface="Ebrima"/>
+      </a:minorFont>
+    </a:fontScheme>
+    <a:fmtScheme name="Office">
+      <a:fillStyleLst>
+        <a:solidFill>
+          <a:schemeClr val="phClr"/>
+        </a:solidFill>
+        <a:gradFill rotWithShape="1">
+          <a:gsLst>
+            <a:gs pos="0">
+              <a:schemeClr val="phClr">
+                <a:lumMod val="110000"/>
+                <a:satMod val="105000"/>
+                <a:tint val="67000"/>
+              </a:schemeClr>
+            </a:gs>
+            <a:gs pos="50000">
+              <a:schemeClr val="phClr">
+                <a:lumMod val="105000"/>
+                <a:satMod val="103000"/>
+                <a:tint val="73000"/>
+              </a:schemeClr>
+            </a:gs>
+            <a:gs pos="100000">
+              <a:schemeClr val="phClr">
+                <a:lumMod val="105000"/>
+                <a:satMod val="109000"/>
+                <a:tint val="81000"/>
+              </a:schemeClr>
+            </a:gs>
+          </a:gsLst>
+          <a:lin ang="5400000" scaled="0"/>
+        </a:gradFill>
+        <a:gradFill rotWithShape="1">
+          <a:gsLst>
+            <a:gs pos="0">
+              <a:schemeClr val="phClr">
+                <a:satMod val="103000"/>
+                <a:lumMod val="102000"/>
+                <a:tint val="94000"/>
+              </a:schemeClr>
+            </a:gs>
+            <a:gs pos="50000">
+              <a:schemeClr val="phClr">
+                <a:satMod val="110000"/>
+                <a:lumMod val="100000"/>
+                <a:shade val="100000"/>
+              </a:schemeClr>
+            </a:gs>
+            <a:gs pos="100000">
+              <a:schemeClr val="phClr">
+                <a:lumMod val="99000"/>
+                <a:satMod val="120000"/>
+                <a:shade val="78000"/>
+              </a:schemeClr>
+            </a:gs>
+          </a:gsLst>
+          <a:lin ang="5400000" scaled="0"/>
+        </a:gradFill>
+      </a:fillStyleLst>
+      <a:lnStyleLst>
+        <a:ln w="6350" cap="flat" cmpd="sng" algn="ctr">
+          <a:solidFill>
+            <a:schemeClr val="phClr"/>
+          </a:solidFill>
+          <a:prstDash val="solid"/>
+          <a:miter lim="800000"/>
+        </a:ln>
+        <a:ln w="12700" cap="flat" cmpd="sng" algn="ctr">
+          <a:solidFill>
+            <a:schemeClr val="phClr"/>
+          </a:solidFill>
+          <a:prstDash val="solid"/>
+          <a:miter lim="800000"/>
+        </a:ln>
+        <a:ln w="19050" cap="flat" cmpd="sng" algn="ctr">
+          <a:solidFill>
+            <a:schemeClr val="phClr"/>
+          </a:solidFill>
+          <a:prstDash val="solid"/>
+          <a:miter lim="800000"/>
+        </a:ln>
+      </a:lnStyleLst>
+      <a:effectStyleLst>
+        <a:effectStyle>
+          <a:effectLst/>
+        </a:effectStyle>
+        <a:effectStyle>
+          <a:effectLst/>
+        </a:effectStyle>
+        <a:effectStyle>
+          <a:effectLst>
+            <a:outerShdw blurRad="57150" dist="19050" dir="5400000" algn="ctr" rotWithShape="0">
+              <a:srgbClr val="000000">
+                <a:alpha val="63000"/>
+              </a:srgbClr>
+            </a:outerShdw>
+          </a:effectLst>
+        </a:effectStyle>
+      </a:effectStyleLst>
+      <a:bgFillStyleLst>
+        <a:solidFill>
+          <a:schemeClr val="phClr"/>
+        </a:solidFill>
+        <a:solidFill>
+          <a:schemeClr val="phClr">
+            <a:tint val="95000"/>
+            <a:satMod val="170000"/>
+          </a:schemeClr>
+        </a:solidFill>
+        <a:gradFill rotWithShape="1">
+          <a:gsLst>
+            <a:gs pos="0">
+              <a:schemeClr val="phClr">
+                <a:tint val="93000"/>
+                <a:satMod val="150000"/>
+                <a:shade val="98000"/>
+                <a:lumMod val="102000"/>
+              </a:schemeClr>
+            </a:gs>
+            <a:gs pos="50000">
+              <a:schemeClr val="phClr">
+                <a:tint val="98000"/>
+                <a:satMod val="130000"/>
+                <a:shade val="90000"/>
+                <a:lumMod val="103000"/>
+              </a:schemeClr>
+            </a:gs>
+            <a:gs pos="100000">
+              <a:schemeClr val="phClr">
+                <a:shade val="63000"/>
+                <a:satMod val="120000"/>
+              </a:schemeClr>
+            </a:gs>
+          </a:gsLst>
+          <a:lin ang="5400000" scaled="0"/>
+        </a:gradFill>
+      </a:bgFillStyleLst>
+    </a:fmtScheme>
+  </a:themeElements>
+  <a:objectDefaults/>
+  <a:extraClrSchemeLst/>
+  <a:extLst>
+    <a:ext uri="{05A4C25C-085E-4340-85A3-A5531E510DB2}">
+      <thm15:themeFamily xmlns:thm15="http://schemas.microsoft.com/office/thememl/2012/main" name="Office Theme 2013 - 2022" id="{62F939B6-93AF-4DB8-9C6B-D6C7DFDC589F}" vid="{4A3C46E8-61CC-4603-A589-7422A47A8E4A}"/>
+    </a:ext>
+  </a:extLst>
+</a:theme>
 </file>
--- a/Slides_7.pptx
+++ b/Slides_7.pptx
@@ -4819,13 +4819,8 @@
           <a:p>
             <a:r>
               <a:rPr lang="en-US" dirty="0"/>
-              <a:t>Transposed Convolution </a:t>
+              <a:t>Transposed Convolution Output Size</a:t>
             </a:r>
-            <a:r>
-              <a:rPr lang="en-US"/>
-              <a:t>Output Size</a:t>
-            </a:r>
-            <a:endParaRPr lang="en-US" dirty="0"/>
           </a:p>
         </p:txBody>
       </p:sp>
@@ -4847,446 +4842,17 @@
                 <p:ph idx="1"/>
               </p:nvPr>
             </p:nvSpPr>
-            <p:spPr/>
+            <p:spPr>
+              <a:xfrm>
+                <a:off x="838200" y="5669280"/>
+                <a:ext cx="10515600" cy="507682"/>
+              </a:xfrm>
+            </p:spPr>
             <p:txBody>
               <a:bodyPr>
                 <a:normAutofit/>
               </a:bodyPr>
               <a:lstStyle/>
-              <a:p>
-                <a:pPr marL="0" indent="0" algn="ctr">
-                  <a:buNone/>
-                </a:pPr>
-                <a:r>
-                  <a:rPr lang="en-US" dirty="0"/>
-                  <a:t>Kernel: 	</a:t>
-                </a:r>
-                <a14:m>
-                  <m:oMath xmlns:m="http://schemas.openxmlformats.org/officeDocument/2006/math">
-                    <m:sSub>
-                      <m:sSubPr>
-                        <m:ctrlPr>
-                          <a:rPr lang="en-US" b="0" i="1" smtClean="0">
-                            <a:latin typeface="Cambria Math" panose="02040503050406030204" pitchFamily="18" charset="0"/>
-                          </a:rPr>
-                        </m:ctrlPr>
-                      </m:sSubPr>
-                      <m:e>
-                        <m:r>
-                          <a:rPr lang="en-US" b="0" i="1" smtClean="0">
-                            <a:latin typeface="Cambria Math" panose="02040503050406030204" pitchFamily="18" charset="0"/>
-                          </a:rPr>
-                          <m:t>(</m:t>
-                        </m:r>
-                        <m:r>
-                          <a:rPr lang="en-US" i="1">
-                            <a:latin typeface="Cambria Math" panose="02040503050406030204" pitchFamily="18" charset="0"/>
-                          </a:rPr>
-                          <m:t>𝑘</m:t>
-                        </m:r>
-                      </m:e>
-                      <m:sub>
-                        <m:r>
-                          <a:rPr lang="en-US" b="0" i="1" smtClean="0">
-                            <a:latin typeface="Cambria Math" panose="02040503050406030204" pitchFamily="18" charset="0"/>
-                          </a:rPr>
-                          <m:t>1</m:t>
-                        </m:r>
-                      </m:sub>
-                    </m:sSub>
-                    <m:r>
-                      <a:rPr lang="en-US" b="0" i="1" smtClean="0">
-                        <a:latin typeface="Cambria Math" panose="02040503050406030204" pitchFamily="18" charset="0"/>
-                      </a:rPr>
-                      <m:t>, </m:t>
-                    </m:r>
-                    <m:sSub>
-                      <m:sSubPr>
-                        <m:ctrlPr>
-                          <a:rPr lang="en-US" b="0" i="1" smtClean="0">
-                            <a:latin typeface="Cambria Math" panose="02040503050406030204" pitchFamily="18" charset="0"/>
-                          </a:rPr>
-                        </m:ctrlPr>
-                      </m:sSubPr>
-                      <m:e>
-                        <m:r>
-                          <a:rPr lang="en-US" i="1">
-                            <a:latin typeface="Cambria Math" panose="02040503050406030204" pitchFamily="18" charset="0"/>
-                          </a:rPr>
-                          <m:t>𝑘</m:t>
-                        </m:r>
-                      </m:e>
-                      <m:sub>
-                        <m:r>
-                          <a:rPr lang="en-US" b="0" i="1" smtClean="0">
-                            <a:latin typeface="Cambria Math" panose="02040503050406030204" pitchFamily="18" charset="0"/>
-                          </a:rPr>
-                          <m:t>2</m:t>
-                        </m:r>
-                      </m:sub>
-                    </m:sSub>
-                    <m:r>
-                      <a:rPr lang="en-US" b="0" i="1" smtClean="0">
-                        <a:latin typeface="Cambria Math" panose="02040503050406030204" pitchFamily="18" charset="0"/>
-                      </a:rPr>
-                      <m:t>)</m:t>
-                    </m:r>
-                  </m:oMath>
-                </a14:m>
-                <a:endParaRPr lang="en-US" dirty="0"/>
-              </a:p>
-              <a:p>
-                <a:pPr marL="0" indent="0" algn="ctr">
-                  <a:buNone/>
-                </a:pPr>
-                <a:r>
-                  <a:rPr lang="en-US" dirty="0"/>
-                  <a:t>Input image:		 </a:t>
-                </a:r>
-                <a14:m>
-                  <m:oMath xmlns:m="http://schemas.openxmlformats.org/officeDocument/2006/math">
-                    <m:r>
-                      <a:rPr lang="en-US" b="0" i="0" smtClean="0">
-                        <a:latin typeface="Cambria Math" panose="02040503050406030204" pitchFamily="18" charset="0"/>
-                      </a:rPr>
-                      <m:t>(</m:t>
-                    </m:r>
-                    <m:r>
-                      <a:rPr lang="en-US" b="0" i="1" smtClean="0">
-                        <a:latin typeface="Cambria Math" panose="02040503050406030204" pitchFamily="18" charset="0"/>
-                      </a:rPr>
-                      <m:t>𝑖</m:t>
-                    </m:r>
-                    <m:sSub>
-                      <m:sSubPr>
-                        <m:ctrlPr>
-                          <a:rPr lang="en-US" b="0" i="1" smtClean="0">
-                            <a:latin typeface="Cambria Math" panose="02040503050406030204" pitchFamily="18" charset="0"/>
-                          </a:rPr>
-                        </m:ctrlPr>
-                      </m:sSubPr>
-                      <m:e>
-                        <m:r>
-                          <a:rPr lang="en-US" b="0" i="1" smtClean="0">
-                            <a:latin typeface="Cambria Math" panose="02040503050406030204" pitchFamily="18" charset="0"/>
-                          </a:rPr>
-                          <m:t>𝑛</m:t>
-                        </m:r>
-                      </m:e>
-                      <m:sub>
-                        <m:r>
-                          <a:rPr lang="en-US" b="0" i="1" smtClean="0">
-                            <a:latin typeface="Cambria Math" panose="02040503050406030204" pitchFamily="18" charset="0"/>
-                          </a:rPr>
-                          <m:t>1</m:t>
-                        </m:r>
-                      </m:sub>
-                    </m:sSub>
-                    <m:r>
-                      <a:rPr lang="en-US" b="0" i="1" smtClean="0">
-                        <a:latin typeface="Cambria Math" panose="02040503050406030204" pitchFamily="18" charset="0"/>
-                      </a:rPr>
-                      <m:t>,</m:t>
-                    </m:r>
-                    <m:r>
-                      <a:rPr lang="en-US" b="0" i="1" smtClean="0">
-                        <a:latin typeface="Cambria Math" panose="02040503050406030204" pitchFamily="18" charset="0"/>
-                      </a:rPr>
-                      <m:t>𝑖</m:t>
-                    </m:r>
-                    <m:sSub>
-                      <m:sSubPr>
-                        <m:ctrlPr>
-                          <a:rPr lang="en-US" b="0" i="1" smtClean="0">
-                            <a:latin typeface="Cambria Math" panose="02040503050406030204" pitchFamily="18" charset="0"/>
-                          </a:rPr>
-                        </m:ctrlPr>
-                      </m:sSubPr>
-                      <m:e>
-                        <m:r>
-                          <a:rPr lang="en-US" b="0" i="1" smtClean="0">
-                            <a:latin typeface="Cambria Math" panose="02040503050406030204" pitchFamily="18" charset="0"/>
-                          </a:rPr>
-                          <m:t>𝑛</m:t>
-                        </m:r>
-                      </m:e>
-                      <m:sub>
-                        <m:r>
-                          <a:rPr lang="en-US" b="0" i="1" smtClean="0">
-                            <a:latin typeface="Cambria Math" panose="02040503050406030204" pitchFamily="18" charset="0"/>
-                          </a:rPr>
-                          <m:t>2</m:t>
-                        </m:r>
-                      </m:sub>
-                    </m:sSub>
-                    <m:r>
-                      <a:rPr lang="en-US" b="0" i="1" smtClean="0">
-                        <a:latin typeface="Cambria Math" panose="02040503050406030204" pitchFamily="18" charset="0"/>
-                      </a:rPr>
-                      <m:t>)</m:t>
-                    </m:r>
-                  </m:oMath>
-                </a14:m>
-                <a:endParaRPr lang="en-US" dirty="0"/>
-              </a:p>
-              <a:p>
-                <a:pPr marL="0" indent="0" algn="ctr">
-                  <a:buNone/>
-                </a:pPr>
-                <a:r>
-                  <a:rPr lang="en-US" dirty="0"/>
-                  <a:t>Padding: 	</a:t>
-                </a:r>
-                <a14:m>
-                  <m:oMath xmlns:m="http://schemas.openxmlformats.org/officeDocument/2006/math">
-                    <m:r>
-                      <a:rPr lang="en-US" b="0" i="0" smtClean="0">
-                        <a:latin typeface="Cambria Math" panose="02040503050406030204" pitchFamily="18" charset="0"/>
-                      </a:rPr>
-                      <m:t>(</m:t>
-                    </m:r>
-                    <m:sSub>
-                      <m:sSubPr>
-                        <m:ctrlPr>
-                          <a:rPr lang="en-US" b="0" i="1" smtClean="0">
-                            <a:latin typeface="Cambria Math" panose="02040503050406030204" pitchFamily="18" charset="0"/>
-                          </a:rPr>
-                        </m:ctrlPr>
-                      </m:sSubPr>
-                      <m:e>
-                        <m:r>
-                          <a:rPr lang="en-US" b="0" i="1" smtClean="0">
-                            <a:latin typeface="Cambria Math" panose="02040503050406030204" pitchFamily="18" charset="0"/>
-                          </a:rPr>
-                          <m:t>𝑝</m:t>
-                        </m:r>
-                      </m:e>
-                      <m:sub>
-                        <m:r>
-                          <a:rPr lang="en-US" b="0" i="1" smtClean="0">
-                            <a:latin typeface="Cambria Math" panose="02040503050406030204" pitchFamily="18" charset="0"/>
-                          </a:rPr>
-                          <m:t>1</m:t>
-                        </m:r>
-                      </m:sub>
-                    </m:sSub>
-                    <m:r>
-                      <a:rPr lang="en-US" b="0" i="1" smtClean="0">
-                        <a:latin typeface="Cambria Math" panose="02040503050406030204" pitchFamily="18" charset="0"/>
-                      </a:rPr>
-                      <m:t>,</m:t>
-                    </m:r>
-                    <m:sSub>
-                      <m:sSubPr>
-                        <m:ctrlPr>
-                          <a:rPr lang="en-US" b="0" i="1" smtClean="0">
-                            <a:latin typeface="Cambria Math" panose="02040503050406030204" pitchFamily="18" charset="0"/>
-                          </a:rPr>
-                        </m:ctrlPr>
-                      </m:sSubPr>
-                      <m:e>
-                        <m:r>
-                          <a:rPr lang="en-US" b="0" i="1" smtClean="0">
-                            <a:latin typeface="Cambria Math" panose="02040503050406030204" pitchFamily="18" charset="0"/>
-                          </a:rPr>
-                          <m:t>𝑝</m:t>
-                        </m:r>
-                      </m:e>
-                      <m:sub>
-                        <m:r>
-                          <a:rPr lang="en-US" b="0" i="1" smtClean="0">
-                            <a:latin typeface="Cambria Math" panose="02040503050406030204" pitchFamily="18" charset="0"/>
-                          </a:rPr>
-                          <m:t>2</m:t>
-                        </m:r>
-                      </m:sub>
-                    </m:sSub>
-                    <m:r>
-                      <a:rPr lang="en-US" b="0" i="1" smtClean="0">
-                        <a:latin typeface="Cambria Math" panose="02040503050406030204" pitchFamily="18" charset="0"/>
-                      </a:rPr>
-                      <m:t>)</m:t>
-                    </m:r>
-                  </m:oMath>
-                </a14:m>
-                <a:endParaRPr lang="en-US" dirty="0"/>
-              </a:p>
-              <a:p>
-                <a:pPr marL="0" indent="0" algn="ctr">
-                  <a:buNone/>
-                </a:pPr>
-                <a:r>
-                  <a:rPr lang="en-US" dirty="0"/>
-                  <a:t>Striding:	</a:t>
-                </a:r>
-                <a14:m>
-                  <m:oMath xmlns:m="http://schemas.openxmlformats.org/officeDocument/2006/math">
-                    <m:r>
-                      <a:rPr lang="en-US">
-                        <a:latin typeface="Cambria Math" panose="02040503050406030204" pitchFamily="18" charset="0"/>
-                      </a:rPr>
-                      <m:t>(</m:t>
-                    </m:r>
-                    <m:sSub>
-                      <m:sSubPr>
-                        <m:ctrlPr>
-                          <a:rPr lang="en-US" i="1">
-                            <a:latin typeface="Cambria Math" panose="02040503050406030204" pitchFamily="18" charset="0"/>
-                          </a:rPr>
-                        </m:ctrlPr>
-                      </m:sSubPr>
-                      <m:e>
-                        <m:r>
-                          <m:rPr>
-                            <m:sty m:val="p"/>
-                          </m:rPr>
-                          <a:rPr lang="en-US">
-                            <a:latin typeface="Cambria Math" panose="02040503050406030204" pitchFamily="18" charset="0"/>
-                          </a:rPr>
-                          <m:t>s</m:t>
-                        </m:r>
-                      </m:e>
-                      <m:sub>
-                        <m:r>
-                          <a:rPr lang="en-US">
-                            <a:latin typeface="Cambria Math" panose="02040503050406030204" pitchFamily="18" charset="0"/>
-                          </a:rPr>
-                          <m:t>1</m:t>
-                        </m:r>
-                      </m:sub>
-                    </m:sSub>
-                    <m:r>
-                      <a:rPr lang="en-US">
-                        <a:latin typeface="Cambria Math" panose="02040503050406030204" pitchFamily="18" charset="0"/>
-                      </a:rPr>
-                      <m:t>,</m:t>
-                    </m:r>
-                    <m:sSub>
-                      <m:sSubPr>
-                        <m:ctrlPr>
-                          <a:rPr lang="en-US" i="1">
-                            <a:latin typeface="Cambria Math" panose="02040503050406030204" pitchFamily="18" charset="0"/>
-                          </a:rPr>
-                        </m:ctrlPr>
-                      </m:sSubPr>
-                      <m:e>
-                        <m:r>
-                          <m:rPr>
-                            <m:sty m:val="p"/>
-                          </m:rPr>
-                          <a:rPr lang="en-US">
-                            <a:latin typeface="Cambria Math" panose="02040503050406030204" pitchFamily="18" charset="0"/>
-                          </a:rPr>
-                          <m:t>s</m:t>
-                        </m:r>
-                      </m:e>
-                      <m:sub>
-                        <m:r>
-                          <a:rPr lang="en-US">
-                            <a:latin typeface="Cambria Math" panose="02040503050406030204" pitchFamily="18" charset="0"/>
-                          </a:rPr>
-                          <m:t>2</m:t>
-                        </m:r>
-                      </m:sub>
-                    </m:sSub>
-                    <m:r>
-                      <a:rPr lang="en-US">
-                        <a:latin typeface="Cambria Math" panose="02040503050406030204" pitchFamily="18" charset="0"/>
-                      </a:rPr>
-                      <m:t>)</m:t>
-                    </m:r>
-                  </m:oMath>
-                </a14:m>
-                <a:endParaRPr lang="en-US" dirty="0"/>
-              </a:p>
-              <a:p>
-                <a:pPr marL="0" indent="0" algn="ctr">
-                  <a:buNone/>
-                </a:pPr>
-                <a:r>
-                  <a:rPr lang="en-US" dirty="0"/>
-                  <a:t>Dilation:	</a:t>
-                </a:r>
-                <a14:m>
-                  <m:oMath xmlns:m="http://schemas.openxmlformats.org/officeDocument/2006/math">
-                    <m:r>
-                      <a:rPr lang="en-US" b="0" i="0" smtClean="0">
-                        <a:latin typeface="Cambria Math" panose="02040503050406030204" pitchFamily="18" charset="0"/>
-                      </a:rPr>
-                      <m:t>(</m:t>
-                    </m:r>
-                    <m:sSub>
-                      <m:sSubPr>
-                        <m:ctrlPr>
-                          <a:rPr lang="en-US" b="0" i="1" smtClean="0">
-                            <a:latin typeface="Cambria Math" panose="02040503050406030204" pitchFamily="18" charset="0"/>
-                          </a:rPr>
-                        </m:ctrlPr>
-                      </m:sSubPr>
-                      <m:e>
-                        <m:r>
-                          <a:rPr lang="en-US" b="0" i="1" smtClean="0">
-                            <a:latin typeface="Cambria Math" panose="02040503050406030204" pitchFamily="18" charset="0"/>
-                          </a:rPr>
-                          <m:t>𝑑</m:t>
-                        </m:r>
-                      </m:e>
-                      <m:sub>
-                        <m:r>
-                          <a:rPr lang="en-US" b="0" i="1" smtClean="0">
-                            <a:latin typeface="Cambria Math" panose="02040503050406030204" pitchFamily="18" charset="0"/>
-                          </a:rPr>
-                          <m:t>1</m:t>
-                        </m:r>
-                      </m:sub>
-                    </m:sSub>
-                    <m:r>
-                      <a:rPr lang="en-US" b="0" i="0" smtClean="0">
-                        <a:latin typeface="Cambria Math" panose="02040503050406030204" pitchFamily="18" charset="0"/>
-                      </a:rPr>
-                      <m:t>,</m:t>
-                    </m:r>
-                    <m:sSub>
-                      <m:sSubPr>
-                        <m:ctrlPr>
-                          <a:rPr lang="en-US" b="0" i="1" smtClean="0">
-                            <a:latin typeface="Cambria Math" panose="02040503050406030204" pitchFamily="18" charset="0"/>
-                          </a:rPr>
-                        </m:ctrlPr>
-                      </m:sSubPr>
-                      <m:e>
-                        <m:r>
-                          <a:rPr lang="en-US" b="0" i="1" smtClean="0">
-                            <a:latin typeface="Cambria Math" panose="02040503050406030204" pitchFamily="18" charset="0"/>
-                          </a:rPr>
-                          <m:t>𝑑</m:t>
-                        </m:r>
-                      </m:e>
-                      <m:sub>
-                        <m:r>
-                          <a:rPr lang="en-US" b="0" i="0" smtClean="0">
-                            <a:latin typeface="Cambria Math" panose="02040503050406030204" pitchFamily="18" charset="0"/>
-                          </a:rPr>
-                          <m:t>2</m:t>
-                        </m:r>
-                      </m:sub>
-                    </m:sSub>
-                    <m:r>
-                      <a:rPr lang="en-US" b="0" i="0" smtClean="0">
-                        <a:latin typeface="Cambria Math" panose="02040503050406030204" pitchFamily="18" charset="0"/>
-                      </a:rPr>
-                      <m:t>)</m:t>
-                    </m:r>
-                  </m:oMath>
-                </a14:m>
-                <a:endParaRPr lang="en-US" dirty="0"/>
-              </a:p>
-              <a:p>
-                <a:pPr marL="0" indent="0" algn="ctr">
-                  <a:buNone/>
-                </a:pPr>
-                <a:endParaRPr lang="en-US" dirty="0"/>
-              </a:p>
               <a:p>
                 <a:pPr marL="0" indent="0" algn="ctr">
                   <a:buNone/>
@@ -5324,7 +4890,7 @@
                             <a:rPr lang="en-US" b="0" i="1" smtClean="0">
                               <a:latin typeface="Cambria Math" panose="02040503050406030204" pitchFamily="18" charset="0"/>
                             </a:rPr>
-                            <m:t>2</m:t>
+                            <m:t>𝑖</m:t>
                           </m:r>
                         </m:sub>
                       </m:sSub>
@@ -5370,7 +4936,7 @@
                                 <a:rPr lang="en-US" b="0" i="1" smtClean="0">
                                   <a:latin typeface="Cambria Math" panose="02040503050406030204" pitchFamily="18" charset="0"/>
                                 </a:rPr>
-                                <m:t>1</m:t>
+                                <m:t>𝑖</m:t>
                               </m:r>
                             </m:sub>
                           </m:sSub>
@@ -5403,7 +4969,7 @@
                             <a:rPr lang="en-US" b="0" i="1" smtClean="0">
                               <a:latin typeface="Cambria Math" panose="02040503050406030204" pitchFamily="18" charset="0"/>
                             </a:rPr>
-                            <m:t>1</m:t>
+                            <m:t>𝑖</m:t>
                           </m:r>
                         </m:sub>
                       </m:sSub>
@@ -5434,7 +5000,7 @@
                             <a:rPr lang="en-US" b="0" i="1" smtClean="0">
                               <a:latin typeface="Cambria Math" panose="02040503050406030204" pitchFamily="18" charset="0"/>
                             </a:rPr>
-                            <m:t>1</m:t>
+                            <m:t>𝑖</m:t>
                           </m:r>
                         </m:sub>
                       </m:sSub>
@@ -5465,7 +5031,7 @@
                             <a:rPr lang="en-US" b="0" i="1" smtClean="0">
                               <a:latin typeface="Cambria Math" panose="02040503050406030204" pitchFamily="18" charset="0"/>
                             </a:rPr>
-                            <m:t>1</m:t>
+                            <m:t>𝑖</m:t>
                           </m:r>
                         </m:sub>
                       </m:sSub>
@@ -5499,7 +5065,7 @@
                                 <a:rPr lang="en-US" b="0" i="1" smtClean="0">
                                   <a:latin typeface="Cambria Math" panose="02040503050406030204" pitchFamily="18" charset="0"/>
                                 </a:rPr>
-                                <m:t>1</m:t>
+                                <m:t>𝑖</m:t>
                               </m:r>
                             </m:sub>
                           </m:sSub>
@@ -5515,174 +5081,6 @@
                         <a:rPr lang="en-US" b="0" i="1" smtClean="0">
                           <a:latin typeface="Cambria Math" panose="02040503050406030204" pitchFamily="18" charset="0"/>
                         </a:rPr>
-                        <m:t>+1</m:t>
-                      </m:r>
-                    </m:oMath>
-                  </m:oMathPara>
-                </a14:m>
-                <a:endParaRPr lang="en-US" dirty="0"/>
-              </a:p>
-              <a:p>
-                <a:pPr marL="0" indent="0" algn="ctr">
-                  <a:buNone/>
-                </a:pPr>
-                <a:endParaRPr lang="en-US" dirty="0"/>
-              </a:p>
-              <a:p>
-                <a:pPr marL="0" indent="0" algn="ctr">
-                  <a:buNone/>
-                </a:pPr>
-                <a14:m>
-                  <m:oMathPara xmlns:m="http://schemas.openxmlformats.org/officeDocument/2006/math">
-                    <m:oMathParaPr>
-                      <m:jc m:val="centerGroup"/>
-                    </m:oMathParaPr>
-                    <m:oMath xmlns:m="http://schemas.openxmlformats.org/officeDocument/2006/math">
-                      <m:r>
-                        <a:rPr lang="en-US" b="0" i="1" smtClean="0">
-                          <a:latin typeface="Cambria Math" panose="02040503050406030204" pitchFamily="18" charset="0"/>
-                        </a:rPr>
-                        <m:t>𝑜𝑢</m:t>
-                      </m:r>
-                      <m:sSub>
-                        <m:sSubPr>
-                          <m:ctrlPr>
-                            <a:rPr lang="en-US" b="0" i="1" smtClean="0">
-                              <a:latin typeface="Cambria Math" panose="02040503050406030204" pitchFamily="18" charset="0"/>
-                            </a:rPr>
-                          </m:ctrlPr>
-                        </m:sSubPr>
-                        <m:e>
-                          <m:r>
-                            <a:rPr lang="en-US" b="0" i="1" smtClean="0">
-                              <a:latin typeface="Cambria Math" panose="02040503050406030204" pitchFamily="18" charset="0"/>
-                            </a:rPr>
-                            <m:t>𝑡</m:t>
-                          </m:r>
-                        </m:e>
-                        <m:sub>
-                          <m:r>
-                            <a:rPr lang="en-US" b="0" i="1" smtClean="0">
-                              <a:latin typeface="Cambria Math" panose="02040503050406030204" pitchFamily="18" charset="0"/>
-                            </a:rPr>
-                            <m:t>1</m:t>
-                          </m:r>
-                        </m:sub>
-                      </m:sSub>
-                      <m:r>
-                        <a:rPr lang="en-US" b="0" i="1" smtClean="0">
-                          <a:latin typeface="Cambria Math" panose="02040503050406030204" pitchFamily="18" charset="0"/>
-                        </a:rPr>
-                        <m:t>= </m:t>
-                      </m:r>
-                      <m:d>
-                        <m:dPr>
-                          <m:ctrlPr>
-                            <a:rPr lang="en-US" b="0" i="1" smtClean="0">
-                              <a:latin typeface="Cambria Math" panose="02040503050406030204" pitchFamily="18" charset="0"/>
-                            </a:rPr>
-                          </m:ctrlPr>
-                        </m:dPr>
-                        <m:e>
-                          <m:r>
-                            <a:rPr lang="en-US" b="0" i="1" smtClean="0">
-                              <a:latin typeface="Cambria Math" panose="02040503050406030204" pitchFamily="18" charset="0"/>
-                            </a:rPr>
-                            <m:t>𝑖</m:t>
-                          </m:r>
-                          <m:sSub>
-                            <m:sSubPr>
-                              <m:ctrlPr>
-                                <a:rPr lang="en-US" b="0" i="1" smtClean="0">
-                                  <a:latin typeface="Cambria Math" panose="02040503050406030204" pitchFamily="18" charset="0"/>
-                                </a:rPr>
-                              </m:ctrlPr>
-                            </m:sSubPr>
-                            <m:e>
-                              <m:r>
-                                <a:rPr lang="en-US" b="0" i="1" smtClean="0">
-                                  <a:latin typeface="Cambria Math" panose="02040503050406030204" pitchFamily="18" charset="0"/>
-                                </a:rPr>
-                                <m:t>𝑛</m:t>
-                              </m:r>
-                            </m:e>
-                            <m:sub>
-                              <m:r>
-                                <a:rPr lang="en-US" b="0" i="1" smtClean="0">
-                                  <a:latin typeface="Cambria Math" panose="02040503050406030204" pitchFamily="18" charset="0"/>
-                                </a:rPr>
-                                <m:t>2</m:t>
-                              </m:r>
-                            </m:sub>
-                          </m:sSub>
-                          <m:r>
-                            <a:rPr lang="en-US" b="0" i="1" smtClean="0">
-                              <a:latin typeface="Cambria Math" panose="02040503050406030204" pitchFamily="18" charset="0"/>
-                            </a:rPr>
-                            <m:t>−1</m:t>
-                          </m:r>
-                        </m:e>
-                      </m:d>
-                      <m:sSub>
-                        <m:sSubPr>
-                          <m:ctrlPr>
-                            <a:rPr lang="en-US" b="0" i="1" smtClean="0">
-                              <a:latin typeface="Cambria Math" panose="02040503050406030204" pitchFamily="18" charset="0"/>
-                            </a:rPr>
-                          </m:ctrlPr>
-                        </m:sSubPr>
-                        <m:e>
-                          <m:r>
-                            <a:rPr lang="en-US" b="0" i="1" smtClean="0">
-                              <a:latin typeface="Cambria Math" panose="02040503050406030204" pitchFamily="18" charset="0"/>
-                            </a:rPr>
-                            <m:t>𝑠</m:t>
-                          </m:r>
-                        </m:e>
-                        <m:sub>
-                          <m:r>
-                            <a:rPr lang="en-US" b="0" i="1" smtClean="0">
-                              <a:latin typeface="Cambria Math" panose="02040503050406030204" pitchFamily="18" charset="0"/>
-                            </a:rPr>
-                            <m:t>2</m:t>
-                          </m:r>
-                        </m:sub>
-                      </m:sSub>
-                      <m:r>
-                        <a:rPr lang="en-US" b="0" i="1" smtClean="0">
-                          <a:latin typeface="Cambria Math" panose="02040503050406030204" pitchFamily="18" charset="0"/>
-                        </a:rPr>
-                        <m:t>−2</m:t>
-                      </m:r>
-                      <m:sSub>
-                        <m:sSubPr>
-                          <m:ctrlPr>
-                            <a:rPr lang="en-US" b="0" i="1" smtClean="0">
-                              <a:latin typeface="Cambria Math" panose="02040503050406030204" pitchFamily="18" charset="0"/>
-                            </a:rPr>
-                          </m:ctrlPr>
-                        </m:sSubPr>
-                        <m:e>
-                          <m:r>
-                            <a:rPr lang="en-US" b="0" i="1" smtClean="0">
-                              <a:latin typeface="Cambria Math" panose="02040503050406030204" pitchFamily="18" charset="0"/>
-                            </a:rPr>
-                            <m:t>𝑝</m:t>
-                          </m:r>
-                        </m:e>
-                        <m:sub>
-                          <m:r>
-                            <a:rPr lang="en-US" b="0" i="1" smtClean="0">
-                              <a:latin typeface="Cambria Math" panose="02040503050406030204" pitchFamily="18" charset="0"/>
-                            </a:rPr>
-                            <m:t>2</m:t>
-                          </m:r>
-                        </m:sub>
-                      </m:sSub>
-                      <m:r>
-                        <a:rPr lang="en-US" b="0" i="1" smtClean="0">
-                          <a:latin typeface="Cambria Math" panose="02040503050406030204" pitchFamily="18" charset="0"/>
-                        </a:rPr>
                         <m:t>+</m:t>
                       </m:r>
                       <m:sSub>
@@ -5694,69 +5092,45 @@
                           </m:ctrlPr>
                         </m:sSubPr>
                         <m:e>
-                          <m:r>
-                            <a:rPr lang="en-US" b="0" i="1" smtClean="0">
-                              <a:latin typeface="Cambria Math" panose="02040503050406030204" pitchFamily="18" charset="0"/>
-                            </a:rPr>
-                            <m:t>𝑑</m:t>
-                          </m:r>
+                          <m:acc>
+                            <m:accPr>
+                              <m:chr m:val="̃"/>
+                              <m:ctrlPr>
+                                <a:rPr lang="en-US" b="0" i="1" smtClean="0">
+                                  <a:latin typeface="Cambria Math" panose="02040503050406030204" pitchFamily="18" charset="0"/>
+                                </a:rPr>
+                              </m:ctrlPr>
+                            </m:accPr>
+                            <m:e>
+                              <m:r>
+                                <a:rPr lang="en-US" b="0" i="1" smtClean="0">
+                                  <a:latin typeface="Cambria Math" panose="02040503050406030204" pitchFamily="18" charset="0"/>
+                                </a:rPr>
+                                <m:t>𝑝</m:t>
+                              </m:r>
+                            </m:e>
+                          </m:acc>
                         </m:e>
                         <m:sub>
                           <m:r>
                             <a:rPr lang="en-US" b="0" i="1" smtClean="0">
                               <a:latin typeface="Cambria Math" panose="02040503050406030204" pitchFamily="18" charset="0"/>
                             </a:rPr>
-                            <m:t>2</m:t>
+                            <m:t>𝑖</m:t>
                           </m:r>
                         </m:sub>
                       </m:sSub>
-                      <m:d>
-                        <m:dPr>
-                          <m:ctrlPr>
-                            <a:rPr lang="en-US" b="0" i="1" smtClean="0">
-                              <a:latin typeface="Cambria Math" panose="02040503050406030204" pitchFamily="18" charset="0"/>
-                            </a:rPr>
-                          </m:ctrlPr>
-                        </m:dPr>
-                        <m:e>
-                          <m:sSub>
-                            <m:sSubPr>
-                              <m:ctrlPr>
-                                <a:rPr lang="en-US" b="0" i="1" smtClean="0">
-                                  <a:latin typeface="Cambria Math" panose="02040503050406030204" pitchFamily="18" charset="0"/>
-                                </a:rPr>
-                              </m:ctrlPr>
-                            </m:sSubPr>
-                            <m:e>
-                              <m:r>
-                                <a:rPr lang="en-US" b="0" i="1" smtClean="0">
-                                  <a:latin typeface="Cambria Math" panose="02040503050406030204" pitchFamily="18" charset="0"/>
-                                </a:rPr>
-                                <m:t>𝑘</m:t>
-                              </m:r>
-                            </m:e>
-                            <m:sub>
-                              <m:r>
-                                <a:rPr lang="en-US" b="0" i="1" smtClean="0">
-                                  <a:latin typeface="Cambria Math" panose="02040503050406030204" pitchFamily="18" charset="0"/>
-                                </a:rPr>
-                                <m:t>2</m:t>
-                              </m:r>
-                            </m:sub>
-                          </m:sSub>
-                          <m:r>
-                            <a:rPr lang="en-US" b="0" i="1" smtClean="0">
-                              <a:latin typeface="Cambria Math" panose="02040503050406030204" pitchFamily="18" charset="0"/>
-                            </a:rPr>
-                            <m:t>−1</m:t>
-                          </m:r>
-                        </m:e>
-                      </m:d>
                       <m:r>
                         <a:rPr lang="en-US" b="0" i="1" smtClean="0">
                           <a:latin typeface="Cambria Math" panose="02040503050406030204" pitchFamily="18" charset="0"/>
                         </a:rPr>
-                        <m:t>+1</m:t>
+                        <m:t>+</m:t>
+                      </m:r>
+                      <m:r>
+                        <a:rPr lang="en-US" b="0" i="1" smtClean="0">
+                          <a:latin typeface="Cambria Math" panose="02040503050406030204" pitchFamily="18" charset="0"/>
+                        </a:rPr>
+                        <m:t>1</m:t>
                       </m:r>
                     </m:oMath>
                   </m:oMathPara>
@@ -5784,10 +5158,14 @@
               </p:nvPr>
             </p:nvSpPr>
             <p:spPr>
+              <a:xfrm>
+                <a:off x="838200" y="5669280"/>
+                <a:ext cx="10515600" cy="507682"/>
+              </a:xfrm>
               <a:blipFill>
                 <a:blip r:embed="rId3"/>
                 <a:stretch>
-                  <a:fillRect t="-2241" b="-420"/>
+                  <a:fillRect t="-6024" b="-6024"/>
                 </a:stretch>
               </a:blipFill>
             </p:spPr>
@@ -5804,6 +5182,2635 @@
               </a:p>
             </p:txBody>
           </p:sp>
+        </mc:Fallback>
+      </mc:AlternateContent>
+      <mc:AlternateContent xmlns:mc="http://schemas.openxmlformats.org/markup-compatibility/2006">
+        <mc:Choice xmlns:a14="http://schemas.microsoft.com/office/drawing/2010/main" Requires="a14">
+          <p:graphicFrame>
+            <p:nvGraphicFramePr>
+              <p:cNvPr id="4" name="Table 4">
+                <a:extLst>
+                  <a:ext uri="{FF2B5EF4-FFF2-40B4-BE49-F238E27FC236}">
+                    <a16:creationId xmlns:a16="http://schemas.microsoft.com/office/drawing/2014/main" id="{D1FCFCAB-B3D0-9841-4EDB-7C439FFFCDD6}"/>
+                  </a:ext>
+                </a:extLst>
+              </p:cNvPr>
+              <p:cNvGraphicFramePr>
+                <a:graphicFrameLocks noGrp="1"/>
+              </p:cNvGraphicFramePr>
+              <p:nvPr>
+                <p:extLst>
+                  <p:ext uri="{D42A27DB-BD31-4B8C-83A1-F6EECF244321}">
+                    <p14:modId xmlns:p14="http://schemas.microsoft.com/office/powerpoint/2010/main" val="234225056"/>
+                  </p:ext>
+                </p:extLst>
+              </p:nvPr>
+            </p:nvGraphicFramePr>
+            <p:xfrm>
+              <a:off x="3521423" y="1690688"/>
+              <a:ext cx="5149154" cy="3521392"/>
+            </p:xfrm>
+            <a:graphic>
+              <a:graphicData uri="http://schemas.openxmlformats.org/drawingml/2006/table">
+                <a:tbl>
+                  <a:tblPr firstRow="1" bandRow="1">
+                    <a:tableStyleId>{5C22544A-7EE6-4342-B048-85BDC9FD1C3A}</a:tableStyleId>
+                  </a:tblPr>
+                  <a:tblGrid>
+                    <a:gridCol w="2574577">
+                      <a:extLst>
+                        <a:ext uri="{9D8B030D-6E8A-4147-A177-3AD203B41FA5}">
+                          <a16:colId xmlns:a16="http://schemas.microsoft.com/office/drawing/2014/main" val="1867715976"/>
+                        </a:ext>
+                      </a:extLst>
+                    </a:gridCol>
+                    <a:gridCol w="2574577">
+                      <a:extLst>
+                        <a:ext uri="{9D8B030D-6E8A-4147-A177-3AD203B41FA5}">
+                          <a16:colId xmlns:a16="http://schemas.microsoft.com/office/drawing/2014/main" val="2067955847"/>
+                        </a:ext>
+                      </a:extLst>
+                    </a:gridCol>
+                  </a:tblGrid>
+                  <a:tr h="503056">
+                    <a:tc>
+                      <a:txBody>
+                        <a:bodyPr/>
+                        <a:lstStyle/>
+                        <a:p>
+                          <a:pPr marL="0" indent="0" algn="r">
+                            <a:buNone/>
+                          </a:pPr>
+                          <a:r>
+                            <a:rPr lang="en-US" sz="2400" b="0" dirty="0">
+                              <a:solidFill>
+                                <a:schemeClr val="tx1"/>
+                              </a:solidFill>
+                            </a:rPr>
+                            <a:t>Kernel:</a:t>
+                          </a:r>
+                        </a:p>
+                      </a:txBody>
+                      <a:tcPr marL="124041" marR="124041" marT="62021" marB="62021">
+                        <a:lnL w="12700" cap="flat" cmpd="sng" algn="ctr">
+                          <a:noFill/>
+                          <a:prstDash val="solid"/>
+                          <a:round/>
+                          <a:headEnd type="none" w="med" len="med"/>
+                          <a:tailEnd type="none" w="med" len="med"/>
+                        </a:lnL>
+                        <a:lnR w="12700" cap="flat" cmpd="sng" algn="ctr">
+                          <a:noFill/>
+                          <a:prstDash val="solid"/>
+                          <a:round/>
+                          <a:headEnd type="none" w="med" len="med"/>
+                          <a:tailEnd type="none" w="med" len="med"/>
+                        </a:lnR>
+                        <a:lnT w="12700" cap="flat" cmpd="sng" algn="ctr">
+                          <a:noFill/>
+                          <a:prstDash val="solid"/>
+                          <a:round/>
+                          <a:headEnd type="none" w="med" len="med"/>
+                          <a:tailEnd type="none" w="med" len="med"/>
+                        </a:lnT>
+                        <a:lnB w="12700" cap="flat" cmpd="sng" algn="ctr">
+                          <a:noFill/>
+                          <a:prstDash val="solid"/>
+                          <a:round/>
+                          <a:headEnd type="none" w="med" len="med"/>
+                          <a:tailEnd type="none" w="med" len="med"/>
+                        </a:lnB>
+                        <a:lnTlToBr w="12700" cmpd="sng">
+                          <a:noFill/>
+                          <a:prstDash val="solid"/>
+                        </a:lnTlToBr>
+                        <a:lnBlToTr w="12700" cmpd="sng">
+                          <a:noFill/>
+                          <a:prstDash val="solid"/>
+                        </a:lnBlToTr>
+                        <a:noFill/>
+                      </a:tcPr>
+                    </a:tc>
+                    <a:tc>
+                      <a:txBody>
+                        <a:bodyPr/>
+                        <a:lstStyle/>
+                        <a:p>
+                          <a:pPr marL="0" marR="0" lvl="0" indent="0" algn="l" defTabSz="914400" rtl="0" eaLnBrk="1" fontAlgn="auto" latinLnBrk="0" hangingPunct="1">
+                            <a:lnSpc>
+                              <a:spcPct val="100000"/>
+                            </a:lnSpc>
+                            <a:spcBef>
+                              <a:spcPts val="0"/>
+                            </a:spcBef>
+                            <a:spcAft>
+                              <a:spcPts val="0"/>
+                            </a:spcAft>
+                            <a:buClrTx/>
+                            <a:buSzTx/>
+                            <a:buFontTx/>
+                            <a:buNone/>
+                            <a:tabLst/>
+                            <a:defRPr/>
+                          </a:pPr>
+                          <a14:m>
+                            <m:oMathPara xmlns:m="http://schemas.openxmlformats.org/officeDocument/2006/math">
+                              <m:oMathParaPr>
+                                <m:jc m:val="centerGroup"/>
+                              </m:oMathParaPr>
+                              <m:oMath xmlns:m="http://schemas.openxmlformats.org/officeDocument/2006/math">
+                                <m:sSub>
+                                  <m:sSubPr>
+                                    <m:ctrlPr>
+                                      <a:rPr lang="en-US" sz="2400" b="0" i="1" smtClean="0">
+                                        <a:solidFill>
+                                          <a:schemeClr val="tx1"/>
+                                        </a:solidFill>
+                                        <a:latin typeface="Cambria Math" panose="02040503050406030204" pitchFamily="18" charset="0"/>
+                                      </a:rPr>
+                                    </m:ctrlPr>
+                                  </m:sSubPr>
+                                  <m:e>
+                                    <m:r>
+                                      <a:rPr lang="en-US" sz="2400" b="0" i="1" smtClean="0">
+                                        <a:solidFill>
+                                          <a:schemeClr val="tx1"/>
+                                        </a:solidFill>
+                                        <a:latin typeface="Cambria Math" panose="02040503050406030204" pitchFamily="18" charset="0"/>
+                                      </a:rPr>
+                                      <m:t>(</m:t>
+                                    </m:r>
+                                    <m:r>
+                                      <a:rPr lang="en-US" sz="2400" i="1">
+                                        <a:solidFill>
+                                          <a:schemeClr val="tx1"/>
+                                        </a:solidFill>
+                                        <a:latin typeface="Cambria Math" panose="02040503050406030204" pitchFamily="18" charset="0"/>
+                                      </a:rPr>
+                                      <m:t>𝑘</m:t>
+                                    </m:r>
+                                  </m:e>
+                                  <m:sub>
+                                    <m:r>
+                                      <a:rPr lang="en-US" sz="2400" b="0" i="1" smtClean="0">
+                                        <a:solidFill>
+                                          <a:schemeClr val="tx1"/>
+                                        </a:solidFill>
+                                        <a:latin typeface="Cambria Math" panose="02040503050406030204" pitchFamily="18" charset="0"/>
+                                      </a:rPr>
+                                      <m:t>1</m:t>
+                                    </m:r>
+                                  </m:sub>
+                                </m:sSub>
+                                <m:r>
+                                  <a:rPr lang="en-US" sz="2400" b="0" i="1" smtClean="0">
+                                    <a:solidFill>
+                                      <a:schemeClr val="tx1"/>
+                                    </a:solidFill>
+                                    <a:latin typeface="Cambria Math" panose="02040503050406030204" pitchFamily="18" charset="0"/>
+                                  </a:rPr>
+                                  <m:t>, </m:t>
+                                </m:r>
+                                <m:sSub>
+                                  <m:sSubPr>
+                                    <m:ctrlPr>
+                                      <a:rPr lang="en-US" sz="2400" b="0" i="1" smtClean="0">
+                                        <a:solidFill>
+                                          <a:schemeClr val="tx1"/>
+                                        </a:solidFill>
+                                        <a:latin typeface="Cambria Math" panose="02040503050406030204" pitchFamily="18" charset="0"/>
+                                      </a:rPr>
+                                    </m:ctrlPr>
+                                  </m:sSubPr>
+                                  <m:e>
+                                    <m:r>
+                                      <a:rPr lang="en-US" sz="2400" i="1">
+                                        <a:solidFill>
+                                          <a:schemeClr val="tx1"/>
+                                        </a:solidFill>
+                                        <a:latin typeface="Cambria Math" panose="02040503050406030204" pitchFamily="18" charset="0"/>
+                                      </a:rPr>
+                                      <m:t>𝑘</m:t>
+                                    </m:r>
+                                  </m:e>
+                                  <m:sub>
+                                    <m:r>
+                                      <a:rPr lang="en-US" sz="2400" b="0" i="1" smtClean="0">
+                                        <a:solidFill>
+                                          <a:schemeClr val="tx1"/>
+                                        </a:solidFill>
+                                        <a:latin typeface="Cambria Math" panose="02040503050406030204" pitchFamily="18" charset="0"/>
+                                      </a:rPr>
+                                      <m:t>2</m:t>
+                                    </m:r>
+                                  </m:sub>
+                                </m:sSub>
+                                <m:r>
+                                  <a:rPr lang="en-US" sz="2400" b="0" i="1" smtClean="0">
+                                    <a:solidFill>
+                                      <a:schemeClr val="tx1"/>
+                                    </a:solidFill>
+                                    <a:latin typeface="Cambria Math" panose="02040503050406030204" pitchFamily="18" charset="0"/>
+                                  </a:rPr>
+                                  <m:t>)</m:t>
+                                </m:r>
+                              </m:oMath>
+                            </m:oMathPara>
+                          </a14:m>
+                          <a:endParaRPr lang="en-US" sz="2400" dirty="0">
+                            <a:solidFill>
+                              <a:schemeClr val="tx1"/>
+                            </a:solidFill>
+                          </a:endParaRPr>
+                        </a:p>
+                      </a:txBody>
+                      <a:tcPr marL="124041" marR="124041" marT="62021" marB="62021">
+                        <a:lnL w="12700" cap="flat" cmpd="sng" algn="ctr">
+                          <a:noFill/>
+                          <a:prstDash val="solid"/>
+                          <a:round/>
+                          <a:headEnd type="none" w="med" len="med"/>
+                          <a:tailEnd type="none" w="med" len="med"/>
+                        </a:lnL>
+                        <a:lnR w="12700" cap="flat" cmpd="sng" algn="ctr">
+                          <a:noFill/>
+                          <a:prstDash val="solid"/>
+                          <a:round/>
+                          <a:headEnd type="none" w="med" len="med"/>
+                          <a:tailEnd type="none" w="med" len="med"/>
+                        </a:lnR>
+                        <a:lnT w="12700" cap="flat" cmpd="sng" algn="ctr">
+                          <a:noFill/>
+                          <a:prstDash val="solid"/>
+                          <a:round/>
+                          <a:headEnd type="none" w="med" len="med"/>
+                          <a:tailEnd type="none" w="med" len="med"/>
+                        </a:lnT>
+                        <a:lnB w="12700" cap="flat" cmpd="sng" algn="ctr">
+                          <a:noFill/>
+                          <a:prstDash val="solid"/>
+                          <a:round/>
+                          <a:headEnd type="none" w="med" len="med"/>
+                          <a:tailEnd type="none" w="med" len="med"/>
+                        </a:lnB>
+                        <a:lnTlToBr w="12700" cmpd="sng">
+                          <a:noFill/>
+                          <a:prstDash val="solid"/>
+                        </a:lnTlToBr>
+                        <a:lnBlToTr w="12700" cmpd="sng">
+                          <a:noFill/>
+                          <a:prstDash val="solid"/>
+                        </a:lnBlToTr>
+                        <a:noFill/>
+                      </a:tcPr>
+                    </a:tc>
+                    <a:extLst>
+                      <a:ext uri="{0D108BD9-81ED-4DB2-BD59-A6C34878D82A}">
+                        <a16:rowId xmlns:a16="http://schemas.microsoft.com/office/drawing/2014/main" val="447519452"/>
+                      </a:ext>
+                    </a:extLst>
+                  </a:tr>
+                  <a:tr h="503056">
+                    <a:tc>
+                      <a:txBody>
+                        <a:bodyPr/>
+                        <a:lstStyle/>
+                        <a:p>
+                          <a:pPr algn="r"/>
+                          <a:r>
+                            <a:rPr lang="en-US" sz="2400" dirty="0">
+                              <a:solidFill>
+                                <a:schemeClr val="tx1"/>
+                              </a:solidFill>
+                            </a:rPr>
+                            <a:t>Input image: </a:t>
+                          </a:r>
+                        </a:p>
+                      </a:txBody>
+                      <a:tcPr marL="124041" marR="124041" marT="62021" marB="62021">
+                        <a:lnL w="12700" cap="flat" cmpd="sng" algn="ctr">
+                          <a:noFill/>
+                          <a:prstDash val="solid"/>
+                          <a:round/>
+                          <a:headEnd type="none" w="med" len="med"/>
+                          <a:tailEnd type="none" w="med" len="med"/>
+                        </a:lnL>
+                        <a:lnR w="12700" cap="flat" cmpd="sng" algn="ctr">
+                          <a:noFill/>
+                          <a:prstDash val="solid"/>
+                          <a:round/>
+                          <a:headEnd type="none" w="med" len="med"/>
+                          <a:tailEnd type="none" w="med" len="med"/>
+                        </a:lnR>
+                        <a:lnT w="12700" cap="flat" cmpd="sng" algn="ctr">
+                          <a:noFill/>
+                          <a:prstDash val="solid"/>
+                          <a:round/>
+                          <a:headEnd type="none" w="med" len="med"/>
+                          <a:tailEnd type="none" w="med" len="med"/>
+                        </a:lnT>
+                        <a:lnB w="12700" cap="flat" cmpd="sng" algn="ctr">
+                          <a:noFill/>
+                          <a:prstDash val="solid"/>
+                          <a:round/>
+                          <a:headEnd type="none" w="med" len="med"/>
+                          <a:tailEnd type="none" w="med" len="med"/>
+                        </a:lnB>
+                        <a:lnTlToBr w="12700" cmpd="sng">
+                          <a:noFill/>
+                          <a:prstDash val="solid"/>
+                        </a:lnTlToBr>
+                        <a:lnBlToTr w="12700" cmpd="sng">
+                          <a:noFill/>
+                          <a:prstDash val="solid"/>
+                        </a:lnBlToTr>
+                        <a:noFill/>
+                      </a:tcPr>
+                    </a:tc>
+                    <a:tc>
+                      <a:txBody>
+                        <a:bodyPr/>
+                        <a:lstStyle/>
+                        <a:p>
+                          <a:pPr marL="0" marR="0" lvl="0" indent="0" algn="l" defTabSz="914400" rtl="0" eaLnBrk="1" fontAlgn="auto" latinLnBrk="0" hangingPunct="1">
+                            <a:lnSpc>
+                              <a:spcPct val="100000"/>
+                            </a:lnSpc>
+                            <a:spcBef>
+                              <a:spcPts val="0"/>
+                            </a:spcBef>
+                            <a:spcAft>
+                              <a:spcPts val="0"/>
+                            </a:spcAft>
+                            <a:buClrTx/>
+                            <a:buSzTx/>
+                            <a:buFontTx/>
+                            <a:buNone/>
+                            <a:tabLst/>
+                            <a:defRPr/>
+                          </a:pPr>
+                          <a14:m>
+                            <m:oMathPara xmlns:m="http://schemas.openxmlformats.org/officeDocument/2006/math">
+                              <m:oMathParaPr>
+                                <m:jc m:val="centerGroup"/>
+                              </m:oMathParaPr>
+                              <m:oMath xmlns:m="http://schemas.openxmlformats.org/officeDocument/2006/math">
+                                <m:r>
+                                  <a:rPr lang="en-US" sz="2400" b="0" i="0" smtClean="0">
+                                    <a:solidFill>
+                                      <a:schemeClr val="tx1"/>
+                                    </a:solidFill>
+                                    <a:latin typeface="Cambria Math" panose="02040503050406030204" pitchFamily="18" charset="0"/>
+                                  </a:rPr>
+                                  <m:t>(</m:t>
+                                </m:r>
+                                <m:r>
+                                  <a:rPr lang="en-US" sz="2400" b="0" i="1" smtClean="0">
+                                    <a:solidFill>
+                                      <a:schemeClr val="tx1"/>
+                                    </a:solidFill>
+                                    <a:latin typeface="Cambria Math" panose="02040503050406030204" pitchFamily="18" charset="0"/>
+                                  </a:rPr>
+                                  <m:t>𝑖</m:t>
+                                </m:r>
+                                <m:sSub>
+                                  <m:sSubPr>
+                                    <m:ctrlPr>
+                                      <a:rPr lang="en-US" sz="2400" b="0" i="1" smtClean="0">
+                                        <a:solidFill>
+                                          <a:schemeClr val="tx1"/>
+                                        </a:solidFill>
+                                        <a:latin typeface="Cambria Math" panose="02040503050406030204" pitchFamily="18" charset="0"/>
+                                      </a:rPr>
+                                    </m:ctrlPr>
+                                  </m:sSubPr>
+                                  <m:e>
+                                    <m:r>
+                                      <a:rPr lang="en-US" sz="2400" b="0" i="1" smtClean="0">
+                                        <a:solidFill>
+                                          <a:schemeClr val="tx1"/>
+                                        </a:solidFill>
+                                        <a:latin typeface="Cambria Math" panose="02040503050406030204" pitchFamily="18" charset="0"/>
+                                      </a:rPr>
+                                      <m:t>𝑛</m:t>
+                                    </m:r>
+                                  </m:e>
+                                  <m:sub>
+                                    <m:r>
+                                      <a:rPr lang="en-US" sz="2400" b="0" i="1" smtClean="0">
+                                        <a:solidFill>
+                                          <a:schemeClr val="tx1"/>
+                                        </a:solidFill>
+                                        <a:latin typeface="Cambria Math" panose="02040503050406030204" pitchFamily="18" charset="0"/>
+                                      </a:rPr>
+                                      <m:t>1</m:t>
+                                    </m:r>
+                                  </m:sub>
+                                </m:sSub>
+                                <m:r>
+                                  <a:rPr lang="en-US" sz="2400" b="0" i="1" smtClean="0">
+                                    <a:solidFill>
+                                      <a:schemeClr val="tx1"/>
+                                    </a:solidFill>
+                                    <a:latin typeface="Cambria Math" panose="02040503050406030204" pitchFamily="18" charset="0"/>
+                                  </a:rPr>
+                                  <m:t>,</m:t>
+                                </m:r>
+                                <m:r>
+                                  <a:rPr lang="en-US" sz="2400" b="0" i="1" smtClean="0">
+                                    <a:solidFill>
+                                      <a:schemeClr val="tx1"/>
+                                    </a:solidFill>
+                                    <a:latin typeface="Cambria Math" panose="02040503050406030204" pitchFamily="18" charset="0"/>
+                                  </a:rPr>
+                                  <m:t>𝑖</m:t>
+                                </m:r>
+                                <m:sSub>
+                                  <m:sSubPr>
+                                    <m:ctrlPr>
+                                      <a:rPr lang="en-US" sz="2400" b="0" i="1" smtClean="0">
+                                        <a:solidFill>
+                                          <a:schemeClr val="tx1"/>
+                                        </a:solidFill>
+                                        <a:latin typeface="Cambria Math" panose="02040503050406030204" pitchFamily="18" charset="0"/>
+                                      </a:rPr>
+                                    </m:ctrlPr>
+                                  </m:sSubPr>
+                                  <m:e>
+                                    <m:r>
+                                      <a:rPr lang="en-US" sz="2400" b="0" i="1" smtClean="0">
+                                        <a:solidFill>
+                                          <a:schemeClr val="tx1"/>
+                                        </a:solidFill>
+                                        <a:latin typeface="Cambria Math" panose="02040503050406030204" pitchFamily="18" charset="0"/>
+                                      </a:rPr>
+                                      <m:t>𝑛</m:t>
+                                    </m:r>
+                                  </m:e>
+                                  <m:sub>
+                                    <m:r>
+                                      <a:rPr lang="en-US" sz="2400" b="0" i="1" smtClean="0">
+                                        <a:solidFill>
+                                          <a:schemeClr val="tx1"/>
+                                        </a:solidFill>
+                                        <a:latin typeface="Cambria Math" panose="02040503050406030204" pitchFamily="18" charset="0"/>
+                                      </a:rPr>
+                                      <m:t>2</m:t>
+                                    </m:r>
+                                  </m:sub>
+                                </m:sSub>
+                                <m:r>
+                                  <a:rPr lang="en-US" sz="2400" b="0" i="1" smtClean="0">
+                                    <a:solidFill>
+                                      <a:schemeClr val="tx1"/>
+                                    </a:solidFill>
+                                    <a:latin typeface="Cambria Math" panose="02040503050406030204" pitchFamily="18" charset="0"/>
+                                  </a:rPr>
+                                  <m:t>)</m:t>
+                                </m:r>
+                              </m:oMath>
+                            </m:oMathPara>
+                          </a14:m>
+                          <a:endParaRPr lang="en-US" sz="2400" dirty="0">
+                            <a:solidFill>
+                              <a:schemeClr val="tx1"/>
+                            </a:solidFill>
+                          </a:endParaRPr>
+                        </a:p>
+                      </a:txBody>
+                      <a:tcPr marL="124041" marR="124041" marT="62021" marB="62021">
+                        <a:lnL w="12700" cap="flat" cmpd="sng" algn="ctr">
+                          <a:noFill/>
+                          <a:prstDash val="solid"/>
+                          <a:round/>
+                          <a:headEnd type="none" w="med" len="med"/>
+                          <a:tailEnd type="none" w="med" len="med"/>
+                        </a:lnL>
+                        <a:lnR w="12700" cap="flat" cmpd="sng" algn="ctr">
+                          <a:noFill/>
+                          <a:prstDash val="solid"/>
+                          <a:round/>
+                          <a:headEnd type="none" w="med" len="med"/>
+                          <a:tailEnd type="none" w="med" len="med"/>
+                        </a:lnR>
+                        <a:lnT w="12700" cap="flat" cmpd="sng" algn="ctr">
+                          <a:noFill/>
+                          <a:prstDash val="solid"/>
+                          <a:round/>
+                          <a:headEnd type="none" w="med" len="med"/>
+                          <a:tailEnd type="none" w="med" len="med"/>
+                        </a:lnT>
+                        <a:lnB w="12700" cap="flat" cmpd="sng" algn="ctr">
+                          <a:noFill/>
+                          <a:prstDash val="solid"/>
+                          <a:round/>
+                          <a:headEnd type="none" w="med" len="med"/>
+                          <a:tailEnd type="none" w="med" len="med"/>
+                        </a:lnB>
+                        <a:lnTlToBr w="12700" cmpd="sng">
+                          <a:noFill/>
+                          <a:prstDash val="solid"/>
+                        </a:lnTlToBr>
+                        <a:lnBlToTr w="12700" cmpd="sng">
+                          <a:noFill/>
+                          <a:prstDash val="solid"/>
+                        </a:lnBlToTr>
+                        <a:noFill/>
+                      </a:tcPr>
+                    </a:tc>
+                    <a:extLst>
+                      <a:ext uri="{0D108BD9-81ED-4DB2-BD59-A6C34878D82A}">
+                        <a16:rowId xmlns:a16="http://schemas.microsoft.com/office/drawing/2014/main" val="1623022831"/>
+                      </a:ext>
+                    </a:extLst>
+                  </a:tr>
+                  <a:tr h="503056">
+                    <a:tc>
+                      <a:txBody>
+                        <a:bodyPr/>
+                        <a:lstStyle/>
+                        <a:p>
+                          <a:pPr algn="r"/>
+                          <a:r>
+                            <a:rPr lang="en-US" sz="2400" dirty="0">
+                              <a:solidFill>
+                                <a:schemeClr val="tx1"/>
+                              </a:solidFill>
+                            </a:rPr>
+                            <a:t>Padding:</a:t>
+                          </a:r>
+                        </a:p>
+                      </a:txBody>
+                      <a:tcPr marL="124041" marR="124041" marT="62021" marB="62021">
+                        <a:lnL w="12700" cap="flat" cmpd="sng" algn="ctr">
+                          <a:noFill/>
+                          <a:prstDash val="solid"/>
+                          <a:round/>
+                          <a:headEnd type="none" w="med" len="med"/>
+                          <a:tailEnd type="none" w="med" len="med"/>
+                        </a:lnL>
+                        <a:lnR w="12700" cap="flat" cmpd="sng" algn="ctr">
+                          <a:noFill/>
+                          <a:prstDash val="solid"/>
+                          <a:round/>
+                          <a:headEnd type="none" w="med" len="med"/>
+                          <a:tailEnd type="none" w="med" len="med"/>
+                        </a:lnR>
+                        <a:lnT w="12700" cap="flat" cmpd="sng" algn="ctr">
+                          <a:noFill/>
+                          <a:prstDash val="solid"/>
+                          <a:round/>
+                          <a:headEnd type="none" w="med" len="med"/>
+                          <a:tailEnd type="none" w="med" len="med"/>
+                        </a:lnT>
+                        <a:lnB w="12700" cap="flat" cmpd="sng" algn="ctr">
+                          <a:noFill/>
+                          <a:prstDash val="solid"/>
+                          <a:round/>
+                          <a:headEnd type="none" w="med" len="med"/>
+                          <a:tailEnd type="none" w="med" len="med"/>
+                        </a:lnB>
+                        <a:lnTlToBr w="12700" cmpd="sng">
+                          <a:noFill/>
+                          <a:prstDash val="solid"/>
+                        </a:lnTlToBr>
+                        <a:lnBlToTr w="12700" cmpd="sng">
+                          <a:noFill/>
+                          <a:prstDash val="solid"/>
+                        </a:lnBlToTr>
+                        <a:noFill/>
+                      </a:tcPr>
+                    </a:tc>
+                    <a:tc>
+                      <a:txBody>
+                        <a:bodyPr/>
+                        <a:lstStyle/>
+                        <a:p>
+                          <a:pPr marL="0" marR="0" lvl="0" indent="0" algn="l" defTabSz="914400" rtl="0" eaLnBrk="1" fontAlgn="auto" latinLnBrk="0" hangingPunct="1">
+                            <a:lnSpc>
+                              <a:spcPct val="100000"/>
+                            </a:lnSpc>
+                            <a:spcBef>
+                              <a:spcPts val="0"/>
+                            </a:spcBef>
+                            <a:spcAft>
+                              <a:spcPts val="0"/>
+                            </a:spcAft>
+                            <a:buClrTx/>
+                            <a:buSzTx/>
+                            <a:buFontTx/>
+                            <a:buNone/>
+                            <a:tabLst/>
+                            <a:defRPr/>
+                          </a:pPr>
+                          <a14:m>
+                            <m:oMathPara xmlns:m="http://schemas.openxmlformats.org/officeDocument/2006/math">
+                              <m:oMathParaPr>
+                                <m:jc m:val="centerGroup"/>
+                              </m:oMathParaPr>
+                              <m:oMath xmlns:m="http://schemas.openxmlformats.org/officeDocument/2006/math">
+                                <m:r>
+                                  <a:rPr lang="en-US" sz="2400" b="0" i="0" smtClean="0">
+                                    <a:solidFill>
+                                      <a:schemeClr val="tx1"/>
+                                    </a:solidFill>
+                                    <a:latin typeface="Cambria Math" panose="02040503050406030204" pitchFamily="18" charset="0"/>
+                                  </a:rPr>
+                                  <m:t>(</m:t>
+                                </m:r>
+                                <m:sSub>
+                                  <m:sSubPr>
+                                    <m:ctrlPr>
+                                      <a:rPr lang="en-US" sz="2400" b="0" i="1" smtClean="0">
+                                        <a:solidFill>
+                                          <a:schemeClr val="tx1"/>
+                                        </a:solidFill>
+                                        <a:latin typeface="Cambria Math" panose="02040503050406030204" pitchFamily="18" charset="0"/>
+                                      </a:rPr>
+                                    </m:ctrlPr>
+                                  </m:sSubPr>
+                                  <m:e>
+                                    <m:r>
+                                      <a:rPr lang="en-US" sz="2400" b="0" i="1" smtClean="0">
+                                        <a:solidFill>
+                                          <a:schemeClr val="tx1"/>
+                                        </a:solidFill>
+                                        <a:latin typeface="Cambria Math" panose="02040503050406030204" pitchFamily="18" charset="0"/>
+                                      </a:rPr>
+                                      <m:t>𝑝</m:t>
+                                    </m:r>
+                                  </m:e>
+                                  <m:sub>
+                                    <m:r>
+                                      <a:rPr lang="en-US" sz="2400" b="0" i="1" smtClean="0">
+                                        <a:solidFill>
+                                          <a:schemeClr val="tx1"/>
+                                        </a:solidFill>
+                                        <a:latin typeface="Cambria Math" panose="02040503050406030204" pitchFamily="18" charset="0"/>
+                                      </a:rPr>
+                                      <m:t>1</m:t>
+                                    </m:r>
+                                  </m:sub>
+                                </m:sSub>
+                                <m:r>
+                                  <a:rPr lang="en-US" sz="2400" b="0" i="1" smtClean="0">
+                                    <a:solidFill>
+                                      <a:schemeClr val="tx1"/>
+                                    </a:solidFill>
+                                    <a:latin typeface="Cambria Math" panose="02040503050406030204" pitchFamily="18" charset="0"/>
+                                  </a:rPr>
+                                  <m:t>,</m:t>
+                                </m:r>
+                                <m:sSub>
+                                  <m:sSubPr>
+                                    <m:ctrlPr>
+                                      <a:rPr lang="en-US" sz="2400" b="0" i="1" smtClean="0">
+                                        <a:solidFill>
+                                          <a:schemeClr val="tx1"/>
+                                        </a:solidFill>
+                                        <a:latin typeface="Cambria Math" panose="02040503050406030204" pitchFamily="18" charset="0"/>
+                                      </a:rPr>
+                                    </m:ctrlPr>
+                                  </m:sSubPr>
+                                  <m:e>
+                                    <m:r>
+                                      <a:rPr lang="en-US" sz="2400" b="0" i="1" smtClean="0">
+                                        <a:solidFill>
+                                          <a:schemeClr val="tx1"/>
+                                        </a:solidFill>
+                                        <a:latin typeface="Cambria Math" panose="02040503050406030204" pitchFamily="18" charset="0"/>
+                                      </a:rPr>
+                                      <m:t>𝑝</m:t>
+                                    </m:r>
+                                  </m:e>
+                                  <m:sub>
+                                    <m:r>
+                                      <a:rPr lang="en-US" sz="2400" b="0" i="1" smtClean="0">
+                                        <a:solidFill>
+                                          <a:schemeClr val="tx1"/>
+                                        </a:solidFill>
+                                        <a:latin typeface="Cambria Math" panose="02040503050406030204" pitchFamily="18" charset="0"/>
+                                      </a:rPr>
+                                      <m:t>2</m:t>
+                                    </m:r>
+                                  </m:sub>
+                                </m:sSub>
+                                <m:r>
+                                  <a:rPr lang="en-US" sz="2400" b="0" i="1" smtClean="0">
+                                    <a:solidFill>
+                                      <a:schemeClr val="tx1"/>
+                                    </a:solidFill>
+                                    <a:latin typeface="Cambria Math" panose="02040503050406030204" pitchFamily="18" charset="0"/>
+                                  </a:rPr>
+                                  <m:t>)</m:t>
+                                </m:r>
+                              </m:oMath>
+                            </m:oMathPara>
+                          </a14:m>
+                          <a:endParaRPr lang="en-US" sz="2400" dirty="0">
+                            <a:solidFill>
+                              <a:schemeClr val="tx1"/>
+                            </a:solidFill>
+                          </a:endParaRPr>
+                        </a:p>
+                      </a:txBody>
+                      <a:tcPr marL="124041" marR="124041" marT="62021" marB="62021">
+                        <a:lnL w="12700" cap="flat" cmpd="sng" algn="ctr">
+                          <a:noFill/>
+                          <a:prstDash val="solid"/>
+                          <a:round/>
+                          <a:headEnd type="none" w="med" len="med"/>
+                          <a:tailEnd type="none" w="med" len="med"/>
+                        </a:lnL>
+                        <a:lnR w="12700" cap="flat" cmpd="sng" algn="ctr">
+                          <a:noFill/>
+                          <a:prstDash val="solid"/>
+                          <a:round/>
+                          <a:headEnd type="none" w="med" len="med"/>
+                          <a:tailEnd type="none" w="med" len="med"/>
+                        </a:lnR>
+                        <a:lnT w="12700" cap="flat" cmpd="sng" algn="ctr">
+                          <a:noFill/>
+                          <a:prstDash val="solid"/>
+                          <a:round/>
+                          <a:headEnd type="none" w="med" len="med"/>
+                          <a:tailEnd type="none" w="med" len="med"/>
+                        </a:lnT>
+                        <a:lnB w="12700" cap="flat" cmpd="sng" algn="ctr">
+                          <a:noFill/>
+                          <a:prstDash val="solid"/>
+                          <a:round/>
+                          <a:headEnd type="none" w="med" len="med"/>
+                          <a:tailEnd type="none" w="med" len="med"/>
+                        </a:lnB>
+                        <a:lnTlToBr w="12700" cmpd="sng">
+                          <a:noFill/>
+                          <a:prstDash val="solid"/>
+                        </a:lnTlToBr>
+                        <a:lnBlToTr w="12700" cmpd="sng">
+                          <a:noFill/>
+                          <a:prstDash val="solid"/>
+                        </a:lnBlToTr>
+                        <a:noFill/>
+                      </a:tcPr>
+                    </a:tc>
+                    <a:extLst>
+                      <a:ext uri="{0D108BD9-81ED-4DB2-BD59-A6C34878D82A}">
+                        <a16:rowId xmlns:a16="http://schemas.microsoft.com/office/drawing/2014/main" val="4005437046"/>
+                      </a:ext>
+                    </a:extLst>
+                  </a:tr>
+                  <a:tr h="503056">
+                    <a:tc>
+                      <a:txBody>
+                        <a:bodyPr/>
+                        <a:lstStyle/>
+                        <a:p>
+                          <a:pPr algn="r"/>
+                          <a:r>
+                            <a:rPr lang="en-US" sz="2400" dirty="0">
+                              <a:solidFill>
+                                <a:schemeClr val="tx1"/>
+                              </a:solidFill>
+                            </a:rPr>
+                            <a:t>Striding:</a:t>
+                          </a:r>
+                        </a:p>
+                      </a:txBody>
+                      <a:tcPr marL="124041" marR="124041" marT="62021" marB="62021">
+                        <a:lnL w="12700" cap="flat" cmpd="sng" algn="ctr">
+                          <a:noFill/>
+                          <a:prstDash val="solid"/>
+                          <a:round/>
+                          <a:headEnd type="none" w="med" len="med"/>
+                          <a:tailEnd type="none" w="med" len="med"/>
+                        </a:lnL>
+                        <a:lnR w="12700" cap="flat" cmpd="sng" algn="ctr">
+                          <a:noFill/>
+                          <a:prstDash val="solid"/>
+                          <a:round/>
+                          <a:headEnd type="none" w="med" len="med"/>
+                          <a:tailEnd type="none" w="med" len="med"/>
+                        </a:lnR>
+                        <a:lnT w="12700" cap="flat" cmpd="sng" algn="ctr">
+                          <a:noFill/>
+                          <a:prstDash val="solid"/>
+                          <a:round/>
+                          <a:headEnd type="none" w="med" len="med"/>
+                          <a:tailEnd type="none" w="med" len="med"/>
+                        </a:lnT>
+                        <a:lnB w="12700" cap="flat" cmpd="sng" algn="ctr">
+                          <a:noFill/>
+                          <a:prstDash val="solid"/>
+                          <a:round/>
+                          <a:headEnd type="none" w="med" len="med"/>
+                          <a:tailEnd type="none" w="med" len="med"/>
+                        </a:lnB>
+                        <a:lnTlToBr w="12700" cmpd="sng">
+                          <a:noFill/>
+                          <a:prstDash val="solid"/>
+                        </a:lnTlToBr>
+                        <a:lnBlToTr w="12700" cmpd="sng">
+                          <a:noFill/>
+                          <a:prstDash val="solid"/>
+                        </a:lnBlToTr>
+                        <a:noFill/>
+                      </a:tcPr>
+                    </a:tc>
+                    <a:tc>
+                      <a:txBody>
+                        <a:bodyPr/>
+                        <a:lstStyle/>
+                        <a:p>
+                          <a:pPr marL="0" marR="0" lvl="0" indent="0" algn="l" defTabSz="914400" rtl="0" eaLnBrk="1" fontAlgn="auto" latinLnBrk="0" hangingPunct="1">
+                            <a:lnSpc>
+                              <a:spcPct val="100000"/>
+                            </a:lnSpc>
+                            <a:spcBef>
+                              <a:spcPts val="0"/>
+                            </a:spcBef>
+                            <a:spcAft>
+                              <a:spcPts val="0"/>
+                            </a:spcAft>
+                            <a:buClrTx/>
+                            <a:buSzTx/>
+                            <a:buFontTx/>
+                            <a:buNone/>
+                            <a:tabLst/>
+                            <a:defRPr/>
+                          </a:pPr>
+                          <a14:m>
+                            <m:oMathPara xmlns:m="http://schemas.openxmlformats.org/officeDocument/2006/math">
+                              <m:oMathParaPr>
+                                <m:jc m:val="centerGroup"/>
+                              </m:oMathParaPr>
+                              <m:oMath xmlns:m="http://schemas.openxmlformats.org/officeDocument/2006/math">
+                                <m:r>
+                                  <a:rPr lang="en-US" sz="2400" smtClean="0">
+                                    <a:solidFill>
+                                      <a:schemeClr val="tx1"/>
+                                    </a:solidFill>
+                                    <a:latin typeface="Cambria Math" panose="02040503050406030204" pitchFamily="18" charset="0"/>
+                                  </a:rPr>
+                                  <m:t>(</m:t>
+                                </m:r>
+                                <m:sSub>
+                                  <m:sSubPr>
+                                    <m:ctrlPr>
+                                      <a:rPr lang="en-US" sz="2400" i="1">
+                                        <a:solidFill>
+                                          <a:schemeClr val="tx1"/>
+                                        </a:solidFill>
+                                        <a:latin typeface="Cambria Math" panose="02040503050406030204" pitchFamily="18" charset="0"/>
+                                      </a:rPr>
+                                    </m:ctrlPr>
+                                  </m:sSubPr>
+                                  <m:e>
+                                    <m:r>
+                                      <m:rPr>
+                                        <m:sty m:val="p"/>
+                                      </m:rPr>
+                                      <a:rPr lang="en-US" sz="2400">
+                                        <a:solidFill>
+                                          <a:schemeClr val="tx1"/>
+                                        </a:solidFill>
+                                        <a:latin typeface="Cambria Math" panose="02040503050406030204" pitchFamily="18" charset="0"/>
+                                      </a:rPr>
+                                      <m:t>s</m:t>
+                                    </m:r>
+                                  </m:e>
+                                  <m:sub>
+                                    <m:r>
+                                      <a:rPr lang="en-US" sz="2400">
+                                        <a:solidFill>
+                                          <a:schemeClr val="tx1"/>
+                                        </a:solidFill>
+                                        <a:latin typeface="Cambria Math" panose="02040503050406030204" pitchFamily="18" charset="0"/>
+                                      </a:rPr>
+                                      <m:t>1</m:t>
+                                    </m:r>
+                                  </m:sub>
+                                </m:sSub>
+                                <m:r>
+                                  <a:rPr lang="en-US" sz="2400">
+                                    <a:solidFill>
+                                      <a:schemeClr val="tx1"/>
+                                    </a:solidFill>
+                                    <a:latin typeface="Cambria Math" panose="02040503050406030204" pitchFamily="18" charset="0"/>
+                                  </a:rPr>
+                                  <m:t>,</m:t>
+                                </m:r>
+                                <m:sSub>
+                                  <m:sSubPr>
+                                    <m:ctrlPr>
+                                      <a:rPr lang="en-US" sz="2400" i="1">
+                                        <a:solidFill>
+                                          <a:schemeClr val="tx1"/>
+                                        </a:solidFill>
+                                        <a:latin typeface="Cambria Math" panose="02040503050406030204" pitchFamily="18" charset="0"/>
+                                      </a:rPr>
+                                    </m:ctrlPr>
+                                  </m:sSubPr>
+                                  <m:e>
+                                    <m:r>
+                                      <m:rPr>
+                                        <m:sty m:val="p"/>
+                                      </m:rPr>
+                                      <a:rPr lang="en-US" sz="2400">
+                                        <a:solidFill>
+                                          <a:schemeClr val="tx1"/>
+                                        </a:solidFill>
+                                        <a:latin typeface="Cambria Math" panose="02040503050406030204" pitchFamily="18" charset="0"/>
+                                      </a:rPr>
+                                      <m:t>s</m:t>
+                                    </m:r>
+                                  </m:e>
+                                  <m:sub>
+                                    <m:r>
+                                      <a:rPr lang="en-US" sz="2400">
+                                        <a:solidFill>
+                                          <a:schemeClr val="tx1"/>
+                                        </a:solidFill>
+                                        <a:latin typeface="Cambria Math" panose="02040503050406030204" pitchFamily="18" charset="0"/>
+                                      </a:rPr>
+                                      <m:t>2</m:t>
+                                    </m:r>
+                                  </m:sub>
+                                </m:sSub>
+                                <m:r>
+                                  <a:rPr lang="en-US" sz="2400">
+                                    <a:solidFill>
+                                      <a:schemeClr val="tx1"/>
+                                    </a:solidFill>
+                                    <a:latin typeface="Cambria Math" panose="02040503050406030204" pitchFamily="18" charset="0"/>
+                                  </a:rPr>
+                                  <m:t>)</m:t>
+                                </m:r>
+                              </m:oMath>
+                            </m:oMathPara>
+                          </a14:m>
+                          <a:endParaRPr lang="en-US" sz="2400" dirty="0">
+                            <a:solidFill>
+                              <a:schemeClr val="tx1"/>
+                            </a:solidFill>
+                          </a:endParaRPr>
+                        </a:p>
+                      </a:txBody>
+                      <a:tcPr marL="124041" marR="124041" marT="62021" marB="62021">
+                        <a:lnL w="12700" cap="flat" cmpd="sng" algn="ctr">
+                          <a:noFill/>
+                          <a:prstDash val="solid"/>
+                          <a:round/>
+                          <a:headEnd type="none" w="med" len="med"/>
+                          <a:tailEnd type="none" w="med" len="med"/>
+                        </a:lnL>
+                        <a:lnR w="12700" cap="flat" cmpd="sng" algn="ctr">
+                          <a:noFill/>
+                          <a:prstDash val="solid"/>
+                          <a:round/>
+                          <a:headEnd type="none" w="med" len="med"/>
+                          <a:tailEnd type="none" w="med" len="med"/>
+                        </a:lnR>
+                        <a:lnT w="12700" cap="flat" cmpd="sng" algn="ctr">
+                          <a:noFill/>
+                          <a:prstDash val="solid"/>
+                          <a:round/>
+                          <a:headEnd type="none" w="med" len="med"/>
+                          <a:tailEnd type="none" w="med" len="med"/>
+                        </a:lnT>
+                        <a:lnB w="12700" cap="flat" cmpd="sng" algn="ctr">
+                          <a:noFill/>
+                          <a:prstDash val="solid"/>
+                          <a:round/>
+                          <a:headEnd type="none" w="med" len="med"/>
+                          <a:tailEnd type="none" w="med" len="med"/>
+                        </a:lnB>
+                        <a:lnTlToBr w="12700" cmpd="sng">
+                          <a:noFill/>
+                          <a:prstDash val="solid"/>
+                        </a:lnTlToBr>
+                        <a:lnBlToTr w="12700" cmpd="sng">
+                          <a:noFill/>
+                          <a:prstDash val="solid"/>
+                        </a:lnBlToTr>
+                        <a:noFill/>
+                      </a:tcPr>
+                    </a:tc>
+                    <a:extLst>
+                      <a:ext uri="{0D108BD9-81ED-4DB2-BD59-A6C34878D82A}">
+                        <a16:rowId xmlns:a16="http://schemas.microsoft.com/office/drawing/2014/main" val="898271232"/>
+                      </a:ext>
+                    </a:extLst>
+                  </a:tr>
+                  <a:tr h="503056">
+                    <a:tc>
+                      <a:txBody>
+                        <a:bodyPr/>
+                        <a:lstStyle/>
+                        <a:p>
+                          <a:pPr algn="r"/>
+                          <a:r>
+                            <a:rPr lang="en-US" sz="2400" dirty="0">
+                              <a:solidFill>
+                                <a:schemeClr val="tx1"/>
+                              </a:solidFill>
+                            </a:rPr>
+                            <a:t>Dilation:</a:t>
+                          </a:r>
+                        </a:p>
+                      </a:txBody>
+                      <a:tcPr marL="124041" marR="124041" marT="62021" marB="62021">
+                        <a:lnL w="12700" cap="flat" cmpd="sng" algn="ctr">
+                          <a:noFill/>
+                          <a:prstDash val="solid"/>
+                          <a:round/>
+                          <a:headEnd type="none" w="med" len="med"/>
+                          <a:tailEnd type="none" w="med" len="med"/>
+                        </a:lnL>
+                        <a:lnR w="12700" cap="flat" cmpd="sng" algn="ctr">
+                          <a:noFill/>
+                          <a:prstDash val="solid"/>
+                          <a:round/>
+                          <a:headEnd type="none" w="med" len="med"/>
+                          <a:tailEnd type="none" w="med" len="med"/>
+                        </a:lnR>
+                        <a:lnT w="12700" cap="flat" cmpd="sng" algn="ctr">
+                          <a:noFill/>
+                          <a:prstDash val="solid"/>
+                          <a:round/>
+                          <a:headEnd type="none" w="med" len="med"/>
+                          <a:tailEnd type="none" w="med" len="med"/>
+                        </a:lnT>
+                        <a:lnB w="12700" cap="flat" cmpd="sng" algn="ctr">
+                          <a:noFill/>
+                          <a:prstDash val="solid"/>
+                          <a:round/>
+                          <a:headEnd type="none" w="med" len="med"/>
+                          <a:tailEnd type="none" w="med" len="med"/>
+                        </a:lnB>
+                        <a:lnTlToBr w="12700" cmpd="sng">
+                          <a:noFill/>
+                          <a:prstDash val="solid"/>
+                        </a:lnTlToBr>
+                        <a:lnBlToTr w="12700" cmpd="sng">
+                          <a:noFill/>
+                          <a:prstDash val="solid"/>
+                        </a:lnBlToTr>
+                        <a:noFill/>
+                      </a:tcPr>
+                    </a:tc>
+                    <a:tc>
+                      <a:txBody>
+                        <a:bodyPr/>
+                        <a:lstStyle/>
+                        <a:p>
+                          <a:pPr marL="0" marR="0" lvl="0" indent="0" algn="l" defTabSz="914400" rtl="0" eaLnBrk="1" fontAlgn="auto" latinLnBrk="0" hangingPunct="1">
+                            <a:lnSpc>
+                              <a:spcPct val="100000"/>
+                            </a:lnSpc>
+                            <a:spcBef>
+                              <a:spcPts val="0"/>
+                            </a:spcBef>
+                            <a:spcAft>
+                              <a:spcPts val="0"/>
+                            </a:spcAft>
+                            <a:buClrTx/>
+                            <a:buSzTx/>
+                            <a:buFontTx/>
+                            <a:buNone/>
+                            <a:tabLst/>
+                            <a:defRPr/>
+                          </a:pPr>
+                          <a14:m>
+                            <m:oMathPara xmlns:m="http://schemas.openxmlformats.org/officeDocument/2006/math">
+                              <m:oMathParaPr>
+                                <m:jc m:val="centerGroup"/>
+                              </m:oMathParaPr>
+                              <m:oMath xmlns:m="http://schemas.openxmlformats.org/officeDocument/2006/math">
+                                <m:r>
+                                  <a:rPr lang="en-US" sz="2400" b="0" i="0" smtClean="0">
+                                    <a:solidFill>
+                                      <a:schemeClr val="tx1"/>
+                                    </a:solidFill>
+                                    <a:latin typeface="Cambria Math" panose="02040503050406030204" pitchFamily="18" charset="0"/>
+                                  </a:rPr>
+                                  <m:t>(</m:t>
+                                </m:r>
+                                <m:sSub>
+                                  <m:sSubPr>
+                                    <m:ctrlPr>
+                                      <a:rPr lang="en-US" sz="2400" b="0" i="1" smtClean="0">
+                                        <a:solidFill>
+                                          <a:schemeClr val="tx1"/>
+                                        </a:solidFill>
+                                        <a:latin typeface="Cambria Math" panose="02040503050406030204" pitchFamily="18" charset="0"/>
+                                      </a:rPr>
+                                    </m:ctrlPr>
+                                  </m:sSubPr>
+                                  <m:e>
+                                    <m:r>
+                                      <a:rPr lang="en-US" sz="2400" b="0" i="1" smtClean="0">
+                                        <a:solidFill>
+                                          <a:schemeClr val="tx1"/>
+                                        </a:solidFill>
+                                        <a:latin typeface="Cambria Math" panose="02040503050406030204" pitchFamily="18" charset="0"/>
+                                      </a:rPr>
+                                      <m:t>𝑑</m:t>
+                                    </m:r>
+                                  </m:e>
+                                  <m:sub>
+                                    <m:r>
+                                      <a:rPr lang="en-US" sz="2400" b="0" i="1" smtClean="0">
+                                        <a:solidFill>
+                                          <a:schemeClr val="tx1"/>
+                                        </a:solidFill>
+                                        <a:latin typeface="Cambria Math" panose="02040503050406030204" pitchFamily="18" charset="0"/>
+                                      </a:rPr>
+                                      <m:t>1</m:t>
+                                    </m:r>
+                                  </m:sub>
+                                </m:sSub>
+                                <m:r>
+                                  <a:rPr lang="en-US" sz="2400" b="0" i="0" smtClean="0">
+                                    <a:solidFill>
+                                      <a:schemeClr val="tx1"/>
+                                    </a:solidFill>
+                                    <a:latin typeface="Cambria Math" panose="02040503050406030204" pitchFamily="18" charset="0"/>
+                                  </a:rPr>
+                                  <m:t>,</m:t>
+                                </m:r>
+                                <m:sSub>
+                                  <m:sSubPr>
+                                    <m:ctrlPr>
+                                      <a:rPr lang="en-US" sz="2400" b="0" i="1" smtClean="0">
+                                        <a:solidFill>
+                                          <a:schemeClr val="tx1"/>
+                                        </a:solidFill>
+                                        <a:latin typeface="Cambria Math" panose="02040503050406030204" pitchFamily="18" charset="0"/>
+                                      </a:rPr>
+                                    </m:ctrlPr>
+                                  </m:sSubPr>
+                                  <m:e>
+                                    <m:r>
+                                      <a:rPr lang="en-US" sz="2400" b="0" i="1" smtClean="0">
+                                        <a:solidFill>
+                                          <a:schemeClr val="tx1"/>
+                                        </a:solidFill>
+                                        <a:latin typeface="Cambria Math" panose="02040503050406030204" pitchFamily="18" charset="0"/>
+                                      </a:rPr>
+                                      <m:t>𝑑</m:t>
+                                    </m:r>
+                                  </m:e>
+                                  <m:sub>
+                                    <m:r>
+                                      <a:rPr lang="en-US" sz="2400" b="0" i="0" smtClean="0">
+                                        <a:solidFill>
+                                          <a:schemeClr val="tx1"/>
+                                        </a:solidFill>
+                                        <a:latin typeface="Cambria Math" panose="02040503050406030204" pitchFamily="18" charset="0"/>
+                                      </a:rPr>
+                                      <m:t>2</m:t>
+                                    </m:r>
+                                  </m:sub>
+                                </m:sSub>
+                                <m:r>
+                                  <a:rPr lang="en-US" sz="2400" b="0" i="0" smtClean="0">
+                                    <a:solidFill>
+                                      <a:schemeClr val="tx1"/>
+                                    </a:solidFill>
+                                    <a:latin typeface="Cambria Math" panose="02040503050406030204" pitchFamily="18" charset="0"/>
+                                  </a:rPr>
+                                  <m:t>)</m:t>
+                                </m:r>
+                              </m:oMath>
+                            </m:oMathPara>
+                          </a14:m>
+                          <a:endParaRPr lang="en-US" sz="2400" dirty="0">
+                            <a:solidFill>
+                              <a:schemeClr val="tx1"/>
+                            </a:solidFill>
+                          </a:endParaRPr>
+                        </a:p>
+                      </a:txBody>
+                      <a:tcPr marL="124041" marR="124041" marT="62021" marB="62021">
+                        <a:lnL w="12700" cap="flat" cmpd="sng" algn="ctr">
+                          <a:noFill/>
+                          <a:prstDash val="solid"/>
+                          <a:round/>
+                          <a:headEnd type="none" w="med" len="med"/>
+                          <a:tailEnd type="none" w="med" len="med"/>
+                        </a:lnL>
+                        <a:lnR w="12700" cap="flat" cmpd="sng" algn="ctr">
+                          <a:noFill/>
+                          <a:prstDash val="solid"/>
+                          <a:round/>
+                          <a:headEnd type="none" w="med" len="med"/>
+                          <a:tailEnd type="none" w="med" len="med"/>
+                        </a:lnR>
+                        <a:lnT w="12700" cap="flat" cmpd="sng" algn="ctr">
+                          <a:noFill/>
+                          <a:prstDash val="solid"/>
+                          <a:round/>
+                          <a:headEnd type="none" w="med" len="med"/>
+                          <a:tailEnd type="none" w="med" len="med"/>
+                        </a:lnT>
+                        <a:lnB w="12700" cap="flat" cmpd="sng" algn="ctr">
+                          <a:noFill/>
+                          <a:prstDash val="solid"/>
+                          <a:round/>
+                          <a:headEnd type="none" w="med" len="med"/>
+                          <a:tailEnd type="none" w="med" len="med"/>
+                        </a:lnB>
+                        <a:lnTlToBr w="12700" cmpd="sng">
+                          <a:noFill/>
+                          <a:prstDash val="solid"/>
+                        </a:lnTlToBr>
+                        <a:lnBlToTr w="12700" cmpd="sng">
+                          <a:noFill/>
+                          <a:prstDash val="solid"/>
+                        </a:lnBlToTr>
+                        <a:noFill/>
+                      </a:tcPr>
+                    </a:tc>
+                    <a:extLst>
+                      <a:ext uri="{0D108BD9-81ED-4DB2-BD59-A6C34878D82A}">
+                        <a16:rowId xmlns:a16="http://schemas.microsoft.com/office/drawing/2014/main" val="221637713"/>
+                      </a:ext>
+                    </a:extLst>
+                  </a:tr>
+                  <a:tr h="503056">
+                    <a:tc>
+                      <a:txBody>
+                        <a:bodyPr/>
+                        <a:lstStyle/>
+                        <a:p>
+                          <a:pPr algn="r"/>
+                          <a:r>
+                            <a:rPr lang="en-US" sz="2400" dirty="0">
+                              <a:solidFill>
+                                <a:schemeClr val="tx1"/>
+                              </a:solidFill>
+                            </a:rPr>
+                            <a:t>Output image:</a:t>
+                          </a:r>
+                        </a:p>
+                      </a:txBody>
+                      <a:tcPr marL="124041" marR="124041" marT="62021" marB="62021">
+                        <a:lnL w="12700" cap="flat" cmpd="sng" algn="ctr">
+                          <a:noFill/>
+                          <a:prstDash val="solid"/>
+                          <a:round/>
+                          <a:headEnd type="none" w="med" len="med"/>
+                          <a:tailEnd type="none" w="med" len="med"/>
+                        </a:lnL>
+                        <a:lnR w="12700" cap="flat" cmpd="sng" algn="ctr">
+                          <a:noFill/>
+                          <a:prstDash val="solid"/>
+                          <a:round/>
+                          <a:headEnd type="none" w="med" len="med"/>
+                          <a:tailEnd type="none" w="med" len="med"/>
+                        </a:lnR>
+                        <a:lnT w="12700" cap="flat" cmpd="sng" algn="ctr">
+                          <a:noFill/>
+                          <a:prstDash val="solid"/>
+                          <a:round/>
+                          <a:headEnd type="none" w="med" len="med"/>
+                          <a:tailEnd type="none" w="med" len="med"/>
+                        </a:lnT>
+                        <a:lnB w="12700" cap="flat" cmpd="sng" algn="ctr">
+                          <a:noFill/>
+                          <a:prstDash val="solid"/>
+                          <a:round/>
+                          <a:headEnd type="none" w="med" len="med"/>
+                          <a:tailEnd type="none" w="med" len="med"/>
+                        </a:lnB>
+                        <a:lnTlToBr w="12700" cmpd="sng">
+                          <a:noFill/>
+                          <a:prstDash val="solid"/>
+                        </a:lnTlToBr>
+                        <a:lnBlToTr w="12700" cmpd="sng">
+                          <a:noFill/>
+                          <a:prstDash val="solid"/>
+                        </a:lnBlToTr>
+                        <a:noFill/>
+                      </a:tcPr>
+                    </a:tc>
+                    <a:tc>
+                      <a:txBody>
+                        <a:bodyPr/>
+                        <a:lstStyle/>
+                        <a:p>
+                          <a14:m>
+                            <m:oMathPara xmlns:m="http://schemas.openxmlformats.org/officeDocument/2006/math">
+                              <m:oMathParaPr>
+                                <m:jc m:val="centerGroup"/>
+                              </m:oMathParaPr>
+                              <m:oMath xmlns:m="http://schemas.openxmlformats.org/officeDocument/2006/math">
+                                <m:r>
+                                  <a:rPr lang="en-US" sz="2400" b="0" i="0" smtClean="0">
+                                    <a:solidFill>
+                                      <a:schemeClr val="tx1"/>
+                                    </a:solidFill>
+                                    <a:latin typeface="Cambria Math" panose="02040503050406030204" pitchFamily="18" charset="0"/>
+                                  </a:rPr>
+                                  <m:t>(</m:t>
+                                </m:r>
+                                <m:r>
+                                  <a:rPr lang="en-US" sz="2400" b="0" i="1" smtClean="0">
+                                    <a:solidFill>
+                                      <a:schemeClr val="tx1"/>
+                                    </a:solidFill>
+                                    <a:latin typeface="Cambria Math" panose="02040503050406030204" pitchFamily="18" charset="0"/>
+                                  </a:rPr>
+                                  <m:t>𝑜𝑢</m:t>
+                                </m:r>
+                                <m:sSub>
+                                  <m:sSubPr>
+                                    <m:ctrlPr>
+                                      <a:rPr lang="en-US" sz="2400" b="0" i="1" smtClean="0">
+                                        <a:solidFill>
+                                          <a:schemeClr val="tx1"/>
+                                        </a:solidFill>
+                                        <a:latin typeface="Cambria Math" panose="02040503050406030204" pitchFamily="18" charset="0"/>
+                                      </a:rPr>
+                                    </m:ctrlPr>
+                                  </m:sSubPr>
+                                  <m:e>
+                                    <m:r>
+                                      <a:rPr lang="en-US" sz="2400" b="0" i="1" smtClean="0">
+                                        <a:solidFill>
+                                          <a:schemeClr val="tx1"/>
+                                        </a:solidFill>
+                                        <a:latin typeface="Cambria Math" panose="02040503050406030204" pitchFamily="18" charset="0"/>
+                                      </a:rPr>
+                                      <m:t>𝑡</m:t>
+                                    </m:r>
+                                  </m:e>
+                                  <m:sub>
+                                    <m:r>
+                                      <a:rPr lang="en-US" sz="2400" b="0" i="1" smtClean="0">
+                                        <a:solidFill>
+                                          <a:schemeClr val="tx1"/>
+                                        </a:solidFill>
+                                        <a:latin typeface="Cambria Math" panose="02040503050406030204" pitchFamily="18" charset="0"/>
+                                      </a:rPr>
+                                      <m:t>1</m:t>
+                                    </m:r>
+                                  </m:sub>
+                                </m:sSub>
+                                <m:r>
+                                  <a:rPr lang="en-US" sz="2400" b="0" i="1" smtClean="0">
+                                    <a:solidFill>
+                                      <a:schemeClr val="tx1"/>
+                                    </a:solidFill>
+                                    <a:latin typeface="Cambria Math" panose="02040503050406030204" pitchFamily="18" charset="0"/>
+                                  </a:rPr>
+                                  <m:t>,</m:t>
+                                </m:r>
+                                <m:r>
+                                  <a:rPr lang="en-US" sz="2400" b="0" i="1" smtClean="0">
+                                    <a:solidFill>
+                                      <a:schemeClr val="tx1"/>
+                                    </a:solidFill>
+                                    <a:latin typeface="Cambria Math" panose="02040503050406030204" pitchFamily="18" charset="0"/>
+                                  </a:rPr>
+                                  <m:t>𝑜𝑢</m:t>
+                                </m:r>
+                                <m:sSub>
+                                  <m:sSubPr>
+                                    <m:ctrlPr>
+                                      <a:rPr lang="en-US" sz="2400" b="0" i="1" smtClean="0">
+                                        <a:solidFill>
+                                          <a:schemeClr val="tx1"/>
+                                        </a:solidFill>
+                                        <a:latin typeface="Cambria Math" panose="02040503050406030204" pitchFamily="18" charset="0"/>
+                                      </a:rPr>
+                                    </m:ctrlPr>
+                                  </m:sSubPr>
+                                  <m:e>
+                                    <m:r>
+                                      <a:rPr lang="en-US" sz="2400" b="0" i="1" smtClean="0">
+                                        <a:solidFill>
+                                          <a:schemeClr val="tx1"/>
+                                        </a:solidFill>
+                                        <a:latin typeface="Cambria Math" panose="02040503050406030204" pitchFamily="18" charset="0"/>
+                                      </a:rPr>
+                                      <m:t>𝑡</m:t>
+                                    </m:r>
+                                  </m:e>
+                                  <m:sub>
+                                    <m:r>
+                                      <a:rPr lang="en-US" sz="2400" b="0" i="1" smtClean="0">
+                                        <a:solidFill>
+                                          <a:schemeClr val="tx1"/>
+                                        </a:solidFill>
+                                        <a:latin typeface="Cambria Math" panose="02040503050406030204" pitchFamily="18" charset="0"/>
+                                      </a:rPr>
+                                      <m:t>2</m:t>
+                                    </m:r>
+                                  </m:sub>
+                                </m:sSub>
+                                <m:r>
+                                  <a:rPr lang="en-US" sz="2400" b="0" i="1" smtClean="0">
+                                    <a:solidFill>
+                                      <a:schemeClr val="tx1"/>
+                                    </a:solidFill>
+                                    <a:latin typeface="Cambria Math" panose="02040503050406030204" pitchFamily="18" charset="0"/>
+                                  </a:rPr>
+                                  <m:t>)</m:t>
+                                </m:r>
+                              </m:oMath>
+                            </m:oMathPara>
+                          </a14:m>
+                          <a:endParaRPr lang="en-US" sz="2400" dirty="0">
+                            <a:solidFill>
+                              <a:schemeClr val="tx1"/>
+                            </a:solidFill>
+                          </a:endParaRPr>
+                        </a:p>
+                      </a:txBody>
+                      <a:tcPr marL="124041" marR="124041" marT="62021" marB="62021">
+                        <a:lnL w="12700" cap="flat" cmpd="sng" algn="ctr">
+                          <a:noFill/>
+                          <a:prstDash val="solid"/>
+                          <a:round/>
+                          <a:headEnd type="none" w="med" len="med"/>
+                          <a:tailEnd type="none" w="med" len="med"/>
+                        </a:lnL>
+                        <a:lnR w="12700" cap="flat" cmpd="sng" algn="ctr">
+                          <a:noFill/>
+                          <a:prstDash val="solid"/>
+                          <a:round/>
+                          <a:headEnd type="none" w="med" len="med"/>
+                          <a:tailEnd type="none" w="med" len="med"/>
+                        </a:lnR>
+                        <a:lnT w="12700" cap="flat" cmpd="sng" algn="ctr">
+                          <a:noFill/>
+                          <a:prstDash val="solid"/>
+                          <a:round/>
+                          <a:headEnd type="none" w="med" len="med"/>
+                          <a:tailEnd type="none" w="med" len="med"/>
+                        </a:lnT>
+                        <a:lnB w="12700" cap="flat" cmpd="sng" algn="ctr">
+                          <a:noFill/>
+                          <a:prstDash val="solid"/>
+                          <a:round/>
+                          <a:headEnd type="none" w="med" len="med"/>
+                          <a:tailEnd type="none" w="med" len="med"/>
+                        </a:lnB>
+                        <a:lnTlToBr w="12700" cmpd="sng">
+                          <a:noFill/>
+                          <a:prstDash val="solid"/>
+                        </a:lnTlToBr>
+                        <a:lnBlToTr w="12700" cmpd="sng">
+                          <a:noFill/>
+                          <a:prstDash val="solid"/>
+                        </a:lnBlToTr>
+                        <a:noFill/>
+                      </a:tcPr>
+                    </a:tc>
+                    <a:extLst>
+                      <a:ext uri="{0D108BD9-81ED-4DB2-BD59-A6C34878D82A}">
+                        <a16:rowId xmlns:a16="http://schemas.microsoft.com/office/drawing/2014/main" val="4135396076"/>
+                      </a:ext>
+                    </a:extLst>
+                  </a:tr>
+                  <a:tr h="503056">
+                    <a:tc>
+                      <a:txBody>
+                        <a:bodyPr/>
+                        <a:lstStyle/>
+                        <a:p>
+                          <a:pPr algn="r"/>
+                          <a:r>
+                            <a:rPr lang="en-US" sz="2400" dirty="0">
+                              <a:solidFill>
+                                <a:schemeClr val="tx1"/>
+                              </a:solidFill>
+                            </a:rPr>
+                            <a:t>Output padding:</a:t>
+                          </a:r>
+                        </a:p>
+                      </a:txBody>
+                      <a:tcPr marL="124041" marR="124041" marT="62021" marB="62021">
+                        <a:lnL w="12700" cap="flat" cmpd="sng" algn="ctr">
+                          <a:noFill/>
+                          <a:prstDash val="solid"/>
+                          <a:round/>
+                          <a:headEnd type="none" w="med" len="med"/>
+                          <a:tailEnd type="none" w="med" len="med"/>
+                        </a:lnL>
+                        <a:lnR w="12700" cap="flat" cmpd="sng" algn="ctr">
+                          <a:noFill/>
+                          <a:prstDash val="solid"/>
+                          <a:round/>
+                          <a:headEnd type="none" w="med" len="med"/>
+                          <a:tailEnd type="none" w="med" len="med"/>
+                        </a:lnR>
+                        <a:lnT w="12700" cap="flat" cmpd="sng" algn="ctr">
+                          <a:noFill/>
+                          <a:prstDash val="solid"/>
+                          <a:round/>
+                          <a:headEnd type="none" w="med" len="med"/>
+                          <a:tailEnd type="none" w="med" len="med"/>
+                        </a:lnT>
+                        <a:lnB w="12700" cap="flat" cmpd="sng" algn="ctr">
+                          <a:noFill/>
+                          <a:prstDash val="solid"/>
+                          <a:round/>
+                          <a:headEnd type="none" w="med" len="med"/>
+                          <a:tailEnd type="none" w="med" len="med"/>
+                        </a:lnB>
+                        <a:lnTlToBr w="12700" cmpd="sng">
+                          <a:noFill/>
+                          <a:prstDash val="solid"/>
+                        </a:lnTlToBr>
+                        <a:lnBlToTr w="12700" cmpd="sng">
+                          <a:noFill/>
+                          <a:prstDash val="solid"/>
+                        </a:lnBlToTr>
+                        <a:noFill/>
+                      </a:tcPr>
+                    </a:tc>
+                    <a:tc>
+                      <a:txBody>
+                        <a:bodyPr/>
+                        <a:lstStyle/>
+                        <a:p>
+                          <a:pPr marL="0" marR="0" lvl="0" indent="0" algn="l" defTabSz="914400" rtl="0" eaLnBrk="1" fontAlgn="auto" latinLnBrk="0" hangingPunct="1">
+                            <a:lnSpc>
+                              <a:spcPct val="100000"/>
+                            </a:lnSpc>
+                            <a:spcBef>
+                              <a:spcPts val="0"/>
+                            </a:spcBef>
+                            <a:spcAft>
+                              <a:spcPts val="0"/>
+                            </a:spcAft>
+                            <a:buClrTx/>
+                            <a:buSzTx/>
+                            <a:buFontTx/>
+                            <a:buNone/>
+                            <a:tabLst/>
+                            <a:defRPr/>
+                          </a:pPr>
+                          <a14:m>
+                            <m:oMathPara xmlns:m="http://schemas.openxmlformats.org/officeDocument/2006/math">
+                              <m:oMathParaPr>
+                                <m:jc m:val="centerGroup"/>
+                              </m:oMathParaPr>
+                              <m:oMath xmlns:m="http://schemas.openxmlformats.org/officeDocument/2006/math">
+                                <m:r>
+                                  <a:rPr lang="en-US" sz="2400" b="0" i="0" smtClean="0">
+                                    <a:solidFill>
+                                      <a:schemeClr val="tx1"/>
+                                    </a:solidFill>
+                                    <a:latin typeface="Cambria Math" panose="02040503050406030204" pitchFamily="18" charset="0"/>
+                                  </a:rPr>
+                                  <m:t>(</m:t>
+                                </m:r>
+                                <m:sSub>
+                                  <m:sSubPr>
+                                    <m:ctrlPr>
+                                      <a:rPr lang="en-US" sz="2400" b="0" i="1" smtClean="0">
+                                        <a:solidFill>
+                                          <a:schemeClr val="tx1"/>
+                                        </a:solidFill>
+                                        <a:latin typeface="Cambria Math" panose="02040503050406030204" pitchFamily="18" charset="0"/>
+                                      </a:rPr>
+                                    </m:ctrlPr>
+                                  </m:sSubPr>
+                                  <m:e>
+                                    <m:acc>
+                                      <m:accPr>
+                                        <m:chr m:val="̃"/>
+                                        <m:ctrlPr>
+                                          <a:rPr lang="en-US" sz="2400" b="0" i="1" smtClean="0">
+                                            <a:solidFill>
+                                              <a:schemeClr val="tx1"/>
+                                            </a:solidFill>
+                                            <a:latin typeface="Cambria Math" panose="02040503050406030204" pitchFamily="18" charset="0"/>
+                                          </a:rPr>
+                                        </m:ctrlPr>
+                                      </m:accPr>
+                                      <m:e>
+                                        <m:r>
+                                          <a:rPr lang="en-US" sz="2400" b="0" i="1" smtClean="0">
+                                            <a:solidFill>
+                                              <a:schemeClr val="tx1"/>
+                                            </a:solidFill>
+                                            <a:latin typeface="Cambria Math" panose="02040503050406030204" pitchFamily="18" charset="0"/>
+                                          </a:rPr>
+                                          <m:t>𝑝</m:t>
+                                        </m:r>
+                                      </m:e>
+                                    </m:acc>
+                                  </m:e>
+                                  <m:sub>
+                                    <m:r>
+                                      <a:rPr lang="en-US" sz="2400" b="0" i="1" smtClean="0">
+                                        <a:solidFill>
+                                          <a:schemeClr val="tx1"/>
+                                        </a:solidFill>
+                                        <a:latin typeface="Cambria Math" panose="02040503050406030204" pitchFamily="18" charset="0"/>
+                                      </a:rPr>
+                                      <m:t>1</m:t>
+                                    </m:r>
+                                  </m:sub>
+                                </m:sSub>
+                                <m:r>
+                                  <a:rPr lang="en-US" sz="2400" b="0" i="1" smtClean="0">
+                                    <a:solidFill>
+                                      <a:schemeClr val="tx1"/>
+                                    </a:solidFill>
+                                    <a:latin typeface="Cambria Math" panose="02040503050406030204" pitchFamily="18" charset="0"/>
+                                  </a:rPr>
+                                  <m:t>,</m:t>
+                                </m:r>
+                                <m:sSub>
+                                  <m:sSubPr>
+                                    <m:ctrlPr>
+                                      <a:rPr lang="en-US" sz="2400" b="0" i="1" smtClean="0">
+                                        <a:solidFill>
+                                          <a:schemeClr val="tx1"/>
+                                        </a:solidFill>
+                                        <a:latin typeface="Cambria Math" panose="02040503050406030204" pitchFamily="18" charset="0"/>
+                                      </a:rPr>
+                                    </m:ctrlPr>
+                                  </m:sSubPr>
+                                  <m:e>
+                                    <m:acc>
+                                      <m:accPr>
+                                        <m:chr m:val="̃"/>
+                                        <m:ctrlPr>
+                                          <a:rPr lang="en-US" sz="2400" b="0" i="1" smtClean="0">
+                                            <a:solidFill>
+                                              <a:schemeClr val="tx1"/>
+                                            </a:solidFill>
+                                            <a:latin typeface="Cambria Math" panose="02040503050406030204" pitchFamily="18" charset="0"/>
+                                          </a:rPr>
+                                        </m:ctrlPr>
+                                      </m:accPr>
+                                      <m:e>
+                                        <m:r>
+                                          <a:rPr lang="en-US" sz="2400" b="0" i="1" smtClean="0">
+                                            <a:solidFill>
+                                              <a:schemeClr val="tx1"/>
+                                            </a:solidFill>
+                                            <a:latin typeface="Cambria Math" panose="02040503050406030204" pitchFamily="18" charset="0"/>
+                                          </a:rPr>
+                                          <m:t>𝑝</m:t>
+                                        </m:r>
+                                      </m:e>
+                                    </m:acc>
+                                  </m:e>
+                                  <m:sub>
+                                    <m:r>
+                                      <a:rPr lang="en-US" sz="2400" b="0" i="1" smtClean="0">
+                                        <a:solidFill>
+                                          <a:schemeClr val="tx1"/>
+                                        </a:solidFill>
+                                        <a:latin typeface="Cambria Math" panose="02040503050406030204" pitchFamily="18" charset="0"/>
+                                      </a:rPr>
+                                      <m:t>2</m:t>
+                                    </m:r>
+                                  </m:sub>
+                                </m:sSub>
+                                <m:r>
+                                  <a:rPr lang="en-US" sz="2400" b="0" i="1" smtClean="0">
+                                    <a:solidFill>
+                                      <a:schemeClr val="tx1"/>
+                                    </a:solidFill>
+                                    <a:latin typeface="Cambria Math" panose="02040503050406030204" pitchFamily="18" charset="0"/>
+                                  </a:rPr>
+                                  <m:t>)</m:t>
+                                </m:r>
+                              </m:oMath>
+                            </m:oMathPara>
+                          </a14:m>
+                          <a:endParaRPr lang="en-US" sz="2400" dirty="0">
+                            <a:solidFill>
+                              <a:schemeClr val="tx1"/>
+                            </a:solidFill>
+                          </a:endParaRPr>
+                        </a:p>
+                      </a:txBody>
+                      <a:tcPr marL="124041" marR="124041" marT="62021" marB="62021">
+                        <a:lnL w="12700" cap="flat" cmpd="sng" algn="ctr">
+                          <a:noFill/>
+                          <a:prstDash val="solid"/>
+                          <a:round/>
+                          <a:headEnd type="none" w="med" len="med"/>
+                          <a:tailEnd type="none" w="med" len="med"/>
+                        </a:lnL>
+                        <a:lnR w="12700" cap="flat" cmpd="sng" algn="ctr">
+                          <a:noFill/>
+                          <a:prstDash val="solid"/>
+                          <a:round/>
+                          <a:headEnd type="none" w="med" len="med"/>
+                          <a:tailEnd type="none" w="med" len="med"/>
+                        </a:lnR>
+                        <a:lnT w="12700" cap="flat" cmpd="sng" algn="ctr">
+                          <a:noFill/>
+                          <a:prstDash val="solid"/>
+                          <a:round/>
+                          <a:headEnd type="none" w="med" len="med"/>
+                          <a:tailEnd type="none" w="med" len="med"/>
+                        </a:lnT>
+                        <a:lnB w="12700" cap="flat" cmpd="sng" algn="ctr">
+                          <a:noFill/>
+                          <a:prstDash val="solid"/>
+                          <a:round/>
+                          <a:headEnd type="none" w="med" len="med"/>
+                          <a:tailEnd type="none" w="med" len="med"/>
+                        </a:lnB>
+                        <a:lnTlToBr w="12700" cmpd="sng">
+                          <a:noFill/>
+                          <a:prstDash val="solid"/>
+                        </a:lnTlToBr>
+                        <a:lnBlToTr w="12700" cmpd="sng">
+                          <a:noFill/>
+                          <a:prstDash val="solid"/>
+                        </a:lnBlToTr>
+                        <a:noFill/>
+                      </a:tcPr>
+                    </a:tc>
+                    <a:extLst>
+                      <a:ext uri="{0D108BD9-81ED-4DB2-BD59-A6C34878D82A}">
+                        <a16:rowId xmlns:a16="http://schemas.microsoft.com/office/drawing/2014/main" val="2106922570"/>
+                      </a:ext>
+                    </a:extLst>
+                  </a:tr>
+                </a:tbl>
+              </a:graphicData>
+            </a:graphic>
+          </p:graphicFrame>
+        </mc:Choice>
+        <mc:Fallback>
+          <p:graphicFrame>
+            <p:nvGraphicFramePr>
+              <p:cNvPr id="4" name="Table 4">
+                <a:extLst>
+                  <a:ext uri="{FF2B5EF4-FFF2-40B4-BE49-F238E27FC236}">
+                    <a16:creationId xmlns:a16="http://schemas.microsoft.com/office/drawing/2014/main" id="{D1FCFCAB-B3D0-9841-4EDB-7C439FFFCDD6}"/>
+                  </a:ext>
+                </a:extLst>
+              </p:cNvPr>
+              <p:cNvGraphicFramePr>
+                <a:graphicFrameLocks noGrp="1"/>
+              </p:cNvGraphicFramePr>
+              <p:nvPr>
+                <p:extLst>
+                  <p:ext uri="{D42A27DB-BD31-4B8C-83A1-F6EECF244321}">
+                    <p14:modId xmlns:p14="http://schemas.microsoft.com/office/powerpoint/2010/main" val="234225056"/>
+                  </p:ext>
+                </p:extLst>
+              </p:nvPr>
+            </p:nvGraphicFramePr>
+            <p:xfrm>
+              <a:off x="3521423" y="1690688"/>
+              <a:ext cx="5149154" cy="3521392"/>
+            </p:xfrm>
+            <a:graphic>
+              <a:graphicData uri="http://schemas.openxmlformats.org/drawingml/2006/table">
+                <a:tbl>
+                  <a:tblPr firstRow="1" bandRow="1">
+                    <a:tableStyleId>{5C22544A-7EE6-4342-B048-85BDC9FD1C3A}</a:tableStyleId>
+                  </a:tblPr>
+                  <a:tblGrid>
+                    <a:gridCol w="2574577">
+                      <a:extLst>
+                        <a:ext uri="{9D8B030D-6E8A-4147-A177-3AD203B41FA5}">
+                          <a16:colId xmlns:a16="http://schemas.microsoft.com/office/drawing/2014/main" val="1867715976"/>
+                        </a:ext>
+                      </a:extLst>
+                    </a:gridCol>
+                    <a:gridCol w="2574577">
+                      <a:extLst>
+                        <a:ext uri="{9D8B030D-6E8A-4147-A177-3AD203B41FA5}">
+                          <a16:colId xmlns:a16="http://schemas.microsoft.com/office/drawing/2014/main" val="2067955847"/>
+                        </a:ext>
+                      </a:extLst>
+                    </a:gridCol>
+                  </a:tblGrid>
+                  <a:tr h="503056">
+                    <a:tc>
+                      <a:txBody>
+                        <a:bodyPr/>
+                        <a:lstStyle/>
+                        <a:p>
+                          <a:pPr marL="0" indent="0" algn="r">
+                            <a:buNone/>
+                          </a:pPr>
+                          <a:r>
+                            <a:rPr lang="en-US" sz="2400" b="0" dirty="0">
+                              <a:solidFill>
+                                <a:schemeClr val="tx1"/>
+                              </a:solidFill>
+                            </a:rPr>
+                            <a:t>Kernel:</a:t>
+                          </a:r>
+                        </a:p>
+                      </a:txBody>
+                      <a:tcPr marL="124041" marR="124041" marT="62021" marB="62021">
+                        <a:lnL w="12700" cap="flat" cmpd="sng" algn="ctr">
+                          <a:noFill/>
+                          <a:prstDash val="solid"/>
+                          <a:round/>
+                          <a:headEnd type="none" w="med" len="med"/>
+                          <a:tailEnd type="none" w="med" len="med"/>
+                        </a:lnL>
+                        <a:lnR w="12700" cap="flat" cmpd="sng" algn="ctr">
+                          <a:noFill/>
+                          <a:prstDash val="solid"/>
+                          <a:round/>
+                          <a:headEnd type="none" w="med" len="med"/>
+                          <a:tailEnd type="none" w="med" len="med"/>
+                        </a:lnR>
+                        <a:lnT w="12700" cap="flat" cmpd="sng" algn="ctr">
+                          <a:noFill/>
+                          <a:prstDash val="solid"/>
+                          <a:round/>
+                          <a:headEnd type="none" w="med" len="med"/>
+                          <a:tailEnd type="none" w="med" len="med"/>
+                        </a:lnT>
+                        <a:lnB w="12700" cap="flat" cmpd="sng" algn="ctr">
+                          <a:noFill/>
+                          <a:prstDash val="solid"/>
+                          <a:round/>
+                          <a:headEnd type="none" w="med" len="med"/>
+                          <a:tailEnd type="none" w="med" len="med"/>
+                        </a:lnB>
+                        <a:lnTlToBr w="12700" cmpd="sng">
+                          <a:noFill/>
+                          <a:prstDash val="solid"/>
+                        </a:lnTlToBr>
+                        <a:lnBlToTr w="12700" cmpd="sng">
+                          <a:noFill/>
+                          <a:prstDash val="solid"/>
+                        </a:lnBlToTr>
+                        <a:noFill/>
+                      </a:tcPr>
+                    </a:tc>
+                    <a:tc>
+                      <a:txBody>
+                        <a:bodyPr/>
+                        <a:lstStyle/>
+                        <a:p>
+                          <a:endParaRPr lang="en-US"/>
+                        </a:p>
+                      </a:txBody>
+                      <a:tcPr marL="124041" marR="124041" marT="62021" marB="62021">
+                        <a:lnL w="12700" cap="flat" cmpd="sng" algn="ctr">
+                          <a:noFill/>
+                          <a:prstDash val="solid"/>
+                          <a:round/>
+                          <a:headEnd type="none" w="med" len="med"/>
+                          <a:tailEnd type="none" w="med" len="med"/>
+                        </a:lnL>
+                        <a:lnR w="12700" cap="flat" cmpd="sng" algn="ctr">
+                          <a:noFill/>
+                          <a:prstDash val="solid"/>
+                          <a:round/>
+                          <a:headEnd type="none" w="med" len="med"/>
+                          <a:tailEnd type="none" w="med" len="med"/>
+                        </a:lnR>
+                        <a:lnT w="12700" cap="flat" cmpd="sng" algn="ctr">
+                          <a:noFill/>
+                          <a:prstDash val="solid"/>
+                          <a:round/>
+                          <a:headEnd type="none" w="med" len="med"/>
+                          <a:tailEnd type="none" w="med" len="med"/>
+                        </a:lnT>
+                        <a:lnB w="12700" cap="flat" cmpd="sng" algn="ctr">
+                          <a:noFill/>
+                          <a:prstDash val="solid"/>
+                          <a:round/>
+                          <a:headEnd type="none" w="med" len="med"/>
+                          <a:tailEnd type="none" w="med" len="med"/>
+                        </a:lnB>
+                        <a:lnTlToBr w="12700" cmpd="sng">
+                          <a:noFill/>
+                          <a:prstDash val="solid"/>
+                        </a:lnTlToBr>
+                        <a:lnBlToTr w="12700" cmpd="sng">
+                          <a:noFill/>
+                          <a:prstDash val="solid"/>
+                        </a:lnBlToTr>
+                        <a:blipFill>
+                          <a:blip r:embed="rId4"/>
+                          <a:stretch>
+                            <a:fillRect l="-100000" t="-6024" b="-618072"/>
+                          </a:stretch>
+                        </a:blipFill>
+                      </a:tcPr>
+                    </a:tc>
+                    <a:extLst>
+                      <a:ext uri="{0D108BD9-81ED-4DB2-BD59-A6C34878D82A}">
+                        <a16:rowId xmlns:a16="http://schemas.microsoft.com/office/drawing/2014/main" val="447519452"/>
+                      </a:ext>
+                    </a:extLst>
+                  </a:tr>
+                  <a:tr h="503056">
+                    <a:tc>
+                      <a:txBody>
+                        <a:bodyPr/>
+                        <a:lstStyle/>
+                        <a:p>
+                          <a:pPr algn="r"/>
+                          <a:r>
+                            <a:rPr lang="en-US" sz="2400" dirty="0">
+                              <a:solidFill>
+                                <a:schemeClr val="tx1"/>
+                              </a:solidFill>
+                            </a:rPr>
+                            <a:t>Input image: </a:t>
+                          </a:r>
+                        </a:p>
+                      </a:txBody>
+                      <a:tcPr marL="124041" marR="124041" marT="62021" marB="62021">
+                        <a:lnL w="12700" cap="flat" cmpd="sng" algn="ctr">
+                          <a:noFill/>
+                          <a:prstDash val="solid"/>
+                          <a:round/>
+                          <a:headEnd type="none" w="med" len="med"/>
+                          <a:tailEnd type="none" w="med" len="med"/>
+                        </a:lnL>
+                        <a:lnR w="12700" cap="flat" cmpd="sng" algn="ctr">
+                          <a:noFill/>
+                          <a:prstDash val="solid"/>
+                          <a:round/>
+                          <a:headEnd type="none" w="med" len="med"/>
+                          <a:tailEnd type="none" w="med" len="med"/>
+                        </a:lnR>
+                        <a:lnT w="12700" cap="flat" cmpd="sng" algn="ctr">
+                          <a:noFill/>
+                          <a:prstDash val="solid"/>
+                          <a:round/>
+                          <a:headEnd type="none" w="med" len="med"/>
+                          <a:tailEnd type="none" w="med" len="med"/>
+                        </a:lnT>
+                        <a:lnB w="12700" cap="flat" cmpd="sng" algn="ctr">
+                          <a:noFill/>
+                          <a:prstDash val="solid"/>
+                          <a:round/>
+                          <a:headEnd type="none" w="med" len="med"/>
+                          <a:tailEnd type="none" w="med" len="med"/>
+                        </a:lnB>
+                        <a:lnTlToBr w="12700" cmpd="sng">
+                          <a:noFill/>
+                          <a:prstDash val="solid"/>
+                        </a:lnTlToBr>
+                        <a:lnBlToTr w="12700" cmpd="sng">
+                          <a:noFill/>
+                          <a:prstDash val="solid"/>
+                        </a:lnBlToTr>
+                        <a:noFill/>
+                      </a:tcPr>
+                    </a:tc>
+                    <a:tc>
+                      <a:txBody>
+                        <a:bodyPr/>
+                        <a:lstStyle/>
+                        <a:p>
+                          <a:endParaRPr lang="en-US"/>
+                        </a:p>
+                      </a:txBody>
+                      <a:tcPr marL="124041" marR="124041" marT="62021" marB="62021">
+                        <a:lnL w="12700" cap="flat" cmpd="sng" algn="ctr">
+                          <a:noFill/>
+                          <a:prstDash val="solid"/>
+                          <a:round/>
+                          <a:headEnd type="none" w="med" len="med"/>
+                          <a:tailEnd type="none" w="med" len="med"/>
+                        </a:lnL>
+                        <a:lnR w="12700" cap="flat" cmpd="sng" algn="ctr">
+                          <a:noFill/>
+                          <a:prstDash val="solid"/>
+                          <a:round/>
+                          <a:headEnd type="none" w="med" len="med"/>
+                          <a:tailEnd type="none" w="med" len="med"/>
+                        </a:lnR>
+                        <a:lnT w="12700" cap="flat" cmpd="sng" algn="ctr">
+                          <a:noFill/>
+                          <a:prstDash val="solid"/>
+                          <a:round/>
+                          <a:headEnd type="none" w="med" len="med"/>
+                          <a:tailEnd type="none" w="med" len="med"/>
+                        </a:lnT>
+                        <a:lnB w="12700" cap="flat" cmpd="sng" algn="ctr">
+                          <a:noFill/>
+                          <a:prstDash val="solid"/>
+                          <a:round/>
+                          <a:headEnd type="none" w="med" len="med"/>
+                          <a:tailEnd type="none" w="med" len="med"/>
+                        </a:lnB>
+                        <a:lnTlToBr w="12700" cmpd="sng">
+                          <a:noFill/>
+                          <a:prstDash val="solid"/>
+                        </a:lnTlToBr>
+                        <a:lnBlToTr w="12700" cmpd="sng">
+                          <a:noFill/>
+                          <a:prstDash val="solid"/>
+                        </a:lnBlToTr>
+                        <a:blipFill>
+                          <a:blip r:embed="rId4"/>
+                          <a:stretch>
+                            <a:fillRect l="-100000" t="-107317" b="-525610"/>
+                          </a:stretch>
+                        </a:blipFill>
+                      </a:tcPr>
+                    </a:tc>
+                    <a:extLst>
+                      <a:ext uri="{0D108BD9-81ED-4DB2-BD59-A6C34878D82A}">
+                        <a16:rowId xmlns:a16="http://schemas.microsoft.com/office/drawing/2014/main" val="1623022831"/>
+                      </a:ext>
+                    </a:extLst>
+                  </a:tr>
+                  <a:tr h="503056">
+                    <a:tc>
+                      <a:txBody>
+                        <a:bodyPr/>
+                        <a:lstStyle/>
+                        <a:p>
+                          <a:pPr algn="r"/>
+                          <a:r>
+                            <a:rPr lang="en-US" sz="2400" dirty="0">
+                              <a:solidFill>
+                                <a:schemeClr val="tx1"/>
+                              </a:solidFill>
+                            </a:rPr>
+                            <a:t>Padding:</a:t>
+                          </a:r>
+                        </a:p>
+                      </a:txBody>
+                      <a:tcPr marL="124041" marR="124041" marT="62021" marB="62021">
+                        <a:lnL w="12700" cap="flat" cmpd="sng" algn="ctr">
+                          <a:noFill/>
+                          <a:prstDash val="solid"/>
+                          <a:round/>
+                          <a:headEnd type="none" w="med" len="med"/>
+                          <a:tailEnd type="none" w="med" len="med"/>
+                        </a:lnL>
+                        <a:lnR w="12700" cap="flat" cmpd="sng" algn="ctr">
+                          <a:noFill/>
+                          <a:prstDash val="solid"/>
+                          <a:round/>
+                          <a:headEnd type="none" w="med" len="med"/>
+                          <a:tailEnd type="none" w="med" len="med"/>
+                        </a:lnR>
+                        <a:lnT w="12700" cap="flat" cmpd="sng" algn="ctr">
+                          <a:noFill/>
+                          <a:prstDash val="solid"/>
+                          <a:round/>
+                          <a:headEnd type="none" w="med" len="med"/>
+                          <a:tailEnd type="none" w="med" len="med"/>
+                        </a:lnT>
+                        <a:lnB w="12700" cap="flat" cmpd="sng" algn="ctr">
+                          <a:noFill/>
+                          <a:prstDash val="solid"/>
+                          <a:round/>
+                          <a:headEnd type="none" w="med" len="med"/>
+                          <a:tailEnd type="none" w="med" len="med"/>
+                        </a:lnB>
+                        <a:lnTlToBr w="12700" cmpd="sng">
+                          <a:noFill/>
+                          <a:prstDash val="solid"/>
+                        </a:lnTlToBr>
+                        <a:lnBlToTr w="12700" cmpd="sng">
+                          <a:noFill/>
+                          <a:prstDash val="solid"/>
+                        </a:lnBlToTr>
+                        <a:noFill/>
+                      </a:tcPr>
+                    </a:tc>
+                    <a:tc>
+                      <a:txBody>
+                        <a:bodyPr/>
+                        <a:lstStyle/>
+                        <a:p>
+                          <a:endParaRPr lang="en-US"/>
+                        </a:p>
+                      </a:txBody>
+                      <a:tcPr marL="124041" marR="124041" marT="62021" marB="62021">
+                        <a:lnL w="12700" cap="flat" cmpd="sng" algn="ctr">
+                          <a:noFill/>
+                          <a:prstDash val="solid"/>
+                          <a:round/>
+                          <a:headEnd type="none" w="med" len="med"/>
+                          <a:tailEnd type="none" w="med" len="med"/>
+                        </a:lnL>
+                        <a:lnR w="12700" cap="flat" cmpd="sng" algn="ctr">
+                          <a:noFill/>
+                          <a:prstDash val="solid"/>
+                          <a:round/>
+                          <a:headEnd type="none" w="med" len="med"/>
+                          <a:tailEnd type="none" w="med" len="med"/>
+                        </a:lnR>
+                        <a:lnT w="12700" cap="flat" cmpd="sng" algn="ctr">
+                          <a:noFill/>
+                          <a:prstDash val="solid"/>
+                          <a:round/>
+                          <a:headEnd type="none" w="med" len="med"/>
+                          <a:tailEnd type="none" w="med" len="med"/>
+                        </a:lnT>
+                        <a:lnB w="12700" cap="flat" cmpd="sng" algn="ctr">
+                          <a:noFill/>
+                          <a:prstDash val="solid"/>
+                          <a:round/>
+                          <a:headEnd type="none" w="med" len="med"/>
+                          <a:tailEnd type="none" w="med" len="med"/>
+                        </a:lnB>
+                        <a:lnTlToBr w="12700" cmpd="sng">
+                          <a:noFill/>
+                          <a:prstDash val="solid"/>
+                        </a:lnTlToBr>
+                        <a:lnBlToTr w="12700" cmpd="sng">
+                          <a:noFill/>
+                          <a:prstDash val="solid"/>
+                        </a:lnBlToTr>
+                        <a:blipFill>
+                          <a:blip r:embed="rId4"/>
+                          <a:stretch>
+                            <a:fillRect l="-100000" t="-204819" b="-419277"/>
+                          </a:stretch>
+                        </a:blipFill>
+                      </a:tcPr>
+                    </a:tc>
+                    <a:extLst>
+                      <a:ext uri="{0D108BD9-81ED-4DB2-BD59-A6C34878D82A}">
+                        <a16:rowId xmlns:a16="http://schemas.microsoft.com/office/drawing/2014/main" val="4005437046"/>
+                      </a:ext>
+                    </a:extLst>
+                  </a:tr>
+                  <a:tr h="503056">
+                    <a:tc>
+                      <a:txBody>
+                        <a:bodyPr/>
+                        <a:lstStyle/>
+                        <a:p>
+                          <a:pPr algn="r"/>
+                          <a:r>
+                            <a:rPr lang="en-US" sz="2400" dirty="0">
+                              <a:solidFill>
+                                <a:schemeClr val="tx1"/>
+                              </a:solidFill>
+                            </a:rPr>
+                            <a:t>Striding:</a:t>
+                          </a:r>
+                        </a:p>
+                      </a:txBody>
+                      <a:tcPr marL="124041" marR="124041" marT="62021" marB="62021">
+                        <a:lnL w="12700" cap="flat" cmpd="sng" algn="ctr">
+                          <a:noFill/>
+                          <a:prstDash val="solid"/>
+                          <a:round/>
+                          <a:headEnd type="none" w="med" len="med"/>
+                          <a:tailEnd type="none" w="med" len="med"/>
+                        </a:lnL>
+                        <a:lnR w="12700" cap="flat" cmpd="sng" algn="ctr">
+                          <a:noFill/>
+                          <a:prstDash val="solid"/>
+                          <a:round/>
+                          <a:headEnd type="none" w="med" len="med"/>
+                          <a:tailEnd type="none" w="med" len="med"/>
+                        </a:lnR>
+                        <a:lnT w="12700" cap="flat" cmpd="sng" algn="ctr">
+                          <a:noFill/>
+                          <a:prstDash val="solid"/>
+                          <a:round/>
+                          <a:headEnd type="none" w="med" len="med"/>
+                          <a:tailEnd type="none" w="med" len="med"/>
+                        </a:lnT>
+                        <a:lnB w="12700" cap="flat" cmpd="sng" algn="ctr">
+                          <a:noFill/>
+                          <a:prstDash val="solid"/>
+                          <a:round/>
+                          <a:headEnd type="none" w="med" len="med"/>
+                          <a:tailEnd type="none" w="med" len="med"/>
+                        </a:lnB>
+                        <a:lnTlToBr w="12700" cmpd="sng">
+                          <a:noFill/>
+                          <a:prstDash val="solid"/>
+                        </a:lnTlToBr>
+                        <a:lnBlToTr w="12700" cmpd="sng">
+                          <a:noFill/>
+                          <a:prstDash val="solid"/>
+                        </a:lnBlToTr>
+                        <a:noFill/>
+                      </a:tcPr>
+                    </a:tc>
+                    <a:tc>
+                      <a:txBody>
+                        <a:bodyPr/>
+                        <a:lstStyle/>
+                        <a:p>
+                          <a:endParaRPr lang="en-US"/>
+                        </a:p>
+                      </a:txBody>
+                      <a:tcPr marL="124041" marR="124041" marT="62021" marB="62021">
+                        <a:lnL w="12700" cap="flat" cmpd="sng" algn="ctr">
+                          <a:noFill/>
+                          <a:prstDash val="solid"/>
+                          <a:round/>
+                          <a:headEnd type="none" w="med" len="med"/>
+                          <a:tailEnd type="none" w="med" len="med"/>
+                        </a:lnL>
+                        <a:lnR w="12700" cap="flat" cmpd="sng" algn="ctr">
+                          <a:noFill/>
+                          <a:prstDash val="solid"/>
+                          <a:round/>
+                          <a:headEnd type="none" w="med" len="med"/>
+                          <a:tailEnd type="none" w="med" len="med"/>
+                        </a:lnR>
+                        <a:lnT w="12700" cap="flat" cmpd="sng" algn="ctr">
+                          <a:noFill/>
+                          <a:prstDash val="solid"/>
+                          <a:round/>
+                          <a:headEnd type="none" w="med" len="med"/>
+                          <a:tailEnd type="none" w="med" len="med"/>
+                        </a:lnT>
+                        <a:lnB w="12700" cap="flat" cmpd="sng" algn="ctr">
+                          <a:noFill/>
+                          <a:prstDash val="solid"/>
+                          <a:round/>
+                          <a:headEnd type="none" w="med" len="med"/>
+                          <a:tailEnd type="none" w="med" len="med"/>
+                        </a:lnB>
+                        <a:lnTlToBr w="12700" cmpd="sng">
+                          <a:noFill/>
+                          <a:prstDash val="solid"/>
+                        </a:lnTlToBr>
+                        <a:lnBlToTr w="12700" cmpd="sng">
+                          <a:noFill/>
+                          <a:prstDash val="solid"/>
+                        </a:lnBlToTr>
+                        <a:blipFill>
+                          <a:blip r:embed="rId4"/>
+                          <a:stretch>
+                            <a:fillRect l="-100000" t="-308537" b="-324390"/>
+                          </a:stretch>
+                        </a:blipFill>
+                      </a:tcPr>
+                    </a:tc>
+                    <a:extLst>
+                      <a:ext uri="{0D108BD9-81ED-4DB2-BD59-A6C34878D82A}">
+                        <a16:rowId xmlns:a16="http://schemas.microsoft.com/office/drawing/2014/main" val="898271232"/>
+                      </a:ext>
+                    </a:extLst>
+                  </a:tr>
+                  <a:tr h="503056">
+                    <a:tc>
+                      <a:txBody>
+                        <a:bodyPr/>
+                        <a:lstStyle/>
+                        <a:p>
+                          <a:pPr algn="r"/>
+                          <a:r>
+                            <a:rPr lang="en-US" sz="2400" dirty="0">
+                              <a:solidFill>
+                                <a:schemeClr val="tx1"/>
+                              </a:solidFill>
+                            </a:rPr>
+                            <a:t>Dilation:</a:t>
+                          </a:r>
+                        </a:p>
+                      </a:txBody>
+                      <a:tcPr marL="124041" marR="124041" marT="62021" marB="62021">
+                        <a:lnL w="12700" cap="flat" cmpd="sng" algn="ctr">
+                          <a:noFill/>
+                          <a:prstDash val="solid"/>
+                          <a:round/>
+                          <a:headEnd type="none" w="med" len="med"/>
+                          <a:tailEnd type="none" w="med" len="med"/>
+                        </a:lnL>
+                        <a:lnR w="12700" cap="flat" cmpd="sng" algn="ctr">
+                          <a:noFill/>
+                          <a:prstDash val="solid"/>
+                          <a:round/>
+                          <a:headEnd type="none" w="med" len="med"/>
+                          <a:tailEnd type="none" w="med" len="med"/>
+                        </a:lnR>
+                        <a:lnT w="12700" cap="flat" cmpd="sng" algn="ctr">
+                          <a:noFill/>
+                          <a:prstDash val="solid"/>
+                          <a:round/>
+                          <a:headEnd type="none" w="med" len="med"/>
+                          <a:tailEnd type="none" w="med" len="med"/>
+                        </a:lnT>
+                        <a:lnB w="12700" cap="flat" cmpd="sng" algn="ctr">
+                          <a:noFill/>
+                          <a:prstDash val="solid"/>
+                          <a:round/>
+                          <a:headEnd type="none" w="med" len="med"/>
+                          <a:tailEnd type="none" w="med" len="med"/>
+                        </a:lnB>
+                        <a:lnTlToBr w="12700" cmpd="sng">
+                          <a:noFill/>
+                          <a:prstDash val="solid"/>
+                        </a:lnTlToBr>
+                        <a:lnBlToTr w="12700" cmpd="sng">
+                          <a:noFill/>
+                          <a:prstDash val="solid"/>
+                        </a:lnBlToTr>
+                        <a:noFill/>
+                      </a:tcPr>
+                    </a:tc>
+                    <a:tc>
+                      <a:txBody>
+                        <a:bodyPr/>
+                        <a:lstStyle/>
+                        <a:p>
+                          <a:endParaRPr lang="en-US"/>
+                        </a:p>
+                      </a:txBody>
+                      <a:tcPr marL="124041" marR="124041" marT="62021" marB="62021">
+                        <a:lnL w="12700" cap="flat" cmpd="sng" algn="ctr">
+                          <a:noFill/>
+                          <a:prstDash val="solid"/>
+                          <a:round/>
+                          <a:headEnd type="none" w="med" len="med"/>
+                          <a:tailEnd type="none" w="med" len="med"/>
+                        </a:lnL>
+                        <a:lnR w="12700" cap="flat" cmpd="sng" algn="ctr">
+                          <a:noFill/>
+                          <a:prstDash val="solid"/>
+                          <a:round/>
+                          <a:headEnd type="none" w="med" len="med"/>
+                          <a:tailEnd type="none" w="med" len="med"/>
+                        </a:lnR>
+                        <a:lnT w="12700" cap="flat" cmpd="sng" algn="ctr">
+                          <a:noFill/>
+                          <a:prstDash val="solid"/>
+                          <a:round/>
+                          <a:headEnd type="none" w="med" len="med"/>
+                          <a:tailEnd type="none" w="med" len="med"/>
+                        </a:lnT>
+                        <a:lnB w="12700" cap="flat" cmpd="sng" algn="ctr">
+                          <a:noFill/>
+                          <a:prstDash val="solid"/>
+                          <a:round/>
+                          <a:headEnd type="none" w="med" len="med"/>
+                          <a:tailEnd type="none" w="med" len="med"/>
+                        </a:lnB>
+                        <a:lnTlToBr w="12700" cmpd="sng">
+                          <a:noFill/>
+                          <a:prstDash val="solid"/>
+                        </a:lnTlToBr>
+                        <a:lnBlToTr w="12700" cmpd="sng">
+                          <a:noFill/>
+                          <a:prstDash val="solid"/>
+                        </a:lnBlToTr>
+                        <a:blipFill>
+                          <a:blip r:embed="rId4"/>
+                          <a:stretch>
+                            <a:fillRect l="-100000" t="-403614" b="-220482"/>
+                          </a:stretch>
+                        </a:blipFill>
+                      </a:tcPr>
+                    </a:tc>
+                    <a:extLst>
+                      <a:ext uri="{0D108BD9-81ED-4DB2-BD59-A6C34878D82A}">
+                        <a16:rowId xmlns:a16="http://schemas.microsoft.com/office/drawing/2014/main" val="221637713"/>
+                      </a:ext>
+                    </a:extLst>
+                  </a:tr>
+                  <a:tr h="503056">
+                    <a:tc>
+                      <a:txBody>
+                        <a:bodyPr/>
+                        <a:lstStyle/>
+                        <a:p>
+                          <a:pPr algn="r"/>
+                          <a:r>
+                            <a:rPr lang="en-US" sz="2400" dirty="0">
+                              <a:solidFill>
+                                <a:schemeClr val="tx1"/>
+                              </a:solidFill>
+                            </a:rPr>
+                            <a:t>Output image:</a:t>
+                          </a:r>
+                        </a:p>
+                      </a:txBody>
+                      <a:tcPr marL="124041" marR="124041" marT="62021" marB="62021">
+                        <a:lnL w="12700" cap="flat" cmpd="sng" algn="ctr">
+                          <a:noFill/>
+                          <a:prstDash val="solid"/>
+                          <a:round/>
+                          <a:headEnd type="none" w="med" len="med"/>
+                          <a:tailEnd type="none" w="med" len="med"/>
+                        </a:lnL>
+                        <a:lnR w="12700" cap="flat" cmpd="sng" algn="ctr">
+                          <a:noFill/>
+                          <a:prstDash val="solid"/>
+                          <a:round/>
+                          <a:headEnd type="none" w="med" len="med"/>
+                          <a:tailEnd type="none" w="med" len="med"/>
+                        </a:lnR>
+                        <a:lnT w="12700" cap="flat" cmpd="sng" algn="ctr">
+                          <a:noFill/>
+                          <a:prstDash val="solid"/>
+                          <a:round/>
+                          <a:headEnd type="none" w="med" len="med"/>
+                          <a:tailEnd type="none" w="med" len="med"/>
+                        </a:lnT>
+                        <a:lnB w="12700" cap="flat" cmpd="sng" algn="ctr">
+                          <a:noFill/>
+                          <a:prstDash val="solid"/>
+                          <a:round/>
+                          <a:headEnd type="none" w="med" len="med"/>
+                          <a:tailEnd type="none" w="med" len="med"/>
+                        </a:lnB>
+                        <a:lnTlToBr w="12700" cmpd="sng">
+                          <a:noFill/>
+                          <a:prstDash val="solid"/>
+                        </a:lnTlToBr>
+                        <a:lnBlToTr w="12700" cmpd="sng">
+                          <a:noFill/>
+                          <a:prstDash val="solid"/>
+                        </a:lnBlToTr>
+                        <a:noFill/>
+                      </a:tcPr>
+                    </a:tc>
+                    <a:tc>
+                      <a:txBody>
+                        <a:bodyPr/>
+                        <a:lstStyle/>
+                        <a:p>
+                          <a:endParaRPr lang="en-US"/>
+                        </a:p>
+                      </a:txBody>
+                      <a:tcPr marL="124041" marR="124041" marT="62021" marB="62021">
+                        <a:lnL w="12700" cap="flat" cmpd="sng" algn="ctr">
+                          <a:noFill/>
+                          <a:prstDash val="solid"/>
+                          <a:round/>
+                          <a:headEnd type="none" w="med" len="med"/>
+                          <a:tailEnd type="none" w="med" len="med"/>
+                        </a:lnL>
+                        <a:lnR w="12700" cap="flat" cmpd="sng" algn="ctr">
+                          <a:noFill/>
+                          <a:prstDash val="solid"/>
+                          <a:round/>
+                          <a:headEnd type="none" w="med" len="med"/>
+                          <a:tailEnd type="none" w="med" len="med"/>
+                        </a:lnR>
+                        <a:lnT w="12700" cap="flat" cmpd="sng" algn="ctr">
+                          <a:noFill/>
+                          <a:prstDash val="solid"/>
+                          <a:round/>
+                          <a:headEnd type="none" w="med" len="med"/>
+                          <a:tailEnd type="none" w="med" len="med"/>
+                        </a:lnT>
+                        <a:lnB w="12700" cap="flat" cmpd="sng" algn="ctr">
+                          <a:noFill/>
+                          <a:prstDash val="solid"/>
+                          <a:round/>
+                          <a:headEnd type="none" w="med" len="med"/>
+                          <a:tailEnd type="none" w="med" len="med"/>
+                        </a:lnB>
+                        <a:lnTlToBr w="12700" cmpd="sng">
+                          <a:noFill/>
+                          <a:prstDash val="solid"/>
+                        </a:lnTlToBr>
+                        <a:lnBlToTr w="12700" cmpd="sng">
+                          <a:noFill/>
+                          <a:prstDash val="solid"/>
+                        </a:lnBlToTr>
+                        <a:blipFill>
+                          <a:blip r:embed="rId4"/>
+                          <a:stretch>
+                            <a:fillRect l="-100000" t="-509756" b="-123171"/>
+                          </a:stretch>
+                        </a:blipFill>
+                      </a:tcPr>
+                    </a:tc>
+                    <a:extLst>
+                      <a:ext uri="{0D108BD9-81ED-4DB2-BD59-A6C34878D82A}">
+                        <a16:rowId xmlns:a16="http://schemas.microsoft.com/office/drawing/2014/main" val="4135396076"/>
+                      </a:ext>
+                    </a:extLst>
+                  </a:tr>
+                  <a:tr h="503056">
+                    <a:tc>
+                      <a:txBody>
+                        <a:bodyPr/>
+                        <a:lstStyle/>
+                        <a:p>
+                          <a:pPr algn="r"/>
+                          <a:r>
+                            <a:rPr lang="en-US" sz="2400" dirty="0">
+                              <a:solidFill>
+                                <a:schemeClr val="tx1"/>
+                              </a:solidFill>
+                            </a:rPr>
+                            <a:t>Output padding:</a:t>
+                          </a:r>
+                        </a:p>
+                      </a:txBody>
+                      <a:tcPr marL="124041" marR="124041" marT="62021" marB="62021">
+                        <a:lnL w="12700" cap="flat" cmpd="sng" algn="ctr">
+                          <a:noFill/>
+                          <a:prstDash val="solid"/>
+                          <a:round/>
+                          <a:headEnd type="none" w="med" len="med"/>
+                          <a:tailEnd type="none" w="med" len="med"/>
+                        </a:lnL>
+                        <a:lnR w="12700" cap="flat" cmpd="sng" algn="ctr">
+                          <a:noFill/>
+                          <a:prstDash val="solid"/>
+                          <a:round/>
+                          <a:headEnd type="none" w="med" len="med"/>
+                          <a:tailEnd type="none" w="med" len="med"/>
+                        </a:lnR>
+                        <a:lnT w="12700" cap="flat" cmpd="sng" algn="ctr">
+                          <a:noFill/>
+                          <a:prstDash val="solid"/>
+                          <a:round/>
+                          <a:headEnd type="none" w="med" len="med"/>
+                          <a:tailEnd type="none" w="med" len="med"/>
+                        </a:lnT>
+                        <a:lnB w="12700" cap="flat" cmpd="sng" algn="ctr">
+                          <a:noFill/>
+                          <a:prstDash val="solid"/>
+                          <a:round/>
+                          <a:headEnd type="none" w="med" len="med"/>
+                          <a:tailEnd type="none" w="med" len="med"/>
+                        </a:lnB>
+                        <a:lnTlToBr w="12700" cmpd="sng">
+                          <a:noFill/>
+                          <a:prstDash val="solid"/>
+                        </a:lnTlToBr>
+                        <a:lnBlToTr w="12700" cmpd="sng">
+                          <a:noFill/>
+                          <a:prstDash val="solid"/>
+                        </a:lnBlToTr>
+                        <a:noFill/>
+                      </a:tcPr>
+                    </a:tc>
+                    <a:tc>
+                      <a:txBody>
+                        <a:bodyPr/>
+                        <a:lstStyle/>
+                        <a:p>
+                          <a:endParaRPr lang="en-US"/>
+                        </a:p>
+                      </a:txBody>
+                      <a:tcPr marL="124041" marR="124041" marT="62021" marB="62021">
+                        <a:lnL w="12700" cap="flat" cmpd="sng" algn="ctr">
+                          <a:noFill/>
+                          <a:prstDash val="solid"/>
+                          <a:round/>
+                          <a:headEnd type="none" w="med" len="med"/>
+                          <a:tailEnd type="none" w="med" len="med"/>
+                        </a:lnL>
+                        <a:lnR w="12700" cap="flat" cmpd="sng" algn="ctr">
+                          <a:noFill/>
+                          <a:prstDash val="solid"/>
+                          <a:round/>
+                          <a:headEnd type="none" w="med" len="med"/>
+                          <a:tailEnd type="none" w="med" len="med"/>
+                        </a:lnR>
+                        <a:lnT w="12700" cap="flat" cmpd="sng" algn="ctr">
+                          <a:noFill/>
+                          <a:prstDash val="solid"/>
+                          <a:round/>
+                          <a:headEnd type="none" w="med" len="med"/>
+                          <a:tailEnd type="none" w="med" len="med"/>
+                        </a:lnT>
+                        <a:lnB w="12700" cap="flat" cmpd="sng" algn="ctr">
+                          <a:noFill/>
+                          <a:prstDash val="solid"/>
+                          <a:round/>
+                          <a:headEnd type="none" w="med" len="med"/>
+                          <a:tailEnd type="none" w="med" len="med"/>
+                        </a:lnB>
+                        <a:lnTlToBr w="12700" cmpd="sng">
+                          <a:noFill/>
+                          <a:prstDash val="solid"/>
+                        </a:lnTlToBr>
+                        <a:lnBlToTr w="12700" cmpd="sng">
+                          <a:noFill/>
+                          <a:prstDash val="solid"/>
+                        </a:lnBlToTr>
+                        <a:blipFill>
+                          <a:blip r:embed="rId4"/>
+                          <a:stretch>
+                            <a:fillRect l="-100000" t="-602410" b="-21687"/>
+                          </a:stretch>
+                        </a:blipFill>
+                      </a:tcPr>
+                    </a:tc>
+                    <a:extLst>
+                      <a:ext uri="{0D108BD9-81ED-4DB2-BD59-A6C34878D82A}">
+                        <a16:rowId xmlns:a16="http://schemas.microsoft.com/office/drawing/2014/main" val="2106922570"/>
+                      </a:ext>
+                    </a:extLst>
+                  </a:tr>
+                </a:tbl>
+              </a:graphicData>
+            </a:graphic>
+          </p:graphicFrame>
         </mc:Fallback>
       </mc:AlternateContent>
     </p:spTree>

--- a/Slides_7.pptx
+++ b/Slides_7.pptx
@@ -5,7 +5,7 @@
     <p:sldMasterId id="2147483648" r:id="rId1"/>
   </p:sldMasterIdLst>
   <p:notesMasterIdLst>
-    <p:notesMasterId r:id="rId7"/>
+    <p:notesMasterId r:id="rId8"/>
   </p:notesMasterIdLst>
   <p:sldIdLst>
     <p:sldId id="257" r:id="rId2"/>
@@ -13,6 +13,7 @@
     <p:sldId id="259" r:id="rId4"/>
     <p:sldId id="260" r:id="rId5"/>
     <p:sldId id="281" r:id="rId6"/>
+    <p:sldId id="282" r:id="rId7"/>
   </p:sldIdLst>
   <p:sldSz cx="12192000" cy="6858000"/>
   <p:notesSz cx="6858000" cy="9144000"/>
@@ -111,6 +112,11 @@
       </a:defRPr>
     </a:lvl9pPr>
   </p:defaultTextStyle>
+  <p:extLst>
+    <p:ext uri="{EFAFB233-063F-42B5-8137-9DF3F51BA10A}">
+      <p15:sldGuideLst xmlns:p15="http://schemas.microsoft.com/office/powerpoint/2012/main"/>
+    </p:ext>
+  </p:extLst>
 </p:presentation>
 </file>
 
@@ -694,7 +700,7 @@
           <a:p>
             <a:fld id="{B6C850DB-D535-437E-BA35-A4E49FFAA51B}" type="datetimeFigureOut">
               <a:rPr lang="en-US" smtClean="0"/>
-              <a:t>1/31/2023</a:t>
+              <a:t>2/1/2023</a:t>
             </a:fld>
             <a:endParaRPr lang="en-US"/>
           </a:p>
@@ -892,7 +898,7 @@
           <a:p>
             <a:fld id="{B6C850DB-D535-437E-BA35-A4E49FFAA51B}" type="datetimeFigureOut">
               <a:rPr lang="en-US" smtClean="0"/>
-              <a:t>1/31/2023</a:t>
+              <a:t>2/1/2023</a:t>
             </a:fld>
             <a:endParaRPr lang="en-US"/>
           </a:p>
@@ -1100,7 +1106,7 @@
           <a:p>
             <a:fld id="{B6C850DB-D535-437E-BA35-A4E49FFAA51B}" type="datetimeFigureOut">
               <a:rPr lang="en-US" smtClean="0"/>
-              <a:t>1/31/2023</a:t>
+              <a:t>2/1/2023</a:t>
             </a:fld>
             <a:endParaRPr lang="en-US"/>
           </a:p>
@@ -1298,7 +1304,7 @@
           <a:p>
             <a:fld id="{B6C850DB-D535-437E-BA35-A4E49FFAA51B}" type="datetimeFigureOut">
               <a:rPr lang="en-US" smtClean="0"/>
-              <a:t>1/31/2023</a:t>
+              <a:t>2/1/2023</a:t>
             </a:fld>
             <a:endParaRPr lang="en-US"/>
           </a:p>
@@ -1573,7 +1579,7 @@
           <a:p>
             <a:fld id="{B6C850DB-D535-437E-BA35-A4E49FFAA51B}" type="datetimeFigureOut">
               <a:rPr lang="en-US" smtClean="0"/>
-              <a:t>1/31/2023</a:t>
+              <a:t>2/1/2023</a:t>
             </a:fld>
             <a:endParaRPr lang="en-US"/>
           </a:p>
@@ -1838,7 +1844,7 @@
           <a:p>
             <a:fld id="{B6C850DB-D535-437E-BA35-A4E49FFAA51B}" type="datetimeFigureOut">
               <a:rPr lang="en-US" smtClean="0"/>
-              <a:t>1/31/2023</a:t>
+              <a:t>2/1/2023</a:t>
             </a:fld>
             <a:endParaRPr lang="en-US"/>
           </a:p>
@@ -2250,7 +2256,7 @@
           <a:p>
             <a:fld id="{B6C850DB-D535-437E-BA35-A4E49FFAA51B}" type="datetimeFigureOut">
               <a:rPr lang="en-US" smtClean="0"/>
-              <a:t>1/31/2023</a:t>
+              <a:t>2/1/2023</a:t>
             </a:fld>
             <a:endParaRPr lang="en-US"/>
           </a:p>
@@ -2391,7 +2397,7 @@
           <a:p>
             <a:fld id="{B6C850DB-D535-437E-BA35-A4E49FFAA51B}" type="datetimeFigureOut">
               <a:rPr lang="en-US" smtClean="0"/>
-              <a:t>1/31/2023</a:t>
+              <a:t>2/1/2023</a:t>
             </a:fld>
             <a:endParaRPr lang="en-US"/>
           </a:p>
@@ -2504,7 +2510,7 @@
           <a:p>
             <a:fld id="{B6C850DB-D535-437E-BA35-A4E49FFAA51B}" type="datetimeFigureOut">
               <a:rPr lang="en-US" smtClean="0"/>
-              <a:t>1/31/2023</a:t>
+              <a:t>2/1/2023</a:t>
             </a:fld>
             <a:endParaRPr lang="en-US"/>
           </a:p>
@@ -2815,7 +2821,7 @@
           <a:p>
             <a:fld id="{B6C850DB-D535-437E-BA35-A4E49FFAA51B}" type="datetimeFigureOut">
               <a:rPr lang="en-US" smtClean="0"/>
-              <a:t>1/31/2023</a:t>
+              <a:t>2/1/2023</a:t>
             </a:fld>
             <a:endParaRPr lang="en-US"/>
           </a:p>
@@ -3103,7 +3109,7 @@
           <a:p>
             <a:fld id="{B6C850DB-D535-437E-BA35-A4E49FFAA51B}" type="datetimeFigureOut">
               <a:rPr lang="en-US" smtClean="0"/>
-              <a:t>1/31/2023</a:t>
+              <a:t>2/1/2023</a:t>
             </a:fld>
             <a:endParaRPr lang="en-US"/>
           </a:p>
@@ -3344,7 +3350,7 @@
           <a:p>
             <a:fld id="{B6C850DB-D535-437E-BA35-A4E49FFAA51B}" type="datetimeFigureOut">
               <a:rPr lang="en-US" smtClean="0"/>
-              <a:t>1/31/2023</a:t>
+              <a:t>2/1/2023</a:t>
             </a:fld>
             <a:endParaRPr lang="en-US"/>
           </a:p>
@@ -3887,7 +3893,7 @@
           <a:lstStyle/>
           <a:p>
             <a:r>
-              <a:rPr lang="en-US" b="1" dirty="0"/>
+              <a:rPr lang="en-US" dirty="0"/>
               <a:t>Transposed Convolutional Layer</a:t>
             </a:r>
           </a:p>
@@ -4080,7 +4086,7 @@
         </p:nvSpPr>
         <p:spPr>
           <a:xfrm>
-            <a:off x="7816850" y="365125"/>
+            <a:off x="7928610" y="365125"/>
             <a:ext cx="1893887" cy="1325563"/>
           </a:xfrm>
           <a:prstGeom prst="rect">
@@ -4112,7 +4118,7 @@
           </a:lstStyle>
           <a:p>
             <a:r>
-              <a:rPr lang="en-US" b="1" dirty="0"/>
+              <a:rPr lang="en-US" dirty="0"/>
               <a:t>: Plain</a:t>
             </a:r>
           </a:p>
@@ -4450,7 +4456,7 @@
           <a:lstStyle/>
           <a:p>
             <a:r>
-              <a:rPr lang="en-US" b="1" dirty="0"/>
+              <a:rPr lang="en-US" dirty="0"/>
               <a:t>Transposed Convolutional Layer: Padding</a:t>
             </a:r>
           </a:p>
@@ -4634,7 +4640,7 @@
           <a:lstStyle/>
           <a:p>
             <a:r>
-              <a:rPr lang="en-US" b="1" dirty="0"/>
+              <a:rPr lang="en-US" dirty="0"/>
               <a:t>Transposed Convolutional Layer: Strides</a:t>
             </a:r>
           </a:p>
@@ -4824,8 +4830,8 @@
           </a:p>
         </p:txBody>
       </p:sp>
-      <mc:AlternateContent xmlns:mc="http://schemas.openxmlformats.org/markup-compatibility/2006">
-        <mc:Choice xmlns:a14="http://schemas.microsoft.com/office/drawing/2010/main" Requires="a14">
+      <mc:AlternateContent xmlns:mc="http://schemas.openxmlformats.org/markup-compatibility/2006" xmlns:a14="http://schemas.microsoft.com/office/drawing/2010/main">
+        <mc:Choice Requires="a14">
           <p:sp>
             <p:nvSpPr>
               <p:cNvPr id="3" name="Content Placeholder 2">
@@ -5124,13 +5130,7 @@
                         <a:rPr lang="en-US" b="0" i="1" smtClean="0">
                           <a:latin typeface="Cambria Math" panose="02040503050406030204" pitchFamily="18" charset="0"/>
                         </a:rPr>
-                        <m:t>+</m:t>
-                      </m:r>
-                      <m:r>
-                        <a:rPr lang="en-US" b="0" i="1" smtClean="0">
-                          <a:latin typeface="Cambria Math" panose="02040503050406030204" pitchFamily="18" charset="0"/>
-                        </a:rPr>
-                        <m:t>1</m:t>
+                        <m:t>+1</m:t>
                       </m:r>
                     </m:oMath>
                   </m:oMathPara>
@@ -5140,7 +5140,7 @@
             </p:txBody>
           </p:sp>
         </mc:Choice>
-        <mc:Fallback>
+        <mc:Fallback xmlns="">
           <p:sp>
             <p:nvSpPr>
               <p:cNvPr id="3" name="Content Placeholder 2">
@@ -5184,8 +5184,8 @@
           </p:sp>
         </mc:Fallback>
       </mc:AlternateContent>
-      <mc:AlternateContent xmlns:mc="http://schemas.openxmlformats.org/markup-compatibility/2006">
-        <mc:Choice xmlns:a14="http://schemas.microsoft.com/office/drawing/2010/main" Requires="a14">
+      <mc:AlternateContent xmlns:mc="http://schemas.openxmlformats.org/markup-compatibility/2006" xmlns:a14="http://schemas.microsoft.com/office/drawing/2010/main">
+        <mc:Choice Requires="a14">
           <p:graphicFrame>
             <p:nvGraphicFramePr>
               <p:cNvPr id="4" name="Table 4">
@@ -5201,7 +5201,7 @@
               <p:nvPr>
                 <p:extLst>
                   <p:ext uri="{D42A27DB-BD31-4B8C-83A1-F6EECF244321}">
-                    <p14:modId xmlns:p14="http://schemas.microsoft.com/office/powerpoint/2010/main" val="234225056"/>
+                    <p14:modId xmlns:p14="http://schemas.microsoft.com/office/powerpoint/2010/main" val="914580102"/>
                   </p:ext>
                 </p:extLst>
               </p:nvPr>
@@ -6500,6 +6500,7 @@
                         <a:bodyPr/>
                         <a:lstStyle/>
                         <a:p>
+                          <a:pPr/>
                           <a14:m>
                             <m:oMathPara xmlns:m="http://schemas.openxmlformats.org/officeDocument/2006/math">
                               <m:oMathParaPr>
@@ -6946,7 +6947,7 @@
             </a:graphic>
           </p:graphicFrame>
         </mc:Choice>
-        <mc:Fallback>
+        <mc:Fallback xmlns="">
           <p:graphicFrame>
             <p:nvGraphicFramePr>
               <p:cNvPr id="4" name="Table 4">
@@ -6962,7 +6963,7 @@
               <p:nvPr>
                 <p:extLst>
                   <p:ext uri="{D42A27DB-BD31-4B8C-83A1-F6EECF244321}">
-                    <p14:modId xmlns:p14="http://schemas.microsoft.com/office/powerpoint/2010/main" val="234225056"/>
+                    <p14:modId xmlns:p14="http://schemas.microsoft.com/office/powerpoint/2010/main" val="914580102"/>
                   </p:ext>
                 </p:extLst>
               </p:nvPr>
@@ -7823,6 +7824,536 @@
   <p:clrMapOvr>
     <a:masterClrMapping/>
   </p:clrMapOvr>
+</p:sld>
+</file>
+
+<file path=ppt/slides/slide6.xml><?xml version="1.0" encoding="utf-8"?>
+<p:sld xmlns:a="http://schemas.openxmlformats.org/drawingml/2006/main" xmlns:r="http://schemas.openxmlformats.org/officeDocument/2006/relationships" xmlns:p="http://schemas.openxmlformats.org/presentationml/2006/main">
+  <p:cSld>
+    <p:spTree>
+      <p:nvGrpSpPr>
+        <p:cNvPr id="1" name=""/>
+        <p:cNvGrpSpPr/>
+        <p:nvPr/>
+      </p:nvGrpSpPr>
+      <p:grpSpPr>
+        <a:xfrm>
+          <a:off x="0" y="0"/>
+          <a:ext cx="0" cy="0"/>
+          <a:chOff x="0" y="0"/>
+          <a:chExt cx="0" cy="0"/>
+        </a:xfrm>
+      </p:grpSpPr>
+      <p:sp>
+        <p:nvSpPr>
+          <p:cNvPr id="2" name="Title 1">
+            <a:extLst>
+              <a:ext uri="{FF2B5EF4-FFF2-40B4-BE49-F238E27FC236}">
+                <a16:creationId xmlns:a16="http://schemas.microsoft.com/office/drawing/2014/main" id="{30EAE237-00A2-010A-D091-6B89599D25FE}"/>
+              </a:ext>
+            </a:extLst>
+          </p:cNvPr>
+          <p:cNvSpPr>
+            <a:spLocks noGrp="1"/>
+          </p:cNvSpPr>
+          <p:nvPr>
+            <p:ph type="title"/>
+          </p:nvPr>
+        </p:nvSpPr>
+        <p:spPr>
+          <a:xfrm>
+            <a:off x="838200" y="0"/>
+            <a:ext cx="10515600" cy="1325563"/>
+          </a:xfrm>
+        </p:spPr>
+        <p:txBody>
+          <a:bodyPr/>
+          <a:lstStyle/>
+          <a:p>
+            <a:r>
+              <a:rPr lang="en-US" dirty="0"/>
+              <a:t>Max Unpool</a:t>
+            </a:r>
+          </a:p>
+        </p:txBody>
+      </p:sp>
+      <p:sp>
+        <p:nvSpPr>
+          <p:cNvPr id="3" name="Content Placeholder 2">
+            <a:extLst>
+              <a:ext uri="{FF2B5EF4-FFF2-40B4-BE49-F238E27FC236}">
+                <a16:creationId xmlns:a16="http://schemas.microsoft.com/office/drawing/2014/main" id="{750E2E1B-7C15-CF2D-96A1-AE040659A392}"/>
+              </a:ext>
+            </a:extLst>
+          </p:cNvPr>
+          <p:cNvSpPr>
+            <a:spLocks noGrp="1"/>
+          </p:cNvSpPr>
+          <p:nvPr>
+            <p:ph idx="1"/>
+          </p:nvPr>
+        </p:nvSpPr>
+        <p:spPr>
+          <a:xfrm>
+            <a:off x="838200" y="1325563"/>
+            <a:ext cx="10515600" cy="1509077"/>
+          </a:xfrm>
+        </p:spPr>
+        <p:txBody>
+          <a:bodyPr>
+            <a:normAutofit fontScale="92500"/>
+          </a:bodyPr>
+          <a:lstStyle/>
+          <a:p>
+            <a:r>
+              <a:rPr lang="en-US" b="1" i="1" dirty="0"/>
+              <a:t>Max Pool</a:t>
+            </a:r>
+            <a:r>
+              <a:rPr lang="en-US" dirty="0"/>
+              <a:t> is </a:t>
+            </a:r>
+            <a:r>
+              <a:rPr lang="en-US" b="1" dirty="0"/>
+              <a:t>not fully invertible</a:t>
+            </a:r>
+            <a:r>
+              <a:rPr lang="en-US" dirty="0"/>
+              <a:t>, since the non-maximal values are lost.</a:t>
+            </a:r>
+          </a:p>
+          <a:p>
+            <a:r>
+              <a:rPr lang="en-US" b="1" i="1" dirty="0"/>
+              <a:t>Max Unpool</a:t>
+            </a:r>
+            <a:r>
+              <a:rPr lang="en-US" dirty="0"/>
+              <a:t> takes in the </a:t>
+            </a:r>
+            <a:r>
+              <a:rPr lang="en-US" b="1" dirty="0"/>
+              <a:t>indices</a:t>
+            </a:r>
+            <a:r>
+              <a:rPr lang="en-US" dirty="0"/>
+              <a:t> of the maximal values and computes a partial inverse in which all </a:t>
+            </a:r>
+            <a:r>
+              <a:rPr lang="en-US" b="1" dirty="0"/>
+              <a:t>non-maximal</a:t>
+            </a:r>
+            <a:r>
+              <a:rPr lang="en-US" dirty="0"/>
+              <a:t> values are set to </a:t>
+            </a:r>
+            <a:r>
+              <a:rPr lang="en-US" b="1" dirty="0"/>
+              <a:t>zero</a:t>
+            </a:r>
+            <a:r>
+              <a:rPr lang="en-US" dirty="0"/>
+              <a:t>.</a:t>
+            </a:r>
+          </a:p>
+        </p:txBody>
+      </p:sp>
+      <p:pic>
+        <p:nvPicPr>
+          <p:cNvPr id="7" name="Picture 6" descr="Diagram&#10;&#10;Description automatically generated">
+            <a:extLst>
+              <a:ext uri="{FF2B5EF4-FFF2-40B4-BE49-F238E27FC236}">
+                <a16:creationId xmlns:a16="http://schemas.microsoft.com/office/drawing/2014/main" id="{E78D38EF-619F-6E70-24FA-9FC8EB7DC704}"/>
+              </a:ext>
+            </a:extLst>
+          </p:cNvPr>
+          <p:cNvPicPr>
+            <a:picLocks noChangeAspect="1"/>
+          </p:cNvPicPr>
+          <p:nvPr/>
+        </p:nvPicPr>
+        <p:blipFill>
+          <a:blip r:embed="rId2">
+            <a:extLst>
+              <a:ext uri="{28A0092B-C50C-407E-A947-70E740481C1C}">
+                <a14:useLocalDpi xmlns:a14="http://schemas.microsoft.com/office/drawing/2010/main" val="0"/>
+              </a:ext>
+            </a:extLst>
+          </a:blip>
+          <a:stretch>
+            <a:fillRect/>
+          </a:stretch>
+        </p:blipFill>
+        <p:spPr>
+          <a:xfrm>
+            <a:off x="2517778" y="2834640"/>
+            <a:ext cx="7156444" cy="4023360"/>
+          </a:xfrm>
+          <a:prstGeom prst="rect">
+            <a:avLst/>
+          </a:prstGeom>
+        </p:spPr>
+      </p:pic>
+      <p:sp>
+        <p:nvSpPr>
+          <p:cNvPr id="8" name="Rectangle 7">
+            <a:extLst>
+              <a:ext uri="{FF2B5EF4-FFF2-40B4-BE49-F238E27FC236}">
+                <a16:creationId xmlns:a16="http://schemas.microsoft.com/office/drawing/2014/main" id="{DC0565B1-B6F0-EA3E-48E4-3277B4C3CA6F}"/>
+              </a:ext>
+            </a:extLst>
+          </p:cNvPr>
+          <p:cNvSpPr/>
+          <p:nvPr/>
+        </p:nvSpPr>
+        <p:spPr>
+          <a:xfrm>
+            <a:off x="2153920" y="4907280"/>
+            <a:ext cx="5496560" cy="1950720"/>
+          </a:xfrm>
+          <a:prstGeom prst="rect">
+            <a:avLst/>
+          </a:prstGeom>
+          <a:solidFill>
+            <a:schemeClr val="bg1"/>
+          </a:solidFill>
+          <a:ln>
+            <a:noFill/>
+          </a:ln>
+        </p:spPr>
+        <p:style>
+          <a:lnRef idx="2">
+            <a:schemeClr val="accent1">
+              <a:shade val="50000"/>
+            </a:schemeClr>
+          </a:lnRef>
+          <a:fillRef idx="1">
+            <a:schemeClr val="accent1"/>
+          </a:fillRef>
+          <a:effectRef idx="0">
+            <a:schemeClr val="accent1"/>
+          </a:effectRef>
+          <a:fontRef idx="minor">
+            <a:schemeClr val="lt1"/>
+          </a:fontRef>
+        </p:style>
+        <p:txBody>
+          <a:bodyPr rtlCol="0" anchor="ctr"/>
+          <a:lstStyle/>
+          <a:p>
+            <a:pPr algn="ctr"/>
+            <a:endParaRPr lang="en-US"/>
+          </a:p>
+        </p:txBody>
+      </p:sp>
+      <p:sp>
+        <p:nvSpPr>
+          <p:cNvPr id="9" name="Rectangle 8">
+            <a:extLst>
+              <a:ext uri="{FF2B5EF4-FFF2-40B4-BE49-F238E27FC236}">
+                <a16:creationId xmlns:a16="http://schemas.microsoft.com/office/drawing/2014/main" id="{71160A3B-4624-E95B-B280-391677A541C0}"/>
+              </a:ext>
+            </a:extLst>
+          </p:cNvPr>
+          <p:cNvSpPr/>
+          <p:nvPr/>
+        </p:nvSpPr>
+        <p:spPr>
+          <a:xfrm>
+            <a:off x="7765731" y="3677920"/>
+            <a:ext cx="1908491" cy="2326640"/>
+          </a:xfrm>
+          <a:prstGeom prst="rect">
+            <a:avLst/>
+          </a:prstGeom>
+          <a:solidFill>
+            <a:schemeClr val="bg1"/>
+          </a:solidFill>
+          <a:ln>
+            <a:noFill/>
+          </a:ln>
+        </p:spPr>
+        <p:style>
+          <a:lnRef idx="2">
+            <a:schemeClr val="accent1">
+              <a:shade val="50000"/>
+            </a:schemeClr>
+          </a:lnRef>
+          <a:fillRef idx="1">
+            <a:schemeClr val="accent1"/>
+          </a:fillRef>
+          <a:effectRef idx="0">
+            <a:schemeClr val="accent1"/>
+          </a:effectRef>
+          <a:fontRef idx="minor">
+            <a:schemeClr val="lt1"/>
+          </a:fontRef>
+        </p:style>
+        <p:txBody>
+          <a:bodyPr rtlCol="0" anchor="ctr"/>
+          <a:lstStyle/>
+          <a:p>
+            <a:pPr algn="ctr"/>
+            <a:endParaRPr lang="en-US"/>
+          </a:p>
+        </p:txBody>
+      </p:sp>
+      <p:sp>
+        <p:nvSpPr>
+          <p:cNvPr id="10" name="Rectangle 9">
+            <a:extLst>
+              <a:ext uri="{FF2B5EF4-FFF2-40B4-BE49-F238E27FC236}">
+                <a16:creationId xmlns:a16="http://schemas.microsoft.com/office/drawing/2014/main" id="{1CD9D306-A34F-608D-352E-80AA127B571C}"/>
+              </a:ext>
+            </a:extLst>
+          </p:cNvPr>
+          <p:cNvSpPr/>
+          <p:nvPr/>
+        </p:nvSpPr>
+        <p:spPr>
+          <a:xfrm>
+            <a:off x="2346960" y="2702560"/>
+            <a:ext cx="5496560" cy="1950720"/>
+          </a:xfrm>
+          <a:prstGeom prst="rect">
+            <a:avLst/>
+          </a:prstGeom>
+          <a:solidFill>
+            <a:schemeClr val="bg1"/>
+          </a:solidFill>
+          <a:ln>
+            <a:noFill/>
+          </a:ln>
+        </p:spPr>
+        <p:style>
+          <a:lnRef idx="2">
+            <a:schemeClr val="accent1">
+              <a:shade val="50000"/>
+            </a:schemeClr>
+          </a:lnRef>
+          <a:fillRef idx="1">
+            <a:schemeClr val="accent1"/>
+          </a:fillRef>
+          <a:effectRef idx="0">
+            <a:schemeClr val="accent1"/>
+          </a:effectRef>
+          <a:fontRef idx="minor">
+            <a:schemeClr val="lt1"/>
+          </a:fontRef>
+        </p:style>
+        <p:txBody>
+          <a:bodyPr rtlCol="0" anchor="ctr"/>
+          <a:lstStyle/>
+          <a:p>
+            <a:pPr algn="ctr"/>
+            <a:endParaRPr lang="en-US"/>
+          </a:p>
+        </p:txBody>
+      </p:sp>
+    </p:spTree>
+    <p:extLst>
+      <p:ext uri="{BB962C8B-B14F-4D97-AF65-F5344CB8AC3E}">
+        <p14:creationId xmlns:p14="http://schemas.microsoft.com/office/powerpoint/2010/main" val="2147439278"/>
+      </p:ext>
+    </p:extLst>
+  </p:cSld>
+  <p:clrMapOvr>
+    <a:masterClrMapping/>
+  </p:clrMapOvr>
+  <p:timing>
+    <p:tnLst>
+      <p:par>
+        <p:cTn id="1" dur="indefinite" restart="never" nodeType="tmRoot">
+          <p:childTnLst>
+            <p:seq concurrent="1" nextAc="seek">
+              <p:cTn id="2" dur="indefinite" nodeType="mainSeq">
+                <p:childTnLst>
+                  <p:par>
+                    <p:cTn id="3" fill="hold">
+                      <p:stCondLst>
+                        <p:cond delay="indefinite"/>
+                      </p:stCondLst>
+                      <p:childTnLst>
+                        <p:par>
+                          <p:cTn id="4" fill="hold">
+                            <p:stCondLst>
+                              <p:cond delay="0"/>
+                            </p:stCondLst>
+                            <p:childTnLst>
+                              <p:par>
+                                <p:cTn id="5" presetID="10" presetClass="entr" presetSubtype="0" fill="hold" grpId="0" nodeType="clickEffect">
+                                  <p:stCondLst>
+                                    <p:cond delay="0"/>
+                                  </p:stCondLst>
+                                  <p:childTnLst>
+                                    <p:set>
+                                      <p:cBhvr>
+                                        <p:cTn id="6" dur="1" fill="hold">
+                                          <p:stCondLst>
+                                            <p:cond delay="0"/>
+                                          </p:stCondLst>
+                                        </p:cTn>
+                                        <p:tgtEl>
+                                          <p:spTgt spid="10"/>
+                                        </p:tgtEl>
+                                        <p:attrNameLst>
+                                          <p:attrName>style.visibility</p:attrName>
+                                        </p:attrNameLst>
+                                      </p:cBhvr>
+                                      <p:to>
+                                        <p:strVal val="visible"/>
+                                      </p:to>
+                                    </p:set>
+                                    <p:animEffect transition="in" filter="fade">
+                                      <p:cBhvr>
+                                        <p:cTn id="7" dur="500"/>
+                                        <p:tgtEl>
+                                          <p:spTgt spid="10"/>
+                                        </p:tgtEl>
+                                      </p:cBhvr>
+                                    </p:animEffect>
+                                  </p:childTnLst>
+                                </p:cTn>
+                              </p:par>
+                            </p:childTnLst>
+                          </p:cTn>
+                        </p:par>
+                      </p:childTnLst>
+                    </p:cTn>
+                  </p:par>
+                  <p:par>
+                    <p:cTn id="8" fill="hold">
+                      <p:stCondLst>
+                        <p:cond delay="indefinite"/>
+                      </p:stCondLst>
+                      <p:childTnLst>
+                        <p:par>
+                          <p:cTn id="9" fill="hold">
+                            <p:stCondLst>
+                              <p:cond delay="0"/>
+                            </p:stCondLst>
+                            <p:childTnLst>
+                              <p:par>
+                                <p:cTn id="10" presetID="10" presetClass="entr" presetSubtype="0" fill="hold" grpId="0" nodeType="clickEffect">
+                                  <p:stCondLst>
+                                    <p:cond delay="0"/>
+                                  </p:stCondLst>
+                                  <p:childTnLst>
+                                    <p:set>
+                                      <p:cBhvr>
+                                        <p:cTn id="11" dur="1" fill="hold">
+                                          <p:stCondLst>
+                                            <p:cond delay="0"/>
+                                          </p:stCondLst>
+                                        </p:cTn>
+                                        <p:tgtEl>
+                                          <p:spTgt spid="9"/>
+                                        </p:tgtEl>
+                                        <p:attrNameLst>
+                                          <p:attrName>style.visibility</p:attrName>
+                                        </p:attrNameLst>
+                                      </p:cBhvr>
+                                      <p:to>
+                                        <p:strVal val="visible"/>
+                                      </p:to>
+                                    </p:set>
+                                    <p:animEffect transition="in" filter="fade">
+                                      <p:cBhvr>
+                                        <p:cTn id="12" dur="500"/>
+                                        <p:tgtEl>
+                                          <p:spTgt spid="9"/>
+                                        </p:tgtEl>
+                                      </p:cBhvr>
+                                    </p:animEffect>
+                                  </p:childTnLst>
+                                </p:cTn>
+                              </p:par>
+                            </p:childTnLst>
+                          </p:cTn>
+                        </p:par>
+                      </p:childTnLst>
+                    </p:cTn>
+                  </p:par>
+                  <p:par>
+                    <p:cTn id="13" fill="hold">
+                      <p:stCondLst>
+                        <p:cond delay="indefinite"/>
+                      </p:stCondLst>
+                      <p:childTnLst>
+                        <p:par>
+                          <p:cTn id="14" fill="hold">
+                            <p:stCondLst>
+                              <p:cond delay="0"/>
+                            </p:stCondLst>
+                            <p:childTnLst>
+                              <p:par>
+                                <p:cTn id="15" presetID="10" presetClass="entr" presetSubtype="0" fill="hold" grpId="0" nodeType="clickEffect">
+                                  <p:stCondLst>
+                                    <p:cond delay="0"/>
+                                  </p:stCondLst>
+                                  <p:childTnLst>
+                                    <p:set>
+                                      <p:cBhvr>
+                                        <p:cTn id="16" dur="1" fill="hold">
+                                          <p:stCondLst>
+                                            <p:cond delay="0"/>
+                                          </p:stCondLst>
+                                        </p:cTn>
+                                        <p:tgtEl>
+                                          <p:spTgt spid="8"/>
+                                        </p:tgtEl>
+                                        <p:attrNameLst>
+                                          <p:attrName>style.visibility</p:attrName>
+                                        </p:attrNameLst>
+                                      </p:cBhvr>
+                                      <p:to>
+                                        <p:strVal val="visible"/>
+                                      </p:to>
+                                    </p:set>
+                                    <p:animEffect transition="in" filter="fade">
+                                      <p:cBhvr>
+                                        <p:cTn id="17" dur="500"/>
+                                        <p:tgtEl>
+                                          <p:spTgt spid="8"/>
+                                        </p:tgtEl>
+                                      </p:cBhvr>
+                                    </p:animEffect>
+                                  </p:childTnLst>
+                                </p:cTn>
+                              </p:par>
+                            </p:childTnLst>
+                          </p:cTn>
+                        </p:par>
+                      </p:childTnLst>
+                    </p:cTn>
+                  </p:par>
+                </p:childTnLst>
+              </p:cTn>
+              <p:prevCondLst>
+                <p:cond evt="onPrev" delay="0">
+                  <p:tgtEl>
+                    <p:sldTgt/>
+                  </p:tgtEl>
+                </p:cond>
+              </p:prevCondLst>
+              <p:nextCondLst>
+                <p:cond evt="onNext" delay="0">
+                  <p:tgtEl>
+                    <p:sldTgt/>
+                  </p:tgtEl>
+                </p:cond>
+              </p:nextCondLst>
+            </p:seq>
+          </p:childTnLst>
+        </p:cTn>
+      </p:par>
+    </p:tnLst>
+    <p:bldLst>
+      <p:bldP spid="8" grpId="0" animBg="1"/>
+      <p:bldP spid="9" grpId="0" animBg="1"/>
+      <p:bldP spid="10" grpId="0" animBg="1"/>
+    </p:bldLst>
+  </p:timing>
 </p:sld>
 </file>
 

--- a/Slides_7.pptx
+++ b/Slides_7.pptx
@@ -5,7 +5,7 @@
     <p:sldMasterId id="2147483648" r:id="rId1"/>
   </p:sldMasterIdLst>
   <p:notesMasterIdLst>
-    <p:notesMasterId r:id="rId8"/>
+    <p:notesMasterId r:id="rId9"/>
   </p:notesMasterIdLst>
   <p:sldIdLst>
     <p:sldId id="257" r:id="rId2"/>
@@ -14,6 +14,7 @@
     <p:sldId id="260" r:id="rId5"/>
     <p:sldId id="281" r:id="rId6"/>
     <p:sldId id="282" r:id="rId7"/>
+    <p:sldId id="283" r:id="rId8"/>
   </p:sldIdLst>
   <p:sldSz cx="12192000" cy="6858000"/>
   <p:notesSz cx="6858000" cy="9144000"/>
@@ -544,6 +545,90 @@
     <p:extLst>
       <p:ext uri="{BB962C8B-B14F-4D97-AF65-F5344CB8AC3E}">
         <p14:creationId xmlns:p14="http://schemas.microsoft.com/office/powerpoint/2010/main" val="4160032639"/>
+      </p:ext>
+    </p:extLst>
+  </p:cSld>
+  <p:clrMapOvr>
+    <a:masterClrMapping/>
+  </p:clrMapOvr>
+</p:notes>
+</file>
+
+<file path=ppt/notesSlides/notesSlide2.xml><?xml version="1.0" encoding="utf-8"?>
+<p:notes xmlns:a="http://schemas.openxmlformats.org/drawingml/2006/main" xmlns:r="http://schemas.openxmlformats.org/officeDocument/2006/relationships" xmlns:p="http://schemas.openxmlformats.org/presentationml/2006/main">
+  <p:cSld>
+    <p:spTree>
+      <p:nvGrpSpPr>
+        <p:cNvPr id="1" name=""/>
+        <p:cNvGrpSpPr/>
+        <p:nvPr/>
+      </p:nvGrpSpPr>
+      <p:grpSpPr>
+        <a:xfrm>
+          <a:off x="0" y="0"/>
+          <a:ext cx="0" cy="0"/>
+          <a:chOff x="0" y="0"/>
+          <a:chExt cx="0" cy="0"/>
+        </a:xfrm>
+      </p:grpSpPr>
+      <p:sp>
+        <p:nvSpPr>
+          <p:cNvPr id="2" name="Slide Image Placeholder 1"/>
+          <p:cNvSpPr>
+            <a:spLocks noGrp="1" noRot="1" noChangeAspect="1"/>
+          </p:cNvSpPr>
+          <p:nvPr>
+            <p:ph type="sldImg"/>
+          </p:nvPr>
+        </p:nvSpPr>
+        <p:spPr/>
+      </p:sp>
+      <p:sp>
+        <p:nvSpPr>
+          <p:cNvPr id="3" name="Notes Placeholder 2"/>
+          <p:cNvSpPr>
+            <a:spLocks noGrp="1"/>
+          </p:cNvSpPr>
+          <p:nvPr>
+            <p:ph type="body" idx="1"/>
+          </p:nvPr>
+        </p:nvSpPr>
+        <p:spPr/>
+        <p:txBody>
+          <a:bodyPr/>
+          <a:lstStyle/>
+          <a:p>
+            <a:endParaRPr lang="en-US" dirty="0"/>
+          </a:p>
+        </p:txBody>
+      </p:sp>
+      <p:sp>
+        <p:nvSpPr>
+          <p:cNvPr id="4" name="Slide Number Placeholder 3"/>
+          <p:cNvSpPr>
+            <a:spLocks noGrp="1"/>
+          </p:cNvSpPr>
+          <p:nvPr>
+            <p:ph type="sldNum" sz="quarter" idx="5"/>
+          </p:nvPr>
+        </p:nvSpPr>
+        <p:spPr/>
+        <p:txBody>
+          <a:bodyPr/>
+          <a:lstStyle/>
+          <a:p>
+            <a:fld id="{EF847D23-764C-4404-9D36-DEB150D4E174}" type="slidenum">
+              <a:rPr lang="en-US" smtClean="0"/>
+              <a:t>7</a:t>
+            </a:fld>
+            <a:endParaRPr lang="en-US"/>
+          </a:p>
+        </p:txBody>
+      </p:sp>
+    </p:spTree>
+    <p:extLst>
+      <p:ext uri="{BB962C8B-B14F-4D97-AF65-F5344CB8AC3E}">
+        <p14:creationId xmlns:p14="http://schemas.microsoft.com/office/powerpoint/2010/main" val="1404808280"/>
       </p:ext>
     </p:extLst>
   </p:cSld>
@@ -8354,6 +8439,2957 @@
       <p:bldP spid="10" grpId="0" animBg="1"/>
     </p:bldLst>
   </p:timing>
+</p:sld>
+</file>
+
+<file path=ppt/slides/slide7.xml><?xml version="1.0" encoding="utf-8"?>
+<p:sld xmlns:a="http://schemas.openxmlformats.org/drawingml/2006/main" xmlns:r="http://schemas.openxmlformats.org/officeDocument/2006/relationships" xmlns:p="http://schemas.openxmlformats.org/presentationml/2006/main">
+  <p:cSld>
+    <p:spTree>
+      <p:nvGrpSpPr>
+        <p:cNvPr id="1" name=""/>
+        <p:cNvGrpSpPr/>
+        <p:nvPr/>
+      </p:nvGrpSpPr>
+      <p:grpSpPr>
+        <a:xfrm>
+          <a:off x="0" y="0"/>
+          <a:ext cx="0" cy="0"/>
+          <a:chOff x="0" y="0"/>
+          <a:chExt cx="0" cy="0"/>
+        </a:xfrm>
+      </p:grpSpPr>
+      <p:sp>
+        <p:nvSpPr>
+          <p:cNvPr id="2" name="Title 1">
+            <a:extLst>
+              <a:ext uri="{FF2B5EF4-FFF2-40B4-BE49-F238E27FC236}">
+                <a16:creationId xmlns:a16="http://schemas.microsoft.com/office/drawing/2014/main" id="{327BA092-8276-1750-487C-FD6B2148AEA0}"/>
+              </a:ext>
+            </a:extLst>
+          </p:cNvPr>
+          <p:cNvSpPr>
+            <a:spLocks noGrp="1"/>
+          </p:cNvSpPr>
+          <p:nvPr>
+            <p:ph type="title"/>
+          </p:nvPr>
+        </p:nvSpPr>
+        <p:spPr/>
+        <p:txBody>
+          <a:bodyPr/>
+          <a:lstStyle/>
+          <a:p>
+            <a:r>
+              <a:rPr lang="en-US" dirty="0"/>
+              <a:t>Max Unpool Output Size</a:t>
+            </a:r>
+          </a:p>
+        </p:txBody>
+      </p:sp>
+      <mc:AlternateContent xmlns:mc="http://schemas.openxmlformats.org/markup-compatibility/2006">
+        <mc:Choice xmlns:a14="http://schemas.microsoft.com/office/drawing/2010/main" Requires="a14">
+          <p:sp>
+            <p:nvSpPr>
+              <p:cNvPr id="3" name="Content Placeholder 2">
+                <a:extLst>
+                  <a:ext uri="{FF2B5EF4-FFF2-40B4-BE49-F238E27FC236}">
+                    <a16:creationId xmlns:a16="http://schemas.microsoft.com/office/drawing/2014/main" id="{B4BCBD0E-EB29-6951-EAC5-9C7D4BCEDF4D}"/>
+                  </a:ext>
+                </a:extLst>
+              </p:cNvPr>
+              <p:cNvSpPr>
+                <a:spLocks noGrp="1"/>
+              </p:cNvSpPr>
+              <p:nvPr>
+                <p:ph idx="1"/>
+              </p:nvPr>
+            </p:nvSpPr>
+            <p:spPr>
+              <a:xfrm>
+                <a:off x="838200" y="5669280"/>
+                <a:ext cx="10515600" cy="507682"/>
+              </a:xfrm>
+            </p:spPr>
+            <p:txBody>
+              <a:bodyPr>
+                <a:normAutofit/>
+              </a:bodyPr>
+              <a:lstStyle/>
+              <a:p>
+                <a:pPr marL="0" indent="0" algn="ctr">
+                  <a:buNone/>
+                </a:pPr>
+                <a14:m>
+                  <m:oMathPara xmlns:m="http://schemas.openxmlformats.org/officeDocument/2006/math">
+                    <m:oMathParaPr>
+                      <m:jc m:val="centerGroup"/>
+                    </m:oMathParaPr>
+                    <m:oMath xmlns:m="http://schemas.openxmlformats.org/officeDocument/2006/math">
+                      <m:r>
+                        <a:rPr lang="en-US" b="0" i="1" smtClean="0">
+                          <a:latin typeface="Cambria Math" panose="02040503050406030204" pitchFamily="18" charset="0"/>
+                        </a:rPr>
+                        <m:t>𝑜𝑢</m:t>
+                      </m:r>
+                      <m:sSub>
+                        <m:sSubPr>
+                          <m:ctrlPr>
+                            <a:rPr lang="en-US" b="0" i="1" smtClean="0">
+                              <a:latin typeface="Cambria Math" panose="02040503050406030204" pitchFamily="18" charset="0"/>
+                            </a:rPr>
+                          </m:ctrlPr>
+                        </m:sSubPr>
+                        <m:e>
+                          <m:r>
+                            <a:rPr lang="en-US" b="0" i="1" smtClean="0">
+                              <a:latin typeface="Cambria Math" panose="02040503050406030204" pitchFamily="18" charset="0"/>
+                            </a:rPr>
+                            <m:t>𝑡</m:t>
+                          </m:r>
+                        </m:e>
+                        <m:sub>
+                          <m:r>
+                            <a:rPr lang="en-US" b="0" i="1" smtClean="0">
+                              <a:latin typeface="Cambria Math" panose="02040503050406030204" pitchFamily="18" charset="0"/>
+                            </a:rPr>
+                            <m:t>𝑖</m:t>
+                          </m:r>
+                        </m:sub>
+                      </m:sSub>
+                      <m:r>
+                        <a:rPr lang="en-US" b="0" i="1" smtClean="0">
+                          <a:latin typeface="Cambria Math" panose="02040503050406030204" pitchFamily="18" charset="0"/>
+                        </a:rPr>
+                        <m:t>= </m:t>
+                      </m:r>
+                      <m:d>
+                        <m:dPr>
+                          <m:ctrlPr>
+                            <a:rPr lang="en-US" b="0" i="1" smtClean="0">
+                              <a:latin typeface="Cambria Math" panose="02040503050406030204" pitchFamily="18" charset="0"/>
+                            </a:rPr>
+                          </m:ctrlPr>
+                        </m:dPr>
+                        <m:e>
+                          <m:r>
+                            <a:rPr lang="en-US" b="0" i="1" smtClean="0">
+                              <a:latin typeface="Cambria Math" panose="02040503050406030204" pitchFamily="18" charset="0"/>
+                            </a:rPr>
+                            <m:t>𝑖</m:t>
+                          </m:r>
+                          <m:sSub>
+                            <m:sSubPr>
+                              <m:ctrlPr>
+                                <a:rPr lang="en-US" b="0" i="1" smtClean="0">
+                                  <a:latin typeface="Cambria Math" panose="02040503050406030204" pitchFamily="18" charset="0"/>
+                                </a:rPr>
+                              </m:ctrlPr>
+                            </m:sSubPr>
+                            <m:e>
+                              <m:r>
+                                <a:rPr lang="en-US" b="0" i="1" smtClean="0">
+                                  <a:latin typeface="Cambria Math" panose="02040503050406030204" pitchFamily="18" charset="0"/>
+                                </a:rPr>
+                                <m:t>𝑛</m:t>
+                              </m:r>
+                            </m:e>
+                            <m:sub>
+                              <m:r>
+                                <a:rPr lang="en-US" b="0" i="1" smtClean="0">
+                                  <a:latin typeface="Cambria Math" panose="02040503050406030204" pitchFamily="18" charset="0"/>
+                                </a:rPr>
+                                <m:t>𝑖</m:t>
+                              </m:r>
+                            </m:sub>
+                          </m:sSub>
+                          <m:r>
+                            <a:rPr lang="en-US" b="0" i="1" smtClean="0">
+                              <a:latin typeface="Cambria Math" panose="02040503050406030204" pitchFamily="18" charset="0"/>
+                            </a:rPr>
+                            <m:t>−1</m:t>
+                          </m:r>
+                        </m:e>
+                      </m:d>
+                      <m:sSub>
+                        <m:sSubPr>
+                          <m:ctrlPr>
+                            <a:rPr lang="en-US" b="0" i="1" smtClean="0">
+                              <a:latin typeface="Cambria Math" panose="02040503050406030204" pitchFamily="18" charset="0"/>
+                            </a:rPr>
+                          </m:ctrlPr>
+                        </m:sSubPr>
+                        <m:e>
+                          <m:r>
+                            <a:rPr lang="en-US" b="0" i="1" smtClean="0">
+                              <a:latin typeface="Cambria Math" panose="02040503050406030204" pitchFamily="18" charset="0"/>
+                            </a:rPr>
+                            <m:t>𝑠</m:t>
+                          </m:r>
+                        </m:e>
+                        <m:sub>
+                          <m:r>
+                            <a:rPr lang="en-US" b="0" i="1" smtClean="0">
+                              <a:latin typeface="Cambria Math" panose="02040503050406030204" pitchFamily="18" charset="0"/>
+                            </a:rPr>
+                            <m:t>𝑖</m:t>
+                          </m:r>
+                        </m:sub>
+                      </m:sSub>
+                      <m:r>
+                        <a:rPr lang="en-US" b="0" i="1" smtClean="0">
+                          <a:latin typeface="Cambria Math" panose="02040503050406030204" pitchFamily="18" charset="0"/>
+                        </a:rPr>
+                        <m:t>−2</m:t>
+                      </m:r>
+                      <m:sSub>
+                        <m:sSubPr>
+                          <m:ctrlPr>
+                            <a:rPr lang="en-US" b="0" i="1" smtClean="0">
+                              <a:latin typeface="Cambria Math" panose="02040503050406030204" pitchFamily="18" charset="0"/>
+                            </a:rPr>
+                          </m:ctrlPr>
+                        </m:sSubPr>
+                        <m:e>
+                          <m:r>
+                            <a:rPr lang="en-US" b="0" i="1" smtClean="0">
+                              <a:latin typeface="Cambria Math" panose="02040503050406030204" pitchFamily="18" charset="0"/>
+                            </a:rPr>
+                            <m:t>𝑝</m:t>
+                          </m:r>
+                        </m:e>
+                        <m:sub>
+                          <m:r>
+                            <a:rPr lang="en-US" b="0" i="1" smtClean="0">
+                              <a:latin typeface="Cambria Math" panose="02040503050406030204" pitchFamily="18" charset="0"/>
+                            </a:rPr>
+                            <m:t>𝑖</m:t>
+                          </m:r>
+                        </m:sub>
+                      </m:sSub>
+                      <m:r>
+                        <a:rPr lang="en-US" b="0" i="1" smtClean="0">
+                          <a:latin typeface="Cambria Math" panose="02040503050406030204" pitchFamily="18" charset="0"/>
+                        </a:rPr>
+                        <m:t>+</m:t>
+                      </m:r>
+                      <m:sSub>
+                        <m:sSubPr>
+                          <m:ctrlPr>
+                            <a:rPr lang="en-US" b="0" i="1" smtClean="0">
+                              <a:latin typeface="Cambria Math" panose="02040503050406030204" pitchFamily="18" charset="0"/>
+                            </a:rPr>
+                          </m:ctrlPr>
+                        </m:sSubPr>
+                        <m:e>
+                          <m:r>
+                            <a:rPr lang="en-US" b="0" i="1" smtClean="0">
+                              <a:latin typeface="Cambria Math" panose="02040503050406030204" pitchFamily="18" charset="0"/>
+                            </a:rPr>
+                            <m:t>𝑘</m:t>
+                          </m:r>
+                        </m:e>
+                        <m:sub>
+                          <m:r>
+                            <a:rPr lang="en-US" b="0" i="1" smtClean="0">
+                              <a:latin typeface="Cambria Math" panose="02040503050406030204" pitchFamily="18" charset="0"/>
+                            </a:rPr>
+                            <m:t>𝑖</m:t>
+                          </m:r>
+                        </m:sub>
+                      </m:sSub>
+                    </m:oMath>
+                  </m:oMathPara>
+                </a14:m>
+                <a:endParaRPr lang="en-US" dirty="0"/>
+              </a:p>
+            </p:txBody>
+          </p:sp>
+        </mc:Choice>
+        <mc:Fallback>
+          <p:sp>
+            <p:nvSpPr>
+              <p:cNvPr id="3" name="Content Placeholder 2">
+                <a:extLst>
+                  <a:ext uri="{FF2B5EF4-FFF2-40B4-BE49-F238E27FC236}">
+                    <a16:creationId xmlns:a16="http://schemas.microsoft.com/office/drawing/2014/main" id="{B4BCBD0E-EB29-6951-EAC5-9C7D4BCEDF4D}"/>
+                  </a:ext>
+                </a:extLst>
+              </p:cNvPr>
+              <p:cNvSpPr>
+                <a:spLocks noGrp="1" noRot="1" noChangeAspect="1" noMove="1" noResize="1" noEditPoints="1" noAdjustHandles="1" noChangeArrowheads="1" noChangeShapeType="1" noTextEdit="1"/>
+              </p:cNvSpPr>
+              <p:nvPr>
+                <p:ph idx="1"/>
+              </p:nvPr>
+            </p:nvSpPr>
+            <p:spPr>
+              <a:xfrm>
+                <a:off x="838200" y="5669280"/>
+                <a:ext cx="10515600" cy="507682"/>
+              </a:xfrm>
+              <a:blipFill>
+                <a:blip r:embed="rId3"/>
+                <a:stretch>
+                  <a:fillRect b="-6024"/>
+                </a:stretch>
+              </a:blipFill>
+            </p:spPr>
+            <p:txBody>
+              <a:bodyPr/>
+              <a:lstStyle/>
+              <a:p>
+                <a:r>
+                  <a:rPr lang="en-US">
+                    <a:noFill/>
+                  </a:rPr>
+                  <a:t> </a:t>
+                </a:r>
+              </a:p>
+            </p:txBody>
+          </p:sp>
+        </mc:Fallback>
+      </mc:AlternateContent>
+      <mc:AlternateContent xmlns:mc="http://schemas.openxmlformats.org/markup-compatibility/2006">
+        <mc:Choice xmlns:a14="http://schemas.microsoft.com/office/drawing/2010/main" Requires="a14">
+          <p:graphicFrame>
+            <p:nvGraphicFramePr>
+              <p:cNvPr id="4" name="Table 4">
+                <a:extLst>
+                  <a:ext uri="{FF2B5EF4-FFF2-40B4-BE49-F238E27FC236}">
+                    <a16:creationId xmlns:a16="http://schemas.microsoft.com/office/drawing/2014/main" id="{D1FCFCAB-B3D0-9841-4EDB-7C439FFFCDD6}"/>
+                  </a:ext>
+                </a:extLst>
+              </p:cNvPr>
+              <p:cNvGraphicFramePr>
+                <a:graphicFrameLocks noGrp="1"/>
+              </p:cNvGraphicFramePr>
+              <p:nvPr>
+                <p:extLst>
+                  <p:ext uri="{D42A27DB-BD31-4B8C-83A1-F6EECF244321}">
+                    <p14:modId xmlns:p14="http://schemas.microsoft.com/office/powerpoint/2010/main" val="941068782"/>
+                  </p:ext>
+                </p:extLst>
+              </p:nvPr>
+            </p:nvGraphicFramePr>
+            <p:xfrm>
+              <a:off x="3521423" y="1690688"/>
+              <a:ext cx="5149154" cy="3521392"/>
+            </p:xfrm>
+            <a:graphic>
+              <a:graphicData uri="http://schemas.openxmlformats.org/drawingml/2006/table">
+                <a:tbl>
+                  <a:tblPr firstRow="1" bandRow="1">
+                    <a:tableStyleId>{5C22544A-7EE6-4342-B048-85BDC9FD1C3A}</a:tableStyleId>
+                  </a:tblPr>
+                  <a:tblGrid>
+                    <a:gridCol w="2574577">
+                      <a:extLst>
+                        <a:ext uri="{9D8B030D-6E8A-4147-A177-3AD203B41FA5}">
+                          <a16:colId xmlns:a16="http://schemas.microsoft.com/office/drawing/2014/main" val="1867715976"/>
+                        </a:ext>
+                      </a:extLst>
+                    </a:gridCol>
+                    <a:gridCol w="2574577">
+                      <a:extLst>
+                        <a:ext uri="{9D8B030D-6E8A-4147-A177-3AD203B41FA5}">
+                          <a16:colId xmlns:a16="http://schemas.microsoft.com/office/drawing/2014/main" val="2067955847"/>
+                        </a:ext>
+                      </a:extLst>
+                    </a:gridCol>
+                  </a:tblGrid>
+                  <a:tr h="503056">
+                    <a:tc>
+                      <a:txBody>
+                        <a:bodyPr/>
+                        <a:lstStyle/>
+                        <a:p>
+                          <a:pPr marL="0" indent="0" algn="r">
+                            <a:buNone/>
+                          </a:pPr>
+                          <a:r>
+                            <a:rPr lang="en-US" sz="2400" b="0" dirty="0">
+                              <a:solidFill>
+                                <a:schemeClr val="tx1"/>
+                              </a:solidFill>
+                            </a:rPr>
+                            <a:t>Kernel:</a:t>
+                          </a:r>
+                        </a:p>
+                      </a:txBody>
+                      <a:tcPr marL="124041" marR="124041" marT="62021" marB="62021">
+                        <a:lnL w="12700" cap="flat" cmpd="sng" algn="ctr">
+                          <a:noFill/>
+                          <a:prstDash val="solid"/>
+                          <a:round/>
+                          <a:headEnd type="none" w="med" len="med"/>
+                          <a:tailEnd type="none" w="med" len="med"/>
+                        </a:lnL>
+                        <a:lnR w="12700" cap="flat" cmpd="sng" algn="ctr">
+                          <a:noFill/>
+                          <a:prstDash val="solid"/>
+                          <a:round/>
+                          <a:headEnd type="none" w="med" len="med"/>
+                          <a:tailEnd type="none" w="med" len="med"/>
+                        </a:lnR>
+                        <a:lnT w="12700" cap="flat" cmpd="sng" algn="ctr">
+                          <a:noFill/>
+                          <a:prstDash val="solid"/>
+                          <a:round/>
+                          <a:headEnd type="none" w="med" len="med"/>
+                          <a:tailEnd type="none" w="med" len="med"/>
+                        </a:lnT>
+                        <a:lnB w="12700" cap="flat" cmpd="sng" algn="ctr">
+                          <a:noFill/>
+                          <a:prstDash val="solid"/>
+                          <a:round/>
+                          <a:headEnd type="none" w="med" len="med"/>
+                          <a:tailEnd type="none" w="med" len="med"/>
+                        </a:lnB>
+                        <a:lnTlToBr w="12700" cmpd="sng">
+                          <a:noFill/>
+                          <a:prstDash val="solid"/>
+                        </a:lnTlToBr>
+                        <a:lnBlToTr w="12700" cmpd="sng">
+                          <a:noFill/>
+                          <a:prstDash val="solid"/>
+                        </a:lnBlToTr>
+                        <a:noFill/>
+                      </a:tcPr>
+                    </a:tc>
+                    <a:tc>
+                      <a:txBody>
+                        <a:bodyPr/>
+                        <a:lstStyle/>
+                        <a:p>
+                          <a:pPr marL="0" marR="0" lvl="0" indent="0" algn="l" defTabSz="914400" rtl="0" eaLnBrk="1" fontAlgn="auto" latinLnBrk="0" hangingPunct="1">
+                            <a:lnSpc>
+                              <a:spcPct val="100000"/>
+                            </a:lnSpc>
+                            <a:spcBef>
+                              <a:spcPts val="0"/>
+                            </a:spcBef>
+                            <a:spcAft>
+                              <a:spcPts val="0"/>
+                            </a:spcAft>
+                            <a:buClrTx/>
+                            <a:buSzTx/>
+                            <a:buFontTx/>
+                            <a:buNone/>
+                            <a:tabLst/>
+                            <a:defRPr/>
+                          </a:pPr>
+                          <a14:m>
+                            <m:oMathPara xmlns:m="http://schemas.openxmlformats.org/officeDocument/2006/math">
+                              <m:oMathParaPr>
+                                <m:jc m:val="centerGroup"/>
+                              </m:oMathParaPr>
+                              <m:oMath xmlns:m="http://schemas.openxmlformats.org/officeDocument/2006/math">
+                                <m:sSub>
+                                  <m:sSubPr>
+                                    <m:ctrlPr>
+                                      <a:rPr lang="en-US" sz="2400" b="0" i="1" smtClean="0">
+                                        <a:solidFill>
+                                          <a:schemeClr val="tx1"/>
+                                        </a:solidFill>
+                                        <a:latin typeface="Cambria Math" panose="02040503050406030204" pitchFamily="18" charset="0"/>
+                                      </a:rPr>
+                                    </m:ctrlPr>
+                                  </m:sSubPr>
+                                  <m:e>
+                                    <m:r>
+                                      <a:rPr lang="en-US" sz="2400" b="0" i="1" smtClean="0">
+                                        <a:solidFill>
+                                          <a:schemeClr val="tx1"/>
+                                        </a:solidFill>
+                                        <a:latin typeface="Cambria Math" panose="02040503050406030204" pitchFamily="18" charset="0"/>
+                                      </a:rPr>
+                                      <m:t>(</m:t>
+                                    </m:r>
+                                    <m:r>
+                                      <a:rPr lang="en-US" sz="2400" i="1">
+                                        <a:solidFill>
+                                          <a:schemeClr val="tx1"/>
+                                        </a:solidFill>
+                                        <a:latin typeface="Cambria Math" panose="02040503050406030204" pitchFamily="18" charset="0"/>
+                                      </a:rPr>
+                                      <m:t>𝑘</m:t>
+                                    </m:r>
+                                  </m:e>
+                                  <m:sub>
+                                    <m:r>
+                                      <a:rPr lang="en-US" sz="2400" b="0" i="1" smtClean="0">
+                                        <a:solidFill>
+                                          <a:schemeClr val="tx1"/>
+                                        </a:solidFill>
+                                        <a:latin typeface="Cambria Math" panose="02040503050406030204" pitchFamily="18" charset="0"/>
+                                      </a:rPr>
+                                      <m:t>1</m:t>
+                                    </m:r>
+                                  </m:sub>
+                                </m:sSub>
+                                <m:r>
+                                  <a:rPr lang="en-US" sz="2400" b="0" i="1" smtClean="0">
+                                    <a:solidFill>
+                                      <a:schemeClr val="tx1"/>
+                                    </a:solidFill>
+                                    <a:latin typeface="Cambria Math" panose="02040503050406030204" pitchFamily="18" charset="0"/>
+                                  </a:rPr>
+                                  <m:t>, </m:t>
+                                </m:r>
+                                <m:sSub>
+                                  <m:sSubPr>
+                                    <m:ctrlPr>
+                                      <a:rPr lang="en-US" sz="2400" b="0" i="1" smtClean="0">
+                                        <a:solidFill>
+                                          <a:schemeClr val="tx1"/>
+                                        </a:solidFill>
+                                        <a:latin typeface="Cambria Math" panose="02040503050406030204" pitchFamily="18" charset="0"/>
+                                      </a:rPr>
+                                    </m:ctrlPr>
+                                  </m:sSubPr>
+                                  <m:e>
+                                    <m:r>
+                                      <a:rPr lang="en-US" sz="2400" i="1">
+                                        <a:solidFill>
+                                          <a:schemeClr val="tx1"/>
+                                        </a:solidFill>
+                                        <a:latin typeface="Cambria Math" panose="02040503050406030204" pitchFamily="18" charset="0"/>
+                                      </a:rPr>
+                                      <m:t>𝑘</m:t>
+                                    </m:r>
+                                  </m:e>
+                                  <m:sub>
+                                    <m:r>
+                                      <a:rPr lang="en-US" sz="2400" b="0" i="1" smtClean="0">
+                                        <a:solidFill>
+                                          <a:schemeClr val="tx1"/>
+                                        </a:solidFill>
+                                        <a:latin typeface="Cambria Math" panose="02040503050406030204" pitchFamily="18" charset="0"/>
+                                      </a:rPr>
+                                      <m:t>2</m:t>
+                                    </m:r>
+                                  </m:sub>
+                                </m:sSub>
+                                <m:r>
+                                  <a:rPr lang="en-US" sz="2400" b="0" i="1" smtClean="0">
+                                    <a:solidFill>
+                                      <a:schemeClr val="tx1"/>
+                                    </a:solidFill>
+                                    <a:latin typeface="Cambria Math" panose="02040503050406030204" pitchFamily="18" charset="0"/>
+                                  </a:rPr>
+                                  <m:t>)</m:t>
+                                </m:r>
+                              </m:oMath>
+                            </m:oMathPara>
+                          </a14:m>
+                          <a:endParaRPr lang="en-US" sz="2400" dirty="0">
+                            <a:solidFill>
+                              <a:schemeClr val="tx1"/>
+                            </a:solidFill>
+                          </a:endParaRPr>
+                        </a:p>
+                      </a:txBody>
+                      <a:tcPr marL="124041" marR="124041" marT="62021" marB="62021">
+                        <a:lnL w="12700" cap="flat" cmpd="sng" algn="ctr">
+                          <a:noFill/>
+                          <a:prstDash val="solid"/>
+                          <a:round/>
+                          <a:headEnd type="none" w="med" len="med"/>
+                          <a:tailEnd type="none" w="med" len="med"/>
+                        </a:lnL>
+                        <a:lnR w="12700" cap="flat" cmpd="sng" algn="ctr">
+                          <a:noFill/>
+                          <a:prstDash val="solid"/>
+                          <a:round/>
+                          <a:headEnd type="none" w="med" len="med"/>
+                          <a:tailEnd type="none" w="med" len="med"/>
+                        </a:lnR>
+                        <a:lnT w="12700" cap="flat" cmpd="sng" algn="ctr">
+                          <a:noFill/>
+                          <a:prstDash val="solid"/>
+                          <a:round/>
+                          <a:headEnd type="none" w="med" len="med"/>
+                          <a:tailEnd type="none" w="med" len="med"/>
+                        </a:lnT>
+                        <a:lnB w="12700" cap="flat" cmpd="sng" algn="ctr">
+                          <a:noFill/>
+                          <a:prstDash val="solid"/>
+                          <a:round/>
+                          <a:headEnd type="none" w="med" len="med"/>
+                          <a:tailEnd type="none" w="med" len="med"/>
+                        </a:lnB>
+                        <a:lnTlToBr w="12700" cmpd="sng">
+                          <a:noFill/>
+                          <a:prstDash val="solid"/>
+                        </a:lnTlToBr>
+                        <a:lnBlToTr w="12700" cmpd="sng">
+                          <a:noFill/>
+                          <a:prstDash val="solid"/>
+                        </a:lnBlToTr>
+                        <a:noFill/>
+                      </a:tcPr>
+                    </a:tc>
+                    <a:extLst>
+                      <a:ext uri="{0D108BD9-81ED-4DB2-BD59-A6C34878D82A}">
+                        <a16:rowId xmlns:a16="http://schemas.microsoft.com/office/drawing/2014/main" val="447519452"/>
+                      </a:ext>
+                    </a:extLst>
+                  </a:tr>
+                  <a:tr h="503056">
+                    <a:tc>
+                      <a:txBody>
+                        <a:bodyPr/>
+                        <a:lstStyle/>
+                        <a:p>
+                          <a:pPr algn="r"/>
+                          <a:r>
+                            <a:rPr lang="en-US" sz="2400" dirty="0">
+                              <a:solidFill>
+                                <a:schemeClr val="tx1"/>
+                              </a:solidFill>
+                            </a:rPr>
+                            <a:t>Input image: </a:t>
+                          </a:r>
+                        </a:p>
+                      </a:txBody>
+                      <a:tcPr marL="124041" marR="124041" marT="62021" marB="62021">
+                        <a:lnL w="12700" cap="flat" cmpd="sng" algn="ctr">
+                          <a:noFill/>
+                          <a:prstDash val="solid"/>
+                          <a:round/>
+                          <a:headEnd type="none" w="med" len="med"/>
+                          <a:tailEnd type="none" w="med" len="med"/>
+                        </a:lnL>
+                        <a:lnR w="12700" cap="flat" cmpd="sng" algn="ctr">
+                          <a:noFill/>
+                          <a:prstDash val="solid"/>
+                          <a:round/>
+                          <a:headEnd type="none" w="med" len="med"/>
+                          <a:tailEnd type="none" w="med" len="med"/>
+                        </a:lnR>
+                        <a:lnT w="12700" cap="flat" cmpd="sng" algn="ctr">
+                          <a:noFill/>
+                          <a:prstDash val="solid"/>
+                          <a:round/>
+                          <a:headEnd type="none" w="med" len="med"/>
+                          <a:tailEnd type="none" w="med" len="med"/>
+                        </a:lnT>
+                        <a:lnB w="12700" cap="flat" cmpd="sng" algn="ctr">
+                          <a:noFill/>
+                          <a:prstDash val="solid"/>
+                          <a:round/>
+                          <a:headEnd type="none" w="med" len="med"/>
+                          <a:tailEnd type="none" w="med" len="med"/>
+                        </a:lnB>
+                        <a:lnTlToBr w="12700" cmpd="sng">
+                          <a:noFill/>
+                          <a:prstDash val="solid"/>
+                        </a:lnTlToBr>
+                        <a:lnBlToTr w="12700" cmpd="sng">
+                          <a:noFill/>
+                          <a:prstDash val="solid"/>
+                        </a:lnBlToTr>
+                        <a:noFill/>
+                      </a:tcPr>
+                    </a:tc>
+                    <a:tc>
+                      <a:txBody>
+                        <a:bodyPr/>
+                        <a:lstStyle/>
+                        <a:p>
+                          <a:pPr marL="0" marR="0" lvl="0" indent="0" algn="l" defTabSz="914400" rtl="0" eaLnBrk="1" fontAlgn="auto" latinLnBrk="0" hangingPunct="1">
+                            <a:lnSpc>
+                              <a:spcPct val="100000"/>
+                            </a:lnSpc>
+                            <a:spcBef>
+                              <a:spcPts val="0"/>
+                            </a:spcBef>
+                            <a:spcAft>
+                              <a:spcPts val="0"/>
+                            </a:spcAft>
+                            <a:buClrTx/>
+                            <a:buSzTx/>
+                            <a:buFontTx/>
+                            <a:buNone/>
+                            <a:tabLst/>
+                            <a:defRPr/>
+                          </a:pPr>
+                          <a14:m>
+                            <m:oMathPara xmlns:m="http://schemas.openxmlformats.org/officeDocument/2006/math">
+                              <m:oMathParaPr>
+                                <m:jc m:val="centerGroup"/>
+                              </m:oMathParaPr>
+                              <m:oMath xmlns:m="http://schemas.openxmlformats.org/officeDocument/2006/math">
+                                <m:r>
+                                  <a:rPr lang="en-US" sz="2400" b="0" i="0" smtClean="0">
+                                    <a:solidFill>
+                                      <a:schemeClr val="tx1"/>
+                                    </a:solidFill>
+                                    <a:latin typeface="Cambria Math" panose="02040503050406030204" pitchFamily="18" charset="0"/>
+                                  </a:rPr>
+                                  <m:t>(</m:t>
+                                </m:r>
+                                <m:r>
+                                  <a:rPr lang="en-US" sz="2400" b="0" i="1" smtClean="0">
+                                    <a:solidFill>
+                                      <a:schemeClr val="tx1"/>
+                                    </a:solidFill>
+                                    <a:latin typeface="Cambria Math" panose="02040503050406030204" pitchFamily="18" charset="0"/>
+                                  </a:rPr>
+                                  <m:t>𝑖</m:t>
+                                </m:r>
+                                <m:sSub>
+                                  <m:sSubPr>
+                                    <m:ctrlPr>
+                                      <a:rPr lang="en-US" sz="2400" b="0" i="1" smtClean="0">
+                                        <a:solidFill>
+                                          <a:schemeClr val="tx1"/>
+                                        </a:solidFill>
+                                        <a:latin typeface="Cambria Math" panose="02040503050406030204" pitchFamily="18" charset="0"/>
+                                      </a:rPr>
+                                    </m:ctrlPr>
+                                  </m:sSubPr>
+                                  <m:e>
+                                    <m:r>
+                                      <a:rPr lang="en-US" sz="2400" b="0" i="1" smtClean="0">
+                                        <a:solidFill>
+                                          <a:schemeClr val="tx1"/>
+                                        </a:solidFill>
+                                        <a:latin typeface="Cambria Math" panose="02040503050406030204" pitchFamily="18" charset="0"/>
+                                      </a:rPr>
+                                      <m:t>𝑛</m:t>
+                                    </m:r>
+                                  </m:e>
+                                  <m:sub>
+                                    <m:r>
+                                      <a:rPr lang="en-US" sz="2400" b="0" i="1" smtClean="0">
+                                        <a:solidFill>
+                                          <a:schemeClr val="tx1"/>
+                                        </a:solidFill>
+                                        <a:latin typeface="Cambria Math" panose="02040503050406030204" pitchFamily="18" charset="0"/>
+                                      </a:rPr>
+                                      <m:t>1</m:t>
+                                    </m:r>
+                                  </m:sub>
+                                </m:sSub>
+                                <m:r>
+                                  <a:rPr lang="en-US" sz="2400" b="0" i="1" smtClean="0">
+                                    <a:solidFill>
+                                      <a:schemeClr val="tx1"/>
+                                    </a:solidFill>
+                                    <a:latin typeface="Cambria Math" panose="02040503050406030204" pitchFamily="18" charset="0"/>
+                                  </a:rPr>
+                                  <m:t>,</m:t>
+                                </m:r>
+                                <m:r>
+                                  <a:rPr lang="en-US" sz="2400" b="0" i="1" smtClean="0">
+                                    <a:solidFill>
+                                      <a:schemeClr val="tx1"/>
+                                    </a:solidFill>
+                                    <a:latin typeface="Cambria Math" panose="02040503050406030204" pitchFamily="18" charset="0"/>
+                                  </a:rPr>
+                                  <m:t>𝑖</m:t>
+                                </m:r>
+                                <m:sSub>
+                                  <m:sSubPr>
+                                    <m:ctrlPr>
+                                      <a:rPr lang="en-US" sz="2400" b="0" i="1" smtClean="0">
+                                        <a:solidFill>
+                                          <a:schemeClr val="tx1"/>
+                                        </a:solidFill>
+                                        <a:latin typeface="Cambria Math" panose="02040503050406030204" pitchFamily="18" charset="0"/>
+                                      </a:rPr>
+                                    </m:ctrlPr>
+                                  </m:sSubPr>
+                                  <m:e>
+                                    <m:r>
+                                      <a:rPr lang="en-US" sz="2400" b="0" i="1" smtClean="0">
+                                        <a:solidFill>
+                                          <a:schemeClr val="tx1"/>
+                                        </a:solidFill>
+                                        <a:latin typeface="Cambria Math" panose="02040503050406030204" pitchFamily="18" charset="0"/>
+                                      </a:rPr>
+                                      <m:t>𝑛</m:t>
+                                    </m:r>
+                                  </m:e>
+                                  <m:sub>
+                                    <m:r>
+                                      <a:rPr lang="en-US" sz="2400" b="0" i="1" smtClean="0">
+                                        <a:solidFill>
+                                          <a:schemeClr val="tx1"/>
+                                        </a:solidFill>
+                                        <a:latin typeface="Cambria Math" panose="02040503050406030204" pitchFamily="18" charset="0"/>
+                                      </a:rPr>
+                                      <m:t>2</m:t>
+                                    </m:r>
+                                  </m:sub>
+                                </m:sSub>
+                                <m:r>
+                                  <a:rPr lang="en-US" sz="2400" b="0" i="1" smtClean="0">
+                                    <a:solidFill>
+                                      <a:schemeClr val="tx1"/>
+                                    </a:solidFill>
+                                    <a:latin typeface="Cambria Math" panose="02040503050406030204" pitchFamily="18" charset="0"/>
+                                  </a:rPr>
+                                  <m:t>)</m:t>
+                                </m:r>
+                              </m:oMath>
+                            </m:oMathPara>
+                          </a14:m>
+                          <a:endParaRPr lang="en-US" sz="2400" dirty="0">
+                            <a:solidFill>
+                              <a:schemeClr val="tx1"/>
+                            </a:solidFill>
+                          </a:endParaRPr>
+                        </a:p>
+                      </a:txBody>
+                      <a:tcPr marL="124041" marR="124041" marT="62021" marB="62021">
+                        <a:lnL w="12700" cap="flat" cmpd="sng" algn="ctr">
+                          <a:noFill/>
+                          <a:prstDash val="solid"/>
+                          <a:round/>
+                          <a:headEnd type="none" w="med" len="med"/>
+                          <a:tailEnd type="none" w="med" len="med"/>
+                        </a:lnL>
+                        <a:lnR w="12700" cap="flat" cmpd="sng" algn="ctr">
+                          <a:noFill/>
+                          <a:prstDash val="solid"/>
+                          <a:round/>
+                          <a:headEnd type="none" w="med" len="med"/>
+                          <a:tailEnd type="none" w="med" len="med"/>
+                        </a:lnR>
+                        <a:lnT w="12700" cap="flat" cmpd="sng" algn="ctr">
+                          <a:noFill/>
+                          <a:prstDash val="solid"/>
+                          <a:round/>
+                          <a:headEnd type="none" w="med" len="med"/>
+                          <a:tailEnd type="none" w="med" len="med"/>
+                        </a:lnT>
+                        <a:lnB w="12700" cap="flat" cmpd="sng" algn="ctr">
+                          <a:noFill/>
+                          <a:prstDash val="solid"/>
+                          <a:round/>
+                          <a:headEnd type="none" w="med" len="med"/>
+                          <a:tailEnd type="none" w="med" len="med"/>
+                        </a:lnB>
+                        <a:lnTlToBr w="12700" cmpd="sng">
+                          <a:noFill/>
+                          <a:prstDash val="solid"/>
+                        </a:lnTlToBr>
+                        <a:lnBlToTr w="12700" cmpd="sng">
+                          <a:noFill/>
+                          <a:prstDash val="solid"/>
+                        </a:lnBlToTr>
+                        <a:noFill/>
+                      </a:tcPr>
+                    </a:tc>
+                    <a:extLst>
+                      <a:ext uri="{0D108BD9-81ED-4DB2-BD59-A6C34878D82A}">
+                        <a16:rowId xmlns:a16="http://schemas.microsoft.com/office/drawing/2014/main" val="1623022831"/>
+                      </a:ext>
+                    </a:extLst>
+                  </a:tr>
+                  <a:tr h="503056">
+                    <a:tc>
+                      <a:txBody>
+                        <a:bodyPr/>
+                        <a:lstStyle/>
+                        <a:p>
+                          <a:pPr algn="r"/>
+                          <a:r>
+                            <a:rPr lang="en-US" sz="2400" dirty="0">
+                              <a:solidFill>
+                                <a:schemeClr val="tx1"/>
+                              </a:solidFill>
+                            </a:rPr>
+                            <a:t>Padding:</a:t>
+                          </a:r>
+                        </a:p>
+                      </a:txBody>
+                      <a:tcPr marL="124041" marR="124041" marT="62021" marB="62021">
+                        <a:lnL w="12700" cap="flat" cmpd="sng" algn="ctr">
+                          <a:noFill/>
+                          <a:prstDash val="solid"/>
+                          <a:round/>
+                          <a:headEnd type="none" w="med" len="med"/>
+                          <a:tailEnd type="none" w="med" len="med"/>
+                        </a:lnL>
+                        <a:lnR w="12700" cap="flat" cmpd="sng" algn="ctr">
+                          <a:noFill/>
+                          <a:prstDash val="solid"/>
+                          <a:round/>
+                          <a:headEnd type="none" w="med" len="med"/>
+                          <a:tailEnd type="none" w="med" len="med"/>
+                        </a:lnR>
+                        <a:lnT w="12700" cap="flat" cmpd="sng" algn="ctr">
+                          <a:noFill/>
+                          <a:prstDash val="solid"/>
+                          <a:round/>
+                          <a:headEnd type="none" w="med" len="med"/>
+                          <a:tailEnd type="none" w="med" len="med"/>
+                        </a:lnT>
+                        <a:lnB w="12700" cap="flat" cmpd="sng" algn="ctr">
+                          <a:noFill/>
+                          <a:prstDash val="solid"/>
+                          <a:round/>
+                          <a:headEnd type="none" w="med" len="med"/>
+                          <a:tailEnd type="none" w="med" len="med"/>
+                        </a:lnB>
+                        <a:lnTlToBr w="12700" cmpd="sng">
+                          <a:noFill/>
+                          <a:prstDash val="solid"/>
+                        </a:lnTlToBr>
+                        <a:lnBlToTr w="12700" cmpd="sng">
+                          <a:noFill/>
+                          <a:prstDash val="solid"/>
+                        </a:lnBlToTr>
+                        <a:noFill/>
+                      </a:tcPr>
+                    </a:tc>
+                    <a:tc>
+                      <a:txBody>
+                        <a:bodyPr/>
+                        <a:lstStyle/>
+                        <a:p>
+                          <a:pPr marL="0" marR="0" lvl="0" indent="0" algn="l" defTabSz="914400" rtl="0" eaLnBrk="1" fontAlgn="auto" latinLnBrk="0" hangingPunct="1">
+                            <a:lnSpc>
+                              <a:spcPct val="100000"/>
+                            </a:lnSpc>
+                            <a:spcBef>
+                              <a:spcPts val="0"/>
+                            </a:spcBef>
+                            <a:spcAft>
+                              <a:spcPts val="0"/>
+                            </a:spcAft>
+                            <a:buClrTx/>
+                            <a:buSzTx/>
+                            <a:buFontTx/>
+                            <a:buNone/>
+                            <a:tabLst/>
+                            <a:defRPr/>
+                          </a:pPr>
+                          <a14:m>
+                            <m:oMathPara xmlns:m="http://schemas.openxmlformats.org/officeDocument/2006/math">
+                              <m:oMathParaPr>
+                                <m:jc m:val="centerGroup"/>
+                              </m:oMathParaPr>
+                              <m:oMath xmlns:m="http://schemas.openxmlformats.org/officeDocument/2006/math">
+                                <m:r>
+                                  <a:rPr lang="en-US" sz="2400" b="0" i="0" smtClean="0">
+                                    <a:solidFill>
+                                      <a:schemeClr val="tx1"/>
+                                    </a:solidFill>
+                                    <a:latin typeface="Cambria Math" panose="02040503050406030204" pitchFamily="18" charset="0"/>
+                                  </a:rPr>
+                                  <m:t>(</m:t>
+                                </m:r>
+                                <m:sSub>
+                                  <m:sSubPr>
+                                    <m:ctrlPr>
+                                      <a:rPr lang="en-US" sz="2400" b="0" i="1" smtClean="0">
+                                        <a:solidFill>
+                                          <a:schemeClr val="tx1"/>
+                                        </a:solidFill>
+                                        <a:latin typeface="Cambria Math" panose="02040503050406030204" pitchFamily="18" charset="0"/>
+                                      </a:rPr>
+                                    </m:ctrlPr>
+                                  </m:sSubPr>
+                                  <m:e>
+                                    <m:r>
+                                      <a:rPr lang="en-US" sz="2400" b="0" i="1" smtClean="0">
+                                        <a:solidFill>
+                                          <a:schemeClr val="tx1"/>
+                                        </a:solidFill>
+                                        <a:latin typeface="Cambria Math" panose="02040503050406030204" pitchFamily="18" charset="0"/>
+                                      </a:rPr>
+                                      <m:t>𝑝</m:t>
+                                    </m:r>
+                                  </m:e>
+                                  <m:sub>
+                                    <m:r>
+                                      <a:rPr lang="en-US" sz="2400" b="0" i="1" smtClean="0">
+                                        <a:solidFill>
+                                          <a:schemeClr val="tx1"/>
+                                        </a:solidFill>
+                                        <a:latin typeface="Cambria Math" panose="02040503050406030204" pitchFamily="18" charset="0"/>
+                                      </a:rPr>
+                                      <m:t>1</m:t>
+                                    </m:r>
+                                  </m:sub>
+                                </m:sSub>
+                                <m:r>
+                                  <a:rPr lang="en-US" sz="2400" b="0" i="1" smtClean="0">
+                                    <a:solidFill>
+                                      <a:schemeClr val="tx1"/>
+                                    </a:solidFill>
+                                    <a:latin typeface="Cambria Math" panose="02040503050406030204" pitchFamily="18" charset="0"/>
+                                  </a:rPr>
+                                  <m:t>,</m:t>
+                                </m:r>
+                                <m:sSub>
+                                  <m:sSubPr>
+                                    <m:ctrlPr>
+                                      <a:rPr lang="en-US" sz="2400" b="0" i="1" smtClean="0">
+                                        <a:solidFill>
+                                          <a:schemeClr val="tx1"/>
+                                        </a:solidFill>
+                                        <a:latin typeface="Cambria Math" panose="02040503050406030204" pitchFamily="18" charset="0"/>
+                                      </a:rPr>
+                                    </m:ctrlPr>
+                                  </m:sSubPr>
+                                  <m:e>
+                                    <m:r>
+                                      <a:rPr lang="en-US" sz="2400" b="0" i="1" smtClean="0">
+                                        <a:solidFill>
+                                          <a:schemeClr val="tx1"/>
+                                        </a:solidFill>
+                                        <a:latin typeface="Cambria Math" panose="02040503050406030204" pitchFamily="18" charset="0"/>
+                                      </a:rPr>
+                                      <m:t>𝑝</m:t>
+                                    </m:r>
+                                  </m:e>
+                                  <m:sub>
+                                    <m:r>
+                                      <a:rPr lang="en-US" sz="2400" b="0" i="1" smtClean="0">
+                                        <a:solidFill>
+                                          <a:schemeClr val="tx1"/>
+                                        </a:solidFill>
+                                        <a:latin typeface="Cambria Math" panose="02040503050406030204" pitchFamily="18" charset="0"/>
+                                      </a:rPr>
+                                      <m:t>2</m:t>
+                                    </m:r>
+                                  </m:sub>
+                                </m:sSub>
+                                <m:r>
+                                  <a:rPr lang="en-US" sz="2400" b="0" i="1" smtClean="0">
+                                    <a:solidFill>
+                                      <a:schemeClr val="tx1"/>
+                                    </a:solidFill>
+                                    <a:latin typeface="Cambria Math" panose="02040503050406030204" pitchFamily="18" charset="0"/>
+                                  </a:rPr>
+                                  <m:t>)</m:t>
+                                </m:r>
+                              </m:oMath>
+                            </m:oMathPara>
+                          </a14:m>
+                          <a:endParaRPr lang="en-US" sz="2400" dirty="0">
+                            <a:solidFill>
+                              <a:schemeClr val="tx1"/>
+                            </a:solidFill>
+                          </a:endParaRPr>
+                        </a:p>
+                      </a:txBody>
+                      <a:tcPr marL="124041" marR="124041" marT="62021" marB="62021">
+                        <a:lnL w="12700" cap="flat" cmpd="sng" algn="ctr">
+                          <a:noFill/>
+                          <a:prstDash val="solid"/>
+                          <a:round/>
+                          <a:headEnd type="none" w="med" len="med"/>
+                          <a:tailEnd type="none" w="med" len="med"/>
+                        </a:lnL>
+                        <a:lnR w="12700" cap="flat" cmpd="sng" algn="ctr">
+                          <a:noFill/>
+                          <a:prstDash val="solid"/>
+                          <a:round/>
+                          <a:headEnd type="none" w="med" len="med"/>
+                          <a:tailEnd type="none" w="med" len="med"/>
+                        </a:lnR>
+                        <a:lnT w="12700" cap="flat" cmpd="sng" algn="ctr">
+                          <a:noFill/>
+                          <a:prstDash val="solid"/>
+                          <a:round/>
+                          <a:headEnd type="none" w="med" len="med"/>
+                          <a:tailEnd type="none" w="med" len="med"/>
+                        </a:lnT>
+                        <a:lnB w="12700" cap="flat" cmpd="sng" algn="ctr">
+                          <a:noFill/>
+                          <a:prstDash val="solid"/>
+                          <a:round/>
+                          <a:headEnd type="none" w="med" len="med"/>
+                          <a:tailEnd type="none" w="med" len="med"/>
+                        </a:lnB>
+                        <a:lnTlToBr w="12700" cmpd="sng">
+                          <a:noFill/>
+                          <a:prstDash val="solid"/>
+                        </a:lnTlToBr>
+                        <a:lnBlToTr w="12700" cmpd="sng">
+                          <a:noFill/>
+                          <a:prstDash val="solid"/>
+                        </a:lnBlToTr>
+                        <a:noFill/>
+                      </a:tcPr>
+                    </a:tc>
+                    <a:extLst>
+                      <a:ext uri="{0D108BD9-81ED-4DB2-BD59-A6C34878D82A}">
+                        <a16:rowId xmlns:a16="http://schemas.microsoft.com/office/drawing/2014/main" val="4005437046"/>
+                      </a:ext>
+                    </a:extLst>
+                  </a:tr>
+                  <a:tr h="503056">
+                    <a:tc>
+                      <a:txBody>
+                        <a:bodyPr/>
+                        <a:lstStyle/>
+                        <a:p>
+                          <a:pPr algn="r"/>
+                          <a:r>
+                            <a:rPr lang="en-US" sz="2400" dirty="0">
+                              <a:solidFill>
+                                <a:schemeClr val="tx1"/>
+                              </a:solidFill>
+                            </a:rPr>
+                            <a:t>Striding:</a:t>
+                          </a:r>
+                        </a:p>
+                      </a:txBody>
+                      <a:tcPr marL="124041" marR="124041" marT="62021" marB="62021">
+                        <a:lnL w="12700" cap="flat" cmpd="sng" algn="ctr">
+                          <a:noFill/>
+                          <a:prstDash val="solid"/>
+                          <a:round/>
+                          <a:headEnd type="none" w="med" len="med"/>
+                          <a:tailEnd type="none" w="med" len="med"/>
+                        </a:lnL>
+                        <a:lnR w="12700" cap="flat" cmpd="sng" algn="ctr">
+                          <a:noFill/>
+                          <a:prstDash val="solid"/>
+                          <a:round/>
+                          <a:headEnd type="none" w="med" len="med"/>
+                          <a:tailEnd type="none" w="med" len="med"/>
+                        </a:lnR>
+                        <a:lnT w="12700" cap="flat" cmpd="sng" algn="ctr">
+                          <a:noFill/>
+                          <a:prstDash val="solid"/>
+                          <a:round/>
+                          <a:headEnd type="none" w="med" len="med"/>
+                          <a:tailEnd type="none" w="med" len="med"/>
+                        </a:lnT>
+                        <a:lnB w="12700" cap="flat" cmpd="sng" algn="ctr">
+                          <a:noFill/>
+                          <a:prstDash val="solid"/>
+                          <a:round/>
+                          <a:headEnd type="none" w="med" len="med"/>
+                          <a:tailEnd type="none" w="med" len="med"/>
+                        </a:lnB>
+                        <a:lnTlToBr w="12700" cmpd="sng">
+                          <a:noFill/>
+                          <a:prstDash val="solid"/>
+                        </a:lnTlToBr>
+                        <a:lnBlToTr w="12700" cmpd="sng">
+                          <a:noFill/>
+                          <a:prstDash val="solid"/>
+                        </a:lnBlToTr>
+                        <a:noFill/>
+                      </a:tcPr>
+                    </a:tc>
+                    <a:tc>
+                      <a:txBody>
+                        <a:bodyPr/>
+                        <a:lstStyle/>
+                        <a:p>
+                          <a:pPr marL="0" marR="0" lvl="0" indent="0" algn="l" defTabSz="914400" rtl="0" eaLnBrk="1" fontAlgn="auto" latinLnBrk="0" hangingPunct="1">
+                            <a:lnSpc>
+                              <a:spcPct val="100000"/>
+                            </a:lnSpc>
+                            <a:spcBef>
+                              <a:spcPts val="0"/>
+                            </a:spcBef>
+                            <a:spcAft>
+                              <a:spcPts val="0"/>
+                            </a:spcAft>
+                            <a:buClrTx/>
+                            <a:buSzTx/>
+                            <a:buFontTx/>
+                            <a:buNone/>
+                            <a:tabLst/>
+                            <a:defRPr/>
+                          </a:pPr>
+                          <a14:m>
+                            <m:oMathPara xmlns:m="http://schemas.openxmlformats.org/officeDocument/2006/math">
+                              <m:oMathParaPr>
+                                <m:jc m:val="centerGroup"/>
+                              </m:oMathParaPr>
+                              <m:oMath xmlns:m="http://schemas.openxmlformats.org/officeDocument/2006/math">
+                                <m:r>
+                                  <a:rPr lang="en-US" sz="2400" smtClean="0">
+                                    <a:solidFill>
+                                      <a:schemeClr val="tx1"/>
+                                    </a:solidFill>
+                                    <a:latin typeface="Cambria Math" panose="02040503050406030204" pitchFamily="18" charset="0"/>
+                                  </a:rPr>
+                                  <m:t>(</m:t>
+                                </m:r>
+                                <m:sSub>
+                                  <m:sSubPr>
+                                    <m:ctrlPr>
+                                      <a:rPr lang="en-US" sz="2400" i="1">
+                                        <a:solidFill>
+                                          <a:schemeClr val="tx1"/>
+                                        </a:solidFill>
+                                        <a:latin typeface="Cambria Math" panose="02040503050406030204" pitchFamily="18" charset="0"/>
+                                      </a:rPr>
+                                    </m:ctrlPr>
+                                  </m:sSubPr>
+                                  <m:e>
+                                    <m:r>
+                                      <m:rPr>
+                                        <m:sty m:val="p"/>
+                                      </m:rPr>
+                                      <a:rPr lang="en-US" sz="2400">
+                                        <a:solidFill>
+                                          <a:schemeClr val="tx1"/>
+                                        </a:solidFill>
+                                        <a:latin typeface="Cambria Math" panose="02040503050406030204" pitchFamily="18" charset="0"/>
+                                      </a:rPr>
+                                      <m:t>s</m:t>
+                                    </m:r>
+                                  </m:e>
+                                  <m:sub>
+                                    <m:r>
+                                      <a:rPr lang="en-US" sz="2400">
+                                        <a:solidFill>
+                                          <a:schemeClr val="tx1"/>
+                                        </a:solidFill>
+                                        <a:latin typeface="Cambria Math" panose="02040503050406030204" pitchFamily="18" charset="0"/>
+                                      </a:rPr>
+                                      <m:t>1</m:t>
+                                    </m:r>
+                                  </m:sub>
+                                </m:sSub>
+                                <m:r>
+                                  <a:rPr lang="en-US" sz="2400">
+                                    <a:solidFill>
+                                      <a:schemeClr val="tx1"/>
+                                    </a:solidFill>
+                                    <a:latin typeface="Cambria Math" panose="02040503050406030204" pitchFamily="18" charset="0"/>
+                                  </a:rPr>
+                                  <m:t>,</m:t>
+                                </m:r>
+                                <m:sSub>
+                                  <m:sSubPr>
+                                    <m:ctrlPr>
+                                      <a:rPr lang="en-US" sz="2400" i="1">
+                                        <a:solidFill>
+                                          <a:schemeClr val="tx1"/>
+                                        </a:solidFill>
+                                        <a:latin typeface="Cambria Math" panose="02040503050406030204" pitchFamily="18" charset="0"/>
+                                      </a:rPr>
+                                    </m:ctrlPr>
+                                  </m:sSubPr>
+                                  <m:e>
+                                    <m:r>
+                                      <m:rPr>
+                                        <m:sty m:val="p"/>
+                                      </m:rPr>
+                                      <a:rPr lang="en-US" sz="2400">
+                                        <a:solidFill>
+                                          <a:schemeClr val="tx1"/>
+                                        </a:solidFill>
+                                        <a:latin typeface="Cambria Math" panose="02040503050406030204" pitchFamily="18" charset="0"/>
+                                      </a:rPr>
+                                      <m:t>s</m:t>
+                                    </m:r>
+                                  </m:e>
+                                  <m:sub>
+                                    <m:r>
+                                      <a:rPr lang="en-US" sz="2400">
+                                        <a:solidFill>
+                                          <a:schemeClr val="tx1"/>
+                                        </a:solidFill>
+                                        <a:latin typeface="Cambria Math" panose="02040503050406030204" pitchFamily="18" charset="0"/>
+                                      </a:rPr>
+                                      <m:t>2</m:t>
+                                    </m:r>
+                                  </m:sub>
+                                </m:sSub>
+                                <m:r>
+                                  <a:rPr lang="en-US" sz="2400">
+                                    <a:solidFill>
+                                      <a:schemeClr val="tx1"/>
+                                    </a:solidFill>
+                                    <a:latin typeface="Cambria Math" panose="02040503050406030204" pitchFamily="18" charset="0"/>
+                                  </a:rPr>
+                                  <m:t>)</m:t>
+                                </m:r>
+                              </m:oMath>
+                            </m:oMathPara>
+                          </a14:m>
+                          <a:endParaRPr lang="en-US" sz="2400" dirty="0">
+                            <a:solidFill>
+                              <a:schemeClr val="tx1"/>
+                            </a:solidFill>
+                          </a:endParaRPr>
+                        </a:p>
+                      </a:txBody>
+                      <a:tcPr marL="124041" marR="124041" marT="62021" marB="62021">
+                        <a:lnL w="12700" cap="flat" cmpd="sng" algn="ctr">
+                          <a:noFill/>
+                          <a:prstDash val="solid"/>
+                          <a:round/>
+                          <a:headEnd type="none" w="med" len="med"/>
+                          <a:tailEnd type="none" w="med" len="med"/>
+                        </a:lnL>
+                        <a:lnR w="12700" cap="flat" cmpd="sng" algn="ctr">
+                          <a:noFill/>
+                          <a:prstDash val="solid"/>
+                          <a:round/>
+                          <a:headEnd type="none" w="med" len="med"/>
+                          <a:tailEnd type="none" w="med" len="med"/>
+                        </a:lnR>
+                        <a:lnT w="12700" cap="flat" cmpd="sng" algn="ctr">
+                          <a:noFill/>
+                          <a:prstDash val="solid"/>
+                          <a:round/>
+                          <a:headEnd type="none" w="med" len="med"/>
+                          <a:tailEnd type="none" w="med" len="med"/>
+                        </a:lnT>
+                        <a:lnB w="12700" cap="flat" cmpd="sng" algn="ctr">
+                          <a:noFill/>
+                          <a:prstDash val="solid"/>
+                          <a:round/>
+                          <a:headEnd type="none" w="med" len="med"/>
+                          <a:tailEnd type="none" w="med" len="med"/>
+                        </a:lnB>
+                        <a:lnTlToBr w="12700" cmpd="sng">
+                          <a:noFill/>
+                          <a:prstDash val="solid"/>
+                        </a:lnTlToBr>
+                        <a:lnBlToTr w="12700" cmpd="sng">
+                          <a:noFill/>
+                          <a:prstDash val="solid"/>
+                        </a:lnBlToTr>
+                        <a:noFill/>
+                      </a:tcPr>
+                    </a:tc>
+                    <a:extLst>
+                      <a:ext uri="{0D108BD9-81ED-4DB2-BD59-A6C34878D82A}">
+                        <a16:rowId xmlns:a16="http://schemas.microsoft.com/office/drawing/2014/main" val="898271232"/>
+                      </a:ext>
+                    </a:extLst>
+                  </a:tr>
+                  <a:tr h="503056">
+                    <a:tc>
+                      <a:txBody>
+                        <a:bodyPr/>
+                        <a:lstStyle/>
+                        <a:p>
+                          <a:pPr algn="r"/>
+                          <a:r>
+                            <a:rPr lang="en-US" sz="2400" strike="sngStrike" dirty="0">
+                              <a:solidFill>
+                                <a:schemeClr val="tx1"/>
+                              </a:solidFill>
+                            </a:rPr>
+                            <a:t>Dilation:</a:t>
+                          </a:r>
+                        </a:p>
+                      </a:txBody>
+                      <a:tcPr marL="124041" marR="124041" marT="62021" marB="62021">
+                        <a:lnL w="12700" cap="flat" cmpd="sng" algn="ctr">
+                          <a:noFill/>
+                          <a:prstDash val="solid"/>
+                          <a:round/>
+                          <a:headEnd type="none" w="med" len="med"/>
+                          <a:tailEnd type="none" w="med" len="med"/>
+                        </a:lnL>
+                        <a:lnR w="12700" cap="flat" cmpd="sng" algn="ctr">
+                          <a:noFill/>
+                          <a:prstDash val="solid"/>
+                          <a:round/>
+                          <a:headEnd type="none" w="med" len="med"/>
+                          <a:tailEnd type="none" w="med" len="med"/>
+                        </a:lnR>
+                        <a:lnT w="12700" cap="flat" cmpd="sng" algn="ctr">
+                          <a:noFill/>
+                          <a:prstDash val="solid"/>
+                          <a:round/>
+                          <a:headEnd type="none" w="med" len="med"/>
+                          <a:tailEnd type="none" w="med" len="med"/>
+                        </a:lnT>
+                        <a:lnB w="12700" cap="flat" cmpd="sng" algn="ctr">
+                          <a:noFill/>
+                          <a:prstDash val="solid"/>
+                          <a:round/>
+                          <a:headEnd type="none" w="med" len="med"/>
+                          <a:tailEnd type="none" w="med" len="med"/>
+                        </a:lnB>
+                        <a:lnTlToBr w="12700" cmpd="sng">
+                          <a:noFill/>
+                          <a:prstDash val="solid"/>
+                        </a:lnTlToBr>
+                        <a:lnBlToTr w="12700" cmpd="sng">
+                          <a:noFill/>
+                          <a:prstDash val="solid"/>
+                        </a:lnBlToTr>
+                        <a:noFill/>
+                      </a:tcPr>
+                    </a:tc>
+                    <a:tc>
+                      <a:txBody>
+                        <a:bodyPr/>
+                        <a:lstStyle/>
+                        <a:p>
+                          <a:pPr marL="0" marR="0" lvl="0" indent="0" algn="l" defTabSz="914400" rtl="0" eaLnBrk="1" fontAlgn="auto" latinLnBrk="0" hangingPunct="1">
+                            <a:lnSpc>
+                              <a:spcPct val="100000"/>
+                            </a:lnSpc>
+                            <a:spcBef>
+                              <a:spcPts val="0"/>
+                            </a:spcBef>
+                            <a:spcAft>
+                              <a:spcPts val="0"/>
+                            </a:spcAft>
+                            <a:buClrTx/>
+                            <a:buSzTx/>
+                            <a:buFontTx/>
+                            <a:buNone/>
+                            <a:tabLst/>
+                            <a:defRPr/>
+                          </a:pPr>
+                          <a14:m>
+                            <m:oMathPara xmlns:m="http://schemas.openxmlformats.org/officeDocument/2006/math">
+                              <m:oMathParaPr>
+                                <m:jc m:val="centerGroup"/>
+                              </m:oMathParaPr>
+                              <m:oMath xmlns:m="http://schemas.openxmlformats.org/officeDocument/2006/math">
+                                <m:r>
+                                  <a:rPr lang="en-US" sz="2400" b="0" i="0" strike="sngStrike" smtClean="0">
+                                    <a:solidFill>
+                                      <a:schemeClr val="tx1"/>
+                                    </a:solidFill>
+                                    <a:latin typeface="Cambria Math" panose="02040503050406030204" pitchFamily="18" charset="0"/>
+                                  </a:rPr>
+                                  <m:t>(</m:t>
+                                </m:r>
+                                <m:sSub>
+                                  <m:sSubPr>
+                                    <m:ctrlPr>
+                                      <a:rPr lang="en-US" sz="2400" b="0" i="1" strike="sngStrike" smtClean="0">
+                                        <a:solidFill>
+                                          <a:schemeClr val="tx1"/>
+                                        </a:solidFill>
+                                        <a:latin typeface="Cambria Math" panose="02040503050406030204" pitchFamily="18" charset="0"/>
+                                      </a:rPr>
+                                    </m:ctrlPr>
+                                  </m:sSubPr>
+                                  <m:e>
+                                    <m:r>
+                                      <a:rPr lang="en-US" sz="2400" b="0" i="1" strike="sngStrike" smtClean="0">
+                                        <a:solidFill>
+                                          <a:schemeClr val="tx1"/>
+                                        </a:solidFill>
+                                        <a:latin typeface="Cambria Math" panose="02040503050406030204" pitchFamily="18" charset="0"/>
+                                      </a:rPr>
+                                      <m:t>𝑑</m:t>
+                                    </m:r>
+                                  </m:e>
+                                  <m:sub>
+                                    <m:r>
+                                      <a:rPr lang="en-US" sz="2400" b="0" i="1" strike="sngStrike" smtClean="0">
+                                        <a:solidFill>
+                                          <a:schemeClr val="tx1"/>
+                                        </a:solidFill>
+                                        <a:latin typeface="Cambria Math" panose="02040503050406030204" pitchFamily="18" charset="0"/>
+                                      </a:rPr>
+                                      <m:t>1</m:t>
+                                    </m:r>
+                                  </m:sub>
+                                </m:sSub>
+                                <m:r>
+                                  <a:rPr lang="en-US" sz="2400" b="0" i="0" strike="sngStrike" smtClean="0">
+                                    <a:solidFill>
+                                      <a:schemeClr val="tx1"/>
+                                    </a:solidFill>
+                                    <a:latin typeface="Cambria Math" panose="02040503050406030204" pitchFamily="18" charset="0"/>
+                                  </a:rPr>
+                                  <m:t>,</m:t>
+                                </m:r>
+                                <m:sSub>
+                                  <m:sSubPr>
+                                    <m:ctrlPr>
+                                      <a:rPr lang="en-US" sz="2400" b="0" i="1" strike="sngStrike" smtClean="0">
+                                        <a:solidFill>
+                                          <a:schemeClr val="tx1"/>
+                                        </a:solidFill>
+                                        <a:latin typeface="Cambria Math" panose="02040503050406030204" pitchFamily="18" charset="0"/>
+                                      </a:rPr>
+                                    </m:ctrlPr>
+                                  </m:sSubPr>
+                                  <m:e>
+                                    <m:r>
+                                      <a:rPr lang="en-US" sz="2400" b="0" i="1" strike="sngStrike" smtClean="0">
+                                        <a:solidFill>
+                                          <a:schemeClr val="tx1"/>
+                                        </a:solidFill>
+                                        <a:latin typeface="Cambria Math" panose="02040503050406030204" pitchFamily="18" charset="0"/>
+                                      </a:rPr>
+                                      <m:t>𝑑</m:t>
+                                    </m:r>
+                                  </m:e>
+                                  <m:sub>
+                                    <m:r>
+                                      <a:rPr lang="en-US" sz="2400" b="0" i="0" strike="sngStrike" smtClean="0">
+                                        <a:solidFill>
+                                          <a:schemeClr val="tx1"/>
+                                        </a:solidFill>
+                                        <a:latin typeface="Cambria Math" panose="02040503050406030204" pitchFamily="18" charset="0"/>
+                                      </a:rPr>
+                                      <m:t>2</m:t>
+                                    </m:r>
+                                  </m:sub>
+                                </m:sSub>
+                                <m:r>
+                                  <a:rPr lang="en-US" sz="2400" b="0" i="0" strike="sngStrike" smtClean="0">
+                                    <a:solidFill>
+                                      <a:schemeClr val="tx1"/>
+                                    </a:solidFill>
+                                    <a:latin typeface="Cambria Math" panose="02040503050406030204" pitchFamily="18" charset="0"/>
+                                  </a:rPr>
+                                  <m:t>)</m:t>
+                                </m:r>
+                              </m:oMath>
+                            </m:oMathPara>
+                          </a14:m>
+                          <a:endParaRPr lang="en-US" sz="2400" strike="sngStrike" dirty="0">
+                            <a:solidFill>
+                              <a:schemeClr val="tx1"/>
+                            </a:solidFill>
+                          </a:endParaRPr>
+                        </a:p>
+                      </a:txBody>
+                      <a:tcPr marL="124041" marR="124041" marT="62021" marB="62021">
+                        <a:lnL w="12700" cap="flat" cmpd="sng" algn="ctr">
+                          <a:noFill/>
+                          <a:prstDash val="solid"/>
+                          <a:round/>
+                          <a:headEnd type="none" w="med" len="med"/>
+                          <a:tailEnd type="none" w="med" len="med"/>
+                        </a:lnL>
+                        <a:lnR w="12700" cap="flat" cmpd="sng" algn="ctr">
+                          <a:noFill/>
+                          <a:prstDash val="solid"/>
+                          <a:round/>
+                          <a:headEnd type="none" w="med" len="med"/>
+                          <a:tailEnd type="none" w="med" len="med"/>
+                        </a:lnR>
+                        <a:lnT w="12700" cap="flat" cmpd="sng" algn="ctr">
+                          <a:noFill/>
+                          <a:prstDash val="solid"/>
+                          <a:round/>
+                          <a:headEnd type="none" w="med" len="med"/>
+                          <a:tailEnd type="none" w="med" len="med"/>
+                        </a:lnT>
+                        <a:lnB w="12700" cap="flat" cmpd="sng" algn="ctr">
+                          <a:noFill/>
+                          <a:prstDash val="solid"/>
+                          <a:round/>
+                          <a:headEnd type="none" w="med" len="med"/>
+                          <a:tailEnd type="none" w="med" len="med"/>
+                        </a:lnB>
+                        <a:lnTlToBr w="12700" cmpd="sng">
+                          <a:noFill/>
+                          <a:prstDash val="solid"/>
+                        </a:lnTlToBr>
+                        <a:lnBlToTr w="12700" cmpd="sng">
+                          <a:noFill/>
+                          <a:prstDash val="solid"/>
+                        </a:lnBlToTr>
+                        <a:noFill/>
+                      </a:tcPr>
+                    </a:tc>
+                    <a:extLst>
+                      <a:ext uri="{0D108BD9-81ED-4DB2-BD59-A6C34878D82A}">
+                        <a16:rowId xmlns:a16="http://schemas.microsoft.com/office/drawing/2014/main" val="221637713"/>
+                      </a:ext>
+                    </a:extLst>
+                  </a:tr>
+                  <a:tr h="503056">
+                    <a:tc>
+                      <a:txBody>
+                        <a:bodyPr/>
+                        <a:lstStyle/>
+                        <a:p>
+                          <a:pPr algn="r"/>
+                          <a:r>
+                            <a:rPr lang="en-US" sz="2400" dirty="0">
+                              <a:solidFill>
+                                <a:schemeClr val="tx1"/>
+                              </a:solidFill>
+                            </a:rPr>
+                            <a:t>Output image:</a:t>
+                          </a:r>
+                        </a:p>
+                      </a:txBody>
+                      <a:tcPr marL="124041" marR="124041" marT="62021" marB="62021">
+                        <a:lnL w="12700" cap="flat" cmpd="sng" algn="ctr">
+                          <a:noFill/>
+                          <a:prstDash val="solid"/>
+                          <a:round/>
+                          <a:headEnd type="none" w="med" len="med"/>
+                          <a:tailEnd type="none" w="med" len="med"/>
+                        </a:lnL>
+                        <a:lnR w="12700" cap="flat" cmpd="sng" algn="ctr">
+                          <a:noFill/>
+                          <a:prstDash val="solid"/>
+                          <a:round/>
+                          <a:headEnd type="none" w="med" len="med"/>
+                          <a:tailEnd type="none" w="med" len="med"/>
+                        </a:lnR>
+                        <a:lnT w="12700" cap="flat" cmpd="sng" algn="ctr">
+                          <a:noFill/>
+                          <a:prstDash val="solid"/>
+                          <a:round/>
+                          <a:headEnd type="none" w="med" len="med"/>
+                          <a:tailEnd type="none" w="med" len="med"/>
+                        </a:lnT>
+                        <a:lnB w="12700" cap="flat" cmpd="sng" algn="ctr">
+                          <a:noFill/>
+                          <a:prstDash val="solid"/>
+                          <a:round/>
+                          <a:headEnd type="none" w="med" len="med"/>
+                          <a:tailEnd type="none" w="med" len="med"/>
+                        </a:lnB>
+                        <a:lnTlToBr w="12700" cmpd="sng">
+                          <a:noFill/>
+                          <a:prstDash val="solid"/>
+                        </a:lnTlToBr>
+                        <a:lnBlToTr w="12700" cmpd="sng">
+                          <a:noFill/>
+                          <a:prstDash val="solid"/>
+                        </a:lnBlToTr>
+                        <a:noFill/>
+                      </a:tcPr>
+                    </a:tc>
+                    <a:tc>
+                      <a:txBody>
+                        <a:bodyPr/>
+                        <a:lstStyle/>
+                        <a:p>
+                          <a:pPr/>
+                          <a14:m>
+                            <m:oMathPara xmlns:m="http://schemas.openxmlformats.org/officeDocument/2006/math">
+                              <m:oMathParaPr>
+                                <m:jc m:val="centerGroup"/>
+                              </m:oMathParaPr>
+                              <m:oMath xmlns:m="http://schemas.openxmlformats.org/officeDocument/2006/math">
+                                <m:r>
+                                  <a:rPr lang="en-US" sz="2400" b="0" i="0" smtClean="0">
+                                    <a:solidFill>
+                                      <a:schemeClr val="tx1"/>
+                                    </a:solidFill>
+                                    <a:latin typeface="Cambria Math" panose="02040503050406030204" pitchFamily="18" charset="0"/>
+                                  </a:rPr>
+                                  <m:t>(</m:t>
+                                </m:r>
+                                <m:r>
+                                  <a:rPr lang="en-US" sz="2400" b="0" i="1" smtClean="0">
+                                    <a:solidFill>
+                                      <a:schemeClr val="tx1"/>
+                                    </a:solidFill>
+                                    <a:latin typeface="Cambria Math" panose="02040503050406030204" pitchFamily="18" charset="0"/>
+                                  </a:rPr>
+                                  <m:t>𝑜𝑢</m:t>
+                                </m:r>
+                                <m:sSub>
+                                  <m:sSubPr>
+                                    <m:ctrlPr>
+                                      <a:rPr lang="en-US" sz="2400" b="0" i="1" smtClean="0">
+                                        <a:solidFill>
+                                          <a:schemeClr val="tx1"/>
+                                        </a:solidFill>
+                                        <a:latin typeface="Cambria Math" panose="02040503050406030204" pitchFamily="18" charset="0"/>
+                                      </a:rPr>
+                                    </m:ctrlPr>
+                                  </m:sSubPr>
+                                  <m:e>
+                                    <m:r>
+                                      <a:rPr lang="en-US" sz="2400" b="0" i="1" smtClean="0">
+                                        <a:solidFill>
+                                          <a:schemeClr val="tx1"/>
+                                        </a:solidFill>
+                                        <a:latin typeface="Cambria Math" panose="02040503050406030204" pitchFamily="18" charset="0"/>
+                                      </a:rPr>
+                                      <m:t>𝑡</m:t>
+                                    </m:r>
+                                  </m:e>
+                                  <m:sub>
+                                    <m:r>
+                                      <a:rPr lang="en-US" sz="2400" b="0" i="1" smtClean="0">
+                                        <a:solidFill>
+                                          <a:schemeClr val="tx1"/>
+                                        </a:solidFill>
+                                        <a:latin typeface="Cambria Math" panose="02040503050406030204" pitchFamily="18" charset="0"/>
+                                      </a:rPr>
+                                      <m:t>1</m:t>
+                                    </m:r>
+                                  </m:sub>
+                                </m:sSub>
+                                <m:r>
+                                  <a:rPr lang="en-US" sz="2400" b="0" i="1" smtClean="0">
+                                    <a:solidFill>
+                                      <a:schemeClr val="tx1"/>
+                                    </a:solidFill>
+                                    <a:latin typeface="Cambria Math" panose="02040503050406030204" pitchFamily="18" charset="0"/>
+                                  </a:rPr>
+                                  <m:t>,</m:t>
+                                </m:r>
+                                <m:r>
+                                  <a:rPr lang="en-US" sz="2400" b="0" i="1" smtClean="0">
+                                    <a:solidFill>
+                                      <a:schemeClr val="tx1"/>
+                                    </a:solidFill>
+                                    <a:latin typeface="Cambria Math" panose="02040503050406030204" pitchFamily="18" charset="0"/>
+                                  </a:rPr>
+                                  <m:t>𝑜𝑢</m:t>
+                                </m:r>
+                                <m:sSub>
+                                  <m:sSubPr>
+                                    <m:ctrlPr>
+                                      <a:rPr lang="en-US" sz="2400" b="0" i="1" smtClean="0">
+                                        <a:solidFill>
+                                          <a:schemeClr val="tx1"/>
+                                        </a:solidFill>
+                                        <a:latin typeface="Cambria Math" panose="02040503050406030204" pitchFamily="18" charset="0"/>
+                                      </a:rPr>
+                                    </m:ctrlPr>
+                                  </m:sSubPr>
+                                  <m:e>
+                                    <m:r>
+                                      <a:rPr lang="en-US" sz="2400" b="0" i="1" smtClean="0">
+                                        <a:solidFill>
+                                          <a:schemeClr val="tx1"/>
+                                        </a:solidFill>
+                                        <a:latin typeface="Cambria Math" panose="02040503050406030204" pitchFamily="18" charset="0"/>
+                                      </a:rPr>
+                                      <m:t>𝑡</m:t>
+                                    </m:r>
+                                  </m:e>
+                                  <m:sub>
+                                    <m:r>
+                                      <a:rPr lang="en-US" sz="2400" b="0" i="1" smtClean="0">
+                                        <a:solidFill>
+                                          <a:schemeClr val="tx1"/>
+                                        </a:solidFill>
+                                        <a:latin typeface="Cambria Math" panose="02040503050406030204" pitchFamily="18" charset="0"/>
+                                      </a:rPr>
+                                      <m:t>2</m:t>
+                                    </m:r>
+                                  </m:sub>
+                                </m:sSub>
+                                <m:r>
+                                  <a:rPr lang="en-US" sz="2400" b="0" i="1" smtClean="0">
+                                    <a:solidFill>
+                                      <a:schemeClr val="tx1"/>
+                                    </a:solidFill>
+                                    <a:latin typeface="Cambria Math" panose="02040503050406030204" pitchFamily="18" charset="0"/>
+                                  </a:rPr>
+                                  <m:t>)</m:t>
+                                </m:r>
+                              </m:oMath>
+                            </m:oMathPara>
+                          </a14:m>
+                          <a:endParaRPr lang="en-US" sz="2400" dirty="0">
+                            <a:solidFill>
+                              <a:schemeClr val="tx1"/>
+                            </a:solidFill>
+                          </a:endParaRPr>
+                        </a:p>
+                      </a:txBody>
+                      <a:tcPr marL="124041" marR="124041" marT="62021" marB="62021">
+                        <a:lnL w="12700" cap="flat" cmpd="sng" algn="ctr">
+                          <a:noFill/>
+                          <a:prstDash val="solid"/>
+                          <a:round/>
+                          <a:headEnd type="none" w="med" len="med"/>
+                          <a:tailEnd type="none" w="med" len="med"/>
+                        </a:lnL>
+                        <a:lnR w="12700" cap="flat" cmpd="sng" algn="ctr">
+                          <a:noFill/>
+                          <a:prstDash val="solid"/>
+                          <a:round/>
+                          <a:headEnd type="none" w="med" len="med"/>
+                          <a:tailEnd type="none" w="med" len="med"/>
+                        </a:lnR>
+                        <a:lnT w="12700" cap="flat" cmpd="sng" algn="ctr">
+                          <a:noFill/>
+                          <a:prstDash val="solid"/>
+                          <a:round/>
+                          <a:headEnd type="none" w="med" len="med"/>
+                          <a:tailEnd type="none" w="med" len="med"/>
+                        </a:lnT>
+                        <a:lnB w="12700" cap="flat" cmpd="sng" algn="ctr">
+                          <a:noFill/>
+                          <a:prstDash val="solid"/>
+                          <a:round/>
+                          <a:headEnd type="none" w="med" len="med"/>
+                          <a:tailEnd type="none" w="med" len="med"/>
+                        </a:lnB>
+                        <a:lnTlToBr w="12700" cmpd="sng">
+                          <a:noFill/>
+                          <a:prstDash val="solid"/>
+                        </a:lnTlToBr>
+                        <a:lnBlToTr w="12700" cmpd="sng">
+                          <a:noFill/>
+                          <a:prstDash val="solid"/>
+                        </a:lnBlToTr>
+                        <a:noFill/>
+                      </a:tcPr>
+                    </a:tc>
+                    <a:extLst>
+                      <a:ext uri="{0D108BD9-81ED-4DB2-BD59-A6C34878D82A}">
+                        <a16:rowId xmlns:a16="http://schemas.microsoft.com/office/drawing/2014/main" val="4135396076"/>
+                      </a:ext>
+                    </a:extLst>
+                  </a:tr>
+                  <a:tr h="503056">
+                    <a:tc>
+                      <a:txBody>
+                        <a:bodyPr/>
+                        <a:lstStyle/>
+                        <a:p>
+                          <a:pPr algn="r"/>
+                          <a:r>
+                            <a:rPr lang="en-US" sz="2400" strike="sngStrike" dirty="0">
+                              <a:solidFill>
+                                <a:schemeClr val="tx1"/>
+                              </a:solidFill>
+                            </a:rPr>
+                            <a:t>Output padding:</a:t>
+                          </a:r>
+                        </a:p>
+                      </a:txBody>
+                      <a:tcPr marL="124041" marR="124041" marT="62021" marB="62021">
+                        <a:lnL w="12700" cap="flat" cmpd="sng" algn="ctr">
+                          <a:noFill/>
+                          <a:prstDash val="solid"/>
+                          <a:round/>
+                          <a:headEnd type="none" w="med" len="med"/>
+                          <a:tailEnd type="none" w="med" len="med"/>
+                        </a:lnL>
+                        <a:lnR w="12700" cap="flat" cmpd="sng" algn="ctr">
+                          <a:noFill/>
+                          <a:prstDash val="solid"/>
+                          <a:round/>
+                          <a:headEnd type="none" w="med" len="med"/>
+                          <a:tailEnd type="none" w="med" len="med"/>
+                        </a:lnR>
+                        <a:lnT w="12700" cap="flat" cmpd="sng" algn="ctr">
+                          <a:noFill/>
+                          <a:prstDash val="solid"/>
+                          <a:round/>
+                          <a:headEnd type="none" w="med" len="med"/>
+                          <a:tailEnd type="none" w="med" len="med"/>
+                        </a:lnT>
+                        <a:lnB w="12700" cap="flat" cmpd="sng" algn="ctr">
+                          <a:noFill/>
+                          <a:prstDash val="solid"/>
+                          <a:round/>
+                          <a:headEnd type="none" w="med" len="med"/>
+                          <a:tailEnd type="none" w="med" len="med"/>
+                        </a:lnB>
+                        <a:lnTlToBr w="12700" cmpd="sng">
+                          <a:noFill/>
+                          <a:prstDash val="solid"/>
+                        </a:lnTlToBr>
+                        <a:lnBlToTr w="12700" cmpd="sng">
+                          <a:noFill/>
+                          <a:prstDash val="solid"/>
+                        </a:lnBlToTr>
+                        <a:noFill/>
+                      </a:tcPr>
+                    </a:tc>
+                    <a:tc>
+                      <a:txBody>
+                        <a:bodyPr/>
+                        <a:lstStyle/>
+                        <a:p>
+                          <a:pPr marL="0" marR="0" lvl="0" indent="0" algn="l" defTabSz="914400" rtl="0" eaLnBrk="1" fontAlgn="auto" latinLnBrk="0" hangingPunct="1">
+                            <a:lnSpc>
+                              <a:spcPct val="100000"/>
+                            </a:lnSpc>
+                            <a:spcBef>
+                              <a:spcPts val="0"/>
+                            </a:spcBef>
+                            <a:spcAft>
+                              <a:spcPts val="0"/>
+                            </a:spcAft>
+                            <a:buClrTx/>
+                            <a:buSzTx/>
+                            <a:buFontTx/>
+                            <a:buNone/>
+                            <a:tabLst/>
+                            <a:defRPr/>
+                          </a:pPr>
+                          <a14:m>
+                            <m:oMathPara xmlns:m="http://schemas.openxmlformats.org/officeDocument/2006/math">
+                              <m:oMathParaPr>
+                                <m:jc m:val="centerGroup"/>
+                              </m:oMathParaPr>
+                              <m:oMath xmlns:m="http://schemas.openxmlformats.org/officeDocument/2006/math">
+                                <m:r>
+                                  <a:rPr lang="en-US" sz="2400" b="0" i="0" strike="sngStrike" smtClean="0">
+                                    <a:solidFill>
+                                      <a:schemeClr val="tx1"/>
+                                    </a:solidFill>
+                                    <a:latin typeface="Cambria Math" panose="02040503050406030204" pitchFamily="18" charset="0"/>
+                                  </a:rPr>
+                                  <m:t>(</m:t>
+                                </m:r>
+                                <m:sSub>
+                                  <m:sSubPr>
+                                    <m:ctrlPr>
+                                      <a:rPr lang="en-US" sz="2400" b="0" i="1" strike="sngStrike" smtClean="0">
+                                        <a:solidFill>
+                                          <a:schemeClr val="tx1"/>
+                                        </a:solidFill>
+                                        <a:latin typeface="Cambria Math" panose="02040503050406030204" pitchFamily="18" charset="0"/>
+                                      </a:rPr>
+                                    </m:ctrlPr>
+                                  </m:sSubPr>
+                                  <m:e>
+                                    <m:acc>
+                                      <m:accPr>
+                                        <m:chr m:val="̃"/>
+                                        <m:ctrlPr>
+                                          <a:rPr lang="en-US" sz="2400" b="0" i="1" strike="sngStrike" smtClean="0">
+                                            <a:solidFill>
+                                              <a:schemeClr val="tx1"/>
+                                            </a:solidFill>
+                                            <a:latin typeface="Cambria Math" panose="02040503050406030204" pitchFamily="18" charset="0"/>
+                                          </a:rPr>
+                                        </m:ctrlPr>
+                                      </m:accPr>
+                                      <m:e>
+                                        <m:r>
+                                          <a:rPr lang="en-US" sz="2400" b="0" i="1" strike="sngStrike" smtClean="0">
+                                            <a:solidFill>
+                                              <a:schemeClr val="tx1"/>
+                                            </a:solidFill>
+                                            <a:latin typeface="Cambria Math" panose="02040503050406030204" pitchFamily="18" charset="0"/>
+                                          </a:rPr>
+                                          <m:t>𝑝</m:t>
+                                        </m:r>
+                                      </m:e>
+                                    </m:acc>
+                                  </m:e>
+                                  <m:sub>
+                                    <m:r>
+                                      <a:rPr lang="en-US" sz="2400" b="0" i="1" strike="sngStrike" smtClean="0">
+                                        <a:solidFill>
+                                          <a:schemeClr val="tx1"/>
+                                        </a:solidFill>
+                                        <a:latin typeface="Cambria Math" panose="02040503050406030204" pitchFamily="18" charset="0"/>
+                                      </a:rPr>
+                                      <m:t>1</m:t>
+                                    </m:r>
+                                  </m:sub>
+                                </m:sSub>
+                                <m:r>
+                                  <a:rPr lang="en-US" sz="2400" b="0" i="1" strike="sngStrike" smtClean="0">
+                                    <a:solidFill>
+                                      <a:schemeClr val="tx1"/>
+                                    </a:solidFill>
+                                    <a:latin typeface="Cambria Math" panose="02040503050406030204" pitchFamily="18" charset="0"/>
+                                  </a:rPr>
+                                  <m:t>,</m:t>
+                                </m:r>
+                                <m:sSub>
+                                  <m:sSubPr>
+                                    <m:ctrlPr>
+                                      <a:rPr lang="en-US" sz="2400" b="0" i="1" strike="sngStrike" smtClean="0">
+                                        <a:solidFill>
+                                          <a:schemeClr val="tx1"/>
+                                        </a:solidFill>
+                                        <a:latin typeface="Cambria Math" panose="02040503050406030204" pitchFamily="18" charset="0"/>
+                                      </a:rPr>
+                                    </m:ctrlPr>
+                                  </m:sSubPr>
+                                  <m:e>
+                                    <m:acc>
+                                      <m:accPr>
+                                        <m:chr m:val="̃"/>
+                                        <m:ctrlPr>
+                                          <a:rPr lang="en-US" sz="2400" b="0" i="1" strike="sngStrike" smtClean="0">
+                                            <a:solidFill>
+                                              <a:schemeClr val="tx1"/>
+                                            </a:solidFill>
+                                            <a:latin typeface="Cambria Math" panose="02040503050406030204" pitchFamily="18" charset="0"/>
+                                          </a:rPr>
+                                        </m:ctrlPr>
+                                      </m:accPr>
+                                      <m:e>
+                                        <m:r>
+                                          <a:rPr lang="en-US" sz="2400" b="0" i="1" strike="sngStrike" smtClean="0">
+                                            <a:solidFill>
+                                              <a:schemeClr val="tx1"/>
+                                            </a:solidFill>
+                                            <a:latin typeface="Cambria Math" panose="02040503050406030204" pitchFamily="18" charset="0"/>
+                                          </a:rPr>
+                                          <m:t>𝑝</m:t>
+                                        </m:r>
+                                      </m:e>
+                                    </m:acc>
+                                  </m:e>
+                                  <m:sub>
+                                    <m:r>
+                                      <a:rPr lang="en-US" sz="2400" b="0" i="1" strike="sngStrike" smtClean="0">
+                                        <a:solidFill>
+                                          <a:schemeClr val="tx1"/>
+                                        </a:solidFill>
+                                        <a:latin typeface="Cambria Math" panose="02040503050406030204" pitchFamily="18" charset="0"/>
+                                      </a:rPr>
+                                      <m:t>2</m:t>
+                                    </m:r>
+                                  </m:sub>
+                                </m:sSub>
+                                <m:r>
+                                  <a:rPr lang="en-US" sz="2400" b="0" i="1" strike="sngStrike" smtClean="0">
+                                    <a:solidFill>
+                                      <a:schemeClr val="tx1"/>
+                                    </a:solidFill>
+                                    <a:latin typeface="Cambria Math" panose="02040503050406030204" pitchFamily="18" charset="0"/>
+                                  </a:rPr>
+                                  <m:t>)</m:t>
+                                </m:r>
+                              </m:oMath>
+                            </m:oMathPara>
+                          </a14:m>
+                          <a:endParaRPr lang="en-US" sz="2400" strike="sngStrike" dirty="0">
+                            <a:solidFill>
+                              <a:schemeClr val="tx1"/>
+                            </a:solidFill>
+                          </a:endParaRPr>
+                        </a:p>
+                      </a:txBody>
+                      <a:tcPr marL="124041" marR="124041" marT="62021" marB="62021">
+                        <a:lnL w="12700" cap="flat" cmpd="sng" algn="ctr">
+                          <a:noFill/>
+                          <a:prstDash val="solid"/>
+                          <a:round/>
+                          <a:headEnd type="none" w="med" len="med"/>
+                          <a:tailEnd type="none" w="med" len="med"/>
+                        </a:lnL>
+                        <a:lnR w="12700" cap="flat" cmpd="sng" algn="ctr">
+                          <a:noFill/>
+                          <a:prstDash val="solid"/>
+                          <a:round/>
+                          <a:headEnd type="none" w="med" len="med"/>
+                          <a:tailEnd type="none" w="med" len="med"/>
+                        </a:lnR>
+                        <a:lnT w="12700" cap="flat" cmpd="sng" algn="ctr">
+                          <a:noFill/>
+                          <a:prstDash val="solid"/>
+                          <a:round/>
+                          <a:headEnd type="none" w="med" len="med"/>
+                          <a:tailEnd type="none" w="med" len="med"/>
+                        </a:lnT>
+                        <a:lnB w="12700" cap="flat" cmpd="sng" algn="ctr">
+                          <a:noFill/>
+                          <a:prstDash val="solid"/>
+                          <a:round/>
+                          <a:headEnd type="none" w="med" len="med"/>
+                          <a:tailEnd type="none" w="med" len="med"/>
+                        </a:lnB>
+                        <a:lnTlToBr w="12700" cmpd="sng">
+                          <a:noFill/>
+                          <a:prstDash val="solid"/>
+                        </a:lnTlToBr>
+                        <a:lnBlToTr w="12700" cmpd="sng">
+                          <a:noFill/>
+                          <a:prstDash val="solid"/>
+                        </a:lnBlToTr>
+                        <a:noFill/>
+                      </a:tcPr>
+                    </a:tc>
+                    <a:extLst>
+                      <a:ext uri="{0D108BD9-81ED-4DB2-BD59-A6C34878D82A}">
+                        <a16:rowId xmlns:a16="http://schemas.microsoft.com/office/drawing/2014/main" val="2106922570"/>
+                      </a:ext>
+                    </a:extLst>
+                  </a:tr>
+                </a:tbl>
+              </a:graphicData>
+            </a:graphic>
+          </p:graphicFrame>
+        </mc:Choice>
+        <mc:Fallback>
+          <p:graphicFrame>
+            <p:nvGraphicFramePr>
+              <p:cNvPr id="4" name="Table 4">
+                <a:extLst>
+                  <a:ext uri="{FF2B5EF4-FFF2-40B4-BE49-F238E27FC236}">
+                    <a16:creationId xmlns:a16="http://schemas.microsoft.com/office/drawing/2014/main" id="{D1FCFCAB-B3D0-9841-4EDB-7C439FFFCDD6}"/>
+                  </a:ext>
+                </a:extLst>
+              </p:cNvPr>
+              <p:cNvGraphicFramePr>
+                <a:graphicFrameLocks noGrp="1"/>
+              </p:cNvGraphicFramePr>
+              <p:nvPr>
+                <p:extLst>
+                  <p:ext uri="{D42A27DB-BD31-4B8C-83A1-F6EECF244321}">
+                    <p14:modId xmlns:p14="http://schemas.microsoft.com/office/powerpoint/2010/main" val="941068782"/>
+                  </p:ext>
+                </p:extLst>
+              </p:nvPr>
+            </p:nvGraphicFramePr>
+            <p:xfrm>
+              <a:off x="3521423" y="1690688"/>
+              <a:ext cx="5149154" cy="3521392"/>
+            </p:xfrm>
+            <a:graphic>
+              <a:graphicData uri="http://schemas.openxmlformats.org/drawingml/2006/table">
+                <a:tbl>
+                  <a:tblPr firstRow="1" bandRow="1">
+                    <a:tableStyleId>{5C22544A-7EE6-4342-B048-85BDC9FD1C3A}</a:tableStyleId>
+                  </a:tblPr>
+                  <a:tblGrid>
+                    <a:gridCol w="2574577">
+                      <a:extLst>
+                        <a:ext uri="{9D8B030D-6E8A-4147-A177-3AD203B41FA5}">
+                          <a16:colId xmlns:a16="http://schemas.microsoft.com/office/drawing/2014/main" val="1867715976"/>
+                        </a:ext>
+                      </a:extLst>
+                    </a:gridCol>
+                    <a:gridCol w="2574577">
+                      <a:extLst>
+                        <a:ext uri="{9D8B030D-6E8A-4147-A177-3AD203B41FA5}">
+                          <a16:colId xmlns:a16="http://schemas.microsoft.com/office/drawing/2014/main" val="2067955847"/>
+                        </a:ext>
+                      </a:extLst>
+                    </a:gridCol>
+                  </a:tblGrid>
+                  <a:tr h="503056">
+                    <a:tc>
+                      <a:txBody>
+                        <a:bodyPr/>
+                        <a:lstStyle/>
+                        <a:p>
+                          <a:pPr marL="0" indent="0" algn="r">
+                            <a:buNone/>
+                          </a:pPr>
+                          <a:r>
+                            <a:rPr lang="en-US" sz="2400" b="0" dirty="0">
+                              <a:solidFill>
+                                <a:schemeClr val="tx1"/>
+                              </a:solidFill>
+                            </a:rPr>
+                            <a:t>Kernel:</a:t>
+                          </a:r>
+                        </a:p>
+                      </a:txBody>
+                      <a:tcPr marL="124041" marR="124041" marT="62021" marB="62021">
+                        <a:lnL w="12700" cap="flat" cmpd="sng" algn="ctr">
+                          <a:noFill/>
+                          <a:prstDash val="solid"/>
+                          <a:round/>
+                          <a:headEnd type="none" w="med" len="med"/>
+                          <a:tailEnd type="none" w="med" len="med"/>
+                        </a:lnL>
+                        <a:lnR w="12700" cap="flat" cmpd="sng" algn="ctr">
+                          <a:noFill/>
+                          <a:prstDash val="solid"/>
+                          <a:round/>
+                          <a:headEnd type="none" w="med" len="med"/>
+                          <a:tailEnd type="none" w="med" len="med"/>
+                        </a:lnR>
+                        <a:lnT w="12700" cap="flat" cmpd="sng" algn="ctr">
+                          <a:noFill/>
+                          <a:prstDash val="solid"/>
+                          <a:round/>
+                          <a:headEnd type="none" w="med" len="med"/>
+                          <a:tailEnd type="none" w="med" len="med"/>
+                        </a:lnT>
+                        <a:lnB w="12700" cap="flat" cmpd="sng" algn="ctr">
+                          <a:noFill/>
+                          <a:prstDash val="solid"/>
+                          <a:round/>
+                          <a:headEnd type="none" w="med" len="med"/>
+                          <a:tailEnd type="none" w="med" len="med"/>
+                        </a:lnB>
+                        <a:lnTlToBr w="12700" cmpd="sng">
+                          <a:noFill/>
+                          <a:prstDash val="solid"/>
+                        </a:lnTlToBr>
+                        <a:lnBlToTr w="12700" cmpd="sng">
+                          <a:noFill/>
+                          <a:prstDash val="solid"/>
+                        </a:lnBlToTr>
+                        <a:noFill/>
+                      </a:tcPr>
+                    </a:tc>
+                    <a:tc>
+                      <a:txBody>
+                        <a:bodyPr/>
+                        <a:lstStyle/>
+                        <a:p>
+                          <a:endParaRPr lang="en-US"/>
+                        </a:p>
+                      </a:txBody>
+                      <a:tcPr marL="124041" marR="124041" marT="62021" marB="62021">
+                        <a:lnL w="12700" cap="flat" cmpd="sng" algn="ctr">
+                          <a:noFill/>
+                          <a:prstDash val="solid"/>
+                          <a:round/>
+                          <a:headEnd type="none" w="med" len="med"/>
+                          <a:tailEnd type="none" w="med" len="med"/>
+                        </a:lnL>
+                        <a:lnR w="12700" cap="flat" cmpd="sng" algn="ctr">
+                          <a:noFill/>
+                          <a:prstDash val="solid"/>
+                          <a:round/>
+                          <a:headEnd type="none" w="med" len="med"/>
+                          <a:tailEnd type="none" w="med" len="med"/>
+                        </a:lnR>
+                        <a:lnT w="12700" cap="flat" cmpd="sng" algn="ctr">
+                          <a:noFill/>
+                          <a:prstDash val="solid"/>
+                          <a:round/>
+                          <a:headEnd type="none" w="med" len="med"/>
+                          <a:tailEnd type="none" w="med" len="med"/>
+                        </a:lnT>
+                        <a:lnB w="12700" cap="flat" cmpd="sng" algn="ctr">
+                          <a:noFill/>
+                          <a:prstDash val="solid"/>
+                          <a:round/>
+                          <a:headEnd type="none" w="med" len="med"/>
+                          <a:tailEnd type="none" w="med" len="med"/>
+                        </a:lnB>
+                        <a:lnTlToBr w="12700" cmpd="sng">
+                          <a:noFill/>
+                          <a:prstDash val="solid"/>
+                        </a:lnTlToBr>
+                        <a:lnBlToTr w="12700" cmpd="sng">
+                          <a:noFill/>
+                          <a:prstDash val="solid"/>
+                        </a:lnBlToTr>
+                        <a:blipFill>
+                          <a:blip r:embed="rId4"/>
+                          <a:stretch>
+                            <a:fillRect l="-100000" t="-6024" b="-618072"/>
+                          </a:stretch>
+                        </a:blipFill>
+                      </a:tcPr>
+                    </a:tc>
+                    <a:extLst>
+                      <a:ext uri="{0D108BD9-81ED-4DB2-BD59-A6C34878D82A}">
+                        <a16:rowId xmlns:a16="http://schemas.microsoft.com/office/drawing/2014/main" val="447519452"/>
+                      </a:ext>
+                    </a:extLst>
+                  </a:tr>
+                  <a:tr h="503056">
+                    <a:tc>
+                      <a:txBody>
+                        <a:bodyPr/>
+                        <a:lstStyle/>
+                        <a:p>
+                          <a:pPr algn="r"/>
+                          <a:r>
+                            <a:rPr lang="en-US" sz="2400" dirty="0">
+                              <a:solidFill>
+                                <a:schemeClr val="tx1"/>
+                              </a:solidFill>
+                            </a:rPr>
+                            <a:t>Input image: </a:t>
+                          </a:r>
+                        </a:p>
+                      </a:txBody>
+                      <a:tcPr marL="124041" marR="124041" marT="62021" marB="62021">
+                        <a:lnL w="12700" cap="flat" cmpd="sng" algn="ctr">
+                          <a:noFill/>
+                          <a:prstDash val="solid"/>
+                          <a:round/>
+                          <a:headEnd type="none" w="med" len="med"/>
+                          <a:tailEnd type="none" w="med" len="med"/>
+                        </a:lnL>
+                        <a:lnR w="12700" cap="flat" cmpd="sng" algn="ctr">
+                          <a:noFill/>
+                          <a:prstDash val="solid"/>
+                          <a:round/>
+                          <a:headEnd type="none" w="med" len="med"/>
+                          <a:tailEnd type="none" w="med" len="med"/>
+                        </a:lnR>
+                        <a:lnT w="12700" cap="flat" cmpd="sng" algn="ctr">
+                          <a:noFill/>
+                          <a:prstDash val="solid"/>
+                          <a:round/>
+                          <a:headEnd type="none" w="med" len="med"/>
+                          <a:tailEnd type="none" w="med" len="med"/>
+                        </a:lnT>
+                        <a:lnB w="12700" cap="flat" cmpd="sng" algn="ctr">
+                          <a:noFill/>
+                          <a:prstDash val="solid"/>
+                          <a:round/>
+                          <a:headEnd type="none" w="med" len="med"/>
+                          <a:tailEnd type="none" w="med" len="med"/>
+                        </a:lnB>
+                        <a:lnTlToBr w="12700" cmpd="sng">
+                          <a:noFill/>
+                          <a:prstDash val="solid"/>
+                        </a:lnTlToBr>
+                        <a:lnBlToTr w="12700" cmpd="sng">
+                          <a:noFill/>
+                          <a:prstDash val="solid"/>
+                        </a:lnBlToTr>
+                        <a:noFill/>
+                      </a:tcPr>
+                    </a:tc>
+                    <a:tc>
+                      <a:txBody>
+                        <a:bodyPr/>
+                        <a:lstStyle/>
+                        <a:p>
+                          <a:endParaRPr lang="en-US"/>
+                        </a:p>
+                      </a:txBody>
+                      <a:tcPr marL="124041" marR="124041" marT="62021" marB="62021">
+                        <a:lnL w="12700" cap="flat" cmpd="sng" algn="ctr">
+                          <a:noFill/>
+                          <a:prstDash val="solid"/>
+                          <a:round/>
+                          <a:headEnd type="none" w="med" len="med"/>
+                          <a:tailEnd type="none" w="med" len="med"/>
+                        </a:lnL>
+                        <a:lnR w="12700" cap="flat" cmpd="sng" algn="ctr">
+                          <a:noFill/>
+                          <a:prstDash val="solid"/>
+                          <a:round/>
+                          <a:headEnd type="none" w="med" len="med"/>
+                          <a:tailEnd type="none" w="med" len="med"/>
+                        </a:lnR>
+                        <a:lnT w="12700" cap="flat" cmpd="sng" algn="ctr">
+                          <a:noFill/>
+                          <a:prstDash val="solid"/>
+                          <a:round/>
+                          <a:headEnd type="none" w="med" len="med"/>
+                          <a:tailEnd type="none" w="med" len="med"/>
+                        </a:lnT>
+                        <a:lnB w="12700" cap="flat" cmpd="sng" algn="ctr">
+                          <a:noFill/>
+                          <a:prstDash val="solid"/>
+                          <a:round/>
+                          <a:headEnd type="none" w="med" len="med"/>
+                          <a:tailEnd type="none" w="med" len="med"/>
+                        </a:lnB>
+                        <a:lnTlToBr w="12700" cmpd="sng">
+                          <a:noFill/>
+                          <a:prstDash val="solid"/>
+                        </a:lnTlToBr>
+                        <a:lnBlToTr w="12700" cmpd="sng">
+                          <a:noFill/>
+                          <a:prstDash val="solid"/>
+                        </a:lnBlToTr>
+                        <a:blipFill>
+                          <a:blip r:embed="rId4"/>
+                          <a:stretch>
+                            <a:fillRect l="-100000" t="-107317" b="-525610"/>
+                          </a:stretch>
+                        </a:blipFill>
+                      </a:tcPr>
+                    </a:tc>
+                    <a:extLst>
+                      <a:ext uri="{0D108BD9-81ED-4DB2-BD59-A6C34878D82A}">
+                        <a16:rowId xmlns:a16="http://schemas.microsoft.com/office/drawing/2014/main" val="1623022831"/>
+                      </a:ext>
+                    </a:extLst>
+                  </a:tr>
+                  <a:tr h="503056">
+                    <a:tc>
+                      <a:txBody>
+                        <a:bodyPr/>
+                        <a:lstStyle/>
+                        <a:p>
+                          <a:pPr algn="r"/>
+                          <a:r>
+                            <a:rPr lang="en-US" sz="2400" dirty="0">
+                              <a:solidFill>
+                                <a:schemeClr val="tx1"/>
+                              </a:solidFill>
+                            </a:rPr>
+                            <a:t>Padding:</a:t>
+                          </a:r>
+                        </a:p>
+                      </a:txBody>
+                      <a:tcPr marL="124041" marR="124041" marT="62021" marB="62021">
+                        <a:lnL w="12700" cap="flat" cmpd="sng" algn="ctr">
+                          <a:noFill/>
+                          <a:prstDash val="solid"/>
+                          <a:round/>
+                          <a:headEnd type="none" w="med" len="med"/>
+                          <a:tailEnd type="none" w="med" len="med"/>
+                        </a:lnL>
+                        <a:lnR w="12700" cap="flat" cmpd="sng" algn="ctr">
+                          <a:noFill/>
+                          <a:prstDash val="solid"/>
+                          <a:round/>
+                          <a:headEnd type="none" w="med" len="med"/>
+                          <a:tailEnd type="none" w="med" len="med"/>
+                        </a:lnR>
+                        <a:lnT w="12700" cap="flat" cmpd="sng" algn="ctr">
+                          <a:noFill/>
+                          <a:prstDash val="solid"/>
+                          <a:round/>
+                          <a:headEnd type="none" w="med" len="med"/>
+                          <a:tailEnd type="none" w="med" len="med"/>
+                        </a:lnT>
+                        <a:lnB w="12700" cap="flat" cmpd="sng" algn="ctr">
+                          <a:noFill/>
+                          <a:prstDash val="solid"/>
+                          <a:round/>
+                          <a:headEnd type="none" w="med" len="med"/>
+                          <a:tailEnd type="none" w="med" len="med"/>
+                        </a:lnB>
+                        <a:lnTlToBr w="12700" cmpd="sng">
+                          <a:noFill/>
+                          <a:prstDash val="solid"/>
+                        </a:lnTlToBr>
+                        <a:lnBlToTr w="12700" cmpd="sng">
+                          <a:noFill/>
+                          <a:prstDash val="solid"/>
+                        </a:lnBlToTr>
+                        <a:noFill/>
+                      </a:tcPr>
+                    </a:tc>
+                    <a:tc>
+                      <a:txBody>
+                        <a:bodyPr/>
+                        <a:lstStyle/>
+                        <a:p>
+                          <a:endParaRPr lang="en-US"/>
+                        </a:p>
+                      </a:txBody>
+                      <a:tcPr marL="124041" marR="124041" marT="62021" marB="62021">
+                        <a:lnL w="12700" cap="flat" cmpd="sng" algn="ctr">
+                          <a:noFill/>
+                          <a:prstDash val="solid"/>
+                          <a:round/>
+                          <a:headEnd type="none" w="med" len="med"/>
+                          <a:tailEnd type="none" w="med" len="med"/>
+                        </a:lnL>
+                        <a:lnR w="12700" cap="flat" cmpd="sng" algn="ctr">
+                          <a:noFill/>
+                          <a:prstDash val="solid"/>
+                          <a:round/>
+                          <a:headEnd type="none" w="med" len="med"/>
+                          <a:tailEnd type="none" w="med" len="med"/>
+                        </a:lnR>
+                        <a:lnT w="12700" cap="flat" cmpd="sng" algn="ctr">
+                          <a:noFill/>
+                          <a:prstDash val="solid"/>
+                          <a:round/>
+                          <a:headEnd type="none" w="med" len="med"/>
+                          <a:tailEnd type="none" w="med" len="med"/>
+                        </a:lnT>
+                        <a:lnB w="12700" cap="flat" cmpd="sng" algn="ctr">
+                          <a:noFill/>
+                          <a:prstDash val="solid"/>
+                          <a:round/>
+                          <a:headEnd type="none" w="med" len="med"/>
+                          <a:tailEnd type="none" w="med" len="med"/>
+                        </a:lnB>
+                        <a:lnTlToBr w="12700" cmpd="sng">
+                          <a:noFill/>
+                          <a:prstDash val="solid"/>
+                        </a:lnTlToBr>
+                        <a:lnBlToTr w="12700" cmpd="sng">
+                          <a:noFill/>
+                          <a:prstDash val="solid"/>
+                        </a:lnBlToTr>
+                        <a:blipFill>
+                          <a:blip r:embed="rId4"/>
+                          <a:stretch>
+                            <a:fillRect l="-100000" t="-204819" b="-419277"/>
+                          </a:stretch>
+                        </a:blipFill>
+                      </a:tcPr>
+                    </a:tc>
+                    <a:extLst>
+                      <a:ext uri="{0D108BD9-81ED-4DB2-BD59-A6C34878D82A}">
+                        <a16:rowId xmlns:a16="http://schemas.microsoft.com/office/drawing/2014/main" val="4005437046"/>
+                      </a:ext>
+                    </a:extLst>
+                  </a:tr>
+                  <a:tr h="503056">
+                    <a:tc>
+                      <a:txBody>
+                        <a:bodyPr/>
+                        <a:lstStyle/>
+                        <a:p>
+                          <a:pPr algn="r"/>
+                          <a:r>
+                            <a:rPr lang="en-US" sz="2400" dirty="0">
+                              <a:solidFill>
+                                <a:schemeClr val="tx1"/>
+                              </a:solidFill>
+                            </a:rPr>
+                            <a:t>Striding:</a:t>
+                          </a:r>
+                        </a:p>
+                      </a:txBody>
+                      <a:tcPr marL="124041" marR="124041" marT="62021" marB="62021">
+                        <a:lnL w="12700" cap="flat" cmpd="sng" algn="ctr">
+                          <a:noFill/>
+                          <a:prstDash val="solid"/>
+                          <a:round/>
+                          <a:headEnd type="none" w="med" len="med"/>
+                          <a:tailEnd type="none" w="med" len="med"/>
+                        </a:lnL>
+                        <a:lnR w="12700" cap="flat" cmpd="sng" algn="ctr">
+                          <a:noFill/>
+                          <a:prstDash val="solid"/>
+                          <a:round/>
+                          <a:headEnd type="none" w="med" len="med"/>
+                          <a:tailEnd type="none" w="med" len="med"/>
+                        </a:lnR>
+                        <a:lnT w="12700" cap="flat" cmpd="sng" algn="ctr">
+                          <a:noFill/>
+                          <a:prstDash val="solid"/>
+                          <a:round/>
+                          <a:headEnd type="none" w="med" len="med"/>
+                          <a:tailEnd type="none" w="med" len="med"/>
+                        </a:lnT>
+                        <a:lnB w="12700" cap="flat" cmpd="sng" algn="ctr">
+                          <a:noFill/>
+                          <a:prstDash val="solid"/>
+                          <a:round/>
+                          <a:headEnd type="none" w="med" len="med"/>
+                          <a:tailEnd type="none" w="med" len="med"/>
+                        </a:lnB>
+                        <a:lnTlToBr w="12700" cmpd="sng">
+                          <a:noFill/>
+                          <a:prstDash val="solid"/>
+                        </a:lnTlToBr>
+                        <a:lnBlToTr w="12700" cmpd="sng">
+                          <a:noFill/>
+                          <a:prstDash val="solid"/>
+                        </a:lnBlToTr>
+                        <a:noFill/>
+                      </a:tcPr>
+                    </a:tc>
+                    <a:tc>
+                      <a:txBody>
+                        <a:bodyPr/>
+                        <a:lstStyle/>
+                        <a:p>
+                          <a:endParaRPr lang="en-US"/>
+                        </a:p>
+                      </a:txBody>
+                      <a:tcPr marL="124041" marR="124041" marT="62021" marB="62021">
+                        <a:lnL w="12700" cap="flat" cmpd="sng" algn="ctr">
+                          <a:noFill/>
+                          <a:prstDash val="solid"/>
+                          <a:round/>
+                          <a:headEnd type="none" w="med" len="med"/>
+                          <a:tailEnd type="none" w="med" len="med"/>
+                        </a:lnL>
+                        <a:lnR w="12700" cap="flat" cmpd="sng" algn="ctr">
+                          <a:noFill/>
+                          <a:prstDash val="solid"/>
+                          <a:round/>
+                          <a:headEnd type="none" w="med" len="med"/>
+                          <a:tailEnd type="none" w="med" len="med"/>
+                        </a:lnR>
+                        <a:lnT w="12700" cap="flat" cmpd="sng" algn="ctr">
+                          <a:noFill/>
+                          <a:prstDash val="solid"/>
+                          <a:round/>
+                          <a:headEnd type="none" w="med" len="med"/>
+                          <a:tailEnd type="none" w="med" len="med"/>
+                        </a:lnT>
+                        <a:lnB w="12700" cap="flat" cmpd="sng" algn="ctr">
+                          <a:noFill/>
+                          <a:prstDash val="solid"/>
+                          <a:round/>
+                          <a:headEnd type="none" w="med" len="med"/>
+                          <a:tailEnd type="none" w="med" len="med"/>
+                        </a:lnB>
+                        <a:lnTlToBr w="12700" cmpd="sng">
+                          <a:noFill/>
+                          <a:prstDash val="solid"/>
+                        </a:lnTlToBr>
+                        <a:lnBlToTr w="12700" cmpd="sng">
+                          <a:noFill/>
+                          <a:prstDash val="solid"/>
+                        </a:lnBlToTr>
+                        <a:blipFill>
+                          <a:blip r:embed="rId4"/>
+                          <a:stretch>
+                            <a:fillRect l="-100000" t="-308537" b="-324390"/>
+                          </a:stretch>
+                        </a:blipFill>
+                      </a:tcPr>
+                    </a:tc>
+                    <a:extLst>
+                      <a:ext uri="{0D108BD9-81ED-4DB2-BD59-A6C34878D82A}">
+                        <a16:rowId xmlns:a16="http://schemas.microsoft.com/office/drawing/2014/main" val="898271232"/>
+                      </a:ext>
+                    </a:extLst>
+                  </a:tr>
+                  <a:tr h="503056">
+                    <a:tc>
+                      <a:txBody>
+                        <a:bodyPr/>
+                        <a:lstStyle/>
+                        <a:p>
+                          <a:pPr algn="r"/>
+                          <a:r>
+                            <a:rPr lang="en-US" sz="2400" strike="sngStrike" dirty="0">
+                              <a:solidFill>
+                                <a:schemeClr val="tx1"/>
+                              </a:solidFill>
+                            </a:rPr>
+                            <a:t>Dilation:</a:t>
+                          </a:r>
+                        </a:p>
+                      </a:txBody>
+                      <a:tcPr marL="124041" marR="124041" marT="62021" marB="62021">
+                        <a:lnL w="12700" cap="flat" cmpd="sng" algn="ctr">
+                          <a:noFill/>
+                          <a:prstDash val="solid"/>
+                          <a:round/>
+                          <a:headEnd type="none" w="med" len="med"/>
+                          <a:tailEnd type="none" w="med" len="med"/>
+                        </a:lnL>
+                        <a:lnR w="12700" cap="flat" cmpd="sng" algn="ctr">
+                          <a:noFill/>
+                          <a:prstDash val="solid"/>
+                          <a:round/>
+                          <a:headEnd type="none" w="med" len="med"/>
+                          <a:tailEnd type="none" w="med" len="med"/>
+                        </a:lnR>
+                        <a:lnT w="12700" cap="flat" cmpd="sng" algn="ctr">
+                          <a:noFill/>
+                          <a:prstDash val="solid"/>
+                          <a:round/>
+                          <a:headEnd type="none" w="med" len="med"/>
+                          <a:tailEnd type="none" w="med" len="med"/>
+                        </a:lnT>
+                        <a:lnB w="12700" cap="flat" cmpd="sng" algn="ctr">
+                          <a:noFill/>
+                          <a:prstDash val="solid"/>
+                          <a:round/>
+                          <a:headEnd type="none" w="med" len="med"/>
+                          <a:tailEnd type="none" w="med" len="med"/>
+                        </a:lnB>
+                        <a:lnTlToBr w="12700" cmpd="sng">
+                          <a:noFill/>
+                          <a:prstDash val="solid"/>
+                        </a:lnTlToBr>
+                        <a:lnBlToTr w="12700" cmpd="sng">
+                          <a:noFill/>
+                          <a:prstDash val="solid"/>
+                        </a:lnBlToTr>
+                        <a:noFill/>
+                      </a:tcPr>
+                    </a:tc>
+                    <a:tc>
+                      <a:txBody>
+                        <a:bodyPr/>
+                        <a:lstStyle/>
+                        <a:p>
+                          <a:endParaRPr lang="en-US"/>
+                        </a:p>
+                      </a:txBody>
+                      <a:tcPr marL="124041" marR="124041" marT="62021" marB="62021">
+                        <a:lnL w="12700" cap="flat" cmpd="sng" algn="ctr">
+                          <a:noFill/>
+                          <a:prstDash val="solid"/>
+                          <a:round/>
+                          <a:headEnd type="none" w="med" len="med"/>
+                          <a:tailEnd type="none" w="med" len="med"/>
+                        </a:lnL>
+                        <a:lnR w="12700" cap="flat" cmpd="sng" algn="ctr">
+                          <a:noFill/>
+                          <a:prstDash val="solid"/>
+                          <a:round/>
+                          <a:headEnd type="none" w="med" len="med"/>
+                          <a:tailEnd type="none" w="med" len="med"/>
+                        </a:lnR>
+                        <a:lnT w="12700" cap="flat" cmpd="sng" algn="ctr">
+                          <a:noFill/>
+                          <a:prstDash val="solid"/>
+                          <a:round/>
+                          <a:headEnd type="none" w="med" len="med"/>
+                          <a:tailEnd type="none" w="med" len="med"/>
+                        </a:lnT>
+                        <a:lnB w="12700" cap="flat" cmpd="sng" algn="ctr">
+                          <a:noFill/>
+                          <a:prstDash val="solid"/>
+                          <a:round/>
+                          <a:headEnd type="none" w="med" len="med"/>
+                          <a:tailEnd type="none" w="med" len="med"/>
+                        </a:lnB>
+                        <a:lnTlToBr w="12700" cmpd="sng">
+                          <a:noFill/>
+                          <a:prstDash val="solid"/>
+                        </a:lnTlToBr>
+                        <a:lnBlToTr w="12700" cmpd="sng">
+                          <a:noFill/>
+                          <a:prstDash val="solid"/>
+                        </a:lnBlToTr>
+                        <a:blipFill>
+                          <a:blip r:embed="rId4"/>
+                          <a:stretch>
+                            <a:fillRect l="-100000" t="-403614" b="-220482"/>
+                          </a:stretch>
+                        </a:blipFill>
+                      </a:tcPr>
+                    </a:tc>
+                    <a:extLst>
+                      <a:ext uri="{0D108BD9-81ED-4DB2-BD59-A6C34878D82A}">
+                        <a16:rowId xmlns:a16="http://schemas.microsoft.com/office/drawing/2014/main" val="221637713"/>
+                      </a:ext>
+                    </a:extLst>
+                  </a:tr>
+                  <a:tr h="503056">
+                    <a:tc>
+                      <a:txBody>
+                        <a:bodyPr/>
+                        <a:lstStyle/>
+                        <a:p>
+                          <a:pPr algn="r"/>
+                          <a:r>
+                            <a:rPr lang="en-US" sz="2400" dirty="0">
+                              <a:solidFill>
+                                <a:schemeClr val="tx1"/>
+                              </a:solidFill>
+                            </a:rPr>
+                            <a:t>Output image:</a:t>
+                          </a:r>
+                        </a:p>
+                      </a:txBody>
+                      <a:tcPr marL="124041" marR="124041" marT="62021" marB="62021">
+                        <a:lnL w="12700" cap="flat" cmpd="sng" algn="ctr">
+                          <a:noFill/>
+                          <a:prstDash val="solid"/>
+                          <a:round/>
+                          <a:headEnd type="none" w="med" len="med"/>
+                          <a:tailEnd type="none" w="med" len="med"/>
+                        </a:lnL>
+                        <a:lnR w="12700" cap="flat" cmpd="sng" algn="ctr">
+                          <a:noFill/>
+                          <a:prstDash val="solid"/>
+                          <a:round/>
+                          <a:headEnd type="none" w="med" len="med"/>
+                          <a:tailEnd type="none" w="med" len="med"/>
+                        </a:lnR>
+                        <a:lnT w="12700" cap="flat" cmpd="sng" algn="ctr">
+                          <a:noFill/>
+                          <a:prstDash val="solid"/>
+                          <a:round/>
+                          <a:headEnd type="none" w="med" len="med"/>
+                          <a:tailEnd type="none" w="med" len="med"/>
+                        </a:lnT>
+                        <a:lnB w="12700" cap="flat" cmpd="sng" algn="ctr">
+                          <a:noFill/>
+                          <a:prstDash val="solid"/>
+                          <a:round/>
+                          <a:headEnd type="none" w="med" len="med"/>
+                          <a:tailEnd type="none" w="med" len="med"/>
+                        </a:lnB>
+                        <a:lnTlToBr w="12700" cmpd="sng">
+                          <a:noFill/>
+                          <a:prstDash val="solid"/>
+                        </a:lnTlToBr>
+                        <a:lnBlToTr w="12700" cmpd="sng">
+                          <a:noFill/>
+                          <a:prstDash val="solid"/>
+                        </a:lnBlToTr>
+                        <a:noFill/>
+                      </a:tcPr>
+                    </a:tc>
+                    <a:tc>
+                      <a:txBody>
+                        <a:bodyPr/>
+                        <a:lstStyle/>
+                        <a:p>
+                          <a:endParaRPr lang="en-US"/>
+                        </a:p>
+                      </a:txBody>
+                      <a:tcPr marL="124041" marR="124041" marT="62021" marB="62021">
+                        <a:lnL w="12700" cap="flat" cmpd="sng" algn="ctr">
+                          <a:noFill/>
+                          <a:prstDash val="solid"/>
+                          <a:round/>
+                          <a:headEnd type="none" w="med" len="med"/>
+                          <a:tailEnd type="none" w="med" len="med"/>
+                        </a:lnL>
+                        <a:lnR w="12700" cap="flat" cmpd="sng" algn="ctr">
+                          <a:noFill/>
+                          <a:prstDash val="solid"/>
+                          <a:round/>
+                          <a:headEnd type="none" w="med" len="med"/>
+                          <a:tailEnd type="none" w="med" len="med"/>
+                        </a:lnR>
+                        <a:lnT w="12700" cap="flat" cmpd="sng" algn="ctr">
+                          <a:noFill/>
+                          <a:prstDash val="solid"/>
+                          <a:round/>
+                          <a:headEnd type="none" w="med" len="med"/>
+                          <a:tailEnd type="none" w="med" len="med"/>
+                        </a:lnT>
+                        <a:lnB w="12700" cap="flat" cmpd="sng" algn="ctr">
+                          <a:noFill/>
+                          <a:prstDash val="solid"/>
+                          <a:round/>
+                          <a:headEnd type="none" w="med" len="med"/>
+                          <a:tailEnd type="none" w="med" len="med"/>
+                        </a:lnB>
+                        <a:lnTlToBr w="12700" cmpd="sng">
+                          <a:noFill/>
+                          <a:prstDash val="solid"/>
+                        </a:lnTlToBr>
+                        <a:lnBlToTr w="12700" cmpd="sng">
+                          <a:noFill/>
+                          <a:prstDash val="solid"/>
+                        </a:lnBlToTr>
+                        <a:blipFill>
+                          <a:blip r:embed="rId4"/>
+                          <a:stretch>
+                            <a:fillRect l="-100000" t="-509756" b="-123171"/>
+                          </a:stretch>
+                        </a:blipFill>
+                      </a:tcPr>
+                    </a:tc>
+                    <a:extLst>
+                      <a:ext uri="{0D108BD9-81ED-4DB2-BD59-A6C34878D82A}">
+                        <a16:rowId xmlns:a16="http://schemas.microsoft.com/office/drawing/2014/main" val="4135396076"/>
+                      </a:ext>
+                    </a:extLst>
+                  </a:tr>
+                  <a:tr h="503056">
+                    <a:tc>
+                      <a:txBody>
+                        <a:bodyPr/>
+                        <a:lstStyle/>
+                        <a:p>
+                          <a:pPr algn="r"/>
+                          <a:r>
+                            <a:rPr lang="en-US" sz="2400" strike="sngStrike" dirty="0">
+                              <a:solidFill>
+                                <a:schemeClr val="tx1"/>
+                              </a:solidFill>
+                            </a:rPr>
+                            <a:t>Output padding:</a:t>
+                          </a:r>
+                        </a:p>
+                      </a:txBody>
+                      <a:tcPr marL="124041" marR="124041" marT="62021" marB="62021">
+                        <a:lnL w="12700" cap="flat" cmpd="sng" algn="ctr">
+                          <a:noFill/>
+                          <a:prstDash val="solid"/>
+                          <a:round/>
+                          <a:headEnd type="none" w="med" len="med"/>
+                          <a:tailEnd type="none" w="med" len="med"/>
+                        </a:lnL>
+                        <a:lnR w="12700" cap="flat" cmpd="sng" algn="ctr">
+                          <a:noFill/>
+                          <a:prstDash val="solid"/>
+                          <a:round/>
+                          <a:headEnd type="none" w="med" len="med"/>
+                          <a:tailEnd type="none" w="med" len="med"/>
+                        </a:lnR>
+                        <a:lnT w="12700" cap="flat" cmpd="sng" algn="ctr">
+                          <a:noFill/>
+                          <a:prstDash val="solid"/>
+                          <a:round/>
+                          <a:headEnd type="none" w="med" len="med"/>
+                          <a:tailEnd type="none" w="med" len="med"/>
+                        </a:lnT>
+                        <a:lnB w="12700" cap="flat" cmpd="sng" algn="ctr">
+                          <a:noFill/>
+                          <a:prstDash val="solid"/>
+                          <a:round/>
+                          <a:headEnd type="none" w="med" len="med"/>
+                          <a:tailEnd type="none" w="med" len="med"/>
+                        </a:lnB>
+                        <a:lnTlToBr w="12700" cmpd="sng">
+                          <a:noFill/>
+                          <a:prstDash val="solid"/>
+                        </a:lnTlToBr>
+                        <a:lnBlToTr w="12700" cmpd="sng">
+                          <a:noFill/>
+                          <a:prstDash val="solid"/>
+                        </a:lnBlToTr>
+                        <a:noFill/>
+                      </a:tcPr>
+                    </a:tc>
+                    <a:tc>
+                      <a:txBody>
+                        <a:bodyPr/>
+                        <a:lstStyle/>
+                        <a:p>
+                          <a:endParaRPr lang="en-US"/>
+                        </a:p>
+                      </a:txBody>
+                      <a:tcPr marL="124041" marR="124041" marT="62021" marB="62021">
+                        <a:lnL w="12700" cap="flat" cmpd="sng" algn="ctr">
+                          <a:noFill/>
+                          <a:prstDash val="solid"/>
+                          <a:round/>
+                          <a:headEnd type="none" w="med" len="med"/>
+                          <a:tailEnd type="none" w="med" len="med"/>
+                        </a:lnL>
+                        <a:lnR w="12700" cap="flat" cmpd="sng" algn="ctr">
+                          <a:noFill/>
+                          <a:prstDash val="solid"/>
+                          <a:round/>
+                          <a:headEnd type="none" w="med" len="med"/>
+                          <a:tailEnd type="none" w="med" len="med"/>
+                        </a:lnR>
+                        <a:lnT w="12700" cap="flat" cmpd="sng" algn="ctr">
+                          <a:noFill/>
+                          <a:prstDash val="solid"/>
+                          <a:round/>
+                          <a:headEnd type="none" w="med" len="med"/>
+                          <a:tailEnd type="none" w="med" len="med"/>
+                        </a:lnT>
+                        <a:lnB w="12700" cap="flat" cmpd="sng" algn="ctr">
+                          <a:noFill/>
+                          <a:prstDash val="solid"/>
+                          <a:round/>
+                          <a:headEnd type="none" w="med" len="med"/>
+                          <a:tailEnd type="none" w="med" len="med"/>
+                        </a:lnB>
+                        <a:lnTlToBr w="12700" cmpd="sng">
+                          <a:noFill/>
+                          <a:prstDash val="solid"/>
+                        </a:lnTlToBr>
+                        <a:lnBlToTr w="12700" cmpd="sng">
+                          <a:noFill/>
+                          <a:prstDash val="solid"/>
+                        </a:lnBlToTr>
+                        <a:blipFill>
+                          <a:blip r:embed="rId4"/>
+                          <a:stretch>
+                            <a:fillRect l="-100000" t="-602410" b="-21687"/>
+                          </a:stretch>
+                        </a:blipFill>
+                      </a:tcPr>
+                    </a:tc>
+                    <a:extLst>
+                      <a:ext uri="{0D108BD9-81ED-4DB2-BD59-A6C34878D82A}">
+                        <a16:rowId xmlns:a16="http://schemas.microsoft.com/office/drawing/2014/main" val="2106922570"/>
+                      </a:ext>
+                    </a:extLst>
+                  </a:tr>
+                </a:tbl>
+              </a:graphicData>
+            </a:graphic>
+          </p:graphicFrame>
+        </mc:Fallback>
+      </mc:AlternateContent>
+    </p:spTree>
+    <p:extLst>
+      <p:ext uri="{BB962C8B-B14F-4D97-AF65-F5344CB8AC3E}">
+        <p14:creationId xmlns:p14="http://schemas.microsoft.com/office/powerpoint/2010/main" val="1100695722"/>
+      </p:ext>
+    </p:extLst>
+  </p:cSld>
+  <p:clrMapOvr>
+    <a:masterClrMapping/>
+  </p:clrMapOvr>
 </p:sld>
 </file>
 

--- a/Slides_7.pptx
+++ b/Slides_7.pptx
@@ -5,7 +5,7 @@
     <p:sldMasterId id="2147483648" r:id="rId1"/>
   </p:sldMasterIdLst>
   <p:notesMasterIdLst>
-    <p:notesMasterId r:id="rId13"/>
+    <p:notesMasterId r:id="rId14"/>
   </p:notesMasterIdLst>
   <p:sldIdLst>
     <p:sldId id="257" r:id="rId2"/>
@@ -19,6 +19,7 @@
     <p:sldId id="287" r:id="rId10"/>
     <p:sldId id="282" r:id="rId11"/>
     <p:sldId id="283" r:id="rId12"/>
+    <p:sldId id="288" r:id="rId13"/>
   </p:sldIdLst>
   <p:sldSz cx="12192000" cy="6858000"/>
   <p:notesSz cx="6858000" cy="9144000"/>
@@ -969,6 +970,97 @@
     <p:extLst>
       <p:ext uri="{BB962C8B-B14F-4D97-AF65-F5344CB8AC3E}">
         <p14:creationId xmlns:p14="http://schemas.microsoft.com/office/powerpoint/2010/main" val="1404808280"/>
+      </p:ext>
+    </p:extLst>
+  </p:cSld>
+  <p:clrMapOvr>
+    <a:masterClrMapping/>
+  </p:clrMapOvr>
+</p:notes>
+</file>
+
+<file path=ppt/notesSlides/notesSlide7.xml><?xml version="1.0" encoding="utf-8"?>
+<p:notes xmlns:a="http://schemas.openxmlformats.org/drawingml/2006/main" xmlns:r="http://schemas.openxmlformats.org/officeDocument/2006/relationships" xmlns:p="http://schemas.openxmlformats.org/presentationml/2006/main">
+  <p:cSld>
+    <p:spTree>
+      <p:nvGrpSpPr>
+        <p:cNvPr id="1" name=""/>
+        <p:cNvGrpSpPr/>
+        <p:nvPr/>
+      </p:nvGrpSpPr>
+      <p:grpSpPr>
+        <a:xfrm>
+          <a:off x="0" y="0"/>
+          <a:ext cx="0" cy="0"/>
+          <a:chOff x="0" y="0"/>
+          <a:chExt cx="0" cy="0"/>
+        </a:xfrm>
+      </p:grpSpPr>
+      <p:sp>
+        <p:nvSpPr>
+          <p:cNvPr id="2" name="Slide Image Placeholder 1"/>
+          <p:cNvSpPr>
+            <a:spLocks noGrp="1" noRot="1" noChangeAspect="1"/>
+          </p:cNvSpPr>
+          <p:nvPr>
+            <p:ph type="sldImg"/>
+          </p:nvPr>
+        </p:nvSpPr>
+        <p:spPr/>
+      </p:sp>
+      <p:sp>
+        <p:nvSpPr>
+          <p:cNvPr id="3" name="Notes Placeholder 2"/>
+          <p:cNvSpPr>
+            <a:spLocks noGrp="1"/>
+          </p:cNvSpPr>
+          <p:nvPr>
+            <p:ph type="body" idx="1"/>
+          </p:nvPr>
+        </p:nvSpPr>
+        <p:spPr/>
+        <p:txBody>
+          <a:bodyPr/>
+          <a:lstStyle/>
+          <a:p>
+            <a:r>
+              <a:rPr lang="fr-FR" b="0" u="none" dirty="0">
+                <a:solidFill>
+                  <a:schemeClr val="tx1"/>
+                </a:solidFill>
+              </a:rPr>
+              <a:t>U-Net est un réseau de neurones à convolution développé pour la segmentation d'images biomédicales.</a:t>
+            </a:r>
+          </a:p>
+        </p:txBody>
+      </p:sp>
+      <p:sp>
+        <p:nvSpPr>
+          <p:cNvPr id="4" name="Slide Number Placeholder 3"/>
+          <p:cNvSpPr>
+            <a:spLocks noGrp="1"/>
+          </p:cNvSpPr>
+          <p:nvPr>
+            <p:ph type="sldNum" sz="quarter" idx="5"/>
+          </p:nvPr>
+        </p:nvSpPr>
+        <p:spPr/>
+        <p:txBody>
+          <a:bodyPr/>
+          <a:lstStyle/>
+          <a:p>
+            <a:fld id="{AEB5A21D-F6DA-425F-9DBE-C9D0FC3A7ACA}" type="slidenum">
+              <a:rPr lang="en-US" smtClean="0"/>
+              <a:t>12</a:t>
+            </a:fld>
+            <a:endParaRPr lang="en-US"/>
+          </a:p>
+        </p:txBody>
+      </p:sp>
+    </p:spTree>
+    <p:extLst>
+      <p:ext uri="{BB962C8B-B14F-4D97-AF65-F5344CB8AC3E}">
+        <p14:creationId xmlns:p14="http://schemas.microsoft.com/office/powerpoint/2010/main" val="372715807"/>
       </p:ext>
     </p:extLst>
   </p:cSld>
@@ -7760,6 +7852,242 @@
 </p:sld>
 </file>
 
+<file path=ppt/slides/slide12.xml><?xml version="1.0" encoding="utf-8"?>
+<p:sld xmlns:a="http://schemas.openxmlformats.org/drawingml/2006/main" xmlns:r="http://schemas.openxmlformats.org/officeDocument/2006/relationships" xmlns:p="http://schemas.openxmlformats.org/presentationml/2006/main">
+  <p:cSld>
+    <p:spTree>
+      <p:nvGrpSpPr>
+        <p:cNvPr id="1" name=""/>
+        <p:cNvGrpSpPr/>
+        <p:nvPr/>
+      </p:nvGrpSpPr>
+      <p:grpSpPr>
+        <a:xfrm>
+          <a:off x="0" y="0"/>
+          <a:ext cx="0" cy="0"/>
+          <a:chOff x="0" y="0"/>
+          <a:chExt cx="0" cy="0"/>
+        </a:xfrm>
+      </p:grpSpPr>
+      <p:sp>
+        <p:nvSpPr>
+          <p:cNvPr id="2" name="Title 1">
+            <a:extLst>
+              <a:ext uri="{FF2B5EF4-FFF2-40B4-BE49-F238E27FC236}">
+                <a16:creationId xmlns:a16="http://schemas.microsoft.com/office/drawing/2014/main" id="{66152D32-79C1-EFD3-D63F-2809245036AC}"/>
+              </a:ext>
+            </a:extLst>
+          </p:cNvPr>
+          <p:cNvSpPr>
+            <a:spLocks noGrp="1"/>
+          </p:cNvSpPr>
+          <p:nvPr>
+            <p:ph type="title"/>
+          </p:nvPr>
+        </p:nvSpPr>
+        <p:spPr/>
+        <p:txBody>
+          <a:bodyPr/>
+          <a:lstStyle/>
+          <a:p>
+            <a:r>
+              <a:rPr lang="en-US" dirty="0"/>
+              <a:t>U Net</a:t>
+            </a:r>
+          </a:p>
+        </p:txBody>
+      </p:sp>
+      <p:pic>
+        <p:nvPicPr>
+          <p:cNvPr id="15" name="Content Placeholder 14">
+            <a:extLst>
+              <a:ext uri="{FF2B5EF4-FFF2-40B4-BE49-F238E27FC236}">
+                <a16:creationId xmlns:a16="http://schemas.microsoft.com/office/drawing/2014/main" id="{1D87BF29-8588-BC3B-4C0A-66A55CC2D5E3}"/>
+              </a:ext>
+            </a:extLst>
+          </p:cNvPr>
+          <p:cNvPicPr>
+            <a:picLocks noGrp="1" noChangeAspect="1"/>
+          </p:cNvPicPr>
+          <p:nvPr>
+            <p:ph idx="1"/>
+          </p:nvPr>
+        </p:nvPicPr>
+        <p:blipFill>
+          <a:blip r:embed="rId3"/>
+          <a:stretch>
+            <a:fillRect/>
+          </a:stretch>
+        </p:blipFill>
+        <p:spPr>
+          <a:xfrm>
+            <a:off x="2923449" y="883919"/>
+            <a:ext cx="7177897" cy="5974081"/>
+          </a:xfrm>
+        </p:spPr>
+      </p:pic>
+      <p:pic>
+        <p:nvPicPr>
+          <p:cNvPr id="17" name="Picture 16">
+            <a:extLst>
+              <a:ext uri="{FF2B5EF4-FFF2-40B4-BE49-F238E27FC236}">
+                <a16:creationId xmlns:a16="http://schemas.microsoft.com/office/drawing/2014/main" id="{F00E6EAD-ECFC-FC29-FFBE-F05306843EF3}"/>
+              </a:ext>
+            </a:extLst>
+          </p:cNvPr>
+          <p:cNvPicPr>
+            <a:picLocks noChangeAspect="1"/>
+          </p:cNvPicPr>
+          <p:nvPr/>
+        </p:nvPicPr>
+        <p:blipFill>
+          <a:blip r:embed="rId4"/>
+          <a:stretch>
+            <a:fillRect/>
+          </a:stretch>
+        </p:blipFill>
+        <p:spPr>
+          <a:xfrm>
+            <a:off x="10101346" y="5201920"/>
+            <a:ext cx="2090654" cy="1656080"/>
+          </a:xfrm>
+          <a:prstGeom prst="rect">
+            <a:avLst/>
+          </a:prstGeom>
+        </p:spPr>
+      </p:pic>
+      <p:pic>
+        <p:nvPicPr>
+          <p:cNvPr id="28" name="Graphic 27">
+            <a:extLst>
+              <a:ext uri="{FF2B5EF4-FFF2-40B4-BE49-F238E27FC236}">
+                <a16:creationId xmlns:a16="http://schemas.microsoft.com/office/drawing/2014/main" id="{F085CA9B-4983-C59C-BCBE-8CE6CF317E5D}"/>
+              </a:ext>
+            </a:extLst>
+          </p:cNvPr>
+          <p:cNvPicPr>
+            <a:picLocks noChangeAspect="1"/>
+          </p:cNvPicPr>
+          <p:nvPr/>
+        </p:nvPicPr>
+        <p:blipFill>
+          <a:blip r:embed="rId5">
+            <a:extLst>
+              <a:ext uri="{96DAC541-7B7A-43D3-8B79-37D633B846F1}">
+                <asvg:svgBlip xmlns:asvg="http://schemas.microsoft.com/office/drawing/2016/SVG/main" r:embed="rId6"/>
+              </a:ext>
+            </a:extLst>
+          </a:blip>
+          <a:stretch>
+            <a:fillRect/>
+          </a:stretch>
+        </p:blipFill>
+        <p:spPr>
+          <a:xfrm>
+            <a:off x="2923449" y="955993"/>
+            <a:ext cx="7177898" cy="5902008"/>
+          </a:xfrm>
+          <a:prstGeom prst="rect">
+            <a:avLst/>
+          </a:prstGeom>
+        </p:spPr>
+      </p:pic>
+    </p:spTree>
+    <p:extLst>
+      <p:ext uri="{BB962C8B-B14F-4D97-AF65-F5344CB8AC3E}">
+        <p14:creationId xmlns:p14="http://schemas.microsoft.com/office/powerpoint/2010/main" val="325812252"/>
+      </p:ext>
+    </p:extLst>
+  </p:cSld>
+  <p:clrMapOvr>
+    <a:masterClrMapping/>
+  </p:clrMapOvr>
+  <p:timing>
+    <p:tnLst>
+      <p:par>
+        <p:cTn id="1" dur="indefinite" restart="never" nodeType="tmRoot">
+          <p:childTnLst>
+            <p:seq concurrent="1" nextAc="seek">
+              <p:cTn id="2" dur="indefinite" nodeType="mainSeq">
+                <p:childTnLst>
+                  <p:par>
+                    <p:cTn id="3" fill="hold">
+                      <p:stCondLst>
+                        <p:cond delay="indefinite"/>
+                      </p:stCondLst>
+                      <p:childTnLst>
+                        <p:par>
+                          <p:cTn id="4" fill="hold">
+                            <p:stCondLst>
+                              <p:cond delay="0"/>
+                            </p:stCondLst>
+                            <p:childTnLst>
+                              <p:par>
+                                <p:cTn id="5" presetID="10" presetClass="entr" presetSubtype="0" fill="hold" nodeType="clickEffect">
+                                  <p:stCondLst>
+                                    <p:cond delay="0"/>
+                                  </p:stCondLst>
+                                  <p:childTnLst>
+                                    <p:set>
+                                      <p:cBhvr>
+                                        <p:cTn id="6" dur="1" fill="hold">
+                                          <p:stCondLst>
+                                            <p:cond delay="0"/>
+                                          </p:stCondLst>
+                                        </p:cTn>
+                                        <p:tgtEl>
+                                          <p:spTgt spid="28"/>
+                                        </p:tgtEl>
+                                        <p:attrNameLst>
+                                          <p:attrName>style.visibility</p:attrName>
+                                        </p:attrNameLst>
+                                      </p:cBhvr>
+                                      <p:to>
+                                        <p:strVal val="visible"/>
+                                      </p:to>
+                                    </p:set>
+                                    <p:animEffect transition="in" filter="fade">
+                                      <p:cBhvr>
+                                        <p:cTn id="7" dur="500"/>
+                                        <p:tgtEl>
+                                          <p:spTgt spid="28"/>
+                                        </p:tgtEl>
+                                      </p:cBhvr>
+                                    </p:animEffect>
+                                  </p:childTnLst>
+                                </p:cTn>
+                              </p:par>
+                            </p:childTnLst>
+                          </p:cTn>
+                        </p:par>
+                      </p:childTnLst>
+                    </p:cTn>
+                  </p:par>
+                </p:childTnLst>
+              </p:cTn>
+              <p:prevCondLst>
+                <p:cond evt="onPrev" delay="0">
+                  <p:tgtEl>
+                    <p:sldTgt/>
+                  </p:tgtEl>
+                </p:cond>
+              </p:prevCondLst>
+              <p:nextCondLst>
+                <p:cond evt="onNext" delay="0">
+                  <p:tgtEl>
+                    <p:sldTgt/>
+                  </p:tgtEl>
+                </p:cond>
+              </p:nextCondLst>
+            </p:seq>
+          </p:childTnLst>
+        </p:cTn>
+      </p:par>
+    </p:tnLst>
+  </p:timing>
+</p:sld>
+</file>
+
 <file path=ppt/slides/slide2.xml><?xml version="1.0" encoding="utf-8"?>
 <p:sld xmlns:a="http://schemas.openxmlformats.org/drawingml/2006/main" xmlns:r="http://schemas.openxmlformats.org/officeDocument/2006/relationships" xmlns:p="http://schemas.openxmlformats.org/presentationml/2006/main">
   <p:cSld>

--- a/Slides_7.pptx
+++ b/Slides_7.pptx
@@ -5,7 +5,7 @@
     <p:sldMasterId id="2147483648" r:id="rId1"/>
   </p:sldMasterIdLst>
   <p:notesMasterIdLst>
-    <p:notesMasterId r:id="rId14"/>
+    <p:notesMasterId r:id="rId15"/>
   </p:notesMasterIdLst>
   <p:sldIdLst>
     <p:sldId id="257" r:id="rId2"/>
@@ -20,6 +20,7 @@
     <p:sldId id="282" r:id="rId11"/>
     <p:sldId id="283" r:id="rId12"/>
     <p:sldId id="288" r:id="rId13"/>
+    <p:sldId id="289" r:id="rId14"/>
   </p:sldIdLst>
   <p:sldSz cx="12192000" cy="6858000"/>
   <p:notesSz cx="6858000" cy="9144000"/>
@@ -8088,6 +8089,128 @@
 </p:sld>
 </file>
 
+<file path=ppt/slides/slide13.xml><?xml version="1.0" encoding="utf-8"?>
+<p:sld xmlns:a="http://schemas.openxmlformats.org/drawingml/2006/main" xmlns:r="http://schemas.openxmlformats.org/officeDocument/2006/relationships" xmlns:p="http://schemas.openxmlformats.org/presentationml/2006/main">
+  <p:cSld>
+    <p:spTree>
+      <p:nvGrpSpPr>
+        <p:cNvPr id="1" name=""/>
+        <p:cNvGrpSpPr/>
+        <p:nvPr/>
+      </p:nvGrpSpPr>
+      <p:grpSpPr>
+        <a:xfrm>
+          <a:off x="0" y="0"/>
+          <a:ext cx="0" cy="0"/>
+          <a:chOff x="0" y="0"/>
+          <a:chExt cx="0" cy="0"/>
+        </a:xfrm>
+      </p:grpSpPr>
+      <p:sp>
+        <p:nvSpPr>
+          <p:cNvPr id="2" name="Title 1">
+            <a:extLst>
+              <a:ext uri="{FF2B5EF4-FFF2-40B4-BE49-F238E27FC236}">
+                <a16:creationId xmlns:a16="http://schemas.microsoft.com/office/drawing/2014/main" id="{66152D32-79C1-EFD3-D63F-2809245036AC}"/>
+              </a:ext>
+            </a:extLst>
+          </p:cNvPr>
+          <p:cNvSpPr>
+            <a:spLocks noGrp="1"/>
+          </p:cNvSpPr>
+          <p:nvPr>
+            <p:ph type="title"/>
+          </p:nvPr>
+        </p:nvSpPr>
+        <p:spPr>
+          <a:xfrm>
+            <a:off x="838200" y="0"/>
+            <a:ext cx="10515600" cy="1325563"/>
+          </a:xfrm>
+        </p:spPr>
+        <p:txBody>
+          <a:bodyPr/>
+          <a:lstStyle/>
+          <a:p>
+            <a:r>
+              <a:rPr lang="en-US" dirty="0"/>
+              <a:t>Skip Connections</a:t>
+            </a:r>
+          </a:p>
+        </p:txBody>
+      </p:sp>
+      <p:pic>
+        <p:nvPicPr>
+          <p:cNvPr id="17" name="Picture 16">
+            <a:extLst>
+              <a:ext uri="{FF2B5EF4-FFF2-40B4-BE49-F238E27FC236}">
+                <a16:creationId xmlns:a16="http://schemas.microsoft.com/office/drawing/2014/main" id="{F00E6EAD-ECFC-FC29-FFBE-F05306843EF3}"/>
+              </a:ext>
+            </a:extLst>
+          </p:cNvPr>
+          <p:cNvPicPr>
+            <a:picLocks noChangeAspect="1"/>
+          </p:cNvPicPr>
+          <p:nvPr/>
+        </p:nvPicPr>
+        <p:blipFill>
+          <a:blip r:embed="rId2"/>
+          <a:stretch>
+            <a:fillRect/>
+          </a:stretch>
+        </p:blipFill>
+        <p:spPr>
+          <a:xfrm>
+            <a:off x="10101346" y="5201920"/>
+            <a:ext cx="2090654" cy="1656080"/>
+          </a:xfrm>
+          <a:prstGeom prst="rect">
+            <a:avLst/>
+          </a:prstGeom>
+        </p:spPr>
+      </p:pic>
+      <p:pic>
+        <p:nvPicPr>
+          <p:cNvPr id="10" name="Content Placeholder 9">
+            <a:extLst>
+              <a:ext uri="{FF2B5EF4-FFF2-40B4-BE49-F238E27FC236}">
+                <a16:creationId xmlns:a16="http://schemas.microsoft.com/office/drawing/2014/main" id="{A0219825-1583-DA37-F036-2C12E16033D1}"/>
+              </a:ext>
+            </a:extLst>
+          </p:cNvPr>
+          <p:cNvPicPr>
+            <a:picLocks noGrp="1" noChangeAspect="1"/>
+          </p:cNvPicPr>
+          <p:nvPr>
+            <p:ph idx="1"/>
+          </p:nvPr>
+        </p:nvPicPr>
+        <p:blipFill>
+          <a:blip r:embed="rId3"/>
+          <a:stretch>
+            <a:fillRect/>
+          </a:stretch>
+        </p:blipFill>
+        <p:spPr>
+          <a:xfrm>
+            <a:off x="3004017" y="950976"/>
+            <a:ext cx="7097329" cy="5907024"/>
+          </a:xfrm>
+        </p:spPr>
+      </p:pic>
+    </p:spTree>
+    <p:extLst>
+      <p:ext uri="{BB962C8B-B14F-4D97-AF65-F5344CB8AC3E}">
+        <p14:creationId xmlns:p14="http://schemas.microsoft.com/office/powerpoint/2010/main" val="2484136307"/>
+      </p:ext>
+    </p:extLst>
+  </p:cSld>
+  <p:clrMapOvr>
+    <a:masterClrMapping/>
+  </p:clrMapOvr>
+</p:sld>
+</file>
+
 <file path=ppt/slides/slide2.xml><?xml version="1.0" encoding="utf-8"?>
 <p:sld xmlns:a="http://schemas.openxmlformats.org/drawingml/2006/main" xmlns:r="http://schemas.openxmlformats.org/officeDocument/2006/relationships" xmlns:p="http://schemas.openxmlformats.org/presentationml/2006/main">
   <p:cSld>

--- a/Slides_7.pptx
+++ b/Slides_7.pptx
@@ -5,7 +5,7 @@
     <p:sldMasterId id="2147483648" r:id="rId1"/>
   </p:sldMasterIdLst>
   <p:notesMasterIdLst>
-    <p:notesMasterId r:id="rId15"/>
+    <p:notesMasterId r:id="rId17"/>
   </p:notesMasterIdLst>
   <p:sldIdLst>
     <p:sldId id="257" r:id="rId2"/>
@@ -20,7 +20,9 @@
     <p:sldId id="282" r:id="rId11"/>
     <p:sldId id="283" r:id="rId12"/>
     <p:sldId id="288" r:id="rId13"/>
-    <p:sldId id="289" r:id="rId14"/>
+    <p:sldId id="290" r:id="rId14"/>
+    <p:sldId id="289" r:id="rId15"/>
+    <p:sldId id="291" r:id="rId16"/>
   </p:sldIdLst>
   <p:sldSz cx="12192000" cy="6858000"/>
   <p:notesSz cx="6858000" cy="9144000"/>
@@ -1062,6 +1064,90 @@
     <p:extLst>
       <p:ext uri="{BB962C8B-B14F-4D97-AF65-F5344CB8AC3E}">
         <p14:creationId xmlns:p14="http://schemas.microsoft.com/office/powerpoint/2010/main" val="372715807"/>
+      </p:ext>
+    </p:extLst>
+  </p:cSld>
+  <p:clrMapOvr>
+    <a:masterClrMapping/>
+  </p:clrMapOvr>
+</p:notes>
+</file>
+
+<file path=ppt/notesSlides/notesSlide8.xml><?xml version="1.0" encoding="utf-8"?>
+<p:notes xmlns:a="http://schemas.openxmlformats.org/drawingml/2006/main" xmlns:r="http://schemas.openxmlformats.org/officeDocument/2006/relationships" xmlns:p="http://schemas.openxmlformats.org/presentationml/2006/main">
+  <p:cSld>
+    <p:spTree>
+      <p:nvGrpSpPr>
+        <p:cNvPr id="1" name=""/>
+        <p:cNvGrpSpPr/>
+        <p:nvPr/>
+      </p:nvGrpSpPr>
+      <p:grpSpPr>
+        <a:xfrm>
+          <a:off x="0" y="0"/>
+          <a:ext cx="0" cy="0"/>
+          <a:chOff x="0" y="0"/>
+          <a:chExt cx="0" cy="0"/>
+        </a:xfrm>
+      </p:grpSpPr>
+      <p:sp>
+        <p:nvSpPr>
+          <p:cNvPr id="2" name="Slide Image Placeholder 1"/>
+          <p:cNvSpPr>
+            <a:spLocks noGrp="1" noRot="1" noChangeAspect="1"/>
+          </p:cNvSpPr>
+          <p:nvPr>
+            <p:ph type="sldImg"/>
+          </p:nvPr>
+        </p:nvSpPr>
+        <p:spPr/>
+      </p:sp>
+      <p:sp>
+        <p:nvSpPr>
+          <p:cNvPr id="3" name="Notes Placeholder 2"/>
+          <p:cNvSpPr>
+            <a:spLocks noGrp="1"/>
+          </p:cNvSpPr>
+          <p:nvPr>
+            <p:ph type="body" idx="1"/>
+          </p:nvPr>
+        </p:nvSpPr>
+        <p:spPr/>
+        <p:txBody>
+          <a:bodyPr/>
+          <a:lstStyle/>
+          <a:p>
+            <a:endParaRPr lang="en-US" dirty="0"/>
+          </a:p>
+        </p:txBody>
+      </p:sp>
+      <p:sp>
+        <p:nvSpPr>
+          <p:cNvPr id="4" name="Slide Number Placeholder 3"/>
+          <p:cNvSpPr>
+            <a:spLocks noGrp="1"/>
+          </p:cNvSpPr>
+          <p:nvPr>
+            <p:ph type="sldNum" sz="quarter" idx="5"/>
+          </p:nvPr>
+        </p:nvSpPr>
+        <p:spPr/>
+        <p:txBody>
+          <a:bodyPr/>
+          <a:lstStyle/>
+          <a:p>
+            <a:fld id="{AEB5A21D-F6DA-425F-9DBE-C9D0FC3A7ACA}" type="slidenum">
+              <a:rPr lang="en-US" smtClean="0"/>
+              <a:t>15</a:t>
+            </a:fld>
+            <a:endParaRPr lang="en-US"/>
+          </a:p>
+        </p:txBody>
+      </p:sp>
+    </p:spTree>
+    <p:extLst>
+      <p:ext uri="{BB962C8B-B14F-4D97-AF65-F5344CB8AC3E}">
+        <p14:creationId xmlns:p14="http://schemas.microsoft.com/office/powerpoint/2010/main" val="1836894283"/>
       </p:ext>
     </p:extLst>
   </p:cSld>
@@ -8111,6 +8197,100 @@
           <p:cNvPr id="2" name="Title 1">
             <a:extLst>
               <a:ext uri="{FF2B5EF4-FFF2-40B4-BE49-F238E27FC236}">
+                <a16:creationId xmlns:a16="http://schemas.microsoft.com/office/drawing/2014/main" id="{C98D285F-A646-32E3-02C4-9FF4EFA3C892}"/>
+              </a:ext>
+            </a:extLst>
+          </p:cNvPr>
+          <p:cNvSpPr>
+            <a:spLocks noGrp="1"/>
+          </p:cNvSpPr>
+          <p:nvPr>
+            <p:ph type="title"/>
+          </p:nvPr>
+        </p:nvSpPr>
+        <p:spPr/>
+        <p:txBody>
+          <a:bodyPr/>
+          <a:lstStyle/>
+          <a:p>
+            <a:r>
+              <a:rPr lang="en-US" dirty="0"/>
+              <a:t>U Net architectures</a:t>
+            </a:r>
+          </a:p>
+        </p:txBody>
+      </p:sp>
+      <p:pic>
+        <p:nvPicPr>
+          <p:cNvPr id="4" name="Picture 3" descr="Diagram&#10;&#10;Description automatically generated">
+            <a:extLst>
+              <a:ext uri="{FF2B5EF4-FFF2-40B4-BE49-F238E27FC236}">
+                <a16:creationId xmlns:a16="http://schemas.microsoft.com/office/drawing/2014/main" id="{CBFDF6EA-C8C5-4917-B371-4AD4056F33F0}"/>
+              </a:ext>
+            </a:extLst>
+          </p:cNvPr>
+          <p:cNvPicPr>
+            <a:picLocks noChangeAspect="1"/>
+          </p:cNvPicPr>
+          <p:nvPr/>
+        </p:nvPicPr>
+        <p:blipFill>
+          <a:blip r:embed="rId2">
+            <a:extLst>
+              <a:ext uri="{28A0092B-C50C-407E-A947-70E740481C1C}">
+                <a14:useLocalDpi xmlns:a14="http://schemas.microsoft.com/office/drawing/2010/main" val="0"/>
+              </a:ext>
+            </a:extLst>
+          </a:blip>
+          <a:stretch>
+            <a:fillRect/>
+          </a:stretch>
+        </p:blipFill>
+        <p:spPr>
+          <a:xfrm>
+            <a:off x="0" y="2312166"/>
+            <a:ext cx="12192000" cy="4180709"/>
+          </a:xfrm>
+          <a:prstGeom prst="rect">
+            <a:avLst/>
+          </a:prstGeom>
+        </p:spPr>
+      </p:pic>
+    </p:spTree>
+    <p:extLst>
+      <p:ext uri="{BB962C8B-B14F-4D97-AF65-F5344CB8AC3E}">
+        <p14:creationId xmlns:p14="http://schemas.microsoft.com/office/powerpoint/2010/main" val="2447690574"/>
+      </p:ext>
+    </p:extLst>
+  </p:cSld>
+  <p:clrMapOvr>
+    <a:masterClrMapping/>
+  </p:clrMapOvr>
+</p:sld>
+</file>
+
+<file path=ppt/slides/slide14.xml><?xml version="1.0" encoding="utf-8"?>
+<p:sld xmlns:a="http://schemas.openxmlformats.org/drawingml/2006/main" xmlns:r="http://schemas.openxmlformats.org/officeDocument/2006/relationships" xmlns:p="http://schemas.openxmlformats.org/presentationml/2006/main">
+  <p:cSld>
+    <p:spTree>
+      <p:nvGrpSpPr>
+        <p:cNvPr id="1" name=""/>
+        <p:cNvGrpSpPr/>
+        <p:nvPr/>
+      </p:nvGrpSpPr>
+      <p:grpSpPr>
+        <a:xfrm>
+          <a:off x="0" y="0"/>
+          <a:ext cx="0" cy="0"/>
+          <a:chOff x="0" y="0"/>
+          <a:chExt cx="0" cy="0"/>
+        </a:xfrm>
+      </p:grpSpPr>
+      <p:sp>
+        <p:nvSpPr>
+          <p:cNvPr id="2" name="Title 1">
+            <a:extLst>
+              <a:ext uri="{FF2B5EF4-FFF2-40B4-BE49-F238E27FC236}">
                 <a16:creationId xmlns:a16="http://schemas.microsoft.com/office/drawing/2014/main" id="{66152D32-79C1-EFD3-D63F-2809245036AC}"/>
               </a:ext>
             </a:extLst>
@@ -8208,6 +8388,223 @@
   <p:clrMapOvr>
     <a:masterClrMapping/>
   </p:clrMapOvr>
+</p:sld>
+</file>
+
+<file path=ppt/slides/slide15.xml><?xml version="1.0" encoding="utf-8"?>
+<p:sld xmlns:a="http://schemas.openxmlformats.org/drawingml/2006/main" xmlns:r="http://schemas.openxmlformats.org/officeDocument/2006/relationships" xmlns:p="http://schemas.openxmlformats.org/presentationml/2006/main">
+  <p:cSld>
+    <p:spTree>
+      <p:nvGrpSpPr>
+        <p:cNvPr id="1" name=""/>
+        <p:cNvGrpSpPr/>
+        <p:nvPr/>
+      </p:nvGrpSpPr>
+      <p:grpSpPr>
+        <a:xfrm>
+          <a:off x="0" y="0"/>
+          <a:ext cx="0" cy="0"/>
+          <a:chOff x="0" y="0"/>
+          <a:chExt cx="0" cy="0"/>
+        </a:xfrm>
+      </p:grpSpPr>
+      <p:sp>
+        <p:nvSpPr>
+          <p:cNvPr id="2" name="Title 1">
+            <a:extLst>
+              <a:ext uri="{FF2B5EF4-FFF2-40B4-BE49-F238E27FC236}">
+                <a16:creationId xmlns:a16="http://schemas.microsoft.com/office/drawing/2014/main" id="{D8BF5C99-A476-321B-4315-26867CF70E90}"/>
+              </a:ext>
+            </a:extLst>
+          </p:cNvPr>
+          <p:cNvSpPr>
+            <a:spLocks noGrp="1"/>
+          </p:cNvSpPr>
+          <p:nvPr>
+            <p:ph type="title"/>
+          </p:nvPr>
+        </p:nvSpPr>
+        <p:spPr>
+          <a:xfrm>
+            <a:off x="838200" y="0"/>
+            <a:ext cx="10515600" cy="1325563"/>
+          </a:xfrm>
+        </p:spPr>
+        <p:txBody>
+          <a:bodyPr/>
+          <a:lstStyle/>
+          <a:p>
+            <a:r>
+              <a:rPr lang="en-US" dirty="0"/>
+              <a:t>V Net</a:t>
+            </a:r>
+          </a:p>
+        </p:txBody>
+      </p:sp>
+      <p:pic>
+        <p:nvPicPr>
+          <p:cNvPr id="5" name="Content Placeholder 4">
+            <a:extLst>
+              <a:ext uri="{FF2B5EF4-FFF2-40B4-BE49-F238E27FC236}">
+                <a16:creationId xmlns:a16="http://schemas.microsoft.com/office/drawing/2014/main" id="{09208B49-CF0A-19FC-6B5B-05C11349A2D8}"/>
+              </a:ext>
+            </a:extLst>
+          </p:cNvPr>
+          <p:cNvPicPr>
+            <a:picLocks noGrp="1" noChangeAspect="1"/>
+          </p:cNvPicPr>
+          <p:nvPr>
+            <p:ph idx="1"/>
+          </p:nvPr>
+        </p:nvPicPr>
+        <p:blipFill>
+          <a:blip r:embed="rId3">
+            <a:extLst>
+              <a:ext uri="{28A0092B-C50C-407E-A947-70E740481C1C}">
+                <a14:useLocalDpi xmlns:a14="http://schemas.microsoft.com/office/drawing/2010/main" val="0"/>
+              </a:ext>
+            </a:extLst>
+          </a:blip>
+          <a:stretch>
+            <a:fillRect/>
+          </a:stretch>
+        </p:blipFill>
+        <p:spPr>
+          <a:xfrm>
+            <a:off x="1992536" y="1325563"/>
+            <a:ext cx="8206928" cy="5532436"/>
+          </a:xfrm>
+        </p:spPr>
+      </p:pic>
+      <p:pic>
+        <p:nvPicPr>
+          <p:cNvPr id="9" name="Graphic 8">
+            <a:extLst>
+              <a:ext uri="{FF2B5EF4-FFF2-40B4-BE49-F238E27FC236}">
+                <a16:creationId xmlns:a16="http://schemas.microsoft.com/office/drawing/2014/main" id="{E50E42B4-F543-F5F6-3A99-6D3A6DB6E037}"/>
+              </a:ext>
+            </a:extLst>
+          </p:cNvPr>
+          <p:cNvPicPr>
+            <a:picLocks noChangeAspect="1"/>
+          </p:cNvPicPr>
+          <p:nvPr/>
+        </p:nvPicPr>
+        <p:blipFill>
+          <a:blip r:embed="rId4">
+            <a:extLst>
+              <a:ext uri="{96DAC541-7B7A-43D3-8B79-37D633B846F1}">
+                <asvg:svgBlip xmlns:asvg="http://schemas.microsoft.com/office/drawing/2016/SVG/main" r:embed="rId5"/>
+              </a:ext>
+            </a:extLst>
+          </a:blip>
+          <a:stretch>
+            <a:fillRect/>
+          </a:stretch>
+        </p:blipFill>
+        <p:spPr>
+          <a:xfrm>
+            <a:off x="1752600" y="1325563"/>
+            <a:ext cx="8098971" cy="5532436"/>
+          </a:xfrm>
+          <a:prstGeom prst="rect">
+            <a:avLst/>
+          </a:prstGeom>
+        </p:spPr>
+      </p:pic>
+    </p:spTree>
+    <p:extLst>
+      <p:ext uri="{BB962C8B-B14F-4D97-AF65-F5344CB8AC3E}">
+        <p14:creationId xmlns:p14="http://schemas.microsoft.com/office/powerpoint/2010/main" val="1078279491"/>
+      </p:ext>
+    </p:extLst>
+  </p:cSld>
+  <p:clrMapOvr>
+    <a:masterClrMapping/>
+  </p:clrMapOvr>
+  <p:timing>
+    <p:tnLst>
+      <p:par>
+        <p:cTn id="1" dur="indefinite" restart="never" nodeType="tmRoot">
+          <p:childTnLst>
+            <p:seq concurrent="1" nextAc="seek">
+              <p:cTn id="2" dur="indefinite" nodeType="mainSeq">
+                <p:childTnLst>
+                  <p:par>
+                    <p:cTn id="3" fill="hold">
+                      <p:stCondLst>
+                        <p:cond delay="indefinite"/>
+                      </p:stCondLst>
+                      <p:childTnLst>
+                        <p:par>
+                          <p:cTn id="4" fill="hold">
+                            <p:stCondLst>
+                              <p:cond delay="0"/>
+                            </p:stCondLst>
+                            <p:childTnLst>
+                              <p:par>
+                                <p:cTn id="5" presetID="10" presetClass="entr" presetSubtype="0" fill="hold" nodeType="clickEffect">
+                                  <p:stCondLst>
+                                    <p:cond delay="0"/>
+                                  </p:stCondLst>
+                                  <p:childTnLst>
+                                    <p:set>
+                                      <p:cBhvr>
+                                        <p:cTn id="6" dur="1" fill="hold">
+                                          <p:stCondLst>
+                                            <p:cond delay="0"/>
+                                          </p:stCondLst>
+                                        </p:cTn>
+                                        <p:tgtEl>
+                                          <p:spTgt spid="9"/>
+                                        </p:tgtEl>
+                                        <p:attrNameLst>
+                                          <p:attrName>style.visibility</p:attrName>
+                                        </p:attrNameLst>
+                                      </p:cBhvr>
+                                      <p:to>
+                                        <p:strVal val="visible"/>
+                                      </p:to>
+                                    </p:set>
+                                    <p:animEffect transition="in" filter="fade">
+                                      <p:cBhvr>
+                                        <p:cTn id="7" dur="500"/>
+                                        <p:tgtEl>
+                                          <p:spTgt spid="9"/>
+                                        </p:tgtEl>
+                                      </p:cBhvr>
+                                    </p:animEffect>
+                                  </p:childTnLst>
+                                </p:cTn>
+                              </p:par>
+                            </p:childTnLst>
+                          </p:cTn>
+                        </p:par>
+                      </p:childTnLst>
+                    </p:cTn>
+                  </p:par>
+                </p:childTnLst>
+              </p:cTn>
+              <p:prevCondLst>
+                <p:cond evt="onPrev" delay="0">
+                  <p:tgtEl>
+                    <p:sldTgt/>
+                  </p:tgtEl>
+                </p:cond>
+              </p:prevCondLst>
+              <p:nextCondLst>
+                <p:cond evt="onNext" delay="0">
+                  <p:tgtEl>
+                    <p:sldTgt/>
+                  </p:tgtEl>
+                </p:cond>
+              </p:nextCondLst>
+            </p:seq>
+          </p:childTnLst>
+        </p:cTn>
+      </p:par>
+    </p:tnLst>
+  </p:timing>
 </p:sld>
 </file>
 
